--- a/DDDocument/Don't Die ProtoType.pptx
+++ b/DDDocument/Don't Die ProtoType.pptx
@@ -11,6 +11,9 @@
     <p:sldId id="282" r:id="rId5"/>
     <p:sldId id="257" r:id="rId6"/>
     <p:sldId id="283" r:id="rId7"/>
+    <p:sldId id="284" r:id="rId8"/>
+    <p:sldId id="285" r:id="rId9"/>
+    <p:sldId id="286" r:id="rId10"/>
   </p:sldIdLst>
   <p:sldSz cx="9144000" cy="5143500" type="screen16x9"/>
   <p:notesSz cx="6858000" cy="9144000"/>
@@ -3613,6 +3616,308 @@
           </a:p>
         </p:txBody>
       </p:sp>
+      <p:sp>
+        <p:nvSpPr>
+          <p:cNvPr id="42" name="TextBox 41"/>
+          <p:cNvSpPr txBox="1"/>
+          <p:nvPr/>
+        </p:nvSpPr>
+        <p:spPr>
+          <a:xfrm>
+            <a:off x="179512" y="1563638"/>
+            <a:ext cx="4824536" cy="784830"/>
+          </a:xfrm>
+          <a:prstGeom prst="rect">
+            <a:avLst/>
+          </a:prstGeom>
+          <a:solidFill>
+            <a:schemeClr val="accent5">
+              <a:lumMod val="20000"/>
+              <a:lumOff val="80000"/>
+            </a:schemeClr>
+          </a:solidFill>
+        </p:spPr>
+        <p:txBody>
+          <a:bodyPr wrap="square" rtlCol="0">
+            <a:spAutoFit/>
+          </a:bodyPr>
+          <a:lstStyle/>
+          <a:p>
+            <a:pPr marL="171450" indent="-171450">
+              <a:buFont typeface="Wingdings" pitchFamily="2" charset="2"/>
+              <a:buChar char="§"/>
+            </a:pPr>
+            <a:r>
+              <a:rPr lang="ko-KR" altLang="en-US" sz="900" dirty="0" smtClean="0"/>
+              <a:t>스테이지구성은 </a:t>
+            </a:r>
+            <a:r>
+              <a:rPr lang="en-US" altLang="ko-KR" sz="900" dirty="0" smtClean="0"/>
+              <a:t>‘</a:t>
+            </a:r>
+            <a:r>
+              <a:rPr lang="ko-KR" altLang="en-US" sz="900" dirty="0" smtClean="0"/>
+              <a:t>보스</a:t>
+            </a:r>
+            <a:r>
+              <a:rPr lang="en-US" altLang="ko-KR" sz="900" dirty="0" smtClean="0"/>
+              <a:t>’ vs ‘AI</a:t>
+            </a:r>
+            <a:r>
+              <a:rPr lang="ko-KR" altLang="en-US" sz="900" dirty="0" err="1" smtClean="0"/>
+              <a:t>파티원</a:t>
+            </a:r>
+            <a:r>
+              <a:rPr lang="ko-KR" altLang="en-US" sz="900" dirty="0" smtClean="0"/>
+              <a:t> </a:t>
+            </a:r>
+            <a:r>
+              <a:rPr lang="en-US" altLang="ko-KR" sz="900" dirty="0" smtClean="0"/>
+              <a:t>4</a:t>
+            </a:r>
+            <a:r>
+              <a:rPr lang="ko-KR" altLang="en-US" sz="900" dirty="0" smtClean="0"/>
+              <a:t>인</a:t>
+            </a:r>
+            <a:r>
+              <a:rPr lang="en-US" altLang="ko-KR" sz="900" dirty="0" smtClean="0"/>
+              <a:t>’ + </a:t>
+            </a:r>
+            <a:r>
+              <a:rPr lang="ko-KR" altLang="en-US" sz="900" dirty="0" err="1" smtClean="0"/>
+              <a:t>내가컨트롤하는</a:t>
+            </a:r>
+            <a:r>
+              <a:rPr lang="ko-KR" altLang="en-US" sz="900" dirty="0" smtClean="0"/>
+              <a:t> </a:t>
+            </a:r>
+            <a:r>
+              <a:rPr lang="en-US" altLang="ko-KR" sz="900" dirty="0" smtClean="0"/>
+              <a:t>‘</a:t>
+            </a:r>
+            <a:r>
+              <a:rPr lang="ko-KR" altLang="en-US" sz="900" dirty="0" err="1" smtClean="0"/>
+              <a:t>힐러</a:t>
+            </a:r>
+            <a:r>
+              <a:rPr lang="en-US" altLang="ko-KR" sz="900" dirty="0" smtClean="0"/>
+              <a:t>’</a:t>
+            </a:r>
+            <a:r>
+              <a:rPr lang="ko-KR" altLang="en-US" sz="900" dirty="0" smtClean="0"/>
+              <a:t>로 기본구성</a:t>
+            </a:r>
+            <a:endParaRPr lang="en-US" altLang="ko-KR" sz="900" dirty="0" smtClean="0"/>
+          </a:p>
+          <a:p>
+            <a:pPr marL="171450" indent="-171450">
+              <a:buFont typeface="Wingdings" pitchFamily="2" charset="2"/>
+              <a:buChar char="§"/>
+            </a:pPr>
+            <a:r>
+              <a:rPr lang="ko-KR" altLang="en-US" sz="900" dirty="0" smtClean="0"/>
+              <a:t>핵심은 </a:t>
+            </a:r>
+            <a:r>
+              <a:rPr lang="en-US" altLang="ko-KR" sz="900" dirty="0" smtClean="0"/>
+              <a:t>‘</a:t>
+            </a:r>
+            <a:r>
+              <a:rPr lang="ko-KR" altLang="en-US" sz="900" dirty="0" smtClean="0"/>
+              <a:t>보스 패턴 학습</a:t>
+            </a:r>
+            <a:r>
+              <a:rPr lang="en-US" altLang="ko-KR" sz="900" dirty="0" smtClean="0"/>
+              <a:t>’,</a:t>
+            </a:r>
+            <a:r>
+              <a:rPr lang="ko-KR" altLang="en-US" sz="900" dirty="0" smtClean="0"/>
+              <a:t> </a:t>
+            </a:r>
+            <a:r>
+              <a:rPr lang="en-US" altLang="ko-KR" sz="900" dirty="0" smtClean="0"/>
+              <a:t>‘</a:t>
+            </a:r>
+            <a:r>
+              <a:rPr lang="ko-KR" altLang="en-US" sz="900" dirty="0" smtClean="0"/>
+              <a:t>판단</a:t>
+            </a:r>
+            <a:r>
+              <a:rPr lang="en-US" altLang="ko-KR" sz="900" dirty="0" smtClean="0"/>
+              <a:t>’,</a:t>
+            </a:r>
+            <a:r>
+              <a:rPr lang="ko-KR" altLang="en-US" sz="900" dirty="0" smtClean="0"/>
+              <a:t> </a:t>
+            </a:r>
+            <a:r>
+              <a:rPr lang="en-US" altLang="ko-KR" sz="900" dirty="0" smtClean="0"/>
+              <a:t>‘</a:t>
+            </a:r>
+            <a:r>
+              <a:rPr lang="ko-KR" altLang="en-US" sz="900" dirty="0" smtClean="0"/>
+              <a:t>컨트롤</a:t>
+            </a:r>
+            <a:r>
+              <a:rPr lang="en-US" altLang="ko-KR" sz="900" dirty="0" smtClean="0"/>
+              <a:t>’</a:t>
+            </a:r>
+          </a:p>
+          <a:p>
+            <a:pPr marL="171450" indent="-171450">
+              <a:buFont typeface="Wingdings" pitchFamily="2" charset="2"/>
+              <a:buChar char="§"/>
+            </a:pPr>
+            <a:r>
+              <a:rPr lang="ko-KR" altLang="en-US" sz="900" dirty="0" smtClean="0"/>
+              <a:t>스테이지 단계가 올라갈수록</a:t>
+            </a:r>
+            <a:r>
+              <a:rPr lang="en-US" altLang="ko-KR" sz="900" dirty="0" smtClean="0"/>
+              <a:t>, </a:t>
+            </a:r>
+            <a:r>
+              <a:rPr lang="ko-KR" altLang="en-US" sz="900" dirty="0" smtClean="0"/>
+              <a:t>컨트롤 난이도 상승하여 </a:t>
+            </a:r>
+            <a:r>
+              <a:rPr lang="en-US" altLang="ko-KR" sz="900" dirty="0" smtClean="0"/>
+              <a:t>‘</a:t>
+            </a:r>
+            <a:r>
+              <a:rPr lang="ko-KR" altLang="en-US" sz="900" dirty="0" err="1" smtClean="0"/>
+              <a:t>엔딩</a:t>
+            </a:r>
+            <a:r>
+              <a:rPr lang="en-US" altLang="ko-KR" sz="900" dirty="0" smtClean="0"/>
+              <a:t>’</a:t>
+            </a:r>
+            <a:r>
+              <a:rPr lang="ko-KR" altLang="en-US" sz="900" dirty="0" smtClean="0"/>
+              <a:t>을 보는 것이 목표</a:t>
+            </a:r>
+            <a:endParaRPr lang="en-US" altLang="ko-KR" sz="900" dirty="0" smtClean="0"/>
+          </a:p>
+          <a:p>
+            <a:pPr marL="171450" indent="-171450">
+              <a:buFont typeface="Wingdings" pitchFamily="2" charset="2"/>
+              <a:buChar char="§"/>
+            </a:pPr>
+            <a:r>
+              <a:rPr lang="ko-KR" altLang="en-US" sz="900" dirty="0" smtClean="0"/>
+              <a:t>단계가 오를수록 사용할 수 있는 스킬 추가로 패턴의 복잡성에 대한 해결 제시</a:t>
+            </a:r>
+            <a:endParaRPr lang="en-US" altLang="ko-KR" sz="900" dirty="0" smtClean="0"/>
+          </a:p>
+          <a:p>
+            <a:pPr marL="171450" indent="-171450">
+              <a:buFont typeface="Wingdings" pitchFamily="2" charset="2"/>
+              <a:buChar char="§"/>
+            </a:pPr>
+            <a:endParaRPr lang="en-US" altLang="ko-KR" sz="900" dirty="0" smtClean="0"/>
+          </a:p>
+        </p:txBody>
+      </p:sp>
+      <p:pic>
+        <p:nvPicPr>
+          <p:cNvPr id="3" name="그림 2"/>
+          <p:cNvPicPr>
+            <a:picLocks noChangeAspect="1"/>
+          </p:cNvPicPr>
+          <p:nvPr/>
+        </p:nvPicPr>
+        <p:blipFill>
+          <a:blip r:embed="rId2" cstate="print">
+            <a:extLst>
+              <a:ext uri="{28A0092B-C50C-407E-A947-70E740481C1C}">
+                <a14:useLocalDpi xmlns:a14="http://schemas.microsoft.com/office/drawing/2010/main" val="0"/>
+              </a:ext>
+            </a:extLst>
+          </a:blip>
+          <a:stretch>
+            <a:fillRect/>
+          </a:stretch>
+        </p:blipFill>
+        <p:spPr>
+          <a:xfrm>
+            <a:off x="467544" y="2571750"/>
+            <a:ext cx="2380204" cy="1487628"/>
+          </a:xfrm>
+          <a:prstGeom prst="rect">
+            <a:avLst/>
+          </a:prstGeom>
+        </p:spPr>
+      </p:pic>
+      <p:pic>
+        <p:nvPicPr>
+          <p:cNvPr id="7" name="그림 6"/>
+          <p:cNvPicPr>
+            <a:picLocks noChangeAspect="1"/>
+          </p:cNvPicPr>
+          <p:nvPr/>
+        </p:nvPicPr>
+        <p:blipFill>
+          <a:blip r:embed="rId3" cstate="print">
+            <a:extLst>
+              <a:ext uri="{28A0092B-C50C-407E-A947-70E740481C1C}">
+                <a14:useLocalDpi xmlns:a14="http://schemas.microsoft.com/office/drawing/2010/main" val="0"/>
+              </a:ext>
+            </a:extLst>
+          </a:blip>
+          <a:stretch>
+            <a:fillRect/>
+          </a:stretch>
+        </p:blipFill>
+        <p:spPr>
+          <a:xfrm>
+            <a:off x="3563888" y="2571811"/>
+            <a:ext cx="2644671" cy="1487628"/>
+          </a:xfrm>
+          <a:prstGeom prst="rect">
+            <a:avLst/>
+          </a:prstGeom>
+        </p:spPr>
+      </p:pic>
+      <p:sp>
+        <p:nvSpPr>
+          <p:cNvPr id="8" name="덧셈 기호 7"/>
+          <p:cNvSpPr/>
+          <p:nvPr/>
+        </p:nvSpPr>
+        <p:spPr>
+          <a:xfrm>
+            <a:off x="3059832" y="3147814"/>
+            <a:ext cx="288032" cy="288032"/>
+          </a:xfrm>
+          <a:prstGeom prst="mathPlus">
+            <a:avLst/>
+          </a:prstGeom>
+        </p:spPr>
+        <p:style>
+          <a:lnRef idx="2">
+            <a:schemeClr val="accent1">
+              <a:shade val="50000"/>
+            </a:schemeClr>
+          </a:lnRef>
+          <a:fillRef idx="1">
+            <a:schemeClr val="accent1"/>
+          </a:fillRef>
+          <a:effectRef idx="0">
+            <a:schemeClr val="accent1"/>
+          </a:effectRef>
+          <a:fontRef idx="minor">
+            <a:schemeClr val="lt1"/>
+          </a:fontRef>
+        </p:style>
+        <p:txBody>
+          <a:bodyPr rtlCol="0" anchor="ctr"/>
+          <a:lstStyle/>
+          <a:p>
+            <a:pPr algn="ctr"/>
+            <a:endParaRPr lang="ko-KR" altLang="en-US"/>
+          </a:p>
+        </p:txBody>
+      </p:sp>
     </p:spTree>
     <p:extLst>
       <p:ext uri="{BB962C8B-B14F-4D97-AF65-F5344CB8AC3E}">
@@ -3902,7 +4207,7 @@
         <p:spPr>
           <a:xfrm>
             <a:off x="179512" y="1707654"/>
-            <a:ext cx="8640960" cy="1338828"/>
+            <a:ext cx="8640960" cy="1477328"/>
           </a:xfrm>
           <a:prstGeom prst="rect">
             <a:avLst/>
@@ -4022,6 +4327,21 @@
             <a:r>
               <a:rPr lang="ko-KR" altLang="en-US" sz="900" dirty="0" smtClean="0"/>
               <a:t>전투 공식 및 레벨 디자인 기반 확립</a:t>
+            </a:r>
+            <a:endParaRPr lang="en-US" altLang="ko-KR" sz="900" dirty="0" smtClean="0"/>
+          </a:p>
+          <a:p>
+            <a:pPr marL="171450" indent="-171450">
+              <a:buFont typeface="Wingdings" pitchFamily="2" charset="2"/>
+              <a:buChar char="§"/>
+            </a:pPr>
+            <a:r>
+              <a:rPr lang="ko-KR" altLang="en-US" sz="900" dirty="0" err="1" smtClean="0"/>
+              <a:t>컨셉</a:t>
+            </a:r>
+            <a:r>
+              <a:rPr lang="ko-KR" altLang="en-US" sz="900" dirty="0" smtClean="0"/>
+              <a:t> 결정</a:t>
             </a:r>
             <a:endParaRPr lang="en-US" altLang="ko-KR" sz="900" dirty="0" smtClean="0"/>
           </a:p>
@@ -5484,7 +5804,7 @@
         <p:spPr>
           <a:xfrm>
             <a:off x="2177734" y="3687874"/>
-            <a:ext cx="1674186" cy="216024"/>
+            <a:ext cx="1404156" cy="216024"/>
           </a:xfrm>
           <a:prstGeom prst="roundRect">
             <a:avLst/>
@@ -5890,6 +6210,712 @@
           <a:p>
             <a:pPr algn="ctr"/>
             <a:endParaRPr lang="ko-KR" altLang="en-US"/>
+          </a:p>
+        </p:txBody>
+      </p:sp>
+      <p:sp>
+        <p:nvSpPr>
+          <p:cNvPr id="55" name="직사각형 54"/>
+          <p:cNvSpPr/>
+          <p:nvPr/>
+        </p:nvSpPr>
+        <p:spPr>
+          <a:xfrm>
+            <a:off x="4457413" y="2096878"/>
+            <a:ext cx="648072" cy="168998"/>
+          </a:xfrm>
+          <a:prstGeom prst="rect">
+            <a:avLst/>
+          </a:prstGeom>
+          <a:solidFill>
+            <a:schemeClr val="bg1">
+              <a:lumMod val="65000"/>
+            </a:schemeClr>
+          </a:solidFill>
+          <a:ln>
+            <a:solidFill>
+              <a:schemeClr val="bg1">
+                <a:lumMod val="65000"/>
+              </a:schemeClr>
+            </a:solidFill>
+          </a:ln>
+        </p:spPr>
+        <p:style>
+          <a:lnRef idx="2">
+            <a:schemeClr val="accent1">
+              <a:shade val="50000"/>
+            </a:schemeClr>
+          </a:lnRef>
+          <a:fillRef idx="1">
+            <a:schemeClr val="accent1"/>
+          </a:fillRef>
+          <a:effectRef idx="0">
+            <a:schemeClr val="accent1"/>
+          </a:effectRef>
+          <a:fontRef idx="minor">
+            <a:schemeClr val="lt1"/>
+          </a:fontRef>
+        </p:style>
+        <p:txBody>
+          <a:bodyPr rtlCol="0" anchor="ctr"/>
+          <a:lstStyle/>
+          <a:p>
+            <a:pPr algn="ctr"/>
+            <a:endParaRPr lang="ko-KR" altLang="en-US"/>
+          </a:p>
+        </p:txBody>
+      </p:sp>
+      <p:sp>
+        <p:nvSpPr>
+          <p:cNvPr id="56" name="직사각형 55"/>
+          <p:cNvSpPr/>
+          <p:nvPr/>
+        </p:nvSpPr>
+        <p:spPr>
+          <a:xfrm>
+            <a:off x="4825999" y="2261217"/>
+            <a:ext cx="279486" cy="474111"/>
+          </a:xfrm>
+          <a:prstGeom prst="rect">
+            <a:avLst/>
+          </a:prstGeom>
+          <a:solidFill>
+            <a:schemeClr val="bg1">
+              <a:lumMod val="65000"/>
+            </a:schemeClr>
+          </a:solidFill>
+          <a:ln>
+            <a:solidFill>
+              <a:schemeClr val="bg1">
+                <a:lumMod val="65000"/>
+              </a:schemeClr>
+            </a:solidFill>
+          </a:ln>
+        </p:spPr>
+        <p:style>
+          <a:lnRef idx="2">
+            <a:schemeClr val="accent1">
+              <a:shade val="50000"/>
+            </a:schemeClr>
+          </a:lnRef>
+          <a:fillRef idx="1">
+            <a:schemeClr val="accent1"/>
+          </a:fillRef>
+          <a:effectRef idx="0">
+            <a:schemeClr val="accent1"/>
+          </a:effectRef>
+          <a:fontRef idx="minor">
+            <a:schemeClr val="lt1"/>
+          </a:fontRef>
+        </p:style>
+        <p:txBody>
+          <a:bodyPr rtlCol="0" anchor="ctr"/>
+          <a:lstStyle/>
+          <a:p>
+            <a:pPr algn="ctr"/>
+            <a:endParaRPr lang="ko-KR" altLang="en-US"/>
+          </a:p>
+        </p:txBody>
+      </p:sp>
+      <p:sp>
+        <p:nvSpPr>
+          <p:cNvPr id="57" name="직사각형 56"/>
+          <p:cNvSpPr/>
+          <p:nvPr/>
+        </p:nvSpPr>
+        <p:spPr>
+          <a:xfrm>
+            <a:off x="7488324" y="3410864"/>
+            <a:ext cx="182689" cy="168998"/>
+          </a:xfrm>
+          <a:prstGeom prst="rect">
+            <a:avLst/>
+          </a:prstGeom>
+          <a:solidFill>
+            <a:schemeClr val="bg1">
+              <a:lumMod val="65000"/>
+            </a:schemeClr>
+          </a:solidFill>
+          <a:ln>
+            <a:solidFill>
+              <a:schemeClr val="bg1">
+                <a:lumMod val="65000"/>
+              </a:schemeClr>
+            </a:solidFill>
+          </a:ln>
+        </p:spPr>
+        <p:style>
+          <a:lnRef idx="2">
+            <a:schemeClr val="accent1">
+              <a:shade val="50000"/>
+            </a:schemeClr>
+          </a:lnRef>
+          <a:fillRef idx="1">
+            <a:schemeClr val="accent1"/>
+          </a:fillRef>
+          <a:effectRef idx="0">
+            <a:schemeClr val="accent1"/>
+          </a:effectRef>
+          <a:fontRef idx="minor">
+            <a:schemeClr val="lt1"/>
+          </a:fontRef>
+        </p:style>
+        <p:txBody>
+          <a:bodyPr rtlCol="0" anchor="ctr"/>
+          <a:lstStyle/>
+          <a:p>
+            <a:pPr algn="ctr"/>
+            <a:endParaRPr lang="ko-KR" altLang="en-US"/>
+          </a:p>
+        </p:txBody>
+      </p:sp>
+      <p:cxnSp>
+        <p:nvCxnSpPr>
+          <p:cNvPr id="59" name="직선 연결선 58"/>
+          <p:cNvCxnSpPr>
+            <a:stCxn id="57" idx="3"/>
+          </p:cNvCxnSpPr>
+          <p:nvPr/>
+        </p:nvCxnSpPr>
+        <p:spPr>
+          <a:xfrm>
+            <a:off x="7671013" y="3495363"/>
+            <a:ext cx="285359" cy="0"/>
+          </a:xfrm>
+          <a:prstGeom prst="line">
+            <a:avLst/>
+          </a:prstGeom>
+          <a:ln>
+            <a:headEnd type="none" w="med" len="med"/>
+            <a:tailEnd type="triangle" w="med" len="med"/>
+          </a:ln>
+        </p:spPr>
+        <p:style>
+          <a:lnRef idx="1">
+            <a:schemeClr val="dk1"/>
+          </a:lnRef>
+          <a:fillRef idx="0">
+            <a:schemeClr val="dk1"/>
+          </a:fillRef>
+          <a:effectRef idx="0">
+            <a:schemeClr val="dk1"/>
+          </a:effectRef>
+          <a:fontRef idx="minor">
+            <a:schemeClr val="tx1"/>
+          </a:fontRef>
+        </p:style>
+      </p:cxnSp>
+      <p:sp>
+        <p:nvSpPr>
+          <p:cNvPr id="60" name="TextBox 59"/>
+          <p:cNvSpPr txBox="1"/>
+          <p:nvPr/>
+        </p:nvSpPr>
+        <p:spPr>
+          <a:xfrm>
+            <a:off x="7956371" y="3388991"/>
+            <a:ext cx="1008113" cy="215444"/>
+          </a:xfrm>
+          <a:prstGeom prst="rect">
+            <a:avLst/>
+          </a:prstGeom>
+          <a:noFill/>
+        </p:spPr>
+        <p:txBody>
+          <a:bodyPr wrap="square" rtlCol="0">
+            <a:spAutoFit/>
+          </a:bodyPr>
+          <a:lstStyle/>
+          <a:p>
+            <a:r>
+              <a:rPr lang="ko-KR" altLang="en-US" sz="800" dirty="0" err="1" smtClean="0"/>
+              <a:t>맵</a:t>
+            </a:r>
+            <a:r>
+              <a:rPr lang="ko-KR" altLang="en-US" sz="800" dirty="0" smtClean="0"/>
+              <a:t> 오브젝트</a:t>
+            </a:r>
+            <a:endParaRPr lang="ko-KR" altLang="en-US" sz="800" dirty="0"/>
+          </a:p>
+        </p:txBody>
+      </p:sp>
+      <p:sp>
+        <p:nvSpPr>
+          <p:cNvPr id="63" name="직사각형 62"/>
+          <p:cNvSpPr/>
+          <p:nvPr/>
+        </p:nvSpPr>
+        <p:spPr>
+          <a:xfrm>
+            <a:off x="2177734" y="1584023"/>
+            <a:ext cx="441684" cy="174450"/>
+          </a:xfrm>
+          <a:prstGeom prst="rect">
+            <a:avLst/>
+          </a:prstGeom>
+        </p:spPr>
+        <p:style>
+          <a:lnRef idx="2">
+            <a:schemeClr val="accent1">
+              <a:shade val="50000"/>
+            </a:schemeClr>
+          </a:lnRef>
+          <a:fillRef idx="1">
+            <a:schemeClr val="accent1"/>
+          </a:fillRef>
+          <a:effectRef idx="0">
+            <a:schemeClr val="accent1"/>
+          </a:effectRef>
+          <a:fontRef idx="minor">
+            <a:schemeClr val="lt1"/>
+          </a:fontRef>
+        </p:style>
+        <p:txBody>
+          <a:bodyPr rtlCol="0" anchor="ctr"/>
+          <a:lstStyle/>
+          <a:p>
+            <a:pPr algn="ctr"/>
+            <a:endParaRPr lang="ko-KR" altLang="en-US"/>
+          </a:p>
+        </p:txBody>
+      </p:sp>
+      <p:sp>
+        <p:nvSpPr>
+          <p:cNvPr id="64" name="직사각형 63"/>
+          <p:cNvSpPr/>
+          <p:nvPr/>
+        </p:nvSpPr>
+        <p:spPr>
+          <a:xfrm>
+            <a:off x="3024469" y="2272866"/>
+            <a:ext cx="263438" cy="45719"/>
+          </a:xfrm>
+          <a:prstGeom prst="rect">
+            <a:avLst/>
+          </a:prstGeom>
+        </p:spPr>
+        <p:style>
+          <a:lnRef idx="2">
+            <a:schemeClr val="accent3">
+              <a:shade val="50000"/>
+            </a:schemeClr>
+          </a:lnRef>
+          <a:fillRef idx="1">
+            <a:schemeClr val="accent3"/>
+          </a:fillRef>
+          <a:effectRef idx="0">
+            <a:schemeClr val="accent3"/>
+          </a:effectRef>
+          <a:fontRef idx="minor">
+            <a:schemeClr val="lt1"/>
+          </a:fontRef>
+        </p:style>
+        <p:txBody>
+          <a:bodyPr rtlCol="0" anchor="ctr"/>
+          <a:lstStyle/>
+          <a:p>
+            <a:pPr algn="ctr"/>
+            <a:endParaRPr lang="ko-KR" altLang="en-US"/>
+          </a:p>
+        </p:txBody>
+      </p:sp>
+      <p:sp>
+        <p:nvSpPr>
+          <p:cNvPr id="65" name="직사각형 64"/>
+          <p:cNvSpPr/>
+          <p:nvPr/>
+        </p:nvSpPr>
+        <p:spPr>
+          <a:xfrm>
+            <a:off x="3581890" y="2590139"/>
+            <a:ext cx="263438" cy="45719"/>
+          </a:xfrm>
+          <a:prstGeom prst="rect">
+            <a:avLst/>
+          </a:prstGeom>
+        </p:spPr>
+        <p:style>
+          <a:lnRef idx="2">
+            <a:schemeClr val="accent3">
+              <a:shade val="50000"/>
+            </a:schemeClr>
+          </a:lnRef>
+          <a:fillRef idx="1">
+            <a:schemeClr val="accent3"/>
+          </a:fillRef>
+          <a:effectRef idx="0">
+            <a:schemeClr val="accent3"/>
+          </a:effectRef>
+          <a:fontRef idx="minor">
+            <a:schemeClr val="lt1"/>
+          </a:fontRef>
+        </p:style>
+        <p:txBody>
+          <a:bodyPr rtlCol="0" anchor="ctr"/>
+          <a:lstStyle/>
+          <a:p>
+            <a:pPr algn="ctr"/>
+            <a:endParaRPr lang="ko-KR" altLang="en-US"/>
+          </a:p>
+        </p:txBody>
+      </p:sp>
+      <p:sp>
+        <p:nvSpPr>
+          <p:cNvPr id="66" name="직사각형 65"/>
+          <p:cNvSpPr/>
+          <p:nvPr/>
+        </p:nvSpPr>
+        <p:spPr>
+          <a:xfrm>
+            <a:off x="4242259" y="2361299"/>
+            <a:ext cx="263438" cy="45719"/>
+          </a:xfrm>
+          <a:prstGeom prst="rect">
+            <a:avLst/>
+          </a:prstGeom>
+        </p:spPr>
+        <p:style>
+          <a:lnRef idx="2">
+            <a:schemeClr val="accent3">
+              <a:shade val="50000"/>
+            </a:schemeClr>
+          </a:lnRef>
+          <a:fillRef idx="1">
+            <a:schemeClr val="accent3"/>
+          </a:fillRef>
+          <a:effectRef idx="0">
+            <a:schemeClr val="accent3"/>
+          </a:effectRef>
+          <a:fontRef idx="minor">
+            <a:schemeClr val="lt1"/>
+          </a:fontRef>
+        </p:style>
+        <p:txBody>
+          <a:bodyPr rtlCol="0" anchor="ctr"/>
+          <a:lstStyle/>
+          <a:p>
+            <a:pPr algn="ctr"/>
+            <a:endParaRPr lang="ko-KR" altLang="en-US"/>
+          </a:p>
+        </p:txBody>
+      </p:sp>
+      <p:sp>
+        <p:nvSpPr>
+          <p:cNvPr id="67" name="직사각형 66"/>
+          <p:cNvSpPr/>
+          <p:nvPr/>
+        </p:nvSpPr>
+        <p:spPr>
+          <a:xfrm>
+            <a:off x="3674953" y="1931827"/>
+            <a:ext cx="263438" cy="45719"/>
+          </a:xfrm>
+          <a:prstGeom prst="rect">
+            <a:avLst/>
+          </a:prstGeom>
+        </p:spPr>
+        <p:style>
+          <a:lnRef idx="2">
+            <a:schemeClr val="accent3">
+              <a:shade val="50000"/>
+            </a:schemeClr>
+          </a:lnRef>
+          <a:fillRef idx="1">
+            <a:schemeClr val="accent3"/>
+          </a:fillRef>
+          <a:effectRef idx="0">
+            <a:schemeClr val="accent3"/>
+          </a:effectRef>
+          <a:fontRef idx="minor">
+            <a:schemeClr val="lt1"/>
+          </a:fontRef>
+        </p:style>
+        <p:txBody>
+          <a:bodyPr rtlCol="0" anchor="ctr"/>
+          <a:lstStyle/>
+          <a:p>
+            <a:pPr algn="ctr"/>
+            <a:endParaRPr lang="ko-KR" altLang="en-US"/>
+          </a:p>
+        </p:txBody>
+      </p:sp>
+      <p:sp>
+        <p:nvSpPr>
+          <p:cNvPr id="68" name="직사각형 67"/>
+          <p:cNvSpPr/>
+          <p:nvPr/>
+        </p:nvSpPr>
+        <p:spPr>
+          <a:xfrm>
+            <a:off x="3938391" y="1759668"/>
+            <a:ext cx="263438" cy="45719"/>
+          </a:xfrm>
+          <a:prstGeom prst="rect">
+            <a:avLst/>
+          </a:prstGeom>
+        </p:spPr>
+        <p:style>
+          <a:lnRef idx="2">
+            <a:schemeClr val="accent3">
+              <a:shade val="50000"/>
+            </a:schemeClr>
+          </a:lnRef>
+          <a:fillRef idx="1">
+            <a:schemeClr val="accent3"/>
+          </a:fillRef>
+          <a:effectRef idx="0">
+            <a:schemeClr val="accent3"/>
+          </a:effectRef>
+          <a:fontRef idx="minor">
+            <a:schemeClr val="lt1"/>
+          </a:fontRef>
+        </p:style>
+        <p:txBody>
+          <a:bodyPr rtlCol="0" anchor="ctr"/>
+          <a:lstStyle/>
+          <a:p>
+            <a:pPr algn="ctr"/>
+            <a:endParaRPr lang="ko-KR" altLang="en-US"/>
+          </a:p>
+        </p:txBody>
+      </p:sp>
+      <p:sp>
+        <p:nvSpPr>
+          <p:cNvPr id="69" name="직사각형 68"/>
+          <p:cNvSpPr/>
+          <p:nvPr/>
+        </p:nvSpPr>
+        <p:spPr>
+          <a:xfrm>
+            <a:off x="3596554" y="1381781"/>
+            <a:ext cx="402719" cy="72008"/>
+          </a:xfrm>
+          <a:prstGeom prst="rect">
+            <a:avLst/>
+          </a:prstGeom>
+        </p:spPr>
+        <p:style>
+          <a:lnRef idx="2">
+            <a:schemeClr val="accent3">
+              <a:shade val="50000"/>
+            </a:schemeClr>
+          </a:lnRef>
+          <a:fillRef idx="1">
+            <a:schemeClr val="accent3"/>
+          </a:fillRef>
+          <a:effectRef idx="0">
+            <a:schemeClr val="accent3"/>
+          </a:effectRef>
+          <a:fontRef idx="minor">
+            <a:schemeClr val="lt1"/>
+          </a:fontRef>
+        </p:style>
+        <p:txBody>
+          <a:bodyPr rtlCol="0" anchor="ctr"/>
+          <a:lstStyle/>
+          <a:p>
+            <a:pPr algn="ctr"/>
+            <a:endParaRPr lang="ko-KR" altLang="en-US"/>
+          </a:p>
+        </p:txBody>
+      </p:sp>
+      <p:sp>
+        <p:nvSpPr>
+          <p:cNvPr id="70" name="직사각형 69"/>
+          <p:cNvSpPr/>
+          <p:nvPr/>
+        </p:nvSpPr>
+        <p:spPr>
+          <a:xfrm>
+            <a:off x="3367712" y="3437696"/>
+            <a:ext cx="795761" cy="59017"/>
+          </a:xfrm>
+          <a:prstGeom prst="rect">
+            <a:avLst/>
+          </a:prstGeom>
+        </p:spPr>
+        <p:style>
+          <a:lnRef idx="2">
+            <a:schemeClr val="accent5">
+              <a:shade val="50000"/>
+            </a:schemeClr>
+          </a:lnRef>
+          <a:fillRef idx="1">
+            <a:schemeClr val="accent5"/>
+          </a:fillRef>
+          <a:effectRef idx="0">
+            <a:schemeClr val="accent5"/>
+          </a:effectRef>
+          <a:fontRef idx="minor">
+            <a:schemeClr val="lt1"/>
+          </a:fontRef>
+        </p:style>
+        <p:txBody>
+          <a:bodyPr rtlCol="0" anchor="ctr"/>
+          <a:lstStyle/>
+          <a:p>
+            <a:pPr algn="ctr"/>
+            <a:endParaRPr lang="ko-KR" altLang="en-US"/>
+          </a:p>
+        </p:txBody>
+      </p:sp>
+      <p:cxnSp>
+        <p:nvCxnSpPr>
+          <p:cNvPr id="73" name="직선 연결선 72"/>
+          <p:cNvCxnSpPr>
+            <a:stCxn id="70" idx="1"/>
+          </p:cNvCxnSpPr>
+          <p:nvPr/>
+        </p:nvCxnSpPr>
+        <p:spPr>
+          <a:xfrm flipH="1" flipV="1">
+            <a:off x="1403648" y="3185384"/>
+            <a:ext cx="1964064" cy="281821"/>
+          </a:xfrm>
+          <a:prstGeom prst="line">
+            <a:avLst/>
+          </a:prstGeom>
+          <a:ln>
+            <a:headEnd type="none" w="med" len="med"/>
+            <a:tailEnd type="triangle" w="med" len="med"/>
+          </a:ln>
+        </p:spPr>
+        <p:style>
+          <a:lnRef idx="1">
+            <a:schemeClr val="dk1"/>
+          </a:lnRef>
+          <a:fillRef idx="0">
+            <a:schemeClr val="dk1"/>
+          </a:fillRef>
+          <a:effectRef idx="0">
+            <a:schemeClr val="dk1"/>
+          </a:effectRef>
+          <a:fontRef idx="minor">
+            <a:schemeClr val="tx1"/>
+          </a:fontRef>
+        </p:style>
+      </p:cxnSp>
+      <p:sp>
+        <p:nvSpPr>
+          <p:cNvPr id="74" name="직사각형 73"/>
+          <p:cNvSpPr/>
+          <p:nvPr/>
+        </p:nvSpPr>
+        <p:spPr>
+          <a:xfrm>
+            <a:off x="598549" y="3006542"/>
+            <a:ext cx="795761" cy="357684"/>
+          </a:xfrm>
+          <a:prstGeom prst="rect">
+            <a:avLst/>
+          </a:prstGeom>
+        </p:spPr>
+        <p:style>
+          <a:lnRef idx="2">
+            <a:schemeClr val="accent5">
+              <a:shade val="50000"/>
+            </a:schemeClr>
+          </a:lnRef>
+          <a:fillRef idx="1">
+            <a:schemeClr val="accent5"/>
+          </a:fillRef>
+          <a:effectRef idx="0">
+            <a:schemeClr val="accent5"/>
+          </a:effectRef>
+          <a:fontRef idx="minor">
+            <a:schemeClr val="lt1"/>
+          </a:fontRef>
+        </p:style>
+        <p:txBody>
+          <a:bodyPr rtlCol="0" anchor="ctr"/>
+          <a:lstStyle/>
+          <a:p>
+            <a:pPr algn="ctr"/>
+            <a:r>
+              <a:rPr lang="en-US" altLang="ko-KR" sz="1400" dirty="0" err="1" smtClean="0"/>
+              <a:t>mp</a:t>
+            </a:r>
+            <a:endParaRPr lang="ko-KR" altLang="en-US" sz="1400" dirty="0"/>
+          </a:p>
+        </p:txBody>
+      </p:sp>
+      <p:cxnSp>
+        <p:nvCxnSpPr>
+          <p:cNvPr id="76" name="직선 화살표 연결선 75"/>
+          <p:cNvCxnSpPr>
+            <a:stCxn id="63" idx="1"/>
+          </p:cNvCxnSpPr>
+          <p:nvPr/>
+        </p:nvCxnSpPr>
+        <p:spPr>
+          <a:xfrm flipH="1">
+            <a:off x="1331640" y="1671248"/>
+            <a:ext cx="846094" cy="0"/>
+          </a:xfrm>
+          <a:prstGeom prst="straightConnector1">
+            <a:avLst/>
+          </a:prstGeom>
+          <a:ln>
+            <a:headEnd type="none" w="med" len="med"/>
+            <a:tailEnd type="arrow"/>
+          </a:ln>
+        </p:spPr>
+        <p:style>
+          <a:lnRef idx="1">
+            <a:schemeClr val="dk1"/>
+          </a:lnRef>
+          <a:fillRef idx="0">
+            <a:schemeClr val="dk1"/>
+          </a:fillRef>
+          <a:effectRef idx="0">
+            <a:schemeClr val="dk1"/>
+          </a:effectRef>
+          <a:fontRef idx="minor">
+            <a:schemeClr val="tx1"/>
+          </a:fontRef>
+        </p:style>
+      </p:cxnSp>
+      <p:sp>
+        <p:nvSpPr>
+          <p:cNvPr id="77" name="직사각형 76"/>
+          <p:cNvSpPr/>
+          <p:nvPr/>
+        </p:nvSpPr>
+        <p:spPr>
+          <a:xfrm>
+            <a:off x="686832" y="1544615"/>
+            <a:ext cx="644808" cy="260772"/>
+          </a:xfrm>
+          <a:prstGeom prst="rect">
+            <a:avLst/>
+          </a:prstGeom>
+        </p:spPr>
+        <p:style>
+          <a:lnRef idx="2">
+            <a:schemeClr val="accent1">
+              <a:shade val="50000"/>
+            </a:schemeClr>
+          </a:lnRef>
+          <a:fillRef idx="1">
+            <a:schemeClr val="accent1"/>
+          </a:fillRef>
+          <a:effectRef idx="0">
+            <a:schemeClr val="accent1"/>
+          </a:effectRef>
+          <a:fontRef idx="minor">
+            <a:schemeClr val="lt1"/>
+          </a:fontRef>
+        </p:style>
+        <p:txBody>
+          <a:bodyPr rtlCol="0" anchor="ctr"/>
+          <a:lstStyle/>
+          <a:p>
+            <a:pPr algn="ctr"/>
+            <a:r>
+              <a:rPr lang="en-US" altLang="ko-KR" sz="1200" dirty="0" smtClean="0"/>
+              <a:t>target</a:t>
+            </a:r>
+            <a:endParaRPr lang="ko-KR" altLang="en-US" sz="1200" dirty="0"/>
           </a:p>
         </p:txBody>
       </p:sp>
@@ -5991,12 +7017,12 @@
               <a:t>l </a:t>
             </a:r>
             <a:r>
-              <a:rPr lang="ko-KR" altLang="en-US" sz="1600" b="1" dirty="0" err="1" smtClean="0">
+              <a:rPr lang="ko-KR" altLang="en-US" sz="1600" b="1" dirty="0" smtClean="0">
                 <a:solidFill>
                   <a:schemeClr val="bg1"/>
                 </a:solidFill>
               </a:rPr>
-              <a:t>인게임</a:t>
+              <a:t>전투 </a:t>
             </a:r>
             <a:r>
               <a:rPr lang="en-US" altLang="ko-KR" sz="1600" b="1" dirty="0" smtClean="0">
@@ -6004,7 +7030,7 @@
                   <a:schemeClr val="bg1"/>
                 </a:solidFill>
               </a:rPr>
-              <a:t> </a:t>
+              <a:t>AI(</a:t>
             </a:r>
             <a:r>
               <a:rPr lang="ko-KR" altLang="en-US" sz="1600" b="1" dirty="0" smtClean="0">
@@ -6012,7 +7038,7 @@
                   <a:schemeClr val="bg1"/>
                 </a:solidFill>
               </a:rPr>
-              <a:t>및 </a:t>
+              <a:t>보스</a:t>
             </a:r>
             <a:r>
               <a:rPr lang="en-US" altLang="ko-KR" sz="1600" b="1" dirty="0" smtClean="0">
@@ -6020,15 +7046,7 @@
                   <a:schemeClr val="bg1"/>
                 </a:solidFill>
               </a:rPr>
-              <a:t>UI</a:t>
-            </a:r>
-            <a:r>
-              <a:rPr lang="ko-KR" altLang="en-US" sz="1600" b="1" dirty="0" smtClean="0">
-                <a:solidFill>
-                  <a:schemeClr val="bg1"/>
-                </a:solidFill>
-              </a:rPr>
-              <a:t> 레이아웃</a:t>
+              <a:t>)</a:t>
             </a:r>
             <a:endParaRPr lang="ko-KR" altLang="en-US" sz="1600" b="1" dirty="0">
               <a:solidFill>
@@ -6038,26 +7056,63 @@
           </a:p>
         </p:txBody>
       </p:sp>
-      <p:sp>
-        <p:nvSpPr>
-          <p:cNvPr id="3" name="직사각형 2"/>
+    </p:spTree>
+    <p:extLst>
+      <p:ext uri="{BB962C8B-B14F-4D97-AF65-F5344CB8AC3E}">
+        <p14:creationId xmlns:p14="http://schemas.microsoft.com/office/powerpoint/2010/main" val="4048646931"/>
+      </p:ext>
+    </p:extLst>
+  </p:cSld>
+  <p:clrMapOvr>
+    <a:masterClrMapping/>
+  </p:clrMapOvr>
+  <p:timing>
+    <p:tnLst>
+      <p:par>
+        <p:cTn id="1" dur="indefinite" restart="never" nodeType="tmRoot"/>
+      </p:par>
+    </p:tnLst>
+  </p:timing>
+</p:sld>
+</file>
+
+<file path=ppt/slides/slide7.xml><?xml version="1.0" encoding="utf-8"?>
+<p:sld xmlns:a="http://schemas.openxmlformats.org/drawingml/2006/main" xmlns:r="http://schemas.openxmlformats.org/officeDocument/2006/relationships" xmlns:p="http://schemas.openxmlformats.org/presentationml/2006/main">
+  <p:cSld>
+    <p:spTree>
+      <p:nvGrpSpPr>
+        <p:cNvPr id="1" name=""/>
+        <p:cNvGrpSpPr/>
+        <p:nvPr/>
+      </p:nvGrpSpPr>
+      <p:grpSpPr>
+        <a:xfrm>
+          <a:off x="0" y="0"/>
+          <a:ext cx="0" cy="0"/>
+          <a:chOff x="0" y="0"/>
+          <a:chExt cx="0" cy="0"/>
+        </a:xfrm>
+      </p:grpSpPr>
+      <p:sp>
+        <p:nvSpPr>
+          <p:cNvPr id="4" name="직사각형 3"/>
           <p:cNvSpPr/>
           <p:nvPr/>
         </p:nvSpPr>
         <p:spPr>
           <a:xfrm>
-            <a:off x="1691680" y="771550"/>
-            <a:ext cx="5544616" cy="3960440"/>
+            <a:off x="-3313" y="0"/>
+            <a:ext cx="9147313" cy="339502"/>
           </a:xfrm>
           <a:prstGeom prst="rect">
             <a:avLst/>
           </a:prstGeom>
           <a:solidFill>
-            <a:schemeClr val="accent1">
-              <a:lumMod val="20000"/>
-              <a:lumOff val="80000"/>
-            </a:schemeClr>
+            <a:schemeClr val="tx1"/>
           </a:solidFill>
+          <a:ln>
+            <a:noFill/>
+          </a:ln>
         </p:spPr>
         <p:style>
           <a:lnRef idx="2">
@@ -6079,59 +7134,122 @@
           <a:bodyPr rtlCol="0" anchor="ctr"/>
           <a:lstStyle/>
           <a:p>
-            <a:pPr algn="ctr"/>
-            <a:endParaRPr lang="ko-KR" altLang="en-US"/>
-          </a:p>
-        </p:txBody>
-      </p:sp>
-      <p:cxnSp>
-        <p:nvCxnSpPr>
-          <p:cNvPr id="6" name="직선 연결선 5"/>
-          <p:cNvCxnSpPr/>
+            <a:r>
+              <a:rPr lang="en-US" altLang="ko-KR" sz="1600" dirty="0" smtClean="0">
+                <a:solidFill>
+                  <a:schemeClr val="tx1">
+                    <a:lumMod val="50000"/>
+                    <a:lumOff val="50000"/>
+                  </a:schemeClr>
+                </a:solidFill>
+              </a:rPr>
+              <a:t>Don’t Dead </a:t>
+            </a:r>
+            <a:r>
+              <a:rPr lang="en-US" altLang="ko-KR" sz="1600" b="1" dirty="0" smtClean="0">
+                <a:solidFill>
+                  <a:schemeClr val="bg1"/>
+                </a:solidFill>
+              </a:rPr>
+              <a:t>l </a:t>
+            </a:r>
+            <a:r>
+              <a:rPr lang="ko-KR" altLang="en-US" sz="1600" b="1" dirty="0" smtClean="0">
+                <a:solidFill>
+                  <a:schemeClr val="bg1"/>
+                </a:solidFill>
+              </a:rPr>
+              <a:t>전투 </a:t>
+            </a:r>
+            <a:r>
+              <a:rPr lang="en-US" altLang="ko-KR" sz="1600" b="1" dirty="0" smtClean="0">
+                <a:solidFill>
+                  <a:schemeClr val="bg1"/>
+                </a:solidFill>
+              </a:rPr>
+              <a:t>AI(</a:t>
+            </a:r>
+            <a:r>
+              <a:rPr lang="ko-KR" altLang="en-US" sz="1600" b="1" dirty="0" smtClean="0">
+                <a:solidFill>
+                  <a:schemeClr val="bg1"/>
+                </a:solidFill>
+              </a:rPr>
+              <a:t>아군</a:t>
+            </a:r>
+            <a:r>
+              <a:rPr lang="en-US" altLang="ko-KR" sz="1600" b="1" dirty="0" smtClean="0">
+                <a:solidFill>
+                  <a:schemeClr val="bg1"/>
+                </a:solidFill>
+              </a:rPr>
+              <a:t>)</a:t>
+            </a:r>
+            <a:endParaRPr lang="ko-KR" altLang="en-US" sz="1600" b="1" dirty="0">
+              <a:solidFill>
+                <a:schemeClr val="bg1"/>
+              </a:solidFill>
+            </a:endParaRPr>
+          </a:p>
+        </p:txBody>
+      </p:sp>
+    </p:spTree>
+    <p:extLst>
+      <p:ext uri="{BB962C8B-B14F-4D97-AF65-F5344CB8AC3E}">
+        <p14:creationId xmlns:p14="http://schemas.microsoft.com/office/powerpoint/2010/main" val="347690988"/>
+      </p:ext>
+    </p:extLst>
+  </p:cSld>
+  <p:clrMapOvr>
+    <a:masterClrMapping/>
+  </p:clrMapOvr>
+  <p:timing>
+    <p:tnLst>
+      <p:par>
+        <p:cTn id="1" dur="indefinite" restart="never" nodeType="tmRoot"/>
+      </p:par>
+    </p:tnLst>
+  </p:timing>
+</p:sld>
+</file>
+
+<file path=ppt/slides/slide8.xml><?xml version="1.0" encoding="utf-8"?>
+<p:sld xmlns:a="http://schemas.openxmlformats.org/drawingml/2006/main" xmlns:r="http://schemas.openxmlformats.org/officeDocument/2006/relationships" xmlns:p="http://schemas.openxmlformats.org/presentationml/2006/main">
+  <p:cSld>
+    <p:spTree>
+      <p:nvGrpSpPr>
+        <p:cNvPr id="1" name=""/>
+        <p:cNvGrpSpPr/>
+        <p:nvPr/>
+      </p:nvGrpSpPr>
+      <p:grpSpPr>
+        <a:xfrm>
+          <a:off x="0" y="0"/>
+          <a:ext cx="0" cy="0"/>
+          <a:chOff x="0" y="0"/>
+          <a:chExt cx="0" cy="0"/>
+        </a:xfrm>
+      </p:grpSpPr>
+      <p:sp>
+        <p:nvSpPr>
+          <p:cNvPr id="4" name="직사각형 3"/>
+          <p:cNvSpPr/>
           <p:nvPr/>
-        </p:nvCxnSpPr>
-        <p:spPr>
-          <a:xfrm>
-            <a:off x="971600" y="699542"/>
-            <a:ext cx="720080" cy="72008"/>
-          </a:xfrm>
-          <a:prstGeom prst="line">
+        </p:nvSpPr>
+        <p:spPr>
+          <a:xfrm>
+            <a:off x="-3313" y="0"/>
+            <a:ext cx="9147313" cy="339502"/>
+          </a:xfrm>
+          <a:prstGeom prst="rect">
             <a:avLst/>
           </a:prstGeom>
+          <a:solidFill>
+            <a:schemeClr val="tx1"/>
+          </a:solidFill>
           <a:ln>
-            <a:headEnd type="none" w="med" len="med"/>
-            <a:tailEnd type="triangle" w="med" len="med"/>
+            <a:noFill/>
           </a:ln>
-        </p:spPr>
-        <p:style>
-          <a:lnRef idx="1">
-            <a:schemeClr val="dk1"/>
-          </a:lnRef>
-          <a:fillRef idx="0">
-            <a:schemeClr val="dk1"/>
-          </a:fillRef>
-          <a:effectRef idx="0">
-            <a:schemeClr val="dk1"/>
-          </a:effectRef>
-          <a:fontRef idx="minor">
-            <a:schemeClr val="tx1"/>
-          </a:fontRef>
-        </p:style>
-      </p:cxnSp>
-      <p:sp>
-        <p:nvSpPr>
-          <p:cNvPr id="7" name="타원 6"/>
-          <p:cNvSpPr/>
-          <p:nvPr/>
-        </p:nvSpPr>
-        <p:spPr>
-          <a:xfrm>
-            <a:off x="323528" y="555526"/>
-            <a:ext cx="720079" cy="504056"/>
-          </a:xfrm>
-          <a:prstGeom prst="ellipse">
-            <a:avLst/>
-          </a:prstGeom>
         </p:spPr>
         <p:style>
           <a:lnRef idx="2">
@@ -6153,47 +7271,110 @@
           <a:bodyPr rtlCol="0" anchor="ctr"/>
           <a:lstStyle/>
           <a:p>
-            <a:pPr algn="ctr"/>
-            <a:r>
-              <a:rPr lang="en-US" altLang="ko-KR" sz="1000" i="1" dirty="0" smtClean="0"/>
-              <a:t>map</a:t>
-            </a:r>
-            <a:endParaRPr lang="ko-KR" altLang="en-US" sz="1000" i="1" dirty="0"/>
-          </a:p>
-        </p:txBody>
-      </p:sp>
-      <p:sp>
-        <p:nvSpPr>
-          <p:cNvPr id="10" name="직사각형 9"/>
+            <a:r>
+              <a:rPr lang="en-US" altLang="ko-KR" sz="1600" dirty="0" smtClean="0">
+                <a:solidFill>
+                  <a:schemeClr val="tx1">
+                    <a:lumMod val="50000"/>
+                    <a:lumOff val="50000"/>
+                  </a:schemeClr>
+                </a:solidFill>
+              </a:rPr>
+              <a:t>Don’t Dead </a:t>
+            </a:r>
+            <a:r>
+              <a:rPr lang="en-US" altLang="ko-KR" sz="1600" b="1" dirty="0" smtClean="0">
+                <a:solidFill>
+                  <a:schemeClr val="bg1"/>
+                </a:solidFill>
+              </a:rPr>
+              <a:t>l </a:t>
+            </a:r>
+            <a:r>
+              <a:rPr lang="ko-KR" altLang="en-US" sz="1600" b="1" dirty="0" smtClean="0">
+                <a:solidFill>
+                  <a:schemeClr val="bg1"/>
+                </a:solidFill>
+              </a:rPr>
+              <a:t>전투 공식 및 레벨 디자인</a:t>
+            </a:r>
+            <a:endParaRPr lang="ko-KR" altLang="en-US" sz="1600" b="1" dirty="0">
+              <a:solidFill>
+                <a:schemeClr val="bg1"/>
+              </a:solidFill>
+            </a:endParaRPr>
+          </a:p>
+        </p:txBody>
+      </p:sp>
+    </p:spTree>
+    <p:extLst>
+      <p:ext uri="{BB962C8B-B14F-4D97-AF65-F5344CB8AC3E}">
+        <p14:creationId xmlns:p14="http://schemas.microsoft.com/office/powerpoint/2010/main" val="2692938932"/>
+      </p:ext>
+    </p:extLst>
+  </p:cSld>
+  <p:clrMapOvr>
+    <a:masterClrMapping/>
+  </p:clrMapOvr>
+  <p:timing>
+    <p:tnLst>
+      <p:par>
+        <p:cTn id="1" dur="indefinite" restart="never" nodeType="tmRoot"/>
+      </p:par>
+    </p:tnLst>
+  </p:timing>
+</p:sld>
+</file>
+
+<file path=ppt/slides/slide9.xml><?xml version="1.0" encoding="utf-8"?>
+<p:sld xmlns:a="http://schemas.openxmlformats.org/drawingml/2006/main" xmlns:r="http://schemas.openxmlformats.org/officeDocument/2006/relationships" xmlns:p="http://schemas.openxmlformats.org/presentationml/2006/main">
+  <p:cSld>
+    <p:spTree>
+      <p:nvGrpSpPr>
+        <p:cNvPr id="1" name=""/>
+        <p:cNvGrpSpPr/>
+        <p:nvPr/>
+      </p:nvGrpSpPr>
+      <p:grpSpPr>
+        <a:xfrm>
+          <a:off x="0" y="0"/>
+          <a:ext cx="0" cy="0"/>
+          <a:chOff x="0" y="0"/>
+          <a:chExt cx="0" cy="0"/>
+        </a:xfrm>
+      </p:grpSpPr>
+      <p:sp>
+        <p:nvSpPr>
+          <p:cNvPr id="4" name="직사각형 3"/>
           <p:cNvSpPr/>
           <p:nvPr/>
         </p:nvSpPr>
         <p:spPr>
           <a:xfrm>
-            <a:off x="2123728" y="1491630"/>
-            <a:ext cx="3168352" cy="2520280"/>
+            <a:off x="-3313" y="0"/>
+            <a:ext cx="9147313" cy="339502"/>
           </a:xfrm>
           <a:prstGeom prst="rect">
             <a:avLst/>
           </a:prstGeom>
           <a:solidFill>
-            <a:schemeClr val="accent1">
-              <a:lumMod val="20000"/>
-              <a:lumOff val="80000"/>
-            </a:schemeClr>
+            <a:schemeClr val="tx1"/>
           </a:solidFill>
+          <a:ln>
+            <a:noFill/>
+          </a:ln>
         </p:spPr>
         <p:style>
           <a:lnRef idx="2">
-            <a:schemeClr val="accent2">
+            <a:schemeClr val="accent1">
               <a:shade val="50000"/>
             </a:schemeClr>
           </a:lnRef>
           <a:fillRef idx="1">
-            <a:schemeClr val="accent2"/>
+            <a:schemeClr val="accent1"/>
           </a:fillRef>
           <a:effectRef idx="0">
-            <a:schemeClr val="accent2"/>
+            <a:schemeClr val="accent1"/>
           </a:effectRef>
           <a:fontRef idx="minor">
             <a:schemeClr val="lt1"/>
@@ -6203,577 +7384,61 @@
           <a:bodyPr rtlCol="0" anchor="ctr"/>
           <a:lstStyle/>
           <a:p>
-            <a:pPr algn="ctr"/>
-            <a:endParaRPr lang="ko-KR" altLang="en-US"/>
-          </a:p>
-        </p:txBody>
-      </p:sp>
-      <p:sp>
-        <p:nvSpPr>
-          <p:cNvPr id="11" name="타원 10"/>
-          <p:cNvSpPr/>
-          <p:nvPr/>
-        </p:nvSpPr>
-        <p:spPr>
-          <a:xfrm>
-            <a:off x="3617894" y="2667271"/>
-            <a:ext cx="180020" cy="168998"/>
-          </a:xfrm>
-          <a:prstGeom prst="ellipse">
-            <a:avLst/>
-          </a:prstGeom>
-        </p:spPr>
-        <p:style>
-          <a:lnRef idx="2">
-            <a:schemeClr val="accent5">
-              <a:shade val="50000"/>
-            </a:schemeClr>
-          </a:lnRef>
-          <a:fillRef idx="1">
-            <a:schemeClr val="accent5"/>
-          </a:fillRef>
-          <a:effectRef idx="0">
-            <a:schemeClr val="accent5"/>
-          </a:effectRef>
-          <a:fontRef idx="minor">
-            <a:schemeClr val="lt1"/>
-          </a:fontRef>
-        </p:style>
-        <p:txBody>
-          <a:bodyPr rtlCol="0" anchor="ctr"/>
-          <a:lstStyle/>
-          <a:p>
-            <a:pPr algn="ctr"/>
-            <a:endParaRPr lang="ko-KR" altLang="en-US"/>
-          </a:p>
-        </p:txBody>
-      </p:sp>
-      <p:sp>
-        <p:nvSpPr>
-          <p:cNvPr id="12" name="타원 11"/>
-          <p:cNvSpPr/>
-          <p:nvPr/>
-        </p:nvSpPr>
-        <p:spPr>
-          <a:xfrm>
-            <a:off x="3581890" y="1529762"/>
-            <a:ext cx="432048" cy="457422"/>
-          </a:xfrm>
-          <a:prstGeom prst="ellipse">
-            <a:avLst/>
-          </a:prstGeom>
-        </p:spPr>
-        <p:style>
-          <a:lnRef idx="2">
-            <a:schemeClr val="accent2">
-              <a:shade val="50000"/>
-            </a:schemeClr>
-          </a:lnRef>
-          <a:fillRef idx="1">
-            <a:schemeClr val="accent2"/>
-          </a:fillRef>
-          <a:effectRef idx="0">
-            <a:schemeClr val="accent2"/>
-          </a:effectRef>
-          <a:fontRef idx="minor">
-            <a:schemeClr val="lt1"/>
-          </a:fontRef>
-        </p:style>
-        <p:txBody>
-          <a:bodyPr rtlCol="0" anchor="ctr"/>
-          <a:lstStyle/>
-          <a:p>
-            <a:pPr algn="ctr"/>
-            <a:r>
-              <a:rPr lang="ko-KR" altLang="en-US" sz="700" dirty="0" smtClean="0"/>
-              <a:t>보</a:t>
-            </a:r>
-            <a:r>
-              <a:rPr lang="ko-KR" altLang="en-US" sz="700" dirty="0"/>
-              <a:t>스</a:t>
-            </a:r>
-          </a:p>
-        </p:txBody>
-      </p:sp>
-      <p:sp>
-        <p:nvSpPr>
-          <p:cNvPr id="18" name="타원 17"/>
-          <p:cNvSpPr/>
-          <p:nvPr/>
-        </p:nvSpPr>
-        <p:spPr>
-          <a:xfrm>
-            <a:off x="3716662" y="2012379"/>
-            <a:ext cx="180020" cy="168998"/>
-          </a:xfrm>
-          <a:prstGeom prst="ellipse">
-            <a:avLst/>
-          </a:prstGeom>
-        </p:spPr>
-        <p:style>
-          <a:lnRef idx="2">
-            <a:schemeClr val="accent3">
-              <a:shade val="50000"/>
-            </a:schemeClr>
-          </a:lnRef>
-          <a:fillRef idx="1">
-            <a:schemeClr val="accent3"/>
-          </a:fillRef>
-          <a:effectRef idx="0">
-            <a:schemeClr val="accent3"/>
-          </a:effectRef>
-          <a:fontRef idx="minor">
-            <a:schemeClr val="lt1"/>
-          </a:fontRef>
-        </p:style>
-        <p:txBody>
-          <a:bodyPr rtlCol="0" anchor="ctr"/>
-          <a:lstStyle/>
-          <a:p>
-            <a:pPr algn="ctr"/>
-            <a:endParaRPr lang="ko-KR" altLang="en-US"/>
-          </a:p>
-        </p:txBody>
-      </p:sp>
-      <p:sp>
-        <p:nvSpPr>
-          <p:cNvPr id="19" name="타원 18"/>
-          <p:cNvSpPr/>
-          <p:nvPr/>
-        </p:nvSpPr>
-        <p:spPr>
-          <a:xfrm>
-            <a:off x="3983453" y="1843381"/>
-            <a:ext cx="180020" cy="168998"/>
-          </a:xfrm>
-          <a:prstGeom prst="ellipse">
-            <a:avLst/>
-          </a:prstGeom>
-        </p:spPr>
-        <p:style>
-          <a:lnRef idx="2">
-            <a:schemeClr val="accent6">
-              <a:shade val="50000"/>
-            </a:schemeClr>
-          </a:lnRef>
-          <a:fillRef idx="1">
-            <a:schemeClr val="accent6"/>
-          </a:fillRef>
-          <a:effectRef idx="0">
-            <a:schemeClr val="accent6"/>
-          </a:effectRef>
-          <a:fontRef idx="minor">
-            <a:schemeClr val="lt1"/>
-          </a:fontRef>
-        </p:style>
-        <p:txBody>
-          <a:bodyPr rtlCol="0" anchor="ctr"/>
-          <a:lstStyle/>
-          <a:p>
-            <a:pPr algn="ctr"/>
-            <a:endParaRPr lang="ko-KR" altLang="en-US"/>
-          </a:p>
-        </p:txBody>
-      </p:sp>
-      <p:sp>
-        <p:nvSpPr>
-          <p:cNvPr id="20" name="타원 19"/>
-          <p:cNvSpPr/>
-          <p:nvPr/>
-        </p:nvSpPr>
-        <p:spPr>
-          <a:xfrm>
-            <a:off x="3059832" y="2355726"/>
-            <a:ext cx="180020" cy="168998"/>
-          </a:xfrm>
-          <a:prstGeom prst="ellipse">
-            <a:avLst/>
-          </a:prstGeom>
-        </p:spPr>
-        <p:style>
-          <a:lnRef idx="2">
-            <a:schemeClr val="accent4">
-              <a:shade val="50000"/>
-            </a:schemeClr>
-          </a:lnRef>
-          <a:fillRef idx="1">
-            <a:schemeClr val="accent4"/>
-          </a:fillRef>
-          <a:effectRef idx="0">
-            <a:schemeClr val="accent4"/>
-          </a:effectRef>
-          <a:fontRef idx="minor">
-            <a:schemeClr val="lt1"/>
-          </a:fontRef>
-        </p:style>
-        <p:txBody>
-          <a:bodyPr rtlCol="0" anchor="ctr"/>
-          <a:lstStyle/>
-          <a:p>
-            <a:pPr algn="ctr"/>
-            <a:endParaRPr lang="ko-KR" altLang="en-US"/>
-          </a:p>
-        </p:txBody>
-      </p:sp>
-      <p:sp>
-        <p:nvSpPr>
-          <p:cNvPr id="22" name="타원 21"/>
-          <p:cNvSpPr/>
-          <p:nvPr/>
-        </p:nvSpPr>
-        <p:spPr>
-          <a:xfrm>
-            <a:off x="4283968" y="2440225"/>
-            <a:ext cx="180020" cy="168998"/>
-          </a:xfrm>
-          <a:prstGeom prst="ellipse">
-            <a:avLst/>
-          </a:prstGeom>
-        </p:spPr>
-        <p:style>
-          <a:lnRef idx="2">
-            <a:schemeClr val="accent4">
-              <a:shade val="50000"/>
-            </a:schemeClr>
-          </a:lnRef>
-          <a:fillRef idx="1">
-            <a:schemeClr val="accent4"/>
-          </a:fillRef>
-          <a:effectRef idx="0">
-            <a:schemeClr val="accent4"/>
-          </a:effectRef>
-          <a:fontRef idx="minor">
-            <a:schemeClr val="lt1"/>
-          </a:fontRef>
-        </p:style>
-        <p:txBody>
-          <a:bodyPr rtlCol="0" anchor="ctr"/>
-          <a:lstStyle/>
-          <a:p>
-            <a:pPr algn="ctr"/>
-            <a:endParaRPr lang="ko-KR" altLang="en-US"/>
-          </a:p>
-        </p:txBody>
-      </p:sp>
-      <p:sp>
-        <p:nvSpPr>
-          <p:cNvPr id="23" name="타원 22"/>
-          <p:cNvSpPr/>
-          <p:nvPr/>
-        </p:nvSpPr>
-        <p:spPr>
-          <a:xfrm>
-            <a:off x="7488324" y="3016386"/>
-            <a:ext cx="180020" cy="168998"/>
-          </a:xfrm>
-          <a:prstGeom prst="ellipse">
-            <a:avLst/>
-          </a:prstGeom>
-        </p:spPr>
-        <p:style>
-          <a:lnRef idx="2">
-            <a:schemeClr val="accent5">
-              <a:shade val="50000"/>
-            </a:schemeClr>
-          </a:lnRef>
-          <a:fillRef idx="1">
-            <a:schemeClr val="accent5"/>
-          </a:fillRef>
-          <a:effectRef idx="0">
-            <a:schemeClr val="accent5"/>
-          </a:effectRef>
-          <a:fontRef idx="minor">
-            <a:schemeClr val="lt1"/>
-          </a:fontRef>
-        </p:style>
-        <p:txBody>
-          <a:bodyPr rtlCol="0" anchor="ctr"/>
-          <a:lstStyle/>
-          <a:p>
-            <a:pPr algn="ctr"/>
-            <a:endParaRPr lang="ko-KR" altLang="en-US"/>
-          </a:p>
-        </p:txBody>
-      </p:sp>
-      <p:sp>
-        <p:nvSpPr>
-          <p:cNvPr id="24" name="타원 23"/>
-          <p:cNvSpPr/>
-          <p:nvPr/>
-        </p:nvSpPr>
-        <p:spPr>
-          <a:xfrm>
-            <a:off x="7488324" y="2498273"/>
-            <a:ext cx="180020" cy="168998"/>
-          </a:xfrm>
-          <a:prstGeom prst="ellipse">
-            <a:avLst/>
-          </a:prstGeom>
-        </p:spPr>
-        <p:style>
-          <a:lnRef idx="2">
-            <a:schemeClr val="accent4">
-              <a:shade val="50000"/>
-            </a:schemeClr>
-          </a:lnRef>
-          <a:fillRef idx="1">
-            <a:schemeClr val="accent4"/>
-          </a:fillRef>
-          <a:effectRef idx="0">
-            <a:schemeClr val="accent4"/>
-          </a:effectRef>
-          <a:fontRef idx="minor">
-            <a:schemeClr val="lt1"/>
-          </a:fontRef>
-        </p:style>
-        <p:txBody>
-          <a:bodyPr rtlCol="0" anchor="ctr"/>
-          <a:lstStyle/>
-          <a:p>
-            <a:pPr algn="ctr"/>
-            <a:endParaRPr lang="ko-KR" altLang="en-US"/>
-          </a:p>
-        </p:txBody>
-      </p:sp>
-      <p:sp>
-        <p:nvSpPr>
-          <p:cNvPr id="25" name="타원 24"/>
-          <p:cNvSpPr/>
-          <p:nvPr/>
-        </p:nvSpPr>
-        <p:spPr>
-          <a:xfrm>
-            <a:off x="7490993" y="1860425"/>
-            <a:ext cx="180020" cy="168998"/>
-          </a:xfrm>
-          <a:prstGeom prst="ellipse">
-            <a:avLst/>
-          </a:prstGeom>
-        </p:spPr>
-        <p:style>
-          <a:lnRef idx="2">
-            <a:schemeClr val="accent3">
-              <a:shade val="50000"/>
-            </a:schemeClr>
-          </a:lnRef>
-          <a:fillRef idx="1">
-            <a:schemeClr val="accent3"/>
-          </a:fillRef>
-          <a:effectRef idx="0">
-            <a:schemeClr val="accent3"/>
-          </a:effectRef>
-          <a:fontRef idx="minor">
-            <a:schemeClr val="lt1"/>
-          </a:fontRef>
-        </p:style>
-        <p:txBody>
-          <a:bodyPr rtlCol="0" anchor="ctr"/>
-          <a:lstStyle/>
-          <a:p>
-            <a:pPr algn="ctr"/>
-            <a:endParaRPr lang="ko-KR" altLang="en-US"/>
-          </a:p>
-        </p:txBody>
-      </p:sp>
-      <p:sp>
-        <p:nvSpPr>
-          <p:cNvPr id="26" name="타원 25"/>
-          <p:cNvSpPr/>
-          <p:nvPr/>
-        </p:nvSpPr>
-        <p:spPr>
-          <a:xfrm>
-            <a:off x="7488324" y="2181377"/>
-            <a:ext cx="180020" cy="168998"/>
-          </a:xfrm>
-          <a:prstGeom prst="ellipse">
-            <a:avLst/>
-          </a:prstGeom>
-        </p:spPr>
-        <p:style>
-          <a:lnRef idx="2">
-            <a:schemeClr val="accent6">
-              <a:shade val="50000"/>
-            </a:schemeClr>
-          </a:lnRef>
-          <a:fillRef idx="1">
-            <a:schemeClr val="accent6"/>
-          </a:fillRef>
-          <a:effectRef idx="0">
-            <a:schemeClr val="accent6"/>
-          </a:effectRef>
-          <a:fontRef idx="minor">
-            <a:schemeClr val="lt1"/>
-          </a:fontRef>
-        </p:style>
-        <p:txBody>
-          <a:bodyPr rtlCol="0" anchor="ctr"/>
-          <a:lstStyle/>
-          <a:p>
-            <a:pPr algn="ctr"/>
-            <a:endParaRPr lang="ko-KR" altLang="en-US"/>
-          </a:p>
-        </p:txBody>
-      </p:sp>
-      <p:cxnSp>
-        <p:nvCxnSpPr>
-          <p:cNvPr id="27" name="직선 연결선 26"/>
-          <p:cNvCxnSpPr>
-            <a:stCxn id="25" idx="6"/>
-          </p:cNvCxnSpPr>
-          <p:nvPr/>
-        </p:nvCxnSpPr>
-        <p:spPr>
-          <a:xfrm>
-            <a:off x="7671013" y="1944924"/>
-            <a:ext cx="285363" cy="0"/>
-          </a:xfrm>
-          <a:prstGeom prst="line">
-            <a:avLst/>
-          </a:prstGeom>
-          <a:ln>
-            <a:headEnd type="none" w="med" len="med"/>
-            <a:tailEnd type="triangle" w="med" len="med"/>
-          </a:ln>
-        </p:spPr>
-        <p:style>
-          <a:lnRef idx="1">
-            <a:schemeClr val="dk1"/>
-          </a:lnRef>
-          <a:fillRef idx="0">
-            <a:schemeClr val="dk1"/>
-          </a:fillRef>
-          <a:effectRef idx="0">
-            <a:schemeClr val="dk1"/>
-          </a:effectRef>
-          <a:fontRef idx="minor">
-            <a:schemeClr val="tx1"/>
-          </a:fontRef>
-        </p:style>
-      </p:cxnSp>
-      <p:cxnSp>
-        <p:nvCxnSpPr>
-          <p:cNvPr id="29" name="직선 연결선 28"/>
-          <p:cNvCxnSpPr>
-            <a:stCxn id="26" idx="6"/>
-          </p:cNvCxnSpPr>
-          <p:nvPr/>
-        </p:nvCxnSpPr>
-        <p:spPr>
-          <a:xfrm>
-            <a:off x="7668344" y="2265876"/>
-            <a:ext cx="288032" cy="0"/>
-          </a:xfrm>
-          <a:prstGeom prst="line">
-            <a:avLst/>
-          </a:prstGeom>
-          <a:ln>
-            <a:headEnd type="none" w="med" len="med"/>
-            <a:tailEnd type="triangle" w="med" len="med"/>
-          </a:ln>
-        </p:spPr>
-        <p:style>
-          <a:lnRef idx="1">
-            <a:schemeClr val="dk1"/>
-          </a:lnRef>
-          <a:fillRef idx="0">
-            <a:schemeClr val="dk1"/>
-          </a:fillRef>
-          <a:effectRef idx="0">
-            <a:schemeClr val="dk1"/>
-          </a:effectRef>
-          <a:fontRef idx="minor">
-            <a:schemeClr val="tx1"/>
-          </a:fontRef>
-        </p:style>
-      </p:cxnSp>
-      <p:cxnSp>
-        <p:nvCxnSpPr>
-          <p:cNvPr id="31" name="직선 연결선 30"/>
-          <p:cNvCxnSpPr>
-            <a:stCxn id="24" idx="6"/>
-          </p:cNvCxnSpPr>
-          <p:nvPr/>
-        </p:nvCxnSpPr>
-        <p:spPr>
-          <a:xfrm>
-            <a:off x="7668344" y="2582772"/>
-            <a:ext cx="288032" cy="0"/>
-          </a:xfrm>
-          <a:prstGeom prst="line">
-            <a:avLst/>
-          </a:prstGeom>
-          <a:ln>
-            <a:headEnd type="none" w="med" len="med"/>
-            <a:tailEnd type="triangle" w="med" len="med"/>
-          </a:ln>
-        </p:spPr>
-        <p:style>
-          <a:lnRef idx="1">
-            <a:schemeClr val="dk1"/>
-          </a:lnRef>
-          <a:fillRef idx="0">
-            <a:schemeClr val="dk1"/>
-          </a:fillRef>
-          <a:effectRef idx="0">
-            <a:schemeClr val="dk1"/>
-          </a:effectRef>
-          <a:fontRef idx="minor">
-            <a:schemeClr val="tx1"/>
-          </a:fontRef>
-        </p:style>
-      </p:cxnSp>
-      <p:cxnSp>
-        <p:nvCxnSpPr>
-          <p:cNvPr id="33" name="직선 연결선 32"/>
-          <p:cNvCxnSpPr>
-            <a:stCxn id="23" idx="6"/>
-          </p:cNvCxnSpPr>
-          <p:nvPr/>
-        </p:nvCxnSpPr>
-        <p:spPr>
-          <a:xfrm>
-            <a:off x="7668344" y="3100885"/>
-            <a:ext cx="288032" cy="0"/>
-          </a:xfrm>
-          <a:prstGeom prst="line">
-            <a:avLst/>
-          </a:prstGeom>
-          <a:ln>
-            <a:headEnd type="none" w="med" len="med"/>
-            <a:tailEnd type="triangle" w="med" len="med"/>
-          </a:ln>
-        </p:spPr>
-        <p:style>
-          <a:lnRef idx="1">
-            <a:schemeClr val="dk1"/>
-          </a:lnRef>
-          <a:fillRef idx="0">
-            <a:schemeClr val="dk1"/>
-          </a:fillRef>
-          <a:effectRef idx="0">
-            <a:schemeClr val="dk1"/>
-          </a:effectRef>
-          <a:fontRef idx="minor">
-            <a:schemeClr val="tx1"/>
-          </a:fontRef>
-        </p:style>
-      </p:cxnSp>
-      <p:sp>
-        <p:nvSpPr>
-          <p:cNvPr id="34" name="TextBox 33"/>
+            <a:r>
+              <a:rPr lang="en-US" altLang="ko-KR" sz="1600" dirty="0" smtClean="0">
+                <a:solidFill>
+                  <a:schemeClr val="tx1">
+                    <a:lumMod val="50000"/>
+                    <a:lumOff val="50000"/>
+                  </a:schemeClr>
+                </a:solidFill>
+              </a:rPr>
+              <a:t>Don’t Dead </a:t>
+            </a:r>
+            <a:r>
+              <a:rPr lang="en-US" altLang="ko-KR" sz="1600" b="1" dirty="0" smtClean="0">
+                <a:solidFill>
+                  <a:schemeClr val="bg1"/>
+                </a:solidFill>
+              </a:rPr>
+              <a:t>l </a:t>
+            </a:r>
+            <a:r>
+              <a:rPr lang="en-US" altLang="ko-KR" sz="1600" b="1" dirty="0" smtClean="0">
+                <a:solidFill>
+                  <a:schemeClr val="bg1"/>
+                </a:solidFill>
+              </a:rPr>
+              <a:t>ISSUE</a:t>
+            </a:r>
+            <a:endParaRPr lang="ko-KR" altLang="en-US" sz="1600" b="1" dirty="0">
+              <a:solidFill>
+                <a:schemeClr val="bg1"/>
+              </a:solidFill>
+            </a:endParaRPr>
+          </a:p>
+        </p:txBody>
+      </p:sp>
+      <p:sp>
+        <p:nvSpPr>
+          <p:cNvPr id="3" name="TextBox 2"/>
           <p:cNvSpPr txBox="1"/>
           <p:nvPr/>
         </p:nvSpPr>
         <p:spPr>
           <a:xfrm>
-            <a:off x="7956375" y="1860425"/>
-            <a:ext cx="1008113" cy="215444"/>
+            <a:off x="157167" y="1347614"/>
+            <a:ext cx="8640960" cy="807913"/>
           </a:xfrm>
           <a:prstGeom prst="rect">
             <a:avLst/>
           </a:prstGeom>
-          <a:noFill/>
+          <a:solidFill>
+            <a:schemeClr val="accent5">
+              <a:lumMod val="20000"/>
+              <a:lumOff val="80000"/>
+            </a:schemeClr>
+          </a:solidFill>
         </p:spPr>
         <p:txBody>
           <a:bodyPr wrap="square" rtlCol="0">
@@ -6782,28 +7447,144 @@
           <a:lstStyle/>
           <a:p>
             <a:r>
-              <a:rPr lang="ko-KR" altLang="en-US" sz="800" smtClean="0"/>
-              <a:t>탱커</a:t>
-            </a:r>
-            <a:endParaRPr lang="ko-KR" altLang="en-US" sz="800" dirty="0"/>
-          </a:p>
-        </p:txBody>
-      </p:sp>
-      <p:sp>
-        <p:nvSpPr>
-          <p:cNvPr id="35" name="TextBox 34"/>
+              <a:rPr lang="ko-KR" altLang="en-US" sz="1050" b="1" dirty="0" smtClean="0"/>
+              <a:t>다소 </a:t>
+            </a:r>
+            <a:r>
+              <a:rPr lang="ko-KR" altLang="en-US" sz="1050" b="1" dirty="0" err="1" smtClean="0"/>
+              <a:t>마이너한</a:t>
+            </a:r>
+            <a:r>
+              <a:rPr lang="ko-KR" altLang="en-US" sz="1050" b="1" dirty="0" smtClean="0"/>
+              <a:t> 장르와 </a:t>
+            </a:r>
+            <a:r>
+              <a:rPr lang="ko-KR" altLang="en-US" sz="1050" b="1" dirty="0" err="1" smtClean="0"/>
+              <a:t>유저풀</a:t>
+            </a:r>
+            <a:endParaRPr lang="en-US" altLang="ko-KR" sz="1050" b="1" dirty="0" smtClean="0"/>
+          </a:p>
+          <a:p>
+            <a:pPr marL="171450" indent="-171450">
+              <a:buFont typeface="Wingdings" pitchFamily="2" charset="2"/>
+              <a:buChar char="§"/>
+            </a:pPr>
+            <a:r>
+              <a:rPr lang="ko-KR" altLang="en-US" sz="900" dirty="0" smtClean="0"/>
+              <a:t>사실 </a:t>
+            </a:r>
+            <a:r>
+              <a:rPr lang="ko-KR" altLang="en-US" sz="900" dirty="0" err="1" smtClean="0"/>
+              <a:t>어떤게임이던지</a:t>
+            </a:r>
+            <a:r>
+              <a:rPr lang="ko-KR" altLang="en-US" sz="900" dirty="0" smtClean="0"/>
+              <a:t> </a:t>
+            </a:r>
+            <a:r>
+              <a:rPr lang="en-US" altLang="ko-KR" sz="900" dirty="0" smtClean="0"/>
+              <a:t>‘</a:t>
+            </a:r>
+            <a:r>
+              <a:rPr lang="ko-KR" altLang="en-US" sz="900" dirty="0" smtClean="0"/>
+              <a:t>딜러</a:t>
+            </a:r>
+            <a:r>
+              <a:rPr lang="en-US" altLang="ko-KR" sz="900" dirty="0" smtClean="0"/>
+              <a:t>’</a:t>
+            </a:r>
+            <a:r>
+              <a:rPr lang="ko-KR" altLang="en-US" sz="900" dirty="0" smtClean="0"/>
+              <a:t>를 하는 유저보다 </a:t>
+            </a:r>
+            <a:r>
+              <a:rPr lang="en-US" altLang="ko-KR" sz="900" dirty="0" smtClean="0"/>
+              <a:t>‘</a:t>
+            </a:r>
+            <a:r>
+              <a:rPr lang="ko-KR" altLang="en-US" sz="900" dirty="0" err="1" smtClean="0"/>
+              <a:t>힐러</a:t>
+            </a:r>
+            <a:r>
+              <a:rPr lang="en-US" altLang="ko-KR" sz="900" dirty="0" smtClean="0"/>
+              <a:t>’</a:t>
+            </a:r>
+            <a:r>
+              <a:rPr lang="ko-KR" altLang="en-US" sz="900" dirty="0" smtClean="0"/>
+              <a:t>를 하는 유저가 적은 것은 사실</a:t>
+            </a:r>
+            <a:r>
+              <a:rPr lang="en-US" altLang="ko-KR" sz="900" dirty="0" smtClean="0"/>
+              <a:t>.</a:t>
+            </a:r>
+          </a:p>
+          <a:p>
+            <a:pPr marL="171450" indent="-171450">
+              <a:buFont typeface="Wingdings" pitchFamily="2" charset="2"/>
+              <a:buChar char="§"/>
+            </a:pPr>
+            <a:r>
+              <a:rPr lang="en-US" altLang="ko-KR" sz="900" dirty="0" smtClean="0"/>
+              <a:t>‘</a:t>
+            </a:r>
+            <a:r>
+              <a:rPr lang="ko-KR" altLang="en-US" sz="900" dirty="0" err="1" smtClean="0"/>
+              <a:t>로그라이크</a:t>
+            </a:r>
+            <a:r>
+              <a:rPr lang="en-US" altLang="ko-KR" sz="900" dirty="0" smtClean="0"/>
+              <a:t>’</a:t>
+            </a:r>
+            <a:r>
+              <a:rPr lang="ko-KR" altLang="en-US" sz="900" dirty="0" smtClean="0"/>
+              <a:t>장르도 마찬가지로 </a:t>
+            </a:r>
+            <a:r>
+              <a:rPr lang="ko-KR" altLang="en-US" sz="900" dirty="0" err="1" smtClean="0"/>
+              <a:t>매니아층이</a:t>
+            </a:r>
+            <a:r>
+              <a:rPr lang="ko-KR" altLang="en-US" sz="900" dirty="0" smtClean="0"/>
+              <a:t> 즐기는 경향이 높음</a:t>
+            </a:r>
+            <a:endParaRPr lang="en-US" altLang="ko-KR" sz="900" dirty="0" smtClean="0"/>
+          </a:p>
+          <a:p>
+            <a:pPr marL="171450" indent="-171450">
+              <a:buFont typeface="Wingdings" pitchFamily="2" charset="2"/>
+              <a:buChar char="§"/>
+            </a:pPr>
+            <a:endParaRPr lang="en-US" altLang="ko-KR" sz="900" dirty="0" smtClean="0"/>
+          </a:p>
+          <a:p>
+            <a:pPr marL="171450" indent="-171450">
+              <a:buFont typeface="Wingdings" pitchFamily="2" charset="2"/>
+              <a:buChar char="§"/>
+            </a:pPr>
+            <a:endParaRPr lang="en-US" altLang="ko-KR" sz="900" dirty="0" smtClean="0"/>
+          </a:p>
+        </p:txBody>
+      </p:sp>
+      <p:sp>
+        <p:nvSpPr>
+          <p:cNvPr id="5" name="TextBox 4"/>
           <p:cNvSpPr txBox="1"/>
           <p:nvPr/>
         </p:nvSpPr>
         <p:spPr>
           <a:xfrm>
-            <a:off x="7956374" y="2158154"/>
-            <a:ext cx="1008113" cy="215444"/>
+            <a:off x="179512" y="555526"/>
+            <a:ext cx="8640960" cy="530915"/>
           </a:xfrm>
           <a:prstGeom prst="rect">
             <a:avLst/>
           </a:prstGeom>
-          <a:noFill/>
+          <a:solidFill>
+            <a:schemeClr val="accent6">
+              <a:lumMod val="20000"/>
+              <a:lumOff val="80000"/>
+            </a:schemeClr>
+          </a:solidFill>
         </p:spPr>
         <p:txBody>
           <a:bodyPr wrap="square" rtlCol="0">
@@ -6812,212 +7593,42 @@
           <a:lstStyle/>
           <a:p>
             <a:r>
-              <a:rPr lang="ko-KR" altLang="en-US" sz="800" dirty="0" smtClean="0"/>
-              <a:t>근거리 딜러</a:t>
-            </a:r>
-            <a:endParaRPr lang="ko-KR" altLang="en-US" sz="800" dirty="0"/>
-          </a:p>
-        </p:txBody>
-      </p:sp>
-      <p:sp>
-        <p:nvSpPr>
-          <p:cNvPr id="36" name="TextBox 35"/>
-          <p:cNvSpPr txBox="1"/>
-          <p:nvPr/>
-        </p:nvSpPr>
-        <p:spPr>
-          <a:xfrm>
-            <a:off x="7956373" y="2475050"/>
-            <a:ext cx="1008113" cy="215444"/>
-          </a:xfrm>
-          <a:prstGeom prst="rect">
-            <a:avLst/>
-          </a:prstGeom>
-          <a:noFill/>
-        </p:spPr>
-        <p:txBody>
-          <a:bodyPr wrap="square" rtlCol="0">
-            <a:spAutoFit/>
-          </a:bodyPr>
-          <a:lstStyle/>
-          <a:p>
-            <a:r>
-              <a:rPr lang="ko-KR" altLang="en-US" sz="800" dirty="0" smtClean="0"/>
-              <a:t>원거리 딜러</a:t>
-            </a:r>
-            <a:endParaRPr lang="ko-KR" altLang="en-US" sz="800" dirty="0"/>
-          </a:p>
-        </p:txBody>
-      </p:sp>
-      <p:sp>
-        <p:nvSpPr>
-          <p:cNvPr id="37" name="TextBox 36"/>
-          <p:cNvSpPr txBox="1"/>
-          <p:nvPr/>
-        </p:nvSpPr>
-        <p:spPr>
-          <a:xfrm>
-            <a:off x="7956372" y="2993163"/>
-            <a:ext cx="1008113" cy="215444"/>
-          </a:xfrm>
-          <a:prstGeom prst="rect">
-            <a:avLst/>
-          </a:prstGeom>
-          <a:noFill/>
-        </p:spPr>
-        <p:txBody>
-          <a:bodyPr wrap="square" rtlCol="0">
-            <a:spAutoFit/>
-          </a:bodyPr>
-          <a:lstStyle/>
-          <a:p>
-            <a:r>
-              <a:rPr lang="ko-KR" altLang="en-US" sz="800" dirty="0" smtClean="0"/>
-              <a:t>플레이어 </a:t>
-            </a:r>
-            <a:r>
-              <a:rPr lang="ko-KR" altLang="en-US" sz="800" dirty="0" err="1" smtClean="0"/>
-              <a:t>힐러</a:t>
-            </a:r>
-            <a:endParaRPr lang="ko-KR" altLang="en-US" sz="800" dirty="0"/>
-          </a:p>
-        </p:txBody>
-      </p:sp>
-      <p:sp>
-        <p:nvSpPr>
-          <p:cNvPr id="40" name="직사각형 39"/>
-          <p:cNvSpPr/>
-          <p:nvPr/>
-        </p:nvSpPr>
-        <p:spPr>
-          <a:xfrm>
-            <a:off x="2132486" y="3585144"/>
-            <a:ext cx="3168352" cy="432048"/>
-          </a:xfrm>
-          <a:prstGeom prst="rect">
-            <a:avLst/>
-          </a:prstGeom>
-        </p:spPr>
-        <p:style>
-          <a:lnRef idx="2">
-            <a:schemeClr val="accent2">
-              <a:shade val="50000"/>
-            </a:schemeClr>
-          </a:lnRef>
-          <a:fillRef idx="1">
-            <a:schemeClr val="accent2"/>
-          </a:fillRef>
-          <a:effectRef idx="0">
-            <a:schemeClr val="accent2"/>
-          </a:effectRef>
-          <a:fontRef idx="minor">
-            <a:schemeClr val="lt1"/>
-          </a:fontRef>
-        </p:style>
-        <p:txBody>
-          <a:bodyPr rtlCol="0" anchor="ctr"/>
-          <a:lstStyle/>
-          <a:p>
-            <a:pPr algn="ctr"/>
-            <a:endParaRPr lang="ko-KR" altLang="en-US"/>
-          </a:p>
-        </p:txBody>
-      </p:sp>
-      <p:sp>
-        <p:nvSpPr>
-          <p:cNvPr id="38" name="모서리가 둥근 직사각형 37"/>
-          <p:cNvSpPr/>
-          <p:nvPr/>
-        </p:nvSpPr>
-        <p:spPr>
-          <a:xfrm>
-            <a:off x="3896682" y="3579862"/>
-            <a:ext cx="1398115" cy="432048"/>
-          </a:xfrm>
-          <a:prstGeom prst="roundRect">
-            <a:avLst/>
-          </a:prstGeom>
-          <a:solidFill>
-            <a:schemeClr val="accent3"/>
-          </a:solidFill>
-        </p:spPr>
-        <p:style>
-          <a:lnRef idx="2">
-            <a:schemeClr val="accent6">
-              <a:shade val="50000"/>
-            </a:schemeClr>
-          </a:lnRef>
-          <a:fillRef idx="1">
-            <a:schemeClr val="accent6"/>
-          </a:fillRef>
-          <a:effectRef idx="0">
-            <a:schemeClr val="accent6"/>
-          </a:effectRef>
-          <a:fontRef idx="minor">
-            <a:schemeClr val="lt1"/>
-          </a:fontRef>
-        </p:style>
-        <p:txBody>
-          <a:bodyPr rtlCol="0" anchor="ctr"/>
-          <a:lstStyle/>
-          <a:p>
-            <a:pPr algn="ctr"/>
-            <a:endParaRPr lang="ko-KR" altLang="en-US"/>
-          </a:p>
-        </p:txBody>
-      </p:sp>
-      <p:sp>
-        <p:nvSpPr>
-          <p:cNvPr id="39" name="모서리가 둥근 직사각형 38"/>
-          <p:cNvSpPr/>
-          <p:nvPr/>
-        </p:nvSpPr>
-        <p:spPr>
-          <a:xfrm>
-            <a:off x="2177734" y="3687874"/>
-            <a:ext cx="1674186" cy="216024"/>
-          </a:xfrm>
-          <a:prstGeom prst="roundRect">
-            <a:avLst/>
-          </a:prstGeom>
-          <a:solidFill>
-            <a:schemeClr val="accent6"/>
-          </a:solidFill>
-          <a:ln>
-            <a:solidFill>
-              <a:schemeClr val="accent6"/>
-            </a:solidFill>
-          </a:ln>
-        </p:spPr>
-        <p:style>
-          <a:lnRef idx="2">
-            <a:schemeClr val="accent6">
-              <a:shade val="50000"/>
-            </a:schemeClr>
-          </a:lnRef>
-          <a:fillRef idx="1">
-            <a:schemeClr val="accent6"/>
-          </a:fillRef>
-          <a:effectRef idx="0">
-            <a:schemeClr val="accent6"/>
-          </a:effectRef>
-          <a:fontRef idx="minor">
-            <a:schemeClr val="lt1"/>
-          </a:fontRef>
-        </p:style>
-        <p:txBody>
-          <a:bodyPr rtlCol="0" anchor="ctr"/>
-          <a:lstStyle/>
-          <a:p>
-            <a:pPr algn="ctr"/>
-            <a:endParaRPr lang="ko-KR" altLang="en-US"/>
+              <a:rPr lang="en-US" altLang="ko-KR" sz="1050" b="1" dirty="0" smtClean="0"/>
+              <a:t>AI</a:t>
+            </a:r>
+          </a:p>
+          <a:p>
+            <a:pPr marL="171450" indent="-171450">
+              <a:buFont typeface="Wingdings" pitchFamily="2" charset="2"/>
+              <a:buChar char="§"/>
+            </a:pPr>
+            <a:r>
+              <a:rPr lang="ko-KR" altLang="en-US" sz="900" dirty="0" smtClean="0"/>
+              <a:t>보스의 이동 및 패턴에 따른 </a:t>
+            </a:r>
+            <a:r>
+              <a:rPr lang="ko-KR" altLang="en-US" sz="900" dirty="0" err="1" smtClean="0"/>
+              <a:t>파티원</a:t>
+            </a:r>
+            <a:r>
+              <a:rPr lang="en-US" altLang="ko-KR" sz="900" dirty="0" smtClean="0"/>
+              <a:t>NPC</a:t>
+            </a:r>
+            <a:r>
+              <a:rPr lang="ko-KR" altLang="en-US" sz="900" dirty="0" smtClean="0"/>
+              <a:t>의 대응 문제</a:t>
+            </a:r>
+            <a:endParaRPr lang="en-US" altLang="ko-KR" sz="900" dirty="0" smtClean="0"/>
+          </a:p>
+          <a:p>
+            <a:endParaRPr lang="en-US" altLang="ko-KR" sz="900" dirty="0" smtClean="0"/>
           </a:p>
         </p:txBody>
       </p:sp>
     </p:spTree>
     <p:extLst>
       <p:ext uri="{BB962C8B-B14F-4D97-AF65-F5344CB8AC3E}">
-        <p14:creationId xmlns:p14="http://schemas.microsoft.com/office/powerpoint/2010/main" val="1380749645"/>
+        <p14:creationId xmlns:p14="http://schemas.microsoft.com/office/powerpoint/2010/main" val="489310315"/>
       </p:ext>
     </p:extLst>
   </p:cSld>

--- a/DDDocument/Don't Die ProtoType.pptx
+++ b/DDDocument/Don't Die ProtoType.pptx
@@ -14,6 +14,7 @@
     <p:sldId id="284" r:id="rId8"/>
     <p:sldId id="285" r:id="rId9"/>
     <p:sldId id="286" r:id="rId10"/>
+    <p:sldId id="287" r:id="rId11"/>
   </p:sldIdLst>
   <p:sldSz cx="9144000" cy="5143500" type="screen16x9"/>
   <p:notesSz cx="6858000" cy="9144000"/>
@@ -296,7 +297,7 @@
           <a:p>
             <a:fld id="{45C927A5-CECA-4F02-9555-A3703B8FD879}" type="datetimeFigureOut">
               <a:rPr lang="ko-KR" altLang="en-US" smtClean="0"/>
-              <a:t>2018-05-07</a:t>
+              <a:t>2018-05-09</a:t>
             </a:fld>
             <a:endParaRPr lang="ko-KR" altLang="en-US"/>
           </a:p>
@@ -466,7 +467,7 @@
           <a:p>
             <a:fld id="{45C927A5-CECA-4F02-9555-A3703B8FD879}" type="datetimeFigureOut">
               <a:rPr lang="ko-KR" altLang="en-US" smtClean="0"/>
-              <a:t>2018-05-07</a:t>
+              <a:t>2018-05-09</a:t>
             </a:fld>
             <a:endParaRPr lang="ko-KR" altLang="en-US"/>
           </a:p>
@@ -646,7 +647,7 @@
           <a:p>
             <a:fld id="{45C927A5-CECA-4F02-9555-A3703B8FD879}" type="datetimeFigureOut">
               <a:rPr lang="ko-KR" altLang="en-US" smtClean="0"/>
-              <a:t>2018-05-07</a:t>
+              <a:t>2018-05-09</a:t>
             </a:fld>
             <a:endParaRPr lang="ko-KR" altLang="en-US"/>
           </a:p>
@@ -816,7 +817,7 @@
           <a:p>
             <a:fld id="{45C927A5-CECA-4F02-9555-A3703B8FD879}" type="datetimeFigureOut">
               <a:rPr lang="ko-KR" altLang="en-US" smtClean="0"/>
-              <a:t>2018-05-07</a:t>
+              <a:t>2018-05-09</a:t>
             </a:fld>
             <a:endParaRPr lang="ko-KR" altLang="en-US"/>
           </a:p>
@@ -1062,7 +1063,7 @@
           <a:p>
             <a:fld id="{45C927A5-CECA-4F02-9555-A3703B8FD879}" type="datetimeFigureOut">
               <a:rPr lang="ko-KR" altLang="en-US" smtClean="0"/>
-              <a:t>2018-05-07</a:t>
+              <a:t>2018-05-09</a:t>
             </a:fld>
             <a:endParaRPr lang="ko-KR" altLang="en-US"/>
           </a:p>
@@ -1350,7 +1351,7 @@
           <a:p>
             <a:fld id="{45C927A5-CECA-4F02-9555-A3703B8FD879}" type="datetimeFigureOut">
               <a:rPr lang="ko-KR" altLang="en-US" smtClean="0"/>
-              <a:t>2018-05-07</a:t>
+              <a:t>2018-05-09</a:t>
             </a:fld>
             <a:endParaRPr lang="ko-KR" altLang="en-US"/>
           </a:p>
@@ -1772,7 +1773,7 @@
           <a:p>
             <a:fld id="{45C927A5-CECA-4F02-9555-A3703B8FD879}" type="datetimeFigureOut">
               <a:rPr lang="ko-KR" altLang="en-US" smtClean="0"/>
-              <a:t>2018-05-07</a:t>
+              <a:t>2018-05-09</a:t>
             </a:fld>
             <a:endParaRPr lang="ko-KR" altLang="en-US"/>
           </a:p>
@@ -1890,7 +1891,7 @@
           <a:p>
             <a:fld id="{45C927A5-CECA-4F02-9555-A3703B8FD879}" type="datetimeFigureOut">
               <a:rPr lang="ko-KR" altLang="en-US" smtClean="0"/>
-              <a:t>2018-05-07</a:t>
+              <a:t>2018-05-09</a:t>
             </a:fld>
             <a:endParaRPr lang="ko-KR" altLang="en-US"/>
           </a:p>
@@ -1985,7 +1986,7 @@
           <a:p>
             <a:fld id="{45C927A5-CECA-4F02-9555-A3703B8FD879}" type="datetimeFigureOut">
               <a:rPr lang="ko-KR" altLang="en-US" smtClean="0"/>
-              <a:t>2018-05-07</a:t>
+              <a:t>2018-05-09</a:t>
             </a:fld>
             <a:endParaRPr lang="ko-KR" altLang="en-US"/>
           </a:p>
@@ -2262,7 +2263,7 @@
           <a:p>
             <a:fld id="{45C927A5-CECA-4F02-9555-A3703B8FD879}" type="datetimeFigureOut">
               <a:rPr lang="ko-KR" altLang="en-US" smtClean="0"/>
-              <a:t>2018-05-07</a:t>
+              <a:t>2018-05-09</a:t>
             </a:fld>
             <a:endParaRPr lang="ko-KR" altLang="en-US"/>
           </a:p>
@@ -2515,7 +2516,7 @@
           <a:p>
             <a:fld id="{45C927A5-CECA-4F02-9555-A3703B8FD879}" type="datetimeFigureOut">
               <a:rPr lang="ko-KR" altLang="en-US" smtClean="0"/>
-              <a:t>2018-05-07</a:t>
+              <a:t>2018-05-09</a:t>
             </a:fld>
             <a:endParaRPr lang="ko-KR" altLang="en-US"/>
           </a:p>
@@ -2728,7 +2729,7 @@
           <a:p>
             <a:fld id="{45C927A5-CECA-4F02-9555-A3703B8FD879}" type="datetimeFigureOut">
               <a:rPr lang="ko-KR" altLang="en-US" smtClean="0"/>
-              <a:t>2018-05-07</a:t>
+              <a:t>2018-05-09</a:t>
             </a:fld>
             <a:endParaRPr lang="ko-KR" altLang="en-US"/>
           </a:p>
@@ -3151,7 +3152,23 @@
                   <a:schemeClr val="bg1"/>
                 </a:solidFill>
               </a:rPr>
-              <a:t>Don’t Dead</a:t>
+              <a:t>Don’t </a:t>
+            </a:r>
+            <a:r>
+              <a:rPr lang="en-US" altLang="ko-KR" sz="5400" b="1" dirty="0" smtClean="0">
+                <a:solidFill>
+                  <a:schemeClr val="bg1"/>
+                </a:solidFill>
+              </a:rPr>
+              <a:t>D</a:t>
+            </a:r>
+            <a:r>
+              <a:rPr lang="en-US" altLang="ko-KR" sz="5400" b="1" dirty="0" smtClean="0">
+                <a:solidFill>
+                  <a:schemeClr val="bg1"/>
+                </a:solidFill>
+              </a:rPr>
+              <a:t>ie</a:t>
             </a:r>
             <a:endParaRPr lang="ko-KR" altLang="en-US" sz="5400" b="1" dirty="0">
               <a:solidFill>
@@ -3165,6 +3182,398 @@
     <p:extLst>
       <p:ext uri="{BB962C8B-B14F-4D97-AF65-F5344CB8AC3E}">
         <p14:creationId xmlns:p14="http://schemas.microsoft.com/office/powerpoint/2010/main" val="1012795906"/>
+      </p:ext>
+    </p:extLst>
+  </p:cSld>
+  <p:clrMapOvr>
+    <a:masterClrMapping/>
+  </p:clrMapOvr>
+  <p:timing>
+    <p:tnLst>
+      <p:par>
+        <p:cTn id="1" dur="indefinite" restart="never" nodeType="tmRoot"/>
+      </p:par>
+    </p:tnLst>
+  </p:timing>
+</p:sld>
+</file>
+
+<file path=ppt/slides/slide10.xml><?xml version="1.0" encoding="utf-8"?>
+<p:sld xmlns:a="http://schemas.openxmlformats.org/drawingml/2006/main" xmlns:r="http://schemas.openxmlformats.org/officeDocument/2006/relationships" xmlns:p="http://schemas.openxmlformats.org/presentationml/2006/main">
+  <p:cSld>
+    <p:spTree>
+      <p:nvGrpSpPr>
+        <p:cNvPr id="1" name=""/>
+        <p:cNvGrpSpPr/>
+        <p:nvPr/>
+      </p:nvGrpSpPr>
+      <p:grpSpPr>
+        <a:xfrm>
+          <a:off x="0" y="0"/>
+          <a:ext cx="0" cy="0"/>
+          <a:chOff x="0" y="0"/>
+          <a:chExt cx="0" cy="0"/>
+        </a:xfrm>
+      </p:grpSpPr>
+      <p:sp>
+        <p:nvSpPr>
+          <p:cNvPr id="4" name="직사각형 3"/>
+          <p:cNvSpPr/>
+          <p:nvPr/>
+        </p:nvSpPr>
+        <p:spPr>
+          <a:xfrm>
+            <a:off x="-3313" y="0"/>
+            <a:ext cx="9147313" cy="339502"/>
+          </a:xfrm>
+          <a:prstGeom prst="rect">
+            <a:avLst/>
+          </a:prstGeom>
+          <a:solidFill>
+            <a:schemeClr val="tx1"/>
+          </a:solidFill>
+          <a:ln>
+            <a:noFill/>
+          </a:ln>
+        </p:spPr>
+        <p:style>
+          <a:lnRef idx="2">
+            <a:schemeClr val="accent1">
+              <a:shade val="50000"/>
+            </a:schemeClr>
+          </a:lnRef>
+          <a:fillRef idx="1">
+            <a:schemeClr val="accent1"/>
+          </a:fillRef>
+          <a:effectRef idx="0">
+            <a:schemeClr val="accent1"/>
+          </a:effectRef>
+          <a:fontRef idx="minor">
+            <a:schemeClr val="lt1"/>
+          </a:fontRef>
+        </p:style>
+        <p:txBody>
+          <a:bodyPr rtlCol="0" anchor="ctr"/>
+          <a:lstStyle/>
+          <a:p>
+            <a:r>
+              <a:rPr lang="en-US" altLang="ko-KR" sz="1600" dirty="0" smtClean="0">
+                <a:solidFill>
+                  <a:schemeClr val="tx1">
+                    <a:lumMod val="50000"/>
+                    <a:lumOff val="50000"/>
+                  </a:schemeClr>
+                </a:solidFill>
+              </a:rPr>
+              <a:t>Don’t </a:t>
+            </a:r>
+            <a:r>
+              <a:rPr lang="en-US" altLang="ko-KR" sz="1600" dirty="0">
+                <a:solidFill>
+                  <a:schemeClr val="tx1">
+                    <a:lumMod val="50000"/>
+                    <a:lumOff val="50000"/>
+                  </a:schemeClr>
+                </a:solidFill>
+              </a:rPr>
+              <a:t>Die </a:t>
+            </a:r>
+            <a:r>
+              <a:rPr lang="en-US" altLang="ko-KR" sz="1600" b="1" dirty="0" smtClean="0">
+                <a:solidFill>
+                  <a:schemeClr val="bg1"/>
+                </a:solidFill>
+              </a:rPr>
+              <a:t>l Reference</a:t>
+            </a:r>
+            <a:endParaRPr lang="ko-KR" altLang="en-US" sz="1600" b="1" dirty="0">
+              <a:solidFill>
+                <a:schemeClr val="bg1"/>
+              </a:solidFill>
+            </a:endParaRPr>
+          </a:p>
+        </p:txBody>
+      </p:sp>
+      <p:sp>
+        <p:nvSpPr>
+          <p:cNvPr id="3" name="TextBox 2"/>
+          <p:cNvSpPr txBox="1"/>
+          <p:nvPr/>
+        </p:nvSpPr>
+        <p:spPr>
+          <a:xfrm>
+            <a:off x="202285" y="1347614"/>
+            <a:ext cx="8640960" cy="1200329"/>
+          </a:xfrm>
+          <a:prstGeom prst="rect">
+            <a:avLst/>
+          </a:prstGeom>
+          <a:solidFill>
+            <a:schemeClr val="accent5">
+              <a:lumMod val="20000"/>
+              <a:lumOff val="80000"/>
+            </a:schemeClr>
+          </a:solidFill>
+        </p:spPr>
+        <p:txBody>
+          <a:bodyPr wrap="square" rtlCol="0">
+            <a:spAutoFit/>
+          </a:bodyPr>
+          <a:lstStyle/>
+          <a:p>
+            <a:r>
+              <a:rPr lang="en-US" altLang="ko-KR" sz="1200" b="1" dirty="0"/>
+              <a:t>Steam</a:t>
+            </a:r>
+          </a:p>
+          <a:p>
+            <a:pPr marL="171450" indent="-171450">
+              <a:buFont typeface="Wingdings" pitchFamily="2" charset="2"/>
+              <a:buChar char="§"/>
+            </a:pPr>
+            <a:r>
+              <a:rPr lang="en-US" altLang="ko-KR" sz="1050" dirty="0"/>
+              <a:t>Titan Souls - </a:t>
+            </a:r>
+            <a:r>
+              <a:rPr lang="en-US" altLang="ko-KR" sz="1050" dirty="0">
+                <a:hlinkClick r:id="rId2"/>
+              </a:rPr>
+              <a:t>https://namu.wiki/w/Titan%20Souls</a:t>
+            </a:r>
+            <a:endParaRPr lang="en-US" altLang="ko-KR" sz="1050" dirty="0"/>
+          </a:p>
+          <a:p>
+            <a:pPr marL="171450" indent="-171450">
+              <a:buFont typeface="Wingdings" pitchFamily="2" charset="2"/>
+              <a:buChar char="§"/>
+            </a:pPr>
+            <a:r>
+              <a:rPr lang="en-US" altLang="ko-KR" sz="1050" dirty="0"/>
+              <a:t>EITR - </a:t>
+            </a:r>
+            <a:r>
+              <a:rPr lang="en-US" altLang="ko-KR" sz="1050" dirty="0">
+                <a:hlinkClick r:id="rId3"/>
+              </a:rPr>
+              <a:t>https://</a:t>
+            </a:r>
+            <a:r>
+              <a:rPr lang="en-US" altLang="ko-KR" sz="1050" dirty="0" smtClean="0">
+                <a:hlinkClick r:id="rId3"/>
+              </a:rPr>
+              <a:t>namu.wiki/w/EITR</a:t>
+            </a:r>
+            <a:endParaRPr lang="en-US" altLang="ko-KR" sz="1050" dirty="0" smtClean="0"/>
+          </a:p>
+          <a:p>
+            <a:pPr marL="171450" indent="-171450">
+              <a:buFont typeface="Wingdings" pitchFamily="2" charset="2"/>
+              <a:buChar char="§"/>
+            </a:pPr>
+            <a:r>
+              <a:rPr lang="en-US" altLang="ko-KR" sz="1050" dirty="0" smtClean="0"/>
+              <a:t>Enter the </a:t>
+            </a:r>
+            <a:r>
+              <a:rPr lang="en-US" altLang="ko-KR" sz="1050" dirty="0" err="1" smtClean="0"/>
+              <a:t>Gungeon</a:t>
+            </a:r>
+            <a:r>
+              <a:rPr lang="en-US" altLang="ko-KR" sz="1050" dirty="0"/>
+              <a:t> - </a:t>
+            </a:r>
+            <a:r>
+              <a:rPr lang="en-US" altLang="ko-KR" sz="1050" dirty="0">
+                <a:hlinkClick r:id="rId4"/>
+              </a:rPr>
+              <a:t>https://namu.wiki/w/Enter%20the%20Gungeon?from=%</a:t>
+            </a:r>
+            <a:r>
+              <a:rPr lang="en-US" altLang="ko-KR" sz="1050" dirty="0" smtClean="0">
+                <a:hlinkClick r:id="rId4"/>
+              </a:rPr>
+              <a:t>EC%97%94%ED%84%B0%20%EB%8D%94%20%EA%B1%B4%EC%A0%84</a:t>
+            </a:r>
+            <a:endParaRPr lang="en-US" altLang="ko-KR" sz="1050" dirty="0"/>
+          </a:p>
+          <a:p>
+            <a:pPr marL="171450" indent="-171450">
+              <a:buFont typeface="Wingdings" pitchFamily="2" charset="2"/>
+              <a:buChar char="§"/>
+            </a:pPr>
+            <a:endParaRPr lang="en-US" altLang="ko-KR" sz="900" dirty="0" smtClean="0"/>
+          </a:p>
+          <a:p>
+            <a:pPr marL="171450" indent="-171450">
+              <a:buFont typeface="Wingdings" pitchFamily="2" charset="2"/>
+              <a:buChar char="§"/>
+            </a:pPr>
+            <a:endParaRPr lang="en-US" altLang="ko-KR" sz="900" dirty="0" smtClean="0"/>
+          </a:p>
+        </p:txBody>
+      </p:sp>
+      <p:sp>
+        <p:nvSpPr>
+          <p:cNvPr id="6" name="TextBox 5"/>
+          <p:cNvSpPr txBox="1"/>
+          <p:nvPr/>
+        </p:nvSpPr>
+        <p:spPr>
+          <a:xfrm>
+            <a:off x="249863" y="483518"/>
+            <a:ext cx="8640960" cy="530915"/>
+          </a:xfrm>
+          <a:prstGeom prst="rect">
+            <a:avLst/>
+          </a:prstGeom>
+          <a:solidFill>
+            <a:schemeClr val="accent6">
+              <a:lumMod val="20000"/>
+              <a:lumOff val="80000"/>
+            </a:schemeClr>
+          </a:solidFill>
+        </p:spPr>
+        <p:txBody>
+          <a:bodyPr wrap="square" rtlCol="0">
+            <a:spAutoFit/>
+          </a:bodyPr>
+          <a:lstStyle/>
+          <a:p>
+            <a:r>
+              <a:rPr lang="en-US" altLang="ko-KR" sz="1050" b="1" dirty="0" smtClean="0"/>
+              <a:t>World of Warcraft</a:t>
+            </a:r>
+            <a:endParaRPr lang="en-US" altLang="ko-KR" sz="1050" b="1" dirty="0" smtClean="0"/>
+          </a:p>
+          <a:p>
+            <a:pPr marL="171450" indent="-171450">
+              <a:buFont typeface="Wingdings" pitchFamily="2" charset="2"/>
+              <a:buChar char="§"/>
+            </a:pPr>
+            <a:r>
+              <a:rPr lang="ko-KR" altLang="en-US" sz="900" dirty="0" err="1" smtClean="0"/>
+              <a:t>힐러</a:t>
+            </a:r>
+            <a:r>
+              <a:rPr lang="ko-KR" altLang="en-US" sz="900" dirty="0" smtClean="0"/>
+              <a:t> 스킬 구성</a:t>
+            </a:r>
+            <a:endParaRPr lang="en-US" altLang="ko-KR" sz="900" dirty="0" smtClean="0"/>
+          </a:p>
+          <a:p>
+            <a:pPr marL="171450" indent="-171450">
+              <a:buFont typeface="Wingdings" pitchFamily="2" charset="2"/>
+              <a:buChar char="§"/>
+            </a:pPr>
+            <a:r>
+              <a:rPr lang="ko-KR" altLang="en-US" sz="900" dirty="0" smtClean="0"/>
+              <a:t>직업</a:t>
+            </a:r>
+            <a:r>
+              <a:rPr lang="en-US" altLang="ko-KR" sz="900" dirty="0" smtClean="0"/>
+              <a:t>(</a:t>
+            </a:r>
+            <a:r>
+              <a:rPr lang="ko-KR" altLang="en-US" sz="900" dirty="0" err="1" smtClean="0"/>
+              <a:t>파티원</a:t>
+            </a:r>
+            <a:r>
+              <a:rPr lang="en-US" altLang="ko-KR" sz="900" dirty="0" smtClean="0"/>
+              <a:t>)</a:t>
+            </a:r>
+            <a:r>
+              <a:rPr lang="ko-KR" altLang="en-US" sz="900" dirty="0" smtClean="0"/>
+              <a:t>간 </a:t>
+            </a:r>
+            <a:r>
+              <a:rPr lang="ko-KR" altLang="en-US" sz="900" dirty="0" err="1" smtClean="0"/>
+              <a:t>밸런싱</a:t>
+            </a:r>
+            <a:endParaRPr lang="en-US" altLang="ko-KR" sz="900" dirty="0" smtClean="0"/>
+          </a:p>
+        </p:txBody>
+      </p:sp>
+      <p:sp>
+        <p:nvSpPr>
+          <p:cNvPr id="8" name="TextBox 7"/>
+          <p:cNvSpPr txBox="1"/>
+          <p:nvPr/>
+        </p:nvSpPr>
+        <p:spPr>
+          <a:xfrm>
+            <a:off x="202285" y="2787774"/>
+            <a:ext cx="8640960" cy="715581"/>
+          </a:xfrm>
+          <a:prstGeom prst="rect">
+            <a:avLst/>
+          </a:prstGeom>
+          <a:solidFill>
+            <a:schemeClr val="accent3">
+              <a:lumMod val="20000"/>
+              <a:lumOff val="80000"/>
+            </a:schemeClr>
+          </a:solidFill>
+        </p:spPr>
+        <p:txBody>
+          <a:bodyPr wrap="square" rtlCol="0">
+            <a:spAutoFit/>
+          </a:bodyPr>
+          <a:lstStyle/>
+          <a:p>
+            <a:r>
+              <a:rPr lang="en-US" altLang="ko-KR" sz="1200" b="1" dirty="0" smtClean="0"/>
+              <a:t>Mobile</a:t>
+            </a:r>
+            <a:endParaRPr lang="en-US" altLang="ko-KR" sz="1200" b="1" dirty="0"/>
+          </a:p>
+          <a:p>
+            <a:pPr marL="171450" indent="-171450">
+              <a:buFont typeface="Wingdings" pitchFamily="2" charset="2"/>
+              <a:buChar char="§"/>
+            </a:pPr>
+            <a:r>
+              <a:rPr lang="en-US" altLang="ko-KR" sz="1050" dirty="0" smtClean="0"/>
+              <a:t>EVIL FACTORY </a:t>
+            </a:r>
+            <a:r>
+              <a:rPr lang="en-US" altLang="ko-KR" sz="1050" dirty="0"/>
+              <a:t>- </a:t>
+            </a:r>
+            <a:r>
+              <a:rPr lang="en-US" altLang="ko-KR" sz="1050" dirty="0">
+                <a:hlinkClick r:id="rId5"/>
+              </a:rPr>
+              <a:t>https://</a:t>
+            </a:r>
+            <a:r>
+              <a:rPr lang="en-US" altLang="ko-KR" sz="1050" dirty="0" smtClean="0">
+                <a:hlinkClick r:id="rId5"/>
+              </a:rPr>
+              <a:t>namu.wiki/w/EVIL%20FACTORY</a:t>
+            </a:r>
+            <a:endParaRPr lang="en-US" altLang="ko-KR" sz="1050" dirty="0" smtClean="0"/>
+          </a:p>
+          <a:p>
+            <a:r>
+              <a:rPr lang="en-US" altLang="ko-KR" sz="900" dirty="0" smtClean="0"/>
+              <a:t> </a:t>
+            </a:r>
+            <a:endParaRPr lang="en-US" altLang="ko-KR" sz="900" dirty="0" smtClean="0"/>
+          </a:p>
+          <a:p>
+            <a:pPr marL="171450" indent="-171450">
+              <a:buFont typeface="Wingdings" pitchFamily="2" charset="2"/>
+              <a:buChar char="§"/>
+            </a:pPr>
+            <a:endParaRPr lang="en-US" altLang="ko-KR" sz="900" dirty="0" smtClean="0"/>
+          </a:p>
+        </p:txBody>
+      </p:sp>
+    </p:spTree>
+    <p:extLst>
+      <p:ext uri="{BB962C8B-B14F-4D97-AF65-F5344CB8AC3E}">
+        <p14:creationId xmlns:p14="http://schemas.microsoft.com/office/powerpoint/2010/main" val="319537160"/>
       </p:ext>
     </p:extLst>
   </p:cSld>
@@ -3248,7 +3657,7 @@
                   </a:schemeClr>
                 </a:solidFill>
               </a:rPr>
-              <a:t>Don’t Dead</a:t>
+              <a:t>Don’t </a:t>
             </a:r>
             <a:r>
               <a:rPr lang="en-US" altLang="ko-KR" sz="1600" dirty="0" smtClean="0">
@@ -3259,7 +3668,7 @@
                   </a:schemeClr>
                 </a:solidFill>
               </a:rPr>
-              <a:t> </a:t>
+              <a:t>Die </a:t>
             </a:r>
             <a:r>
               <a:rPr lang="en-US" altLang="ko-KR" sz="1600" b="1" dirty="0" smtClean="0">
@@ -3324,7 +3733,6 @@
               <a:rPr lang="en-US" altLang="ko-KR" sz="1050" b="1" dirty="0" smtClean="0"/>
               <a:t>?</a:t>
             </a:r>
-            <a:endParaRPr lang="en-US" altLang="ko-KR" sz="1050" b="1" dirty="0" smtClean="0"/>
           </a:p>
           <a:p>
             <a:pPr marL="171450" indent="-171450">
@@ -3547,7 +3955,6 @@
               <a:rPr lang="en-US" altLang="ko-KR" sz="900" dirty="0" smtClean="0"/>
               <a:t>.</a:t>
             </a:r>
-            <a:endParaRPr lang="en-US" altLang="ko-KR" sz="900" dirty="0" smtClean="0"/>
           </a:p>
           <a:p>
             <a:pPr marL="171450" indent="-171450">
@@ -4005,7 +4412,18 @@
                   </a:schemeClr>
                 </a:solidFill>
               </a:rPr>
-              <a:t>Don’t Dead </a:t>
+              <a:t>Don’t </a:t>
+            </a:r>
+            <a:r>
+              <a:rPr lang="en-US" altLang="ko-KR" sz="1600" dirty="0">
+                <a:solidFill>
+                  <a:schemeClr val="tx1">
+                    <a:lumMod val="50000"/>
+                    <a:lumOff val="50000"/>
+                  </a:schemeClr>
+                </a:solidFill>
+              </a:rPr>
+              <a:t>Die </a:t>
             </a:r>
             <a:r>
               <a:rPr lang="en-US" altLang="ko-KR" sz="1600" b="1" dirty="0" smtClean="0">
@@ -4271,7 +4689,6 @@
               <a:rPr lang="en-US" altLang="ko-KR" sz="900" dirty="0" smtClean="0"/>
               <a:t>.</a:t>
             </a:r>
-            <a:endParaRPr lang="en-US" altLang="ko-KR" sz="900" dirty="0" smtClean="0"/>
           </a:p>
           <a:p>
             <a:pPr marL="171450" indent="-171450">
@@ -4490,7 +4907,18 @@
                   </a:schemeClr>
                 </a:solidFill>
               </a:rPr>
-              <a:t>Don’t Dead </a:t>
+              <a:t>Don’t </a:t>
+            </a:r>
+            <a:r>
+              <a:rPr lang="en-US" altLang="ko-KR" sz="1600" dirty="0">
+                <a:solidFill>
+                  <a:schemeClr val="tx1">
+                    <a:lumMod val="50000"/>
+                    <a:lumOff val="50000"/>
+                  </a:schemeClr>
+                </a:solidFill>
+              </a:rPr>
+              <a:t>Die </a:t>
             </a:r>
             <a:r>
               <a:rPr lang="en-US" altLang="ko-KR" sz="1600" b="1" dirty="0" smtClean="0">
@@ -4804,7 +5232,18 @@
                   </a:schemeClr>
                 </a:solidFill>
               </a:rPr>
-              <a:t>Don’t Dead </a:t>
+              <a:t>Don’t </a:t>
+            </a:r>
+            <a:r>
+              <a:rPr lang="en-US" altLang="ko-KR" sz="1600" dirty="0">
+                <a:solidFill>
+                  <a:schemeClr val="tx1">
+                    <a:lumMod val="50000"/>
+                    <a:lumOff val="50000"/>
+                  </a:schemeClr>
+                </a:solidFill>
+              </a:rPr>
+              <a:t>Die </a:t>
             </a:r>
             <a:r>
               <a:rPr lang="en-US" altLang="ko-KR" sz="1600" b="1" dirty="0" smtClean="0">
@@ -7006,7 +7445,18 @@
                   </a:schemeClr>
                 </a:solidFill>
               </a:rPr>
-              <a:t>Don’t Dead </a:t>
+              <a:t>Don’t </a:t>
+            </a:r>
+            <a:r>
+              <a:rPr lang="en-US" altLang="ko-KR" sz="1600" dirty="0">
+                <a:solidFill>
+                  <a:schemeClr val="tx1">
+                    <a:lumMod val="50000"/>
+                    <a:lumOff val="50000"/>
+                  </a:schemeClr>
+                </a:solidFill>
+              </a:rPr>
+              <a:t>Die </a:t>
             </a:r>
             <a:r>
               <a:rPr lang="en-US" altLang="ko-KR" sz="1600" b="1" dirty="0" smtClean="0">
@@ -7143,7 +7593,18 @@
                   </a:schemeClr>
                 </a:solidFill>
               </a:rPr>
-              <a:t>Don’t Dead </a:t>
+              <a:t>Don’t </a:t>
+            </a:r>
+            <a:r>
+              <a:rPr lang="en-US" altLang="ko-KR" sz="1600" dirty="0">
+                <a:solidFill>
+                  <a:schemeClr val="tx1">
+                    <a:lumMod val="50000"/>
+                    <a:lumOff val="50000"/>
+                  </a:schemeClr>
+                </a:solidFill>
+              </a:rPr>
+              <a:t>Die </a:t>
             </a:r>
             <a:r>
               <a:rPr lang="en-US" altLang="ko-KR" sz="1600" b="1" dirty="0" smtClean="0">
@@ -7280,7 +7741,18 @@
                   </a:schemeClr>
                 </a:solidFill>
               </a:rPr>
-              <a:t>Don’t Dead </a:t>
+              <a:t>Don’t </a:t>
+            </a:r>
+            <a:r>
+              <a:rPr lang="en-US" altLang="ko-KR" sz="1600" dirty="0">
+                <a:solidFill>
+                  <a:schemeClr val="tx1">
+                    <a:lumMod val="50000"/>
+                    <a:lumOff val="50000"/>
+                  </a:schemeClr>
+                </a:solidFill>
+              </a:rPr>
+              <a:t>Die </a:t>
             </a:r>
             <a:r>
               <a:rPr lang="en-US" altLang="ko-KR" sz="1600" b="1" dirty="0" smtClean="0">
@@ -7393,7 +7865,18 @@
                   </a:schemeClr>
                 </a:solidFill>
               </a:rPr>
-              <a:t>Don’t Dead </a:t>
+              <a:t>Don’t </a:t>
+            </a:r>
+            <a:r>
+              <a:rPr lang="en-US" altLang="ko-KR" sz="1600" dirty="0">
+                <a:solidFill>
+                  <a:schemeClr val="tx1">
+                    <a:lumMod val="50000"/>
+                    <a:lumOff val="50000"/>
+                  </a:schemeClr>
+                </a:solidFill>
+              </a:rPr>
+              <a:t>Die </a:t>
             </a:r>
             <a:r>
               <a:rPr lang="en-US" altLang="ko-KR" sz="1600" b="1" dirty="0" smtClean="0">

--- a/DDDocument/Don't Die ProtoType.pptx
+++ b/DDDocument/Don't Die ProtoType.pptx
@@ -297,7 +297,7 @@
           <a:p>
             <a:fld id="{45C927A5-CECA-4F02-9555-A3703B8FD879}" type="datetimeFigureOut">
               <a:rPr lang="ko-KR" altLang="en-US" smtClean="0"/>
-              <a:t>2018-05-09</a:t>
+              <a:t>2018-05-10</a:t>
             </a:fld>
             <a:endParaRPr lang="ko-KR" altLang="en-US"/>
           </a:p>
@@ -467,7 +467,7 @@
           <a:p>
             <a:fld id="{45C927A5-CECA-4F02-9555-A3703B8FD879}" type="datetimeFigureOut">
               <a:rPr lang="ko-KR" altLang="en-US" smtClean="0"/>
-              <a:t>2018-05-09</a:t>
+              <a:t>2018-05-10</a:t>
             </a:fld>
             <a:endParaRPr lang="ko-KR" altLang="en-US"/>
           </a:p>
@@ -647,7 +647,7 @@
           <a:p>
             <a:fld id="{45C927A5-CECA-4F02-9555-A3703B8FD879}" type="datetimeFigureOut">
               <a:rPr lang="ko-KR" altLang="en-US" smtClean="0"/>
-              <a:t>2018-05-09</a:t>
+              <a:t>2018-05-10</a:t>
             </a:fld>
             <a:endParaRPr lang="ko-KR" altLang="en-US"/>
           </a:p>
@@ -817,7 +817,7 @@
           <a:p>
             <a:fld id="{45C927A5-CECA-4F02-9555-A3703B8FD879}" type="datetimeFigureOut">
               <a:rPr lang="ko-KR" altLang="en-US" smtClean="0"/>
-              <a:t>2018-05-09</a:t>
+              <a:t>2018-05-10</a:t>
             </a:fld>
             <a:endParaRPr lang="ko-KR" altLang="en-US"/>
           </a:p>
@@ -1063,7 +1063,7 @@
           <a:p>
             <a:fld id="{45C927A5-CECA-4F02-9555-A3703B8FD879}" type="datetimeFigureOut">
               <a:rPr lang="ko-KR" altLang="en-US" smtClean="0"/>
-              <a:t>2018-05-09</a:t>
+              <a:t>2018-05-10</a:t>
             </a:fld>
             <a:endParaRPr lang="ko-KR" altLang="en-US"/>
           </a:p>
@@ -1351,7 +1351,7 @@
           <a:p>
             <a:fld id="{45C927A5-CECA-4F02-9555-A3703B8FD879}" type="datetimeFigureOut">
               <a:rPr lang="ko-KR" altLang="en-US" smtClean="0"/>
-              <a:t>2018-05-09</a:t>
+              <a:t>2018-05-10</a:t>
             </a:fld>
             <a:endParaRPr lang="ko-KR" altLang="en-US"/>
           </a:p>
@@ -1773,7 +1773,7 @@
           <a:p>
             <a:fld id="{45C927A5-CECA-4F02-9555-A3703B8FD879}" type="datetimeFigureOut">
               <a:rPr lang="ko-KR" altLang="en-US" smtClean="0"/>
-              <a:t>2018-05-09</a:t>
+              <a:t>2018-05-10</a:t>
             </a:fld>
             <a:endParaRPr lang="ko-KR" altLang="en-US"/>
           </a:p>
@@ -1891,7 +1891,7 @@
           <a:p>
             <a:fld id="{45C927A5-CECA-4F02-9555-A3703B8FD879}" type="datetimeFigureOut">
               <a:rPr lang="ko-KR" altLang="en-US" smtClean="0"/>
-              <a:t>2018-05-09</a:t>
+              <a:t>2018-05-10</a:t>
             </a:fld>
             <a:endParaRPr lang="ko-KR" altLang="en-US"/>
           </a:p>
@@ -1986,7 +1986,7 @@
           <a:p>
             <a:fld id="{45C927A5-CECA-4F02-9555-A3703B8FD879}" type="datetimeFigureOut">
               <a:rPr lang="ko-KR" altLang="en-US" smtClean="0"/>
-              <a:t>2018-05-09</a:t>
+              <a:t>2018-05-10</a:t>
             </a:fld>
             <a:endParaRPr lang="ko-KR" altLang="en-US"/>
           </a:p>
@@ -2263,7 +2263,7 @@
           <a:p>
             <a:fld id="{45C927A5-CECA-4F02-9555-A3703B8FD879}" type="datetimeFigureOut">
               <a:rPr lang="ko-KR" altLang="en-US" smtClean="0"/>
-              <a:t>2018-05-09</a:t>
+              <a:t>2018-05-10</a:t>
             </a:fld>
             <a:endParaRPr lang="ko-KR" altLang="en-US"/>
           </a:p>
@@ -2516,7 +2516,7 @@
           <a:p>
             <a:fld id="{45C927A5-CECA-4F02-9555-A3703B8FD879}" type="datetimeFigureOut">
               <a:rPr lang="ko-KR" altLang="en-US" smtClean="0"/>
-              <a:t>2018-05-09</a:t>
+              <a:t>2018-05-10</a:t>
             </a:fld>
             <a:endParaRPr lang="ko-KR" altLang="en-US"/>
           </a:p>
@@ -2729,7 +2729,7 @@
           <a:p>
             <a:fld id="{45C927A5-CECA-4F02-9555-A3703B8FD879}" type="datetimeFigureOut">
               <a:rPr lang="ko-KR" altLang="en-US" smtClean="0"/>
-              <a:t>2018-05-09</a:t>
+              <a:t>2018-05-10</a:t>
             </a:fld>
             <a:endParaRPr lang="ko-KR" altLang="en-US"/>
           </a:p>
@@ -3152,23 +3152,7 @@
                   <a:schemeClr val="bg1"/>
                 </a:solidFill>
               </a:rPr>
-              <a:t>Don’t </a:t>
-            </a:r>
-            <a:r>
-              <a:rPr lang="en-US" altLang="ko-KR" sz="5400" b="1" dirty="0" smtClean="0">
-                <a:solidFill>
-                  <a:schemeClr val="bg1"/>
-                </a:solidFill>
-              </a:rPr>
-              <a:t>D</a:t>
-            </a:r>
-            <a:r>
-              <a:rPr lang="en-US" altLang="ko-KR" sz="5400" b="1" dirty="0" smtClean="0">
-                <a:solidFill>
-                  <a:schemeClr val="bg1"/>
-                </a:solidFill>
-              </a:rPr>
-              <a:t>ie</a:t>
+              <a:t>Don’t Die</a:t>
             </a:r>
             <a:endParaRPr lang="ko-KR" altLang="en-US" sz="5400" b="1" dirty="0">
               <a:solidFill>
@@ -3444,7 +3428,6 @@
               <a:rPr lang="en-US" altLang="ko-KR" sz="1050" b="1" dirty="0" smtClean="0"/>
               <a:t>World of Warcraft</a:t>
             </a:r>
-            <a:endParaRPr lang="en-US" altLang="ko-KR" sz="1050" b="1" dirty="0" smtClean="0"/>
           </a:p>
           <a:p>
             <a:pPr marL="171450" indent="-171450">
@@ -3558,6 +3541,10 @@
             <a:r>
               <a:rPr lang="en-US" altLang="ko-KR" sz="900" dirty="0" smtClean="0"/>
               <a:t> </a:t>
+            </a:r>
+            <a:r>
+              <a:rPr lang="ko-KR" altLang="en-US" sz="900" smtClean="0"/>
+              <a:t>보스를죽여라</a:t>
             </a:r>
             <a:endParaRPr lang="en-US" altLang="ko-KR" sz="900" dirty="0" smtClean="0"/>
           </a:p>
@@ -3657,18 +3644,7 @@
                   </a:schemeClr>
                 </a:solidFill>
               </a:rPr>
-              <a:t>Don’t </a:t>
-            </a:r>
-            <a:r>
-              <a:rPr lang="en-US" altLang="ko-KR" sz="1600" dirty="0" smtClean="0">
-                <a:solidFill>
-                  <a:schemeClr val="tx1">
-                    <a:lumMod val="50000"/>
-                    <a:lumOff val="50000"/>
-                  </a:schemeClr>
-                </a:solidFill>
-              </a:rPr>
-              <a:t>Die </a:t>
+              <a:t>Don’t Die </a:t>
             </a:r>
             <a:r>
               <a:rPr lang="en-US" altLang="ko-KR" sz="1600" b="1" dirty="0" smtClean="0">
@@ -4431,15 +4407,7 @@
                   <a:schemeClr val="bg1"/>
                 </a:solidFill>
               </a:rPr>
-              <a:t>l </a:t>
-            </a:r>
-            <a:r>
-              <a:rPr lang="en-US" altLang="ko-KR" sz="1600" b="1" dirty="0" smtClean="0">
-                <a:solidFill>
-                  <a:schemeClr val="bg1"/>
-                </a:solidFill>
-              </a:rPr>
-              <a:t>Prototype </a:t>
+              <a:t>l Prototype </a:t>
             </a:r>
             <a:r>
               <a:rPr lang="ko-KR" altLang="en-US" sz="1600" b="1" dirty="0" smtClean="0">
@@ -7884,15 +7852,7 @@
                   <a:schemeClr val="bg1"/>
                 </a:solidFill>
               </a:rPr>
-              <a:t>l </a:t>
-            </a:r>
-            <a:r>
-              <a:rPr lang="en-US" altLang="ko-KR" sz="1600" b="1" dirty="0" smtClean="0">
-                <a:solidFill>
-                  <a:schemeClr val="bg1"/>
-                </a:solidFill>
-              </a:rPr>
-              <a:t>ISSUE</a:t>
+              <a:t>l ISSUE</a:t>
             </a:r>
             <a:endParaRPr lang="ko-KR" altLang="en-US" sz="1600" b="1" dirty="0">
               <a:solidFill>

--- a/DDDocument/Don't Die ProtoType.pptx
+++ b/DDDocument/Don't Die ProtoType.pptx
@@ -13,8 +13,15 @@
     <p:sldId id="283" r:id="rId7"/>
     <p:sldId id="284" r:id="rId8"/>
     <p:sldId id="285" r:id="rId9"/>
-    <p:sldId id="286" r:id="rId10"/>
-    <p:sldId id="287" r:id="rId11"/>
+    <p:sldId id="288" r:id="rId10"/>
+    <p:sldId id="289" r:id="rId11"/>
+    <p:sldId id="291" r:id="rId12"/>
+    <p:sldId id="292" r:id="rId13"/>
+    <p:sldId id="293" r:id="rId14"/>
+    <p:sldId id="294" r:id="rId15"/>
+    <p:sldId id="295" r:id="rId16"/>
+    <p:sldId id="286" r:id="rId17"/>
+    <p:sldId id="287" r:id="rId18"/>
   </p:sldIdLst>
   <p:sldSz cx="9144000" cy="5143500" type="screen16x9"/>
   <p:notesSz cx="6858000" cy="9144000"/>
@@ -3207,7 +3214,7 @@
         </p:nvSpPr>
         <p:spPr>
           <a:xfrm>
-            <a:off x="-3313" y="0"/>
+            <a:off x="-15038" y="6993"/>
             <a:ext cx="9147313" cy="339502"/>
           </a:xfrm>
           <a:prstGeom prst="rect">
@@ -3268,7 +3275,23 @@
                   <a:schemeClr val="bg1"/>
                 </a:solidFill>
               </a:rPr>
-              <a:t>l Reference</a:t>
+              <a:t>l </a:t>
+            </a:r>
+            <a:r>
+              <a:rPr lang="ko-KR" altLang="en-US" sz="1600" b="1" dirty="0" err="1" smtClean="0">
+                <a:solidFill>
+                  <a:schemeClr val="bg1"/>
+                </a:solidFill>
+              </a:rPr>
+              <a:t>힐러</a:t>
+            </a:r>
+            <a:r>
+              <a:rPr lang="ko-KR" altLang="en-US" sz="1600" b="1" dirty="0" smtClean="0">
+                <a:solidFill>
+                  <a:schemeClr val="bg1"/>
+                </a:solidFill>
+              </a:rPr>
+              <a:t> 스킬</a:t>
             </a:r>
             <a:endParaRPr lang="ko-KR" altLang="en-US" sz="1600" b="1" dirty="0">
               <a:solidFill>
@@ -3286,8 +3309,1335 @@
         </p:nvSpPr>
         <p:spPr>
           <a:xfrm>
-            <a:off x="202285" y="1347614"/>
-            <a:ext cx="8640960" cy="1200329"/>
+            <a:off x="238138" y="508850"/>
+            <a:ext cx="8640960" cy="2192908"/>
+          </a:xfrm>
+          <a:prstGeom prst="rect">
+            <a:avLst/>
+          </a:prstGeom>
+          <a:solidFill>
+            <a:schemeClr val="accent6">
+              <a:lumMod val="20000"/>
+              <a:lumOff val="80000"/>
+            </a:schemeClr>
+          </a:solidFill>
+        </p:spPr>
+        <p:txBody>
+          <a:bodyPr wrap="square" rtlCol="0">
+            <a:spAutoFit/>
+          </a:bodyPr>
+          <a:lstStyle/>
+          <a:p>
+            <a:r>
+              <a:rPr lang="ko-KR" altLang="en-US" sz="1050" b="1" dirty="0" smtClean="0"/>
+              <a:t>스킬 정의</a:t>
+            </a:r>
+            <a:endParaRPr lang="en-US" altLang="ko-KR" sz="1050" b="1" dirty="0" smtClean="0"/>
+          </a:p>
+          <a:p>
+            <a:pPr marL="171450" indent="-171450">
+              <a:buFont typeface="Wingdings" pitchFamily="2" charset="2"/>
+              <a:buChar char="§"/>
+            </a:pPr>
+            <a:r>
+              <a:rPr lang="en-US" altLang="ko-KR" sz="900" dirty="0" err="1"/>
+              <a:t>Mp</a:t>
+            </a:r>
+            <a:r>
+              <a:rPr lang="en-US" altLang="ko-KR" sz="900" dirty="0"/>
+              <a:t> </a:t>
+            </a:r>
+            <a:r>
+              <a:rPr lang="en-US" altLang="ko-KR" sz="900" dirty="0" smtClean="0"/>
+              <a:t> : </a:t>
+            </a:r>
+            <a:r>
+              <a:rPr lang="ko-KR" altLang="en-US" sz="900" dirty="0" smtClean="0"/>
+              <a:t>마나 사용량</a:t>
+            </a:r>
+            <a:endParaRPr lang="en-US" altLang="ko-KR" sz="900" dirty="0" smtClean="0"/>
+          </a:p>
+          <a:p>
+            <a:pPr marL="171450" indent="-171450">
+              <a:buFont typeface="Wingdings" pitchFamily="2" charset="2"/>
+              <a:buChar char="§"/>
+            </a:pPr>
+            <a:r>
+              <a:rPr lang="en-US" altLang="ko-KR" sz="900" dirty="0" err="1" smtClean="0"/>
+              <a:t>castingTime</a:t>
+            </a:r>
+            <a:r>
+              <a:rPr lang="en-US" altLang="ko-KR" sz="900" dirty="0" smtClean="0"/>
+              <a:t> :</a:t>
+            </a:r>
+            <a:r>
+              <a:rPr lang="ko-KR" altLang="en-US" sz="900" dirty="0" smtClean="0"/>
+              <a:t> 즉시 </a:t>
+            </a:r>
+            <a:r>
+              <a:rPr lang="ko-KR" altLang="en-US" sz="900" dirty="0" err="1" smtClean="0"/>
+              <a:t>시전</a:t>
+            </a:r>
+            <a:r>
+              <a:rPr lang="en-US" altLang="ko-KR" sz="900" dirty="0" smtClean="0"/>
+              <a:t>(</a:t>
+            </a:r>
+            <a:r>
+              <a:rPr lang="en-US" altLang="ko-KR" sz="900" dirty="0" err="1" smtClean="0"/>
+              <a:t>castingTime</a:t>
+            </a:r>
+            <a:r>
+              <a:rPr lang="en-US" altLang="ko-KR" sz="900" dirty="0" smtClean="0"/>
+              <a:t> == 0)</a:t>
+            </a:r>
+            <a:r>
+              <a:rPr lang="en-US" altLang="ko-KR" sz="900" dirty="0" smtClean="0"/>
+              <a:t> or </a:t>
+            </a:r>
+            <a:r>
+              <a:rPr lang="ko-KR" altLang="en-US" sz="900" dirty="0" smtClean="0"/>
+              <a:t>캐스팅 </a:t>
+            </a:r>
+            <a:r>
+              <a:rPr lang="ko-KR" altLang="en-US" sz="900" dirty="0" err="1" smtClean="0"/>
+              <a:t>시전</a:t>
+            </a:r>
+            <a:r>
+              <a:rPr lang="en-US" altLang="ko-KR" sz="900" dirty="0" smtClean="0"/>
+              <a:t>(</a:t>
+            </a:r>
+            <a:r>
+              <a:rPr lang="en-US" altLang="ko-KR" sz="900" dirty="0" err="1" smtClean="0"/>
+              <a:t>castingTime</a:t>
+            </a:r>
+            <a:r>
+              <a:rPr lang="en-US" altLang="ko-KR" sz="900" dirty="0" smtClean="0"/>
+              <a:t> &gt; 0)</a:t>
+            </a:r>
+          </a:p>
+          <a:p>
+            <a:pPr marL="171450" indent="-171450">
+              <a:buFont typeface="Wingdings" pitchFamily="2" charset="2"/>
+              <a:buChar char="§"/>
+            </a:pPr>
+            <a:r>
+              <a:rPr lang="en-US" altLang="ko-KR" sz="900" dirty="0" err="1"/>
+              <a:t>CoolTime</a:t>
+            </a:r>
+            <a:endParaRPr lang="en-US" altLang="ko-KR" sz="900" dirty="0" smtClean="0"/>
+          </a:p>
+          <a:p>
+            <a:pPr marL="171450" indent="-171450">
+              <a:buFont typeface="Wingdings" pitchFamily="2" charset="2"/>
+              <a:buChar char="§"/>
+            </a:pPr>
+            <a:r>
+              <a:rPr lang="en-US" altLang="ko-KR" sz="900" dirty="0" err="1"/>
+              <a:t>SkillDistance</a:t>
+            </a:r>
+            <a:r>
+              <a:rPr lang="en-US" altLang="ko-KR" sz="900" dirty="0"/>
+              <a:t> </a:t>
+            </a:r>
+            <a:r>
+              <a:rPr lang="en-US" altLang="ko-KR" sz="900" dirty="0" smtClean="0"/>
+              <a:t>: </a:t>
+            </a:r>
+            <a:r>
+              <a:rPr lang="ko-KR" altLang="en-US" sz="900" dirty="0" err="1" smtClean="0"/>
+              <a:t>시전가능거리</a:t>
+            </a:r>
+            <a:endParaRPr lang="en-US" altLang="ko-KR" sz="900" dirty="0" smtClean="0"/>
+          </a:p>
+          <a:p>
+            <a:pPr marL="171450" indent="-171450">
+              <a:buFont typeface="Wingdings" pitchFamily="2" charset="2"/>
+              <a:buChar char="§"/>
+            </a:pPr>
+            <a:r>
+              <a:rPr lang="en-US" altLang="ko-KR" sz="900" dirty="0" err="1"/>
+              <a:t>HealValue</a:t>
+            </a:r>
+            <a:r>
+              <a:rPr lang="en-US" altLang="ko-KR" sz="900" dirty="0"/>
+              <a:t> </a:t>
+            </a:r>
+            <a:r>
+              <a:rPr lang="en-US" altLang="ko-KR" sz="900" dirty="0" smtClean="0"/>
+              <a:t>: </a:t>
+            </a:r>
+            <a:r>
+              <a:rPr lang="en-US" altLang="ko-KR" sz="900" dirty="0" err="1" smtClean="0"/>
+              <a:t>Hp</a:t>
+            </a:r>
+            <a:r>
+              <a:rPr lang="ko-KR" altLang="en-US" sz="900" dirty="0" err="1" smtClean="0"/>
+              <a:t>회복량</a:t>
+            </a:r>
+            <a:endParaRPr lang="en-US" altLang="ko-KR" sz="900" dirty="0"/>
+          </a:p>
+          <a:p>
+            <a:pPr marL="171450" indent="-171450">
+              <a:buFont typeface="Wingdings" pitchFamily="2" charset="2"/>
+              <a:buChar char="§"/>
+            </a:pPr>
+            <a:r>
+              <a:rPr lang="en-US" altLang="ko-KR" sz="900" dirty="0"/>
+              <a:t>Range </a:t>
+            </a:r>
+            <a:r>
+              <a:rPr lang="en-US" altLang="ko-KR" sz="900" dirty="0" smtClean="0"/>
+              <a:t> : </a:t>
+            </a:r>
+            <a:r>
+              <a:rPr lang="ko-KR" altLang="en-US" sz="900" dirty="0" smtClean="0"/>
+              <a:t>범위 값</a:t>
+            </a:r>
+            <a:endParaRPr lang="en-US" altLang="ko-KR" sz="900" dirty="0" smtClean="0"/>
+          </a:p>
+          <a:p>
+            <a:pPr marL="171450" indent="-171450">
+              <a:buFont typeface="Wingdings" pitchFamily="2" charset="2"/>
+              <a:buChar char="§"/>
+            </a:pPr>
+            <a:r>
+              <a:rPr lang="en-US" altLang="ko-KR" sz="900" dirty="0" err="1"/>
+              <a:t>RemainTime</a:t>
+            </a:r>
+            <a:r>
+              <a:rPr lang="en-US" altLang="ko-KR" sz="900" dirty="0"/>
+              <a:t> </a:t>
+            </a:r>
+            <a:r>
+              <a:rPr lang="en-US" altLang="ko-KR" sz="900" dirty="0" smtClean="0"/>
+              <a:t>: </a:t>
+            </a:r>
+            <a:r>
+              <a:rPr lang="ko-KR" altLang="en-US" sz="900" dirty="0" smtClean="0"/>
+              <a:t>지속시간 값</a:t>
+            </a:r>
+            <a:endParaRPr lang="en-US" altLang="ko-KR" sz="900" dirty="0" smtClean="0"/>
+          </a:p>
+          <a:p>
+            <a:pPr marL="171450" indent="-171450">
+              <a:buFont typeface="Wingdings" pitchFamily="2" charset="2"/>
+              <a:buChar char="§"/>
+            </a:pPr>
+            <a:r>
+              <a:rPr lang="en-US" altLang="ko-KR" sz="900" dirty="0" err="1" smtClean="0"/>
+              <a:t>ExValue</a:t>
+            </a:r>
+            <a:r>
+              <a:rPr lang="en-US" altLang="ko-KR" sz="900" dirty="0" smtClean="0"/>
+              <a:t> : </a:t>
+            </a:r>
+            <a:r>
+              <a:rPr lang="ko-KR" altLang="en-US" sz="900" dirty="0" err="1" smtClean="0"/>
+              <a:t>도트힐</a:t>
+            </a:r>
+            <a:r>
+              <a:rPr lang="en-US" altLang="ko-KR" sz="900" dirty="0" smtClean="0"/>
+              <a:t>, </a:t>
+            </a:r>
+            <a:r>
+              <a:rPr lang="ko-KR" altLang="en-US" sz="900" dirty="0" err="1" smtClean="0"/>
+              <a:t>쉴드등을</a:t>
+            </a:r>
+            <a:r>
+              <a:rPr lang="ko-KR" altLang="en-US" sz="900" dirty="0" smtClean="0"/>
+              <a:t> 위한 </a:t>
+            </a:r>
+            <a:r>
+              <a:rPr lang="ko-KR" altLang="en-US" sz="900" dirty="0" err="1" smtClean="0"/>
+              <a:t>예비값</a:t>
+            </a:r>
+            <a:endParaRPr lang="en-US" altLang="ko-KR" sz="900" dirty="0" smtClean="0"/>
+          </a:p>
+          <a:p>
+            <a:pPr marL="171450" indent="-171450">
+              <a:buFont typeface="Wingdings" pitchFamily="2" charset="2"/>
+              <a:buChar char="§"/>
+            </a:pPr>
+            <a:r>
+              <a:rPr lang="en-US" altLang="ko-KR" sz="900" dirty="0"/>
+              <a:t>System </a:t>
+            </a:r>
+            <a:r>
+              <a:rPr lang="en-US" altLang="ko-KR" sz="900" dirty="0" smtClean="0"/>
+              <a:t>: </a:t>
+            </a:r>
+            <a:r>
+              <a:rPr lang="ko-KR" altLang="en-US" sz="900" dirty="0" err="1" smtClean="0"/>
+              <a:t>타겟</a:t>
+            </a:r>
+            <a:r>
+              <a:rPr lang="ko-KR" altLang="en-US" sz="900" dirty="0" smtClean="0"/>
+              <a:t> </a:t>
+            </a:r>
+            <a:r>
+              <a:rPr lang="en-US" altLang="ko-KR" sz="900" dirty="0" smtClean="0"/>
+              <a:t>or </a:t>
+            </a:r>
+            <a:r>
+              <a:rPr lang="ko-KR" altLang="en-US" sz="900" dirty="0" err="1" smtClean="0"/>
+              <a:t>논타겟</a:t>
+            </a:r>
+            <a:endParaRPr lang="en-US" altLang="ko-KR" sz="900" dirty="0" smtClean="0"/>
+          </a:p>
+          <a:p>
+            <a:pPr marL="171450" indent="-171450">
+              <a:buFont typeface="Wingdings" pitchFamily="2" charset="2"/>
+              <a:buChar char="§"/>
+            </a:pPr>
+            <a:r>
+              <a:rPr lang="en-US" altLang="ko-KR" sz="900" dirty="0"/>
+              <a:t>Type </a:t>
+            </a:r>
+            <a:r>
+              <a:rPr lang="en-US" altLang="ko-KR" sz="900" dirty="0" smtClean="0"/>
+              <a:t> : </a:t>
+            </a:r>
+            <a:r>
+              <a:rPr lang="ko-KR" altLang="en-US" sz="900" dirty="0" smtClean="0"/>
+              <a:t>속성</a:t>
+            </a:r>
+            <a:r>
+              <a:rPr lang="en-US" altLang="ko-KR" sz="900" dirty="0" smtClean="0"/>
+              <a:t>(</a:t>
+            </a:r>
+            <a:r>
+              <a:rPr lang="ko-KR" altLang="en-US" sz="900" dirty="0" smtClean="0"/>
+              <a:t>직접 </a:t>
+            </a:r>
+            <a:r>
+              <a:rPr lang="ko-KR" altLang="en-US" sz="900" dirty="0" err="1" smtClean="0"/>
+              <a:t>힐</a:t>
+            </a:r>
+            <a:r>
+              <a:rPr lang="en-US" altLang="ko-KR" sz="900" dirty="0" smtClean="0"/>
+              <a:t>, </a:t>
+            </a:r>
+            <a:r>
+              <a:rPr lang="ko-KR" altLang="en-US" sz="900" dirty="0" smtClean="0"/>
+              <a:t>도트 </a:t>
+            </a:r>
+            <a:r>
+              <a:rPr lang="ko-KR" altLang="en-US" sz="900" dirty="0" err="1" smtClean="0"/>
+              <a:t>힐</a:t>
+            </a:r>
+            <a:r>
+              <a:rPr lang="en-US" altLang="ko-KR" sz="900" dirty="0" smtClean="0"/>
+              <a:t>, Shield, Buff, </a:t>
+            </a:r>
+            <a:r>
+              <a:rPr lang="en-US" altLang="ko-KR" sz="900" dirty="0" err="1" smtClean="0"/>
+              <a:t>Debuff</a:t>
+            </a:r>
+            <a:r>
+              <a:rPr lang="en-US" altLang="ko-KR" sz="900" dirty="0"/>
+              <a:t>, </a:t>
+            </a:r>
+            <a:r>
+              <a:rPr lang="en-US" altLang="ko-KR" sz="900" dirty="0" smtClean="0"/>
+              <a:t>Special)</a:t>
+            </a:r>
+          </a:p>
+          <a:p>
+            <a:pPr marL="171450" indent="-171450">
+              <a:buFont typeface="Wingdings" pitchFamily="2" charset="2"/>
+              <a:buChar char="§"/>
+            </a:pPr>
+            <a:r>
+              <a:rPr lang="en-US" altLang="ko-KR" sz="900" dirty="0" smtClean="0"/>
+              <a:t>Buff : </a:t>
+            </a:r>
+            <a:r>
+              <a:rPr lang="ko-KR" altLang="en-US" sz="900" dirty="0" smtClean="0"/>
+              <a:t>방어력 증가</a:t>
+            </a:r>
+            <a:r>
+              <a:rPr lang="en-US" altLang="ko-KR" sz="900" dirty="0" smtClean="0"/>
+              <a:t>, </a:t>
+            </a:r>
+            <a:r>
+              <a:rPr lang="ko-KR" altLang="en-US" sz="900" dirty="0" smtClean="0"/>
+              <a:t>공격력증가</a:t>
+            </a:r>
+            <a:r>
+              <a:rPr lang="en-US" altLang="ko-KR" sz="900" dirty="0"/>
+              <a:t> </a:t>
+            </a:r>
+            <a:r>
+              <a:rPr lang="ko-KR" altLang="en-US" sz="900" dirty="0" smtClean="0"/>
+              <a:t>등</a:t>
+            </a:r>
+            <a:endParaRPr lang="en-US" altLang="ko-KR" sz="900" dirty="0" smtClean="0"/>
+          </a:p>
+          <a:p>
+            <a:pPr marL="171450" indent="-171450">
+              <a:buFont typeface="Wingdings" pitchFamily="2" charset="2"/>
+              <a:buChar char="§"/>
+            </a:pPr>
+            <a:r>
+              <a:rPr lang="en-US" altLang="ko-KR" sz="900" dirty="0" err="1" smtClean="0"/>
+              <a:t>Debuff</a:t>
+            </a:r>
+            <a:r>
+              <a:rPr lang="en-US" altLang="ko-KR" sz="900" dirty="0" smtClean="0"/>
+              <a:t> : </a:t>
+            </a:r>
+            <a:r>
+              <a:rPr lang="ko-KR" altLang="en-US" sz="900" dirty="0" smtClean="0"/>
+              <a:t>적 방어력 감소 등</a:t>
+            </a:r>
+            <a:r>
+              <a:rPr lang="en-US" altLang="ko-KR" sz="900" dirty="0" smtClean="0"/>
+              <a:t>.</a:t>
+            </a:r>
+            <a:endParaRPr lang="en-US" altLang="ko-KR" sz="900" dirty="0" smtClean="0"/>
+          </a:p>
+          <a:p>
+            <a:pPr marL="171450" indent="-171450">
+              <a:buFont typeface="Wingdings" pitchFamily="2" charset="2"/>
+              <a:buChar char="§"/>
+            </a:pPr>
+            <a:r>
+              <a:rPr lang="en-US" altLang="ko-KR" sz="900" dirty="0" smtClean="0"/>
+              <a:t>Special</a:t>
+            </a:r>
+            <a:r>
+              <a:rPr lang="ko-KR" altLang="en-US" sz="900" dirty="0" smtClean="0"/>
+              <a:t> </a:t>
+            </a:r>
+            <a:r>
+              <a:rPr lang="en-US" altLang="ko-KR" sz="900" dirty="0" smtClean="0"/>
+              <a:t>: </a:t>
+            </a:r>
+            <a:r>
+              <a:rPr lang="ko-KR" altLang="en-US" sz="900" dirty="0" smtClean="0"/>
+              <a:t>특수스킬</a:t>
+            </a:r>
+            <a:r>
+              <a:rPr lang="en-US" altLang="ko-KR" sz="900" dirty="0" smtClean="0"/>
+              <a:t> – ex)</a:t>
+            </a:r>
+            <a:r>
+              <a:rPr lang="ko-KR" altLang="en-US" sz="900" dirty="0" err="1" smtClean="0"/>
+              <a:t>파티원</a:t>
+            </a:r>
+            <a:r>
+              <a:rPr lang="ko-KR" altLang="en-US" sz="900" dirty="0" smtClean="0"/>
+              <a:t> </a:t>
+            </a:r>
+            <a:r>
+              <a:rPr lang="en-US" altLang="ko-KR" sz="900" dirty="0" smtClean="0"/>
+              <a:t>1</a:t>
+            </a:r>
+            <a:r>
+              <a:rPr lang="ko-KR" altLang="en-US" sz="900" dirty="0" smtClean="0"/>
+              <a:t>인을 </a:t>
+            </a:r>
+            <a:r>
+              <a:rPr lang="ko-KR" altLang="en-US" sz="900" dirty="0" err="1" smtClean="0"/>
+              <a:t>자기앞으로</a:t>
+            </a:r>
+            <a:r>
+              <a:rPr lang="ko-KR" altLang="en-US" sz="900" dirty="0" smtClean="0"/>
+              <a:t> 당겨오기</a:t>
+            </a:r>
+            <a:endParaRPr lang="en-US" altLang="ko-KR" sz="900" dirty="0" smtClean="0"/>
+          </a:p>
+          <a:p>
+            <a:pPr marL="171450" indent="-171450">
+              <a:buFont typeface="Wingdings" pitchFamily="2" charset="2"/>
+              <a:buChar char="§"/>
+            </a:pPr>
+            <a:endParaRPr lang="en-US" altLang="ko-KR" sz="900" dirty="0" smtClean="0"/>
+          </a:p>
+        </p:txBody>
+      </p:sp>
+      <p:sp>
+        <p:nvSpPr>
+          <p:cNvPr id="2" name="직사각형 1"/>
+          <p:cNvSpPr/>
+          <p:nvPr/>
+        </p:nvSpPr>
+        <p:spPr>
+          <a:xfrm>
+            <a:off x="238138" y="2787774"/>
+            <a:ext cx="936104" cy="504056"/>
+          </a:xfrm>
+          <a:prstGeom prst="rect">
+            <a:avLst/>
+          </a:prstGeom>
+        </p:spPr>
+        <p:style>
+          <a:lnRef idx="2">
+            <a:schemeClr val="accent1">
+              <a:shade val="50000"/>
+            </a:schemeClr>
+          </a:lnRef>
+          <a:fillRef idx="1">
+            <a:schemeClr val="accent1"/>
+          </a:fillRef>
+          <a:effectRef idx="0">
+            <a:schemeClr val="accent1"/>
+          </a:effectRef>
+          <a:fontRef idx="minor">
+            <a:schemeClr val="lt1"/>
+          </a:fontRef>
+        </p:style>
+        <p:txBody>
+          <a:bodyPr rtlCol="0" anchor="ctr"/>
+          <a:lstStyle/>
+          <a:p>
+            <a:pPr algn="ctr"/>
+            <a:r>
+              <a:rPr lang="ko-KR" altLang="en-US" sz="1000" dirty="0" smtClean="0"/>
+              <a:t>마나 사용량</a:t>
+            </a:r>
+            <a:endParaRPr lang="ko-KR" altLang="en-US" sz="1000" dirty="0"/>
+          </a:p>
+        </p:txBody>
+      </p:sp>
+      <p:sp>
+        <p:nvSpPr>
+          <p:cNvPr id="6" name="직사각형 5"/>
+          <p:cNvSpPr/>
+          <p:nvPr/>
+        </p:nvSpPr>
+        <p:spPr>
+          <a:xfrm>
+            <a:off x="243012" y="3935924"/>
+            <a:ext cx="936104" cy="432048"/>
+          </a:xfrm>
+          <a:prstGeom prst="rect">
+            <a:avLst/>
+          </a:prstGeom>
+        </p:spPr>
+        <p:style>
+          <a:lnRef idx="2">
+            <a:schemeClr val="accent1">
+              <a:shade val="50000"/>
+            </a:schemeClr>
+          </a:lnRef>
+          <a:fillRef idx="1">
+            <a:schemeClr val="accent1"/>
+          </a:fillRef>
+          <a:effectRef idx="0">
+            <a:schemeClr val="accent1"/>
+          </a:effectRef>
+          <a:fontRef idx="minor">
+            <a:schemeClr val="lt1"/>
+          </a:fontRef>
+        </p:style>
+        <p:txBody>
+          <a:bodyPr rtlCol="0" anchor="ctr"/>
+          <a:lstStyle/>
+          <a:p>
+            <a:pPr algn="ctr"/>
+            <a:r>
+              <a:rPr lang="ko-KR" altLang="en-US" sz="1000" dirty="0" smtClean="0"/>
+              <a:t>캐스팅 시간</a:t>
+            </a:r>
+            <a:endParaRPr lang="ko-KR" altLang="en-US" sz="1000" dirty="0"/>
+          </a:p>
+        </p:txBody>
+      </p:sp>
+      <p:sp>
+        <p:nvSpPr>
+          <p:cNvPr id="7" name="직사각형 6"/>
+          <p:cNvSpPr/>
+          <p:nvPr/>
+        </p:nvSpPr>
+        <p:spPr>
+          <a:xfrm>
+            <a:off x="243012" y="3406318"/>
+            <a:ext cx="936104" cy="432048"/>
+          </a:xfrm>
+          <a:prstGeom prst="rect">
+            <a:avLst/>
+          </a:prstGeom>
+        </p:spPr>
+        <p:style>
+          <a:lnRef idx="2">
+            <a:schemeClr val="accent1">
+              <a:shade val="50000"/>
+            </a:schemeClr>
+          </a:lnRef>
+          <a:fillRef idx="1">
+            <a:schemeClr val="accent1"/>
+          </a:fillRef>
+          <a:effectRef idx="0">
+            <a:schemeClr val="accent1"/>
+          </a:effectRef>
+          <a:fontRef idx="minor">
+            <a:schemeClr val="lt1"/>
+          </a:fontRef>
+        </p:style>
+        <p:txBody>
+          <a:bodyPr rtlCol="0" anchor="ctr"/>
+          <a:lstStyle/>
+          <a:p>
+            <a:pPr algn="ctr"/>
+            <a:r>
+              <a:rPr lang="ko-KR" altLang="en-US" sz="1000" dirty="0" err="1" smtClean="0"/>
+              <a:t>쿨타임</a:t>
+            </a:r>
+            <a:endParaRPr lang="ko-KR" altLang="en-US" sz="1000" dirty="0"/>
+          </a:p>
+        </p:txBody>
+      </p:sp>
+      <p:sp>
+        <p:nvSpPr>
+          <p:cNvPr id="8" name="직사각형 7"/>
+          <p:cNvSpPr/>
+          <p:nvPr/>
+        </p:nvSpPr>
+        <p:spPr>
+          <a:xfrm>
+            <a:off x="247886" y="4499936"/>
+            <a:ext cx="936104" cy="432048"/>
+          </a:xfrm>
+          <a:prstGeom prst="rect">
+            <a:avLst/>
+          </a:prstGeom>
+        </p:spPr>
+        <p:style>
+          <a:lnRef idx="2">
+            <a:schemeClr val="accent1">
+              <a:shade val="50000"/>
+            </a:schemeClr>
+          </a:lnRef>
+          <a:fillRef idx="1">
+            <a:schemeClr val="accent1"/>
+          </a:fillRef>
+          <a:effectRef idx="0">
+            <a:schemeClr val="accent1"/>
+          </a:effectRef>
+          <a:fontRef idx="minor">
+            <a:schemeClr val="lt1"/>
+          </a:fontRef>
+        </p:style>
+        <p:txBody>
+          <a:bodyPr rtlCol="0" anchor="ctr"/>
+          <a:lstStyle/>
+          <a:p>
+            <a:pPr algn="ctr"/>
+            <a:r>
+              <a:rPr lang="ko-KR" altLang="en-US" sz="1000" dirty="0" err="1" smtClean="0"/>
+              <a:t>시전거리</a:t>
+            </a:r>
+            <a:endParaRPr lang="ko-KR" altLang="en-US" sz="1000" dirty="0"/>
+          </a:p>
+        </p:txBody>
+      </p:sp>
+      <p:sp>
+        <p:nvSpPr>
+          <p:cNvPr id="9" name="직사각형 8"/>
+          <p:cNvSpPr/>
+          <p:nvPr/>
+        </p:nvSpPr>
+        <p:spPr>
+          <a:xfrm>
+            <a:off x="2501748" y="3291830"/>
+            <a:ext cx="936104" cy="432048"/>
+          </a:xfrm>
+          <a:prstGeom prst="rect">
+            <a:avLst/>
+          </a:prstGeom>
+          <a:solidFill>
+            <a:schemeClr val="accent6">
+              <a:lumMod val="75000"/>
+            </a:schemeClr>
+          </a:solidFill>
+        </p:spPr>
+        <p:style>
+          <a:lnRef idx="2">
+            <a:schemeClr val="accent1">
+              <a:shade val="50000"/>
+            </a:schemeClr>
+          </a:lnRef>
+          <a:fillRef idx="1">
+            <a:schemeClr val="accent1"/>
+          </a:fillRef>
+          <a:effectRef idx="0">
+            <a:schemeClr val="accent1"/>
+          </a:effectRef>
+          <a:fontRef idx="minor">
+            <a:schemeClr val="lt1"/>
+          </a:fontRef>
+        </p:style>
+        <p:txBody>
+          <a:bodyPr rtlCol="0" anchor="ctr"/>
+          <a:lstStyle/>
+          <a:p>
+            <a:pPr algn="ctr"/>
+            <a:r>
+              <a:rPr lang="ko-KR" altLang="en-US" sz="1000" smtClean="0"/>
+              <a:t>타겟</a:t>
+            </a:r>
+            <a:endParaRPr lang="ko-KR" altLang="en-US" sz="1000" dirty="0"/>
+          </a:p>
+        </p:txBody>
+      </p:sp>
+      <p:sp>
+        <p:nvSpPr>
+          <p:cNvPr id="10" name="직사각형 9"/>
+          <p:cNvSpPr/>
+          <p:nvPr/>
+        </p:nvSpPr>
+        <p:spPr>
+          <a:xfrm>
+            <a:off x="2501748" y="3935924"/>
+            <a:ext cx="936104" cy="432048"/>
+          </a:xfrm>
+          <a:prstGeom prst="rect">
+            <a:avLst/>
+          </a:prstGeom>
+          <a:solidFill>
+            <a:schemeClr val="accent3">
+              <a:lumMod val="75000"/>
+            </a:schemeClr>
+          </a:solidFill>
+        </p:spPr>
+        <p:style>
+          <a:lnRef idx="2">
+            <a:schemeClr val="accent1">
+              <a:shade val="50000"/>
+            </a:schemeClr>
+          </a:lnRef>
+          <a:fillRef idx="1">
+            <a:schemeClr val="accent1"/>
+          </a:fillRef>
+          <a:effectRef idx="0">
+            <a:schemeClr val="accent1"/>
+          </a:effectRef>
+          <a:fontRef idx="minor">
+            <a:schemeClr val="lt1"/>
+          </a:fontRef>
+        </p:style>
+        <p:txBody>
+          <a:bodyPr rtlCol="0" anchor="ctr"/>
+          <a:lstStyle/>
+          <a:p>
+            <a:pPr algn="ctr"/>
+            <a:r>
+              <a:rPr lang="ko-KR" altLang="en-US" sz="1000" dirty="0" smtClean="0"/>
+              <a:t>논 </a:t>
+            </a:r>
+            <a:r>
+              <a:rPr lang="ko-KR" altLang="en-US" sz="1000" dirty="0" err="1" smtClean="0"/>
+              <a:t>타겟</a:t>
+            </a:r>
+            <a:endParaRPr lang="ko-KR" altLang="en-US" sz="1000" dirty="0"/>
+          </a:p>
+        </p:txBody>
+      </p:sp>
+      <p:sp>
+        <p:nvSpPr>
+          <p:cNvPr id="11" name="직사각형 10"/>
+          <p:cNvSpPr/>
+          <p:nvPr/>
+        </p:nvSpPr>
+        <p:spPr>
+          <a:xfrm>
+            <a:off x="3600739" y="3607312"/>
+            <a:ext cx="936104" cy="432048"/>
+          </a:xfrm>
+          <a:prstGeom prst="rect">
+            <a:avLst/>
+          </a:prstGeom>
+          <a:solidFill>
+            <a:srgbClr val="FFC000"/>
+          </a:solidFill>
+        </p:spPr>
+        <p:style>
+          <a:lnRef idx="2">
+            <a:schemeClr val="accent1">
+              <a:shade val="50000"/>
+            </a:schemeClr>
+          </a:lnRef>
+          <a:fillRef idx="1">
+            <a:schemeClr val="accent1"/>
+          </a:fillRef>
+          <a:effectRef idx="0">
+            <a:schemeClr val="accent1"/>
+          </a:effectRef>
+          <a:fontRef idx="minor">
+            <a:schemeClr val="lt1"/>
+          </a:fontRef>
+        </p:style>
+        <p:txBody>
+          <a:bodyPr rtlCol="0" anchor="ctr"/>
+          <a:lstStyle/>
+          <a:p>
+            <a:pPr algn="ctr"/>
+            <a:r>
+              <a:rPr lang="en-US" altLang="ko-KR" sz="1000" dirty="0"/>
+              <a:t>Instant Heal</a:t>
+            </a:r>
+            <a:endParaRPr lang="ko-KR" altLang="en-US" sz="1000" dirty="0"/>
+          </a:p>
+        </p:txBody>
+      </p:sp>
+      <p:sp>
+        <p:nvSpPr>
+          <p:cNvPr id="12" name="직사각형 11"/>
+          <p:cNvSpPr/>
+          <p:nvPr/>
+        </p:nvSpPr>
+        <p:spPr>
+          <a:xfrm>
+            <a:off x="4644008" y="3604776"/>
+            <a:ext cx="936104" cy="432048"/>
+          </a:xfrm>
+          <a:prstGeom prst="rect">
+            <a:avLst/>
+          </a:prstGeom>
+          <a:solidFill>
+            <a:srgbClr val="FFC000"/>
+          </a:solidFill>
+        </p:spPr>
+        <p:style>
+          <a:lnRef idx="2">
+            <a:schemeClr val="accent1">
+              <a:shade val="50000"/>
+            </a:schemeClr>
+          </a:lnRef>
+          <a:fillRef idx="1">
+            <a:schemeClr val="accent1"/>
+          </a:fillRef>
+          <a:effectRef idx="0">
+            <a:schemeClr val="accent1"/>
+          </a:effectRef>
+          <a:fontRef idx="minor">
+            <a:schemeClr val="lt1"/>
+          </a:fontRef>
+        </p:style>
+        <p:txBody>
+          <a:bodyPr rtlCol="0" anchor="ctr"/>
+          <a:lstStyle/>
+          <a:p>
+            <a:pPr algn="ctr"/>
+            <a:r>
+              <a:rPr lang="en-US" altLang="ko-KR" sz="1000" dirty="0"/>
+              <a:t>Dot Heal</a:t>
+            </a:r>
+            <a:endParaRPr lang="ko-KR" altLang="en-US" sz="1000" dirty="0"/>
+          </a:p>
+        </p:txBody>
+      </p:sp>
+      <p:sp>
+        <p:nvSpPr>
+          <p:cNvPr id="13" name="직사각형 12"/>
+          <p:cNvSpPr/>
+          <p:nvPr/>
+        </p:nvSpPr>
+        <p:spPr>
+          <a:xfrm>
+            <a:off x="5652120" y="3604257"/>
+            <a:ext cx="936104" cy="432048"/>
+          </a:xfrm>
+          <a:prstGeom prst="rect">
+            <a:avLst/>
+          </a:prstGeom>
+          <a:solidFill>
+            <a:srgbClr val="FFC000"/>
+          </a:solidFill>
+        </p:spPr>
+        <p:style>
+          <a:lnRef idx="2">
+            <a:schemeClr val="accent1">
+              <a:shade val="50000"/>
+            </a:schemeClr>
+          </a:lnRef>
+          <a:fillRef idx="1">
+            <a:schemeClr val="accent1"/>
+          </a:fillRef>
+          <a:effectRef idx="0">
+            <a:schemeClr val="accent1"/>
+          </a:effectRef>
+          <a:fontRef idx="minor">
+            <a:schemeClr val="lt1"/>
+          </a:fontRef>
+        </p:style>
+        <p:txBody>
+          <a:bodyPr rtlCol="0" anchor="ctr"/>
+          <a:lstStyle/>
+          <a:p>
+            <a:pPr algn="ctr"/>
+            <a:r>
+              <a:rPr lang="en-US" altLang="ko-KR" sz="1000" dirty="0" smtClean="0"/>
+              <a:t>Shield</a:t>
+            </a:r>
+            <a:endParaRPr lang="ko-KR" altLang="en-US" sz="1000" dirty="0"/>
+          </a:p>
+        </p:txBody>
+      </p:sp>
+      <p:sp>
+        <p:nvSpPr>
+          <p:cNvPr id="14" name="직사각형 13"/>
+          <p:cNvSpPr/>
+          <p:nvPr/>
+        </p:nvSpPr>
+        <p:spPr>
+          <a:xfrm>
+            <a:off x="6660232" y="3604257"/>
+            <a:ext cx="936104" cy="432048"/>
+          </a:xfrm>
+          <a:prstGeom prst="rect">
+            <a:avLst/>
+          </a:prstGeom>
+          <a:solidFill>
+            <a:srgbClr val="FFC000"/>
+          </a:solidFill>
+        </p:spPr>
+        <p:style>
+          <a:lnRef idx="2">
+            <a:schemeClr val="accent1">
+              <a:shade val="50000"/>
+            </a:schemeClr>
+          </a:lnRef>
+          <a:fillRef idx="1">
+            <a:schemeClr val="accent1"/>
+          </a:fillRef>
+          <a:effectRef idx="0">
+            <a:schemeClr val="accent1"/>
+          </a:effectRef>
+          <a:fontRef idx="minor">
+            <a:schemeClr val="lt1"/>
+          </a:fontRef>
+        </p:style>
+        <p:txBody>
+          <a:bodyPr rtlCol="0" anchor="ctr"/>
+          <a:lstStyle/>
+          <a:p>
+            <a:pPr algn="ctr"/>
+            <a:r>
+              <a:rPr lang="en-US" altLang="ko-KR" sz="1000" dirty="0" smtClean="0"/>
+              <a:t>Buff</a:t>
+            </a:r>
+            <a:endParaRPr lang="ko-KR" altLang="en-US" sz="1000" dirty="0"/>
+          </a:p>
+        </p:txBody>
+      </p:sp>
+      <p:sp>
+        <p:nvSpPr>
+          <p:cNvPr id="15" name="직사각형 14"/>
+          <p:cNvSpPr/>
+          <p:nvPr/>
+        </p:nvSpPr>
+        <p:spPr>
+          <a:xfrm>
+            <a:off x="7668344" y="3604776"/>
+            <a:ext cx="936104" cy="432048"/>
+          </a:xfrm>
+          <a:prstGeom prst="rect">
+            <a:avLst/>
+          </a:prstGeom>
+          <a:solidFill>
+            <a:srgbClr val="FFC000"/>
+          </a:solidFill>
+        </p:spPr>
+        <p:style>
+          <a:lnRef idx="2">
+            <a:schemeClr val="accent1">
+              <a:shade val="50000"/>
+            </a:schemeClr>
+          </a:lnRef>
+          <a:fillRef idx="1">
+            <a:schemeClr val="accent1"/>
+          </a:fillRef>
+          <a:effectRef idx="0">
+            <a:schemeClr val="accent1"/>
+          </a:effectRef>
+          <a:fontRef idx="minor">
+            <a:schemeClr val="lt1"/>
+          </a:fontRef>
+        </p:style>
+        <p:txBody>
+          <a:bodyPr rtlCol="0" anchor="ctr"/>
+          <a:lstStyle/>
+          <a:p>
+            <a:pPr algn="ctr"/>
+            <a:r>
+              <a:rPr lang="en-US" altLang="ko-KR" sz="1000" dirty="0" err="1" smtClean="0"/>
+              <a:t>DeBuff</a:t>
+            </a:r>
+            <a:endParaRPr lang="ko-KR" altLang="en-US" sz="1000" dirty="0"/>
+          </a:p>
+        </p:txBody>
+      </p:sp>
+      <p:sp>
+        <p:nvSpPr>
+          <p:cNvPr id="16" name="직사각형 15"/>
+          <p:cNvSpPr/>
+          <p:nvPr/>
+        </p:nvSpPr>
+        <p:spPr>
+          <a:xfrm>
+            <a:off x="5436096" y="4151948"/>
+            <a:ext cx="936104" cy="432048"/>
+          </a:xfrm>
+          <a:prstGeom prst="rect">
+            <a:avLst/>
+          </a:prstGeom>
+          <a:solidFill>
+            <a:srgbClr val="FFC000"/>
+          </a:solidFill>
+        </p:spPr>
+        <p:style>
+          <a:lnRef idx="2">
+            <a:schemeClr val="accent1">
+              <a:shade val="50000"/>
+            </a:schemeClr>
+          </a:lnRef>
+          <a:fillRef idx="1">
+            <a:schemeClr val="accent1"/>
+          </a:fillRef>
+          <a:effectRef idx="0">
+            <a:schemeClr val="accent1"/>
+          </a:effectRef>
+          <a:fontRef idx="minor">
+            <a:schemeClr val="lt1"/>
+          </a:fontRef>
+        </p:style>
+        <p:txBody>
+          <a:bodyPr rtlCol="0" anchor="ctr"/>
+          <a:lstStyle/>
+          <a:p>
+            <a:pPr algn="ctr"/>
+            <a:r>
+              <a:rPr lang="en-US" altLang="ko-KR" sz="1000" dirty="0" smtClean="0"/>
+              <a:t>Special</a:t>
+            </a:r>
+            <a:endParaRPr lang="ko-KR" altLang="en-US" sz="1000" dirty="0"/>
+          </a:p>
+        </p:txBody>
+      </p:sp>
+      <p:sp>
+        <p:nvSpPr>
+          <p:cNvPr id="17" name="직사각형 16"/>
+          <p:cNvSpPr/>
+          <p:nvPr/>
+        </p:nvSpPr>
+        <p:spPr>
+          <a:xfrm>
+            <a:off x="1338598" y="2820908"/>
+            <a:ext cx="936104" cy="432048"/>
+          </a:xfrm>
+          <a:prstGeom prst="rect">
+            <a:avLst/>
+          </a:prstGeom>
+        </p:spPr>
+        <p:style>
+          <a:lnRef idx="2">
+            <a:schemeClr val="accent1">
+              <a:shade val="50000"/>
+            </a:schemeClr>
+          </a:lnRef>
+          <a:fillRef idx="1">
+            <a:schemeClr val="accent1"/>
+          </a:fillRef>
+          <a:effectRef idx="0">
+            <a:schemeClr val="accent1"/>
+          </a:effectRef>
+          <a:fontRef idx="minor">
+            <a:schemeClr val="lt1"/>
+          </a:fontRef>
+        </p:style>
+        <p:txBody>
+          <a:bodyPr rtlCol="0" anchor="ctr"/>
+          <a:lstStyle/>
+          <a:p>
+            <a:pPr algn="ctr"/>
+            <a:r>
+              <a:rPr lang="ko-KR" altLang="en-US" sz="1000" dirty="0" smtClean="0"/>
+              <a:t>범위 값</a:t>
+            </a:r>
+            <a:endParaRPr lang="ko-KR" altLang="en-US" sz="1000" dirty="0"/>
+          </a:p>
+        </p:txBody>
+      </p:sp>
+      <p:sp>
+        <p:nvSpPr>
+          <p:cNvPr id="18" name="직사각형 17"/>
+          <p:cNvSpPr/>
+          <p:nvPr/>
+        </p:nvSpPr>
+        <p:spPr>
+          <a:xfrm>
+            <a:off x="1338598" y="3350514"/>
+            <a:ext cx="936104" cy="432048"/>
+          </a:xfrm>
+          <a:prstGeom prst="rect">
+            <a:avLst/>
+          </a:prstGeom>
+        </p:spPr>
+        <p:style>
+          <a:lnRef idx="2">
+            <a:schemeClr val="accent1">
+              <a:shade val="50000"/>
+            </a:schemeClr>
+          </a:lnRef>
+          <a:fillRef idx="1">
+            <a:schemeClr val="accent1"/>
+          </a:fillRef>
+          <a:effectRef idx="0">
+            <a:schemeClr val="accent1"/>
+          </a:effectRef>
+          <a:fontRef idx="minor">
+            <a:schemeClr val="lt1"/>
+          </a:fontRef>
+        </p:style>
+        <p:txBody>
+          <a:bodyPr rtlCol="0" anchor="ctr"/>
+          <a:lstStyle/>
+          <a:p>
+            <a:pPr algn="ctr"/>
+            <a:r>
+              <a:rPr lang="ko-KR" altLang="en-US" sz="1000" dirty="0" smtClean="0"/>
+              <a:t>지속시간 값</a:t>
+            </a:r>
+            <a:endParaRPr lang="ko-KR" altLang="en-US" sz="1000" dirty="0"/>
+          </a:p>
+        </p:txBody>
+      </p:sp>
+      <p:sp>
+        <p:nvSpPr>
+          <p:cNvPr id="19" name="직사각형 18"/>
+          <p:cNvSpPr/>
+          <p:nvPr/>
+        </p:nvSpPr>
+        <p:spPr>
+          <a:xfrm>
+            <a:off x="1338598" y="3914526"/>
+            <a:ext cx="936104" cy="432048"/>
+          </a:xfrm>
+          <a:prstGeom prst="rect">
+            <a:avLst/>
+          </a:prstGeom>
+        </p:spPr>
+        <p:style>
+          <a:lnRef idx="2">
+            <a:schemeClr val="accent1">
+              <a:shade val="50000"/>
+            </a:schemeClr>
+          </a:lnRef>
+          <a:fillRef idx="1">
+            <a:schemeClr val="accent1"/>
+          </a:fillRef>
+          <a:effectRef idx="0">
+            <a:schemeClr val="accent1"/>
+          </a:effectRef>
+          <a:fontRef idx="minor">
+            <a:schemeClr val="lt1"/>
+          </a:fontRef>
+        </p:style>
+        <p:txBody>
+          <a:bodyPr rtlCol="0" anchor="ctr"/>
+          <a:lstStyle/>
+          <a:p>
+            <a:pPr algn="ctr"/>
+            <a:r>
+              <a:rPr lang="en-US" altLang="ko-KR" sz="1000" dirty="0" err="1" smtClean="0"/>
+              <a:t>Hp</a:t>
+            </a:r>
+            <a:r>
+              <a:rPr lang="ko-KR" altLang="en-US" sz="1000" dirty="0" err="1" smtClean="0"/>
+              <a:t>회복값</a:t>
+            </a:r>
+            <a:endParaRPr lang="ko-KR" altLang="en-US" sz="1000" dirty="0"/>
+          </a:p>
+        </p:txBody>
+      </p:sp>
+      <p:sp>
+        <p:nvSpPr>
+          <p:cNvPr id="20" name="직사각형 19"/>
+          <p:cNvSpPr/>
+          <p:nvPr/>
+        </p:nvSpPr>
+        <p:spPr>
+          <a:xfrm>
+            <a:off x="1338598" y="4441149"/>
+            <a:ext cx="936104" cy="504056"/>
+          </a:xfrm>
+          <a:prstGeom prst="rect">
+            <a:avLst/>
+          </a:prstGeom>
+        </p:spPr>
+        <p:style>
+          <a:lnRef idx="2">
+            <a:schemeClr val="accent1">
+              <a:shade val="50000"/>
+            </a:schemeClr>
+          </a:lnRef>
+          <a:fillRef idx="1">
+            <a:schemeClr val="accent1"/>
+          </a:fillRef>
+          <a:effectRef idx="0">
+            <a:schemeClr val="accent1"/>
+          </a:effectRef>
+          <a:fontRef idx="minor">
+            <a:schemeClr val="lt1"/>
+          </a:fontRef>
+        </p:style>
+        <p:txBody>
+          <a:bodyPr rtlCol="0" anchor="ctr"/>
+          <a:lstStyle/>
+          <a:p>
+            <a:pPr algn="ctr"/>
+            <a:r>
+              <a:rPr lang="en-US" altLang="ko-KR" sz="1000" dirty="0" err="1" smtClean="0"/>
+              <a:t>ExValue</a:t>
+            </a:r>
+            <a:endParaRPr lang="ko-KR" altLang="en-US" sz="1000" dirty="0"/>
+          </a:p>
+        </p:txBody>
+      </p:sp>
+    </p:spTree>
+    <p:extLst>
+      <p:ext uri="{BB962C8B-B14F-4D97-AF65-F5344CB8AC3E}">
+        <p14:creationId xmlns:p14="http://schemas.microsoft.com/office/powerpoint/2010/main" val="3225723632"/>
+      </p:ext>
+    </p:extLst>
+  </p:cSld>
+  <p:clrMapOvr>
+    <a:masterClrMapping/>
+  </p:clrMapOvr>
+  <p:timing>
+    <p:tnLst>
+      <p:par>
+        <p:cTn id="1" dur="indefinite" restart="never" nodeType="tmRoot"/>
+      </p:par>
+    </p:tnLst>
+  </p:timing>
+</p:sld>
+</file>
+
+<file path=ppt/slides/slide11.xml><?xml version="1.0" encoding="utf-8"?>
+<p:sld xmlns:a="http://schemas.openxmlformats.org/drawingml/2006/main" xmlns:r="http://schemas.openxmlformats.org/officeDocument/2006/relationships" xmlns:p="http://schemas.openxmlformats.org/presentationml/2006/main">
+  <p:cSld>
+    <p:spTree>
+      <p:nvGrpSpPr>
+        <p:cNvPr id="1" name=""/>
+        <p:cNvGrpSpPr/>
+        <p:nvPr/>
+      </p:nvGrpSpPr>
+      <p:grpSpPr>
+        <a:xfrm>
+          <a:off x="0" y="0"/>
+          <a:ext cx="0" cy="0"/>
+          <a:chOff x="0" y="0"/>
+          <a:chExt cx="0" cy="0"/>
+        </a:xfrm>
+      </p:grpSpPr>
+      <p:sp>
+        <p:nvSpPr>
+          <p:cNvPr id="4" name="직사각형 3"/>
+          <p:cNvSpPr/>
+          <p:nvPr/>
+        </p:nvSpPr>
+        <p:spPr>
+          <a:xfrm>
+            <a:off x="-15038" y="6993"/>
+            <a:ext cx="9147313" cy="339502"/>
+          </a:xfrm>
+          <a:prstGeom prst="rect">
+            <a:avLst/>
+          </a:prstGeom>
+          <a:solidFill>
+            <a:schemeClr val="tx1"/>
+          </a:solidFill>
+          <a:ln>
+            <a:noFill/>
+          </a:ln>
+        </p:spPr>
+        <p:style>
+          <a:lnRef idx="2">
+            <a:schemeClr val="accent1">
+              <a:shade val="50000"/>
+            </a:schemeClr>
+          </a:lnRef>
+          <a:fillRef idx="1">
+            <a:schemeClr val="accent1"/>
+          </a:fillRef>
+          <a:effectRef idx="0">
+            <a:schemeClr val="accent1"/>
+          </a:effectRef>
+          <a:fontRef idx="minor">
+            <a:schemeClr val="lt1"/>
+          </a:fontRef>
+        </p:style>
+        <p:txBody>
+          <a:bodyPr rtlCol="0" anchor="ctr"/>
+          <a:lstStyle/>
+          <a:p>
+            <a:r>
+              <a:rPr lang="en-US" altLang="ko-KR" sz="1600" dirty="0" smtClean="0">
+                <a:solidFill>
+                  <a:schemeClr val="tx1">
+                    <a:lumMod val="50000"/>
+                    <a:lumOff val="50000"/>
+                  </a:schemeClr>
+                </a:solidFill>
+              </a:rPr>
+              <a:t>Don’t </a:t>
+            </a:r>
+            <a:r>
+              <a:rPr lang="en-US" altLang="ko-KR" sz="1600" dirty="0">
+                <a:solidFill>
+                  <a:schemeClr val="tx1">
+                    <a:lumMod val="50000"/>
+                    <a:lumOff val="50000"/>
+                  </a:schemeClr>
+                </a:solidFill>
+              </a:rPr>
+              <a:t>Die </a:t>
+            </a:r>
+            <a:r>
+              <a:rPr lang="en-US" altLang="ko-KR" sz="1600" b="1" dirty="0" smtClean="0">
+                <a:solidFill>
+                  <a:schemeClr val="bg1"/>
+                </a:solidFill>
+              </a:rPr>
+              <a:t>l </a:t>
+            </a:r>
+            <a:r>
+              <a:rPr lang="ko-KR" altLang="en-US" sz="1600" b="1" dirty="0" err="1" smtClean="0">
+                <a:solidFill>
+                  <a:schemeClr val="bg1"/>
+                </a:solidFill>
+              </a:rPr>
+              <a:t>힐러</a:t>
+            </a:r>
+            <a:r>
+              <a:rPr lang="ko-KR" altLang="en-US" sz="1600" b="1" dirty="0" smtClean="0">
+                <a:solidFill>
+                  <a:schemeClr val="bg1"/>
+                </a:solidFill>
+              </a:rPr>
+              <a:t> 스킬</a:t>
+            </a:r>
+            <a:endParaRPr lang="ko-KR" altLang="en-US" sz="1600" b="1" dirty="0">
+              <a:solidFill>
+                <a:schemeClr val="bg1"/>
+              </a:solidFill>
+            </a:endParaRPr>
+          </a:p>
+        </p:txBody>
+      </p:sp>
+      <p:sp>
+        <p:nvSpPr>
+          <p:cNvPr id="3" name="TextBox 2"/>
+          <p:cNvSpPr txBox="1"/>
+          <p:nvPr/>
+        </p:nvSpPr>
+        <p:spPr>
+          <a:xfrm>
+            <a:off x="251520" y="2931790"/>
+            <a:ext cx="3679196" cy="1915909"/>
           </a:xfrm>
           <a:prstGeom prst="rect">
             <a:avLst/>
@@ -3306,86 +4656,20 @@
           <a:lstStyle/>
           <a:p>
             <a:r>
-              <a:rPr lang="en-US" altLang="ko-KR" sz="1200" b="1" dirty="0"/>
-              <a:t>Steam</a:t>
-            </a:r>
-          </a:p>
-          <a:p>
-            <a:pPr marL="171450" indent="-171450">
-              <a:buFont typeface="Wingdings" pitchFamily="2" charset="2"/>
-              <a:buChar char="§"/>
-            </a:pPr>
-            <a:r>
-              <a:rPr lang="en-US" altLang="ko-KR" sz="1050" dirty="0"/>
-              <a:t>Titan Souls - </a:t>
-            </a:r>
-            <a:r>
-              <a:rPr lang="en-US" altLang="ko-KR" sz="1050" dirty="0">
-                <a:hlinkClick r:id="rId2"/>
-              </a:rPr>
-              <a:t>https://namu.wiki/w/Titan%20Souls</a:t>
-            </a:r>
-            <a:endParaRPr lang="en-US" altLang="ko-KR" sz="1050" dirty="0"/>
-          </a:p>
-          <a:p>
-            <a:pPr marL="171450" indent="-171450">
-              <a:buFont typeface="Wingdings" pitchFamily="2" charset="2"/>
-              <a:buChar char="§"/>
-            </a:pPr>
-            <a:r>
-              <a:rPr lang="en-US" altLang="ko-KR" sz="1050" dirty="0"/>
-              <a:t>EITR - </a:t>
-            </a:r>
-            <a:r>
-              <a:rPr lang="en-US" altLang="ko-KR" sz="1050" dirty="0">
-                <a:hlinkClick r:id="rId3"/>
-              </a:rPr>
-              <a:t>https://</a:t>
-            </a:r>
-            <a:r>
-              <a:rPr lang="en-US" altLang="ko-KR" sz="1050" dirty="0" smtClean="0">
-                <a:hlinkClick r:id="rId3"/>
-              </a:rPr>
-              <a:t>namu.wiki/w/EITR</a:t>
-            </a:r>
-            <a:endParaRPr lang="en-US" altLang="ko-KR" sz="1050" dirty="0" smtClean="0"/>
-          </a:p>
-          <a:p>
-            <a:pPr marL="171450" indent="-171450">
-              <a:buFont typeface="Wingdings" pitchFamily="2" charset="2"/>
-              <a:buChar char="§"/>
-            </a:pPr>
-            <a:r>
-              <a:rPr lang="en-US" altLang="ko-KR" sz="1050" dirty="0" smtClean="0"/>
-              <a:t>Enter the </a:t>
-            </a:r>
-            <a:r>
-              <a:rPr lang="en-US" altLang="ko-KR" sz="1050" dirty="0" err="1" smtClean="0"/>
-              <a:t>Gungeon</a:t>
-            </a:r>
-            <a:r>
-              <a:rPr lang="en-US" altLang="ko-KR" sz="1050" dirty="0"/>
-              <a:t> - </a:t>
-            </a:r>
-            <a:r>
-              <a:rPr lang="en-US" altLang="ko-KR" sz="1050" dirty="0">
-                <a:hlinkClick r:id="rId4"/>
-              </a:rPr>
-              <a:t>https://namu.wiki/w/Enter%20the%20Gungeon?from=%</a:t>
-            </a:r>
-            <a:r>
-              <a:rPr lang="en-US" altLang="ko-KR" sz="1050" dirty="0" smtClean="0">
-                <a:hlinkClick r:id="rId4"/>
-              </a:rPr>
-              <a:t>EC%97%94%ED%84%B0%20%EB%8D%94%20%EA%B1%B4%EC%A0%84</a:t>
-            </a:r>
-            <a:endParaRPr lang="en-US" altLang="ko-KR" sz="1050" dirty="0"/>
-          </a:p>
-          <a:p>
-            <a:pPr marL="171450" indent="-171450">
-              <a:buFont typeface="Wingdings" pitchFamily="2" charset="2"/>
-              <a:buChar char="§"/>
-            </a:pPr>
+              <a:rPr lang="ko-KR" altLang="en-US" sz="1050" b="1" dirty="0" smtClean="0"/>
+              <a:t>스킬 값</a:t>
+            </a:r>
+            <a:endParaRPr lang="en-US" altLang="ko-KR" sz="1050" b="1" dirty="0" smtClean="0"/>
+          </a:p>
+          <a:p>
+            <a:pPr marL="171450" indent="-171450">
+              <a:buFont typeface="Wingdings" pitchFamily="2" charset="2"/>
+              <a:buChar char="§"/>
+            </a:pPr>
+            <a:r>
+              <a:rPr lang="en-US" altLang="ko-KR" sz="900" dirty="0" smtClean="0"/>
+              <a:t>UID : 1</a:t>
+            </a:r>
             <a:endParaRPr lang="en-US" altLang="ko-KR" sz="900" dirty="0" smtClean="0"/>
           </a:p>
           <a:p>
@@ -3393,19 +4677,3509 @@
               <a:buFont typeface="Wingdings" pitchFamily="2" charset="2"/>
               <a:buChar char="§"/>
             </a:pPr>
+            <a:r>
+              <a:rPr lang="en-US" altLang="ko-KR" sz="900" dirty="0" err="1" smtClean="0"/>
+              <a:t>Mp</a:t>
+            </a:r>
+            <a:r>
+              <a:rPr lang="en-US" altLang="ko-KR" sz="900" dirty="0" smtClean="0"/>
+              <a:t>: 20</a:t>
+            </a:r>
+          </a:p>
+          <a:p>
+            <a:pPr marL="171450" indent="-171450">
+              <a:buFont typeface="Wingdings" pitchFamily="2" charset="2"/>
+              <a:buChar char="§"/>
+            </a:pPr>
+            <a:r>
+              <a:rPr lang="en-US" altLang="ko-KR" sz="900" dirty="0" err="1"/>
+              <a:t>C</a:t>
+            </a:r>
+            <a:r>
+              <a:rPr lang="en-US" altLang="ko-KR" sz="900" dirty="0" err="1" smtClean="0"/>
+              <a:t>astingTime</a:t>
+            </a:r>
+            <a:r>
+              <a:rPr lang="en-US" altLang="ko-KR" sz="900" dirty="0" smtClean="0"/>
+              <a:t> : 2</a:t>
+            </a:r>
             <a:endParaRPr lang="en-US" altLang="ko-KR" sz="900" dirty="0" smtClean="0"/>
           </a:p>
-        </p:txBody>
-      </p:sp>
-      <p:sp>
-        <p:nvSpPr>
-          <p:cNvPr id="6" name="TextBox 5"/>
+          <a:p>
+            <a:pPr marL="171450" indent="-171450">
+              <a:buFont typeface="Wingdings" pitchFamily="2" charset="2"/>
+              <a:buChar char="§"/>
+            </a:pPr>
+            <a:r>
+              <a:rPr lang="en-US" altLang="ko-KR" sz="900" dirty="0" err="1"/>
+              <a:t>C</a:t>
+            </a:r>
+            <a:r>
+              <a:rPr lang="en-US" altLang="ko-KR" sz="900" dirty="0" err="1" smtClean="0"/>
+              <a:t>oolTime</a:t>
+            </a:r>
+            <a:r>
+              <a:rPr lang="en-US" altLang="ko-KR" sz="900" dirty="0" smtClean="0"/>
+              <a:t> : 2</a:t>
+            </a:r>
+          </a:p>
+          <a:p>
+            <a:pPr marL="171450" indent="-171450">
+              <a:buFont typeface="Wingdings" pitchFamily="2" charset="2"/>
+              <a:buChar char="§"/>
+            </a:pPr>
+            <a:r>
+              <a:rPr lang="en-US" altLang="ko-KR" sz="900" dirty="0" err="1"/>
+              <a:t>S</a:t>
+            </a:r>
+            <a:r>
+              <a:rPr lang="en-US" altLang="ko-KR" sz="900" dirty="0" err="1" smtClean="0"/>
+              <a:t>killDistance</a:t>
+            </a:r>
+            <a:r>
+              <a:rPr lang="en-US" altLang="ko-KR" sz="900" dirty="0" smtClean="0"/>
+              <a:t> : 100</a:t>
+            </a:r>
+          </a:p>
+          <a:p>
+            <a:pPr marL="171450" indent="-171450">
+              <a:buFont typeface="Wingdings" pitchFamily="2" charset="2"/>
+              <a:buChar char="§"/>
+            </a:pPr>
+            <a:r>
+              <a:rPr lang="en-US" altLang="ko-KR" sz="900" dirty="0" err="1" smtClean="0"/>
+              <a:t>HealValue</a:t>
+            </a:r>
+            <a:r>
+              <a:rPr lang="en-US" altLang="ko-KR" sz="900" dirty="0" smtClean="0"/>
+              <a:t> : 100</a:t>
+            </a:r>
+            <a:endParaRPr lang="en-US" altLang="ko-KR" sz="900" dirty="0"/>
+          </a:p>
+          <a:p>
+            <a:pPr marL="171450" indent="-171450">
+              <a:buFont typeface="Wingdings" pitchFamily="2" charset="2"/>
+              <a:buChar char="§"/>
+            </a:pPr>
+            <a:r>
+              <a:rPr lang="en-US" altLang="ko-KR" sz="900" dirty="0" smtClean="0"/>
+              <a:t>Range : 0</a:t>
+            </a:r>
+          </a:p>
+          <a:p>
+            <a:pPr marL="171450" indent="-171450">
+              <a:buFont typeface="Wingdings" pitchFamily="2" charset="2"/>
+              <a:buChar char="§"/>
+            </a:pPr>
+            <a:r>
+              <a:rPr lang="en-US" altLang="ko-KR" sz="900" dirty="0" err="1" smtClean="0"/>
+              <a:t>RemainTime</a:t>
+            </a:r>
+            <a:r>
+              <a:rPr lang="en-US" altLang="ko-KR" sz="900" dirty="0" smtClean="0"/>
+              <a:t> : 0</a:t>
+            </a:r>
+          </a:p>
+          <a:p>
+            <a:pPr marL="171450" indent="-171450">
+              <a:buFont typeface="Wingdings" pitchFamily="2" charset="2"/>
+              <a:buChar char="§"/>
+            </a:pPr>
+            <a:r>
+              <a:rPr lang="en-US" altLang="ko-KR" sz="900" dirty="0" smtClean="0"/>
+              <a:t>System : Target</a:t>
+            </a:r>
+          </a:p>
+          <a:p>
+            <a:pPr marL="171450" indent="-171450">
+              <a:buFont typeface="Wingdings" pitchFamily="2" charset="2"/>
+              <a:buChar char="§"/>
+            </a:pPr>
+            <a:r>
+              <a:rPr lang="en-US" altLang="ko-KR" sz="900" dirty="0" smtClean="0"/>
+              <a:t>Type : (Instant Heal</a:t>
+            </a:r>
+            <a:r>
+              <a:rPr lang="en-US" altLang="ko-KR" sz="900" dirty="0" smtClean="0"/>
+              <a:t>)</a:t>
+            </a:r>
+          </a:p>
+          <a:p>
+            <a:pPr marL="171450" indent="-171450">
+              <a:buFont typeface="Wingdings" pitchFamily="2" charset="2"/>
+              <a:buChar char="§"/>
+            </a:pPr>
+            <a:r>
+              <a:rPr lang="en-US" altLang="ko-KR" sz="900" dirty="0" err="1" smtClean="0"/>
+              <a:t>ExValue</a:t>
+            </a:r>
+            <a:r>
+              <a:rPr lang="en-US" altLang="ko-KR" sz="900" dirty="0" smtClean="0"/>
+              <a:t> : 0</a:t>
+            </a:r>
+          </a:p>
+          <a:p>
+            <a:pPr marL="171450" indent="-171450">
+              <a:buFont typeface="Wingdings" pitchFamily="2" charset="2"/>
+              <a:buChar char="§"/>
+            </a:pPr>
+            <a:endParaRPr lang="en-US" altLang="ko-KR" sz="900" dirty="0" smtClean="0"/>
+          </a:p>
+        </p:txBody>
+      </p:sp>
+      <p:sp>
+        <p:nvSpPr>
+          <p:cNvPr id="5" name="모서리가 둥근 직사각형 4"/>
+          <p:cNvSpPr/>
+          <p:nvPr/>
+        </p:nvSpPr>
+        <p:spPr>
+          <a:xfrm>
+            <a:off x="902986" y="1131590"/>
+            <a:ext cx="2376264" cy="1296144"/>
+          </a:xfrm>
+          <a:prstGeom prst="roundRect">
+            <a:avLst/>
+          </a:prstGeom>
+        </p:spPr>
+        <p:style>
+          <a:lnRef idx="2">
+            <a:schemeClr val="accent1">
+              <a:shade val="50000"/>
+            </a:schemeClr>
+          </a:lnRef>
+          <a:fillRef idx="1">
+            <a:schemeClr val="accent1"/>
+          </a:fillRef>
+          <a:effectRef idx="0">
+            <a:schemeClr val="accent1"/>
+          </a:effectRef>
+          <a:fontRef idx="minor">
+            <a:schemeClr val="lt1"/>
+          </a:fontRef>
+        </p:style>
+        <p:txBody>
+          <a:bodyPr rtlCol="0" anchor="ctr"/>
+          <a:lstStyle/>
+          <a:p>
+            <a:pPr algn="ctr"/>
+            <a:r>
+              <a:rPr lang="ko-KR" altLang="en-US" dirty="0" smtClean="0"/>
+              <a:t>직접 </a:t>
+            </a:r>
+            <a:r>
+              <a:rPr lang="ko-KR" altLang="en-US" dirty="0" err="1" smtClean="0"/>
+              <a:t>힐</a:t>
+            </a:r>
+            <a:endParaRPr lang="ko-KR" altLang="en-US" dirty="0"/>
+          </a:p>
+        </p:txBody>
+      </p:sp>
+      <p:sp>
+        <p:nvSpPr>
+          <p:cNvPr id="21" name="TextBox 20"/>
           <p:cNvSpPr txBox="1"/>
           <p:nvPr/>
         </p:nvSpPr>
         <p:spPr>
           <a:xfrm>
-            <a:off x="249863" y="483518"/>
+            <a:off x="4568606" y="2931790"/>
+            <a:ext cx="3679196" cy="2192908"/>
+          </a:xfrm>
+          <a:prstGeom prst="rect">
+            <a:avLst/>
+          </a:prstGeom>
+          <a:solidFill>
+            <a:schemeClr val="accent5">
+              <a:lumMod val="20000"/>
+              <a:lumOff val="80000"/>
+            </a:schemeClr>
+          </a:solidFill>
+        </p:spPr>
+        <p:txBody>
+          <a:bodyPr wrap="square" rtlCol="0">
+            <a:spAutoFit/>
+          </a:bodyPr>
+          <a:lstStyle/>
+          <a:p>
+            <a:r>
+              <a:rPr lang="ko-KR" altLang="en-US" sz="1050" b="1" dirty="0" smtClean="0"/>
+              <a:t>스킬 값</a:t>
+            </a:r>
+            <a:endParaRPr lang="en-US" altLang="ko-KR" sz="1050" b="1" dirty="0" smtClean="0"/>
+          </a:p>
+          <a:p>
+            <a:pPr marL="171450" indent="-171450">
+              <a:buFont typeface="Wingdings" pitchFamily="2" charset="2"/>
+              <a:buChar char="§"/>
+            </a:pPr>
+            <a:r>
+              <a:rPr lang="en-US" altLang="ko-KR" sz="900" dirty="0" smtClean="0"/>
+              <a:t>UID : 2</a:t>
+            </a:r>
+            <a:endParaRPr lang="en-US" altLang="ko-KR" sz="900" dirty="0" smtClean="0"/>
+          </a:p>
+          <a:p>
+            <a:pPr marL="171450" indent="-171450">
+              <a:buFont typeface="Wingdings" pitchFamily="2" charset="2"/>
+              <a:buChar char="§"/>
+            </a:pPr>
+            <a:r>
+              <a:rPr lang="en-US" altLang="ko-KR" sz="900" dirty="0" err="1" smtClean="0"/>
+              <a:t>Mp</a:t>
+            </a:r>
+            <a:r>
+              <a:rPr lang="en-US" altLang="ko-KR" sz="900" dirty="0" smtClean="0"/>
+              <a:t> : 10</a:t>
+            </a:r>
+            <a:endParaRPr lang="en-US" altLang="ko-KR" sz="900" dirty="0" smtClean="0"/>
+          </a:p>
+          <a:p>
+            <a:pPr marL="171450" indent="-171450">
+              <a:buFont typeface="Wingdings" pitchFamily="2" charset="2"/>
+              <a:buChar char="§"/>
+            </a:pPr>
+            <a:r>
+              <a:rPr lang="en-US" altLang="ko-KR" sz="900" dirty="0" err="1"/>
+              <a:t>C</a:t>
+            </a:r>
+            <a:r>
+              <a:rPr lang="en-US" altLang="ko-KR" sz="900" dirty="0" err="1" smtClean="0"/>
+              <a:t>astingTime</a:t>
+            </a:r>
+            <a:r>
+              <a:rPr lang="en-US" altLang="ko-KR" sz="900" dirty="0" smtClean="0"/>
+              <a:t> : 1</a:t>
+            </a:r>
+            <a:endParaRPr lang="en-US" altLang="ko-KR" sz="900" dirty="0" smtClean="0"/>
+          </a:p>
+          <a:p>
+            <a:pPr marL="171450" indent="-171450">
+              <a:buFont typeface="Wingdings" pitchFamily="2" charset="2"/>
+              <a:buChar char="§"/>
+            </a:pPr>
+            <a:r>
+              <a:rPr lang="en-US" altLang="ko-KR" sz="900" dirty="0" err="1"/>
+              <a:t>C</a:t>
+            </a:r>
+            <a:r>
+              <a:rPr lang="en-US" altLang="ko-KR" sz="900" dirty="0" err="1" smtClean="0"/>
+              <a:t>oolTime</a:t>
+            </a:r>
+            <a:r>
+              <a:rPr lang="en-US" altLang="ko-KR" sz="900" dirty="0" smtClean="0"/>
+              <a:t> : 2</a:t>
+            </a:r>
+          </a:p>
+          <a:p>
+            <a:pPr marL="171450" indent="-171450">
+              <a:buFont typeface="Wingdings" pitchFamily="2" charset="2"/>
+              <a:buChar char="§"/>
+            </a:pPr>
+            <a:r>
+              <a:rPr lang="en-US" altLang="ko-KR" sz="900" dirty="0" err="1"/>
+              <a:t>S</a:t>
+            </a:r>
+            <a:r>
+              <a:rPr lang="en-US" altLang="ko-KR" sz="900" dirty="0" err="1" smtClean="0"/>
+              <a:t>killDistance</a:t>
+            </a:r>
+            <a:r>
+              <a:rPr lang="en-US" altLang="ko-KR" sz="900" dirty="0" smtClean="0"/>
+              <a:t> : 100</a:t>
+            </a:r>
+          </a:p>
+          <a:p>
+            <a:pPr marL="171450" indent="-171450">
+              <a:buFont typeface="Wingdings" pitchFamily="2" charset="2"/>
+              <a:buChar char="§"/>
+            </a:pPr>
+            <a:r>
+              <a:rPr lang="en-US" altLang="ko-KR" sz="900" dirty="0" err="1" smtClean="0"/>
+              <a:t>HealValue</a:t>
+            </a:r>
+            <a:r>
+              <a:rPr lang="en-US" altLang="ko-KR" sz="900" dirty="0" smtClean="0"/>
+              <a:t> : 20</a:t>
+            </a:r>
+            <a:endParaRPr lang="en-US" altLang="ko-KR" sz="900" dirty="0"/>
+          </a:p>
+          <a:p>
+            <a:pPr marL="171450" indent="-171450">
+              <a:buFont typeface="Wingdings" pitchFamily="2" charset="2"/>
+              <a:buChar char="§"/>
+            </a:pPr>
+            <a:r>
+              <a:rPr lang="en-US" altLang="ko-KR" sz="900" dirty="0" smtClean="0"/>
+              <a:t>Range : 0</a:t>
+            </a:r>
+          </a:p>
+          <a:p>
+            <a:pPr marL="171450" indent="-171450">
+              <a:buFont typeface="Wingdings" pitchFamily="2" charset="2"/>
+              <a:buChar char="§"/>
+            </a:pPr>
+            <a:r>
+              <a:rPr lang="en-US" altLang="ko-KR" sz="900" dirty="0" err="1" smtClean="0"/>
+              <a:t>RemainTime</a:t>
+            </a:r>
+            <a:r>
+              <a:rPr lang="en-US" altLang="ko-KR" sz="900" dirty="0" smtClean="0"/>
+              <a:t> : 5</a:t>
+            </a:r>
+          </a:p>
+          <a:p>
+            <a:pPr marL="171450" indent="-171450">
+              <a:buFont typeface="Wingdings" pitchFamily="2" charset="2"/>
+              <a:buChar char="§"/>
+            </a:pPr>
+            <a:r>
+              <a:rPr lang="en-US" altLang="ko-KR" sz="900" dirty="0" smtClean="0"/>
+              <a:t>System : Target</a:t>
+            </a:r>
+          </a:p>
+          <a:p>
+            <a:pPr marL="171450" indent="-171450">
+              <a:buFont typeface="Wingdings" pitchFamily="2" charset="2"/>
+              <a:buChar char="§"/>
+            </a:pPr>
+            <a:r>
+              <a:rPr lang="en-US" altLang="ko-KR" sz="900" dirty="0" smtClean="0"/>
+              <a:t>Type : (Dot Heal</a:t>
+            </a:r>
+            <a:r>
+              <a:rPr lang="en-US" altLang="ko-KR" sz="900" dirty="0" smtClean="0"/>
+              <a:t>)</a:t>
+            </a:r>
+          </a:p>
+          <a:p>
+            <a:pPr marL="171450" indent="-171450">
+              <a:buFont typeface="Wingdings" pitchFamily="2" charset="2"/>
+              <a:buChar char="§"/>
+            </a:pPr>
+            <a:r>
+              <a:rPr lang="en-US" altLang="ko-KR" sz="900" dirty="0" err="1" smtClean="0"/>
+              <a:t>ExValue</a:t>
+            </a:r>
+            <a:r>
+              <a:rPr lang="en-US" altLang="ko-KR" sz="900" dirty="0" smtClean="0"/>
+              <a:t> : 1</a:t>
+            </a:r>
+          </a:p>
+          <a:p>
+            <a:pPr marL="171450" indent="-171450">
+              <a:buFont typeface="Wingdings" pitchFamily="2" charset="2"/>
+              <a:buChar char="§"/>
+            </a:pPr>
+            <a:endParaRPr lang="en-US" altLang="ko-KR" sz="900" dirty="0"/>
+          </a:p>
+          <a:p>
+            <a:pPr marL="171450" indent="-171450">
+              <a:buFont typeface="Wingdings" pitchFamily="2" charset="2"/>
+              <a:buChar char="§"/>
+            </a:pPr>
+            <a:r>
+              <a:rPr lang="en-US" altLang="ko-KR" sz="900" dirty="0" err="1" smtClean="0"/>
+              <a:t>RemainTime</a:t>
+            </a:r>
+            <a:r>
+              <a:rPr lang="ko-KR" altLang="en-US" sz="900" dirty="0" smtClean="0"/>
+              <a:t>동안 </a:t>
+            </a:r>
+            <a:r>
+              <a:rPr lang="en-US" altLang="ko-KR" sz="900" dirty="0" err="1" smtClean="0"/>
+              <a:t>ExValue</a:t>
+            </a:r>
+            <a:r>
+              <a:rPr lang="en-US" altLang="ko-KR" sz="900" dirty="0" smtClean="0"/>
+              <a:t>(</a:t>
+            </a:r>
+            <a:r>
+              <a:rPr lang="ko-KR" altLang="en-US" sz="900" dirty="0" smtClean="0"/>
+              <a:t>초</a:t>
+            </a:r>
+            <a:r>
+              <a:rPr lang="en-US" altLang="ko-KR" sz="900" dirty="0" smtClean="0"/>
+              <a:t>)</a:t>
+            </a:r>
+            <a:r>
+              <a:rPr lang="ko-KR" altLang="en-US" sz="900" dirty="0" smtClean="0"/>
+              <a:t>마다 </a:t>
+            </a:r>
+            <a:r>
+              <a:rPr lang="en-US" altLang="ko-KR" sz="900" dirty="0" err="1" smtClean="0"/>
+              <a:t>HealValue</a:t>
+            </a:r>
+            <a:r>
+              <a:rPr lang="ko-KR" altLang="en-US" sz="900" dirty="0" smtClean="0"/>
+              <a:t>값 회복</a:t>
+            </a:r>
+            <a:endParaRPr lang="en-US" altLang="ko-KR" sz="900" dirty="0" smtClean="0"/>
+          </a:p>
+          <a:p>
+            <a:pPr marL="171450" indent="-171450">
+              <a:buFont typeface="Wingdings" pitchFamily="2" charset="2"/>
+              <a:buChar char="§"/>
+            </a:pPr>
+            <a:endParaRPr lang="en-US" altLang="ko-KR" sz="900" dirty="0" smtClean="0"/>
+          </a:p>
+        </p:txBody>
+      </p:sp>
+      <p:sp>
+        <p:nvSpPr>
+          <p:cNvPr id="22" name="모서리가 둥근 직사각형 21"/>
+          <p:cNvSpPr/>
+          <p:nvPr/>
+        </p:nvSpPr>
+        <p:spPr>
+          <a:xfrm>
+            <a:off x="5220072" y="1131590"/>
+            <a:ext cx="2376264" cy="1296144"/>
+          </a:xfrm>
+          <a:prstGeom prst="roundRect">
+            <a:avLst/>
+          </a:prstGeom>
+        </p:spPr>
+        <p:style>
+          <a:lnRef idx="2">
+            <a:schemeClr val="accent1">
+              <a:shade val="50000"/>
+            </a:schemeClr>
+          </a:lnRef>
+          <a:fillRef idx="1">
+            <a:schemeClr val="accent1"/>
+          </a:fillRef>
+          <a:effectRef idx="0">
+            <a:schemeClr val="accent1"/>
+          </a:effectRef>
+          <a:fontRef idx="minor">
+            <a:schemeClr val="lt1"/>
+          </a:fontRef>
+        </p:style>
+        <p:txBody>
+          <a:bodyPr rtlCol="0" anchor="ctr"/>
+          <a:lstStyle/>
+          <a:p>
+            <a:pPr algn="ctr"/>
+            <a:r>
+              <a:rPr lang="ko-KR" altLang="en-US" dirty="0" smtClean="0"/>
+              <a:t>도트 </a:t>
+            </a:r>
+            <a:r>
+              <a:rPr lang="ko-KR" altLang="en-US" dirty="0" err="1" smtClean="0"/>
+              <a:t>힐</a:t>
+            </a:r>
+            <a:endParaRPr lang="ko-KR" altLang="en-US" dirty="0"/>
+          </a:p>
+        </p:txBody>
+      </p:sp>
+    </p:spTree>
+    <p:extLst>
+      <p:ext uri="{BB962C8B-B14F-4D97-AF65-F5344CB8AC3E}">
+        <p14:creationId xmlns:p14="http://schemas.microsoft.com/office/powerpoint/2010/main" val="1055793151"/>
+      </p:ext>
+    </p:extLst>
+  </p:cSld>
+  <p:clrMapOvr>
+    <a:masterClrMapping/>
+  </p:clrMapOvr>
+  <p:timing>
+    <p:tnLst>
+      <p:par>
+        <p:cTn id="1" dur="indefinite" restart="never" nodeType="tmRoot"/>
+      </p:par>
+    </p:tnLst>
+  </p:timing>
+</p:sld>
+</file>
+
+<file path=ppt/slides/slide12.xml><?xml version="1.0" encoding="utf-8"?>
+<p:sld xmlns:a="http://schemas.openxmlformats.org/drawingml/2006/main" xmlns:r="http://schemas.openxmlformats.org/officeDocument/2006/relationships" xmlns:p="http://schemas.openxmlformats.org/presentationml/2006/main">
+  <p:cSld>
+    <p:spTree>
+      <p:nvGrpSpPr>
+        <p:cNvPr id="1" name=""/>
+        <p:cNvGrpSpPr/>
+        <p:nvPr/>
+      </p:nvGrpSpPr>
+      <p:grpSpPr>
+        <a:xfrm>
+          <a:off x="0" y="0"/>
+          <a:ext cx="0" cy="0"/>
+          <a:chOff x="0" y="0"/>
+          <a:chExt cx="0" cy="0"/>
+        </a:xfrm>
+      </p:grpSpPr>
+      <p:sp>
+        <p:nvSpPr>
+          <p:cNvPr id="4" name="직사각형 3"/>
+          <p:cNvSpPr/>
+          <p:nvPr/>
+        </p:nvSpPr>
+        <p:spPr>
+          <a:xfrm>
+            <a:off x="-15038" y="6993"/>
+            <a:ext cx="9147313" cy="339502"/>
+          </a:xfrm>
+          <a:prstGeom prst="rect">
+            <a:avLst/>
+          </a:prstGeom>
+          <a:solidFill>
+            <a:schemeClr val="tx1"/>
+          </a:solidFill>
+          <a:ln>
+            <a:noFill/>
+          </a:ln>
+        </p:spPr>
+        <p:style>
+          <a:lnRef idx="2">
+            <a:schemeClr val="accent1">
+              <a:shade val="50000"/>
+            </a:schemeClr>
+          </a:lnRef>
+          <a:fillRef idx="1">
+            <a:schemeClr val="accent1"/>
+          </a:fillRef>
+          <a:effectRef idx="0">
+            <a:schemeClr val="accent1"/>
+          </a:effectRef>
+          <a:fontRef idx="minor">
+            <a:schemeClr val="lt1"/>
+          </a:fontRef>
+        </p:style>
+        <p:txBody>
+          <a:bodyPr rtlCol="0" anchor="ctr"/>
+          <a:lstStyle/>
+          <a:p>
+            <a:r>
+              <a:rPr lang="en-US" altLang="ko-KR" sz="1600" dirty="0" smtClean="0">
+                <a:solidFill>
+                  <a:schemeClr val="tx1">
+                    <a:lumMod val="50000"/>
+                    <a:lumOff val="50000"/>
+                  </a:schemeClr>
+                </a:solidFill>
+              </a:rPr>
+              <a:t>Don’t </a:t>
+            </a:r>
+            <a:r>
+              <a:rPr lang="en-US" altLang="ko-KR" sz="1600" dirty="0">
+                <a:solidFill>
+                  <a:schemeClr val="tx1">
+                    <a:lumMod val="50000"/>
+                    <a:lumOff val="50000"/>
+                  </a:schemeClr>
+                </a:solidFill>
+              </a:rPr>
+              <a:t>Die </a:t>
+            </a:r>
+            <a:r>
+              <a:rPr lang="en-US" altLang="ko-KR" sz="1600" b="1" dirty="0" smtClean="0">
+                <a:solidFill>
+                  <a:schemeClr val="bg1"/>
+                </a:solidFill>
+              </a:rPr>
+              <a:t>l </a:t>
+            </a:r>
+            <a:r>
+              <a:rPr lang="ko-KR" altLang="en-US" sz="1600" b="1" dirty="0" err="1" smtClean="0">
+                <a:solidFill>
+                  <a:schemeClr val="bg1"/>
+                </a:solidFill>
+              </a:rPr>
+              <a:t>힐러</a:t>
+            </a:r>
+            <a:r>
+              <a:rPr lang="ko-KR" altLang="en-US" sz="1600" b="1" dirty="0" smtClean="0">
+                <a:solidFill>
+                  <a:schemeClr val="bg1"/>
+                </a:solidFill>
+              </a:rPr>
+              <a:t> 스킬</a:t>
+            </a:r>
+            <a:endParaRPr lang="ko-KR" altLang="en-US" sz="1600" b="1" dirty="0">
+              <a:solidFill>
+                <a:schemeClr val="bg1"/>
+              </a:solidFill>
+            </a:endParaRPr>
+          </a:p>
+        </p:txBody>
+      </p:sp>
+      <p:sp>
+        <p:nvSpPr>
+          <p:cNvPr id="3" name="TextBox 2"/>
+          <p:cNvSpPr txBox="1"/>
+          <p:nvPr/>
+        </p:nvSpPr>
+        <p:spPr>
+          <a:xfrm>
+            <a:off x="251520" y="2931790"/>
+            <a:ext cx="3679196" cy="1915909"/>
+          </a:xfrm>
+          <a:prstGeom prst="rect">
+            <a:avLst/>
+          </a:prstGeom>
+          <a:solidFill>
+            <a:schemeClr val="accent5">
+              <a:lumMod val="20000"/>
+              <a:lumOff val="80000"/>
+            </a:schemeClr>
+          </a:solidFill>
+        </p:spPr>
+        <p:txBody>
+          <a:bodyPr wrap="square" rtlCol="0">
+            <a:spAutoFit/>
+          </a:bodyPr>
+          <a:lstStyle/>
+          <a:p>
+            <a:r>
+              <a:rPr lang="ko-KR" altLang="en-US" sz="1050" b="1" dirty="0" smtClean="0"/>
+              <a:t>스킬 값</a:t>
+            </a:r>
+            <a:endParaRPr lang="en-US" altLang="ko-KR" sz="1050" b="1" dirty="0" smtClean="0"/>
+          </a:p>
+          <a:p>
+            <a:pPr marL="171450" indent="-171450">
+              <a:buFont typeface="Wingdings" pitchFamily="2" charset="2"/>
+              <a:buChar char="§"/>
+            </a:pPr>
+            <a:r>
+              <a:rPr lang="en-US" altLang="ko-KR" sz="900" dirty="0" smtClean="0"/>
+              <a:t>UID : 3</a:t>
+            </a:r>
+            <a:endParaRPr lang="en-US" altLang="ko-KR" sz="900" dirty="0" smtClean="0"/>
+          </a:p>
+          <a:p>
+            <a:pPr marL="171450" indent="-171450">
+              <a:buFont typeface="Wingdings" pitchFamily="2" charset="2"/>
+              <a:buChar char="§"/>
+            </a:pPr>
+            <a:r>
+              <a:rPr lang="en-US" altLang="ko-KR" sz="900" dirty="0" err="1" smtClean="0"/>
+              <a:t>Mp</a:t>
+            </a:r>
+            <a:r>
+              <a:rPr lang="en-US" altLang="ko-KR" sz="900" dirty="0" smtClean="0"/>
+              <a:t> : 30</a:t>
+            </a:r>
+            <a:endParaRPr lang="en-US" altLang="ko-KR" sz="900" dirty="0" smtClean="0"/>
+          </a:p>
+          <a:p>
+            <a:pPr marL="171450" indent="-171450">
+              <a:buFont typeface="Wingdings" pitchFamily="2" charset="2"/>
+              <a:buChar char="§"/>
+            </a:pPr>
+            <a:r>
+              <a:rPr lang="en-US" altLang="ko-KR" sz="900" dirty="0" err="1"/>
+              <a:t>C</a:t>
+            </a:r>
+            <a:r>
+              <a:rPr lang="en-US" altLang="ko-KR" sz="900" dirty="0" err="1" smtClean="0"/>
+              <a:t>astingTime</a:t>
+            </a:r>
+            <a:r>
+              <a:rPr lang="en-US" altLang="ko-KR" sz="900" dirty="0" smtClean="0"/>
+              <a:t> : 0</a:t>
+            </a:r>
+            <a:endParaRPr lang="en-US" altLang="ko-KR" sz="900" dirty="0" smtClean="0"/>
+          </a:p>
+          <a:p>
+            <a:pPr marL="171450" indent="-171450">
+              <a:buFont typeface="Wingdings" pitchFamily="2" charset="2"/>
+              <a:buChar char="§"/>
+            </a:pPr>
+            <a:r>
+              <a:rPr lang="en-US" altLang="ko-KR" sz="900" dirty="0" err="1"/>
+              <a:t>C</a:t>
+            </a:r>
+            <a:r>
+              <a:rPr lang="en-US" altLang="ko-KR" sz="900" dirty="0" err="1" smtClean="0"/>
+              <a:t>oolTime</a:t>
+            </a:r>
+            <a:r>
+              <a:rPr lang="en-US" altLang="ko-KR" sz="900" dirty="0" smtClean="0"/>
+              <a:t> : 3</a:t>
+            </a:r>
+          </a:p>
+          <a:p>
+            <a:pPr marL="171450" indent="-171450">
+              <a:buFont typeface="Wingdings" pitchFamily="2" charset="2"/>
+              <a:buChar char="§"/>
+            </a:pPr>
+            <a:r>
+              <a:rPr lang="en-US" altLang="ko-KR" sz="900" dirty="0" err="1"/>
+              <a:t>S</a:t>
+            </a:r>
+            <a:r>
+              <a:rPr lang="en-US" altLang="ko-KR" sz="900" dirty="0" err="1" smtClean="0"/>
+              <a:t>killDistance</a:t>
+            </a:r>
+            <a:r>
+              <a:rPr lang="en-US" altLang="ko-KR" sz="900" dirty="0" smtClean="0"/>
+              <a:t> : 100</a:t>
+            </a:r>
+          </a:p>
+          <a:p>
+            <a:pPr marL="171450" indent="-171450">
+              <a:buFont typeface="Wingdings" pitchFamily="2" charset="2"/>
+              <a:buChar char="§"/>
+            </a:pPr>
+            <a:r>
+              <a:rPr lang="en-US" altLang="ko-KR" sz="900" dirty="0" err="1" smtClean="0"/>
+              <a:t>HealValue</a:t>
+            </a:r>
+            <a:r>
+              <a:rPr lang="en-US" altLang="ko-KR" sz="900" dirty="0" smtClean="0"/>
+              <a:t> : 0</a:t>
+            </a:r>
+            <a:endParaRPr lang="en-US" altLang="ko-KR" sz="900" dirty="0"/>
+          </a:p>
+          <a:p>
+            <a:pPr marL="171450" indent="-171450">
+              <a:buFont typeface="Wingdings" pitchFamily="2" charset="2"/>
+              <a:buChar char="§"/>
+            </a:pPr>
+            <a:r>
+              <a:rPr lang="en-US" altLang="ko-KR" sz="900" dirty="0" smtClean="0"/>
+              <a:t>Range : 0</a:t>
+            </a:r>
+          </a:p>
+          <a:p>
+            <a:pPr marL="171450" indent="-171450">
+              <a:buFont typeface="Wingdings" pitchFamily="2" charset="2"/>
+              <a:buChar char="§"/>
+            </a:pPr>
+            <a:r>
+              <a:rPr lang="en-US" altLang="ko-KR" sz="900" dirty="0" err="1" smtClean="0"/>
+              <a:t>RemainTime</a:t>
+            </a:r>
+            <a:r>
+              <a:rPr lang="en-US" altLang="ko-KR" sz="900" dirty="0" smtClean="0"/>
+              <a:t> : 3</a:t>
+            </a:r>
+          </a:p>
+          <a:p>
+            <a:pPr marL="171450" indent="-171450">
+              <a:buFont typeface="Wingdings" pitchFamily="2" charset="2"/>
+              <a:buChar char="§"/>
+            </a:pPr>
+            <a:r>
+              <a:rPr lang="en-US" altLang="ko-KR" sz="900" dirty="0" smtClean="0"/>
+              <a:t>System : Target</a:t>
+            </a:r>
+          </a:p>
+          <a:p>
+            <a:pPr marL="171450" indent="-171450">
+              <a:buFont typeface="Wingdings" pitchFamily="2" charset="2"/>
+              <a:buChar char="§"/>
+            </a:pPr>
+            <a:r>
+              <a:rPr lang="en-US" altLang="ko-KR" sz="900" dirty="0" smtClean="0"/>
+              <a:t>Type : (Shield</a:t>
+            </a:r>
+            <a:r>
+              <a:rPr lang="en-US" altLang="ko-KR" sz="900" dirty="0" smtClean="0"/>
+              <a:t>)</a:t>
+            </a:r>
+          </a:p>
+          <a:p>
+            <a:pPr marL="171450" indent="-171450">
+              <a:buFont typeface="Wingdings" pitchFamily="2" charset="2"/>
+              <a:buChar char="§"/>
+            </a:pPr>
+            <a:r>
+              <a:rPr lang="en-US" altLang="ko-KR" sz="900" dirty="0" err="1" smtClean="0"/>
+              <a:t>ExValue</a:t>
+            </a:r>
+            <a:r>
+              <a:rPr lang="en-US" altLang="ko-KR" sz="900" dirty="0" smtClean="0"/>
+              <a:t> : 200</a:t>
+            </a:r>
+          </a:p>
+          <a:p>
+            <a:pPr marL="171450" indent="-171450">
+              <a:buFont typeface="Wingdings" pitchFamily="2" charset="2"/>
+              <a:buChar char="§"/>
+            </a:pPr>
+            <a:endParaRPr lang="en-US" altLang="ko-KR" sz="900" dirty="0" smtClean="0"/>
+          </a:p>
+        </p:txBody>
+      </p:sp>
+      <p:sp>
+        <p:nvSpPr>
+          <p:cNvPr id="5" name="모서리가 둥근 직사각형 4"/>
+          <p:cNvSpPr/>
+          <p:nvPr/>
+        </p:nvSpPr>
+        <p:spPr>
+          <a:xfrm>
+            <a:off x="902986" y="1131590"/>
+            <a:ext cx="2376264" cy="1296144"/>
+          </a:xfrm>
+          <a:prstGeom prst="roundRect">
+            <a:avLst/>
+          </a:prstGeom>
+        </p:spPr>
+        <p:style>
+          <a:lnRef idx="2">
+            <a:schemeClr val="accent1">
+              <a:shade val="50000"/>
+            </a:schemeClr>
+          </a:lnRef>
+          <a:fillRef idx="1">
+            <a:schemeClr val="accent1"/>
+          </a:fillRef>
+          <a:effectRef idx="0">
+            <a:schemeClr val="accent1"/>
+          </a:effectRef>
+          <a:fontRef idx="minor">
+            <a:schemeClr val="lt1"/>
+          </a:fontRef>
+        </p:style>
+        <p:txBody>
+          <a:bodyPr rtlCol="0" anchor="ctr"/>
+          <a:lstStyle/>
+          <a:p>
+            <a:pPr algn="ctr"/>
+            <a:r>
+              <a:rPr lang="ko-KR" altLang="en-US" dirty="0" err="1" smtClean="0"/>
+              <a:t>쉴드</a:t>
+            </a:r>
+            <a:endParaRPr lang="ko-KR" altLang="en-US" dirty="0"/>
+          </a:p>
+        </p:txBody>
+      </p:sp>
+      <p:sp>
+        <p:nvSpPr>
+          <p:cNvPr id="21" name="TextBox 20"/>
+          <p:cNvSpPr txBox="1"/>
+          <p:nvPr/>
+        </p:nvSpPr>
+        <p:spPr>
+          <a:xfrm>
+            <a:off x="4568606" y="2931790"/>
+            <a:ext cx="3679196" cy="2054409"/>
+          </a:xfrm>
+          <a:prstGeom prst="rect">
+            <a:avLst/>
+          </a:prstGeom>
+          <a:solidFill>
+            <a:schemeClr val="accent5">
+              <a:lumMod val="20000"/>
+              <a:lumOff val="80000"/>
+            </a:schemeClr>
+          </a:solidFill>
+        </p:spPr>
+        <p:txBody>
+          <a:bodyPr wrap="square" rtlCol="0">
+            <a:spAutoFit/>
+          </a:bodyPr>
+          <a:lstStyle/>
+          <a:p>
+            <a:r>
+              <a:rPr lang="ko-KR" altLang="en-US" sz="1050" b="1" dirty="0" smtClean="0"/>
+              <a:t>스킬 값</a:t>
+            </a:r>
+            <a:endParaRPr lang="en-US" altLang="ko-KR" sz="1050" b="1" dirty="0" smtClean="0"/>
+          </a:p>
+          <a:p>
+            <a:pPr marL="171450" indent="-171450">
+              <a:buFont typeface="Wingdings" pitchFamily="2" charset="2"/>
+              <a:buChar char="§"/>
+            </a:pPr>
+            <a:r>
+              <a:rPr lang="en-US" altLang="ko-KR" sz="900" dirty="0" smtClean="0"/>
+              <a:t>UID : 4</a:t>
+            </a:r>
+            <a:endParaRPr lang="en-US" altLang="ko-KR" sz="900" dirty="0" smtClean="0"/>
+          </a:p>
+          <a:p>
+            <a:pPr marL="171450" indent="-171450">
+              <a:buFont typeface="Wingdings" pitchFamily="2" charset="2"/>
+              <a:buChar char="§"/>
+            </a:pPr>
+            <a:r>
+              <a:rPr lang="en-US" altLang="ko-KR" sz="900" dirty="0" err="1" smtClean="0"/>
+              <a:t>Mp</a:t>
+            </a:r>
+            <a:r>
+              <a:rPr lang="en-US" altLang="ko-KR" sz="900" dirty="0" smtClean="0"/>
+              <a:t> : 10</a:t>
+            </a:r>
+            <a:endParaRPr lang="en-US" altLang="ko-KR" sz="900" dirty="0" smtClean="0"/>
+          </a:p>
+          <a:p>
+            <a:pPr marL="171450" indent="-171450">
+              <a:buFont typeface="Wingdings" pitchFamily="2" charset="2"/>
+              <a:buChar char="§"/>
+            </a:pPr>
+            <a:r>
+              <a:rPr lang="en-US" altLang="ko-KR" sz="900" dirty="0" err="1"/>
+              <a:t>C</a:t>
+            </a:r>
+            <a:r>
+              <a:rPr lang="en-US" altLang="ko-KR" sz="900" dirty="0" err="1" smtClean="0"/>
+              <a:t>astingTime</a:t>
+            </a:r>
+            <a:r>
+              <a:rPr lang="en-US" altLang="ko-KR" sz="900" dirty="0" smtClean="0"/>
+              <a:t> : 1</a:t>
+            </a:r>
+            <a:endParaRPr lang="en-US" altLang="ko-KR" sz="900" dirty="0" smtClean="0"/>
+          </a:p>
+          <a:p>
+            <a:pPr marL="171450" indent="-171450">
+              <a:buFont typeface="Wingdings" pitchFamily="2" charset="2"/>
+              <a:buChar char="§"/>
+            </a:pPr>
+            <a:r>
+              <a:rPr lang="en-US" altLang="ko-KR" sz="900" dirty="0" err="1"/>
+              <a:t>C</a:t>
+            </a:r>
+            <a:r>
+              <a:rPr lang="en-US" altLang="ko-KR" sz="900" dirty="0" err="1" smtClean="0"/>
+              <a:t>oolTime</a:t>
+            </a:r>
+            <a:r>
+              <a:rPr lang="en-US" altLang="ko-KR" sz="900" dirty="0" smtClean="0"/>
+              <a:t> : 2</a:t>
+            </a:r>
+          </a:p>
+          <a:p>
+            <a:pPr marL="171450" indent="-171450">
+              <a:buFont typeface="Wingdings" pitchFamily="2" charset="2"/>
+              <a:buChar char="§"/>
+            </a:pPr>
+            <a:r>
+              <a:rPr lang="en-US" altLang="ko-KR" sz="900" dirty="0" err="1"/>
+              <a:t>S</a:t>
+            </a:r>
+            <a:r>
+              <a:rPr lang="en-US" altLang="ko-KR" sz="900" dirty="0" err="1" smtClean="0"/>
+              <a:t>killDistance</a:t>
+            </a:r>
+            <a:r>
+              <a:rPr lang="en-US" altLang="ko-KR" sz="900" dirty="0" smtClean="0"/>
+              <a:t> : 100</a:t>
+            </a:r>
+          </a:p>
+          <a:p>
+            <a:pPr marL="171450" indent="-171450">
+              <a:buFont typeface="Wingdings" pitchFamily="2" charset="2"/>
+              <a:buChar char="§"/>
+            </a:pPr>
+            <a:r>
+              <a:rPr lang="en-US" altLang="ko-KR" sz="900" dirty="0" err="1" smtClean="0"/>
+              <a:t>HealValue</a:t>
+            </a:r>
+            <a:r>
+              <a:rPr lang="en-US" altLang="ko-KR" sz="900" dirty="0" smtClean="0"/>
+              <a:t> : 0</a:t>
+            </a:r>
+            <a:endParaRPr lang="en-US" altLang="ko-KR" sz="900" dirty="0"/>
+          </a:p>
+          <a:p>
+            <a:pPr marL="171450" indent="-171450">
+              <a:buFont typeface="Wingdings" pitchFamily="2" charset="2"/>
+              <a:buChar char="§"/>
+            </a:pPr>
+            <a:r>
+              <a:rPr lang="en-US" altLang="ko-KR" sz="900" dirty="0" smtClean="0"/>
+              <a:t>Range : 0</a:t>
+            </a:r>
+          </a:p>
+          <a:p>
+            <a:pPr marL="171450" indent="-171450">
+              <a:buFont typeface="Wingdings" pitchFamily="2" charset="2"/>
+              <a:buChar char="§"/>
+            </a:pPr>
+            <a:r>
+              <a:rPr lang="en-US" altLang="ko-KR" sz="900" dirty="0" err="1" smtClean="0"/>
+              <a:t>RemainTime</a:t>
+            </a:r>
+            <a:r>
+              <a:rPr lang="en-US" altLang="ko-KR" sz="900" dirty="0" smtClean="0"/>
+              <a:t> : 10</a:t>
+            </a:r>
+          </a:p>
+          <a:p>
+            <a:pPr marL="171450" indent="-171450">
+              <a:buFont typeface="Wingdings" pitchFamily="2" charset="2"/>
+              <a:buChar char="§"/>
+            </a:pPr>
+            <a:r>
+              <a:rPr lang="en-US" altLang="ko-KR" sz="900" dirty="0" smtClean="0"/>
+              <a:t>System : Target</a:t>
+            </a:r>
+          </a:p>
+          <a:p>
+            <a:pPr marL="171450" indent="-171450">
+              <a:buFont typeface="Wingdings" pitchFamily="2" charset="2"/>
+              <a:buChar char="§"/>
+            </a:pPr>
+            <a:r>
+              <a:rPr lang="en-US" altLang="ko-KR" sz="900" dirty="0" smtClean="0"/>
+              <a:t>Type : Buff</a:t>
+            </a:r>
+          </a:p>
+          <a:p>
+            <a:pPr marL="171450" indent="-171450">
+              <a:buFont typeface="Wingdings" pitchFamily="2" charset="2"/>
+              <a:buChar char="§"/>
+            </a:pPr>
+            <a:r>
+              <a:rPr lang="en-US" altLang="ko-KR" sz="900" dirty="0" err="1" smtClean="0"/>
+              <a:t>ExValue</a:t>
+            </a:r>
+            <a:r>
+              <a:rPr lang="en-US" altLang="ko-KR" sz="900" dirty="0" smtClean="0"/>
+              <a:t> : 10</a:t>
+            </a:r>
+          </a:p>
+          <a:p>
+            <a:pPr marL="171450" indent="-171450">
+              <a:buFont typeface="Wingdings" pitchFamily="2" charset="2"/>
+              <a:buChar char="§"/>
+            </a:pPr>
+            <a:r>
+              <a:rPr lang="ko-KR" altLang="en-US" sz="900" dirty="0" err="1" smtClean="0"/>
+              <a:t>타겟</a:t>
+            </a:r>
+            <a:r>
+              <a:rPr lang="ko-KR" altLang="en-US" sz="900" dirty="0" smtClean="0"/>
+              <a:t> 방어력을 </a:t>
+            </a:r>
+            <a:r>
+              <a:rPr lang="en-US" altLang="ko-KR" sz="900" dirty="0" err="1" smtClean="0"/>
+              <a:t>ExValue</a:t>
+            </a:r>
+            <a:r>
+              <a:rPr lang="ko-KR" altLang="en-US" sz="900" dirty="0" smtClean="0"/>
+              <a:t>만큼 증가</a:t>
+            </a:r>
+            <a:endParaRPr lang="en-US" altLang="ko-KR" sz="900" dirty="0" smtClean="0"/>
+          </a:p>
+          <a:p>
+            <a:pPr marL="171450" indent="-171450">
+              <a:buFont typeface="Wingdings" pitchFamily="2" charset="2"/>
+              <a:buChar char="§"/>
+            </a:pPr>
+            <a:endParaRPr lang="en-US" altLang="ko-KR" sz="900" dirty="0" smtClean="0"/>
+          </a:p>
+        </p:txBody>
+      </p:sp>
+      <p:sp>
+        <p:nvSpPr>
+          <p:cNvPr id="22" name="모서리가 둥근 직사각형 21"/>
+          <p:cNvSpPr/>
+          <p:nvPr/>
+        </p:nvSpPr>
+        <p:spPr>
+          <a:xfrm>
+            <a:off x="5220072" y="1131590"/>
+            <a:ext cx="2376264" cy="1296144"/>
+          </a:xfrm>
+          <a:prstGeom prst="roundRect">
+            <a:avLst/>
+          </a:prstGeom>
+        </p:spPr>
+        <p:style>
+          <a:lnRef idx="2">
+            <a:schemeClr val="accent1">
+              <a:shade val="50000"/>
+            </a:schemeClr>
+          </a:lnRef>
+          <a:fillRef idx="1">
+            <a:schemeClr val="accent1"/>
+          </a:fillRef>
+          <a:effectRef idx="0">
+            <a:schemeClr val="accent1"/>
+          </a:effectRef>
+          <a:fontRef idx="minor">
+            <a:schemeClr val="lt1"/>
+          </a:fontRef>
+        </p:style>
+        <p:txBody>
+          <a:bodyPr rtlCol="0" anchor="ctr"/>
+          <a:lstStyle/>
+          <a:p>
+            <a:pPr algn="ctr"/>
+            <a:r>
+              <a:rPr lang="ko-KR" altLang="en-US" dirty="0" smtClean="0"/>
+              <a:t>방어력 </a:t>
+            </a:r>
+            <a:r>
+              <a:rPr lang="ko-KR" altLang="en-US" dirty="0" err="1" smtClean="0"/>
+              <a:t>버프</a:t>
+            </a:r>
+            <a:endParaRPr lang="ko-KR" altLang="en-US" dirty="0"/>
+          </a:p>
+        </p:txBody>
+      </p:sp>
+    </p:spTree>
+    <p:extLst>
+      <p:ext uri="{BB962C8B-B14F-4D97-AF65-F5344CB8AC3E}">
+        <p14:creationId xmlns:p14="http://schemas.microsoft.com/office/powerpoint/2010/main" val="2385038318"/>
+      </p:ext>
+    </p:extLst>
+  </p:cSld>
+  <p:clrMapOvr>
+    <a:masterClrMapping/>
+  </p:clrMapOvr>
+  <p:timing>
+    <p:tnLst>
+      <p:par>
+        <p:cTn id="1" dur="indefinite" restart="never" nodeType="tmRoot"/>
+      </p:par>
+    </p:tnLst>
+  </p:timing>
+</p:sld>
+</file>
+
+<file path=ppt/slides/slide13.xml><?xml version="1.0" encoding="utf-8"?>
+<p:sld xmlns:a="http://schemas.openxmlformats.org/drawingml/2006/main" xmlns:r="http://schemas.openxmlformats.org/officeDocument/2006/relationships" xmlns:p="http://schemas.openxmlformats.org/presentationml/2006/main">
+  <p:cSld>
+    <p:spTree>
+      <p:nvGrpSpPr>
+        <p:cNvPr id="1" name=""/>
+        <p:cNvGrpSpPr/>
+        <p:nvPr/>
+      </p:nvGrpSpPr>
+      <p:grpSpPr>
+        <a:xfrm>
+          <a:off x="0" y="0"/>
+          <a:ext cx="0" cy="0"/>
+          <a:chOff x="0" y="0"/>
+          <a:chExt cx="0" cy="0"/>
+        </a:xfrm>
+      </p:grpSpPr>
+      <p:sp>
+        <p:nvSpPr>
+          <p:cNvPr id="4" name="직사각형 3"/>
+          <p:cNvSpPr/>
+          <p:nvPr/>
+        </p:nvSpPr>
+        <p:spPr>
+          <a:xfrm>
+            <a:off x="-15038" y="6993"/>
+            <a:ext cx="9147313" cy="339502"/>
+          </a:xfrm>
+          <a:prstGeom prst="rect">
+            <a:avLst/>
+          </a:prstGeom>
+          <a:solidFill>
+            <a:schemeClr val="tx1"/>
+          </a:solidFill>
+          <a:ln>
+            <a:noFill/>
+          </a:ln>
+        </p:spPr>
+        <p:style>
+          <a:lnRef idx="2">
+            <a:schemeClr val="accent1">
+              <a:shade val="50000"/>
+            </a:schemeClr>
+          </a:lnRef>
+          <a:fillRef idx="1">
+            <a:schemeClr val="accent1"/>
+          </a:fillRef>
+          <a:effectRef idx="0">
+            <a:schemeClr val="accent1"/>
+          </a:effectRef>
+          <a:fontRef idx="minor">
+            <a:schemeClr val="lt1"/>
+          </a:fontRef>
+        </p:style>
+        <p:txBody>
+          <a:bodyPr rtlCol="0" anchor="ctr"/>
+          <a:lstStyle/>
+          <a:p>
+            <a:r>
+              <a:rPr lang="en-US" altLang="ko-KR" sz="1600" dirty="0" smtClean="0">
+                <a:solidFill>
+                  <a:schemeClr val="tx1">
+                    <a:lumMod val="50000"/>
+                    <a:lumOff val="50000"/>
+                  </a:schemeClr>
+                </a:solidFill>
+              </a:rPr>
+              <a:t>Don’t </a:t>
+            </a:r>
+            <a:r>
+              <a:rPr lang="en-US" altLang="ko-KR" sz="1600" dirty="0">
+                <a:solidFill>
+                  <a:schemeClr val="tx1">
+                    <a:lumMod val="50000"/>
+                    <a:lumOff val="50000"/>
+                  </a:schemeClr>
+                </a:solidFill>
+              </a:rPr>
+              <a:t>Die </a:t>
+            </a:r>
+            <a:r>
+              <a:rPr lang="en-US" altLang="ko-KR" sz="1600" b="1" dirty="0" smtClean="0">
+                <a:solidFill>
+                  <a:schemeClr val="bg1"/>
+                </a:solidFill>
+              </a:rPr>
+              <a:t>l </a:t>
+            </a:r>
+            <a:r>
+              <a:rPr lang="ko-KR" altLang="en-US" sz="1600" b="1" dirty="0" err="1" smtClean="0">
+                <a:solidFill>
+                  <a:schemeClr val="bg1"/>
+                </a:solidFill>
+              </a:rPr>
+              <a:t>힐러</a:t>
+            </a:r>
+            <a:r>
+              <a:rPr lang="ko-KR" altLang="en-US" sz="1600" b="1" dirty="0" smtClean="0">
+                <a:solidFill>
+                  <a:schemeClr val="bg1"/>
+                </a:solidFill>
+              </a:rPr>
+              <a:t> 스킬</a:t>
+            </a:r>
+            <a:endParaRPr lang="ko-KR" altLang="en-US" sz="1600" b="1" dirty="0">
+              <a:solidFill>
+                <a:schemeClr val="bg1"/>
+              </a:solidFill>
+            </a:endParaRPr>
+          </a:p>
+        </p:txBody>
+      </p:sp>
+      <p:sp>
+        <p:nvSpPr>
+          <p:cNvPr id="3" name="TextBox 2"/>
+          <p:cNvSpPr txBox="1"/>
+          <p:nvPr/>
+        </p:nvSpPr>
+        <p:spPr>
+          <a:xfrm>
+            <a:off x="251520" y="2931790"/>
+            <a:ext cx="3679196" cy="2054409"/>
+          </a:xfrm>
+          <a:prstGeom prst="rect">
+            <a:avLst/>
+          </a:prstGeom>
+          <a:solidFill>
+            <a:schemeClr val="accent5">
+              <a:lumMod val="20000"/>
+              <a:lumOff val="80000"/>
+            </a:schemeClr>
+          </a:solidFill>
+        </p:spPr>
+        <p:txBody>
+          <a:bodyPr wrap="square" rtlCol="0">
+            <a:spAutoFit/>
+          </a:bodyPr>
+          <a:lstStyle/>
+          <a:p>
+            <a:r>
+              <a:rPr lang="ko-KR" altLang="en-US" sz="1050" b="1" dirty="0" smtClean="0"/>
+              <a:t>스킬 값</a:t>
+            </a:r>
+            <a:endParaRPr lang="en-US" altLang="ko-KR" sz="1050" b="1" dirty="0" smtClean="0"/>
+          </a:p>
+          <a:p>
+            <a:pPr marL="171450" indent="-171450">
+              <a:buFont typeface="Wingdings" pitchFamily="2" charset="2"/>
+              <a:buChar char="§"/>
+            </a:pPr>
+            <a:r>
+              <a:rPr lang="en-US" altLang="ko-KR" sz="900" dirty="0" smtClean="0"/>
+              <a:t>UID : 5</a:t>
+            </a:r>
+            <a:endParaRPr lang="en-US" altLang="ko-KR" sz="900" dirty="0" smtClean="0"/>
+          </a:p>
+          <a:p>
+            <a:pPr marL="171450" indent="-171450">
+              <a:buFont typeface="Wingdings" pitchFamily="2" charset="2"/>
+              <a:buChar char="§"/>
+            </a:pPr>
+            <a:r>
+              <a:rPr lang="en-US" altLang="ko-KR" sz="900" dirty="0" err="1" smtClean="0"/>
+              <a:t>Mp</a:t>
+            </a:r>
+            <a:r>
+              <a:rPr lang="en-US" altLang="ko-KR" sz="900" dirty="0" smtClean="0"/>
+              <a:t> : 30</a:t>
+            </a:r>
+            <a:endParaRPr lang="en-US" altLang="ko-KR" sz="900" dirty="0" smtClean="0"/>
+          </a:p>
+          <a:p>
+            <a:pPr marL="171450" indent="-171450">
+              <a:buFont typeface="Wingdings" pitchFamily="2" charset="2"/>
+              <a:buChar char="§"/>
+            </a:pPr>
+            <a:r>
+              <a:rPr lang="en-US" altLang="ko-KR" sz="900" dirty="0" err="1"/>
+              <a:t>C</a:t>
+            </a:r>
+            <a:r>
+              <a:rPr lang="en-US" altLang="ko-KR" sz="900" dirty="0" err="1" smtClean="0"/>
+              <a:t>astingTime</a:t>
+            </a:r>
+            <a:r>
+              <a:rPr lang="en-US" altLang="ko-KR" sz="900" dirty="0" smtClean="0"/>
+              <a:t> : 0</a:t>
+            </a:r>
+            <a:endParaRPr lang="en-US" altLang="ko-KR" sz="900" dirty="0" smtClean="0"/>
+          </a:p>
+          <a:p>
+            <a:pPr marL="171450" indent="-171450">
+              <a:buFont typeface="Wingdings" pitchFamily="2" charset="2"/>
+              <a:buChar char="§"/>
+            </a:pPr>
+            <a:r>
+              <a:rPr lang="en-US" altLang="ko-KR" sz="900" dirty="0" err="1"/>
+              <a:t>C</a:t>
+            </a:r>
+            <a:r>
+              <a:rPr lang="en-US" altLang="ko-KR" sz="900" dirty="0" err="1" smtClean="0"/>
+              <a:t>oolTime</a:t>
+            </a:r>
+            <a:r>
+              <a:rPr lang="en-US" altLang="ko-KR" sz="900" dirty="0" smtClean="0"/>
+              <a:t> : 3</a:t>
+            </a:r>
+          </a:p>
+          <a:p>
+            <a:pPr marL="171450" indent="-171450">
+              <a:buFont typeface="Wingdings" pitchFamily="2" charset="2"/>
+              <a:buChar char="§"/>
+            </a:pPr>
+            <a:r>
+              <a:rPr lang="en-US" altLang="ko-KR" sz="900" dirty="0" err="1"/>
+              <a:t>S</a:t>
+            </a:r>
+            <a:r>
+              <a:rPr lang="en-US" altLang="ko-KR" sz="900" dirty="0" err="1" smtClean="0"/>
+              <a:t>killDistance</a:t>
+            </a:r>
+            <a:r>
+              <a:rPr lang="en-US" altLang="ko-KR" sz="900" dirty="0" smtClean="0"/>
+              <a:t> : 100</a:t>
+            </a:r>
+          </a:p>
+          <a:p>
+            <a:pPr marL="171450" indent="-171450">
+              <a:buFont typeface="Wingdings" pitchFamily="2" charset="2"/>
+              <a:buChar char="§"/>
+            </a:pPr>
+            <a:r>
+              <a:rPr lang="en-US" altLang="ko-KR" sz="900" dirty="0" err="1" smtClean="0"/>
+              <a:t>HealValue</a:t>
+            </a:r>
+            <a:r>
+              <a:rPr lang="en-US" altLang="ko-KR" sz="900" dirty="0" smtClean="0"/>
+              <a:t> : 0</a:t>
+            </a:r>
+            <a:endParaRPr lang="en-US" altLang="ko-KR" sz="900" dirty="0"/>
+          </a:p>
+          <a:p>
+            <a:pPr marL="171450" indent="-171450">
+              <a:buFont typeface="Wingdings" pitchFamily="2" charset="2"/>
+              <a:buChar char="§"/>
+            </a:pPr>
+            <a:r>
+              <a:rPr lang="en-US" altLang="ko-KR" sz="900" dirty="0" smtClean="0"/>
+              <a:t>Range : 0</a:t>
+            </a:r>
+          </a:p>
+          <a:p>
+            <a:pPr marL="171450" indent="-171450">
+              <a:buFont typeface="Wingdings" pitchFamily="2" charset="2"/>
+              <a:buChar char="§"/>
+            </a:pPr>
+            <a:r>
+              <a:rPr lang="en-US" altLang="ko-KR" sz="900" dirty="0" err="1" smtClean="0"/>
+              <a:t>RemainTime</a:t>
+            </a:r>
+            <a:r>
+              <a:rPr lang="en-US" altLang="ko-KR" sz="900" dirty="0" smtClean="0"/>
+              <a:t> : 3</a:t>
+            </a:r>
+          </a:p>
+          <a:p>
+            <a:pPr marL="171450" indent="-171450">
+              <a:buFont typeface="Wingdings" pitchFamily="2" charset="2"/>
+              <a:buChar char="§"/>
+            </a:pPr>
+            <a:r>
+              <a:rPr lang="en-US" altLang="ko-KR" sz="900" dirty="0" smtClean="0"/>
+              <a:t>System : Target</a:t>
+            </a:r>
+          </a:p>
+          <a:p>
+            <a:pPr marL="171450" indent="-171450">
+              <a:buFont typeface="Wingdings" pitchFamily="2" charset="2"/>
+              <a:buChar char="§"/>
+            </a:pPr>
+            <a:r>
+              <a:rPr lang="en-US" altLang="ko-KR" sz="900" dirty="0" smtClean="0"/>
+              <a:t>Type : </a:t>
+            </a:r>
+            <a:r>
+              <a:rPr lang="en-US" altLang="ko-KR" sz="900" dirty="0" err="1" smtClean="0"/>
+              <a:t>Debuff</a:t>
+            </a:r>
+            <a:endParaRPr lang="en-US" altLang="ko-KR" sz="900" dirty="0" smtClean="0"/>
+          </a:p>
+          <a:p>
+            <a:pPr marL="171450" indent="-171450">
+              <a:buFont typeface="Wingdings" pitchFamily="2" charset="2"/>
+              <a:buChar char="§"/>
+            </a:pPr>
+            <a:r>
+              <a:rPr lang="en-US" altLang="ko-KR" sz="900" dirty="0" err="1" smtClean="0"/>
+              <a:t>ExValue</a:t>
+            </a:r>
+            <a:r>
+              <a:rPr lang="en-US" altLang="ko-KR" sz="900" dirty="0" smtClean="0"/>
+              <a:t> : 10</a:t>
+            </a:r>
+          </a:p>
+          <a:p>
+            <a:pPr marL="171450" indent="-171450">
+              <a:buFont typeface="Wingdings" pitchFamily="2" charset="2"/>
+              <a:buChar char="§"/>
+            </a:pPr>
+            <a:r>
+              <a:rPr lang="ko-KR" altLang="en-US" sz="900" dirty="0" err="1" smtClean="0"/>
+              <a:t>타겟</a:t>
+            </a:r>
+            <a:r>
+              <a:rPr lang="ko-KR" altLang="en-US" sz="900" dirty="0" smtClean="0"/>
+              <a:t> 공격력을 </a:t>
+            </a:r>
+            <a:r>
+              <a:rPr lang="en-US" altLang="ko-KR" sz="900" dirty="0" err="1" smtClean="0"/>
+              <a:t>ExValue</a:t>
+            </a:r>
+            <a:r>
+              <a:rPr lang="ko-KR" altLang="en-US" sz="900" dirty="0" smtClean="0"/>
+              <a:t>만큼 감소</a:t>
+            </a:r>
+            <a:endParaRPr lang="en-US" altLang="ko-KR" sz="900" dirty="0" smtClean="0"/>
+          </a:p>
+          <a:p>
+            <a:pPr marL="171450" indent="-171450">
+              <a:buFont typeface="Wingdings" pitchFamily="2" charset="2"/>
+              <a:buChar char="§"/>
+            </a:pPr>
+            <a:endParaRPr lang="en-US" altLang="ko-KR" sz="900" dirty="0" smtClean="0"/>
+          </a:p>
+        </p:txBody>
+      </p:sp>
+      <p:sp>
+        <p:nvSpPr>
+          <p:cNvPr id="5" name="모서리가 둥근 직사각형 4"/>
+          <p:cNvSpPr/>
+          <p:nvPr/>
+        </p:nvSpPr>
+        <p:spPr>
+          <a:xfrm>
+            <a:off x="902986" y="1131590"/>
+            <a:ext cx="2376264" cy="1296144"/>
+          </a:xfrm>
+          <a:prstGeom prst="roundRect">
+            <a:avLst/>
+          </a:prstGeom>
+        </p:spPr>
+        <p:style>
+          <a:lnRef idx="2">
+            <a:schemeClr val="accent1">
+              <a:shade val="50000"/>
+            </a:schemeClr>
+          </a:lnRef>
+          <a:fillRef idx="1">
+            <a:schemeClr val="accent1"/>
+          </a:fillRef>
+          <a:effectRef idx="0">
+            <a:schemeClr val="accent1"/>
+          </a:effectRef>
+          <a:fontRef idx="minor">
+            <a:schemeClr val="lt1"/>
+          </a:fontRef>
+        </p:style>
+        <p:txBody>
+          <a:bodyPr rtlCol="0" anchor="ctr"/>
+          <a:lstStyle/>
+          <a:p>
+            <a:pPr algn="ctr"/>
+            <a:r>
+              <a:rPr lang="ko-KR" altLang="en-US" dirty="0" smtClean="0"/>
+              <a:t>공격력 </a:t>
+            </a:r>
+            <a:r>
+              <a:rPr lang="ko-KR" altLang="en-US" dirty="0" err="1" smtClean="0"/>
+              <a:t>디버프</a:t>
+            </a:r>
+            <a:endParaRPr lang="ko-KR" altLang="en-US" dirty="0"/>
+          </a:p>
+        </p:txBody>
+      </p:sp>
+      <p:sp>
+        <p:nvSpPr>
+          <p:cNvPr id="21" name="TextBox 20"/>
+          <p:cNvSpPr txBox="1"/>
+          <p:nvPr/>
+        </p:nvSpPr>
+        <p:spPr>
+          <a:xfrm>
+            <a:off x="4568606" y="2931790"/>
+            <a:ext cx="3679196" cy="1915909"/>
+          </a:xfrm>
+          <a:prstGeom prst="rect">
+            <a:avLst/>
+          </a:prstGeom>
+          <a:solidFill>
+            <a:schemeClr val="accent5">
+              <a:lumMod val="20000"/>
+              <a:lumOff val="80000"/>
+            </a:schemeClr>
+          </a:solidFill>
+        </p:spPr>
+        <p:txBody>
+          <a:bodyPr wrap="square" rtlCol="0">
+            <a:spAutoFit/>
+          </a:bodyPr>
+          <a:lstStyle/>
+          <a:p>
+            <a:r>
+              <a:rPr lang="ko-KR" altLang="en-US" sz="1050" b="1" dirty="0" smtClean="0"/>
+              <a:t>스킬 값</a:t>
+            </a:r>
+            <a:endParaRPr lang="en-US" altLang="ko-KR" sz="1050" b="1" dirty="0" smtClean="0"/>
+          </a:p>
+          <a:p>
+            <a:pPr marL="171450" indent="-171450">
+              <a:buFont typeface="Wingdings" pitchFamily="2" charset="2"/>
+              <a:buChar char="§"/>
+            </a:pPr>
+            <a:r>
+              <a:rPr lang="en-US" altLang="ko-KR" sz="900" dirty="0" smtClean="0"/>
+              <a:t>UID : 6</a:t>
+            </a:r>
+            <a:endParaRPr lang="en-US" altLang="ko-KR" sz="900" dirty="0" smtClean="0"/>
+          </a:p>
+          <a:p>
+            <a:pPr marL="171450" indent="-171450">
+              <a:buFont typeface="Wingdings" pitchFamily="2" charset="2"/>
+              <a:buChar char="§"/>
+            </a:pPr>
+            <a:r>
+              <a:rPr lang="en-US" altLang="ko-KR" sz="900" dirty="0" err="1" smtClean="0"/>
+              <a:t>Mp</a:t>
+            </a:r>
+            <a:r>
+              <a:rPr lang="en-US" altLang="ko-KR" sz="900" dirty="0" smtClean="0"/>
+              <a:t> : 0</a:t>
+            </a:r>
+            <a:endParaRPr lang="en-US" altLang="ko-KR" sz="900" dirty="0" smtClean="0"/>
+          </a:p>
+          <a:p>
+            <a:pPr marL="171450" indent="-171450">
+              <a:buFont typeface="Wingdings" pitchFamily="2" charset="2"/>
+              <a:buChar char="§"/>
+            </a:pPr>
+            <a:r>
+              <a:rPr lang="en-US" altLang="ko-KR" sz="900" dirty="0" err="1"/>
+              <a:t>C</a:t>
+            </a:r>
+            <a:r>
+              <a:rPr lang="en-US" altLang="ko-KR" sz="900" dirty="0" err="1" smtClean="0"/>
+              <a:t>astingTime</a:t>
+            </a:r>
+            <a:r>
+              <a:rPr lang="en-US" altLang="ko-KR" sz="900" dirty="0" smtClean="0"/>
+              <a:t> : 0</a:t>
+            </a:r>
+            <a:endParaRPr lang="en-US" altLang="ko-KR" sz="900" dirty="0" smtClean="0"/>
+          </a:p>
+          <a:p>
+            <a:pPr marL="171450" indent="-171450">
+              <a:buFont typeface="Wingdings" pitchFamily="2" charset="2"/>
+              <a:buChar char="§"/>
+            </a:pPr>
+            <a:r>
+              <a:rPr lang="en-US" altLang="ko-KR" sz="900" dirty="0" err="1"/>
+              <a:t>C</a:t>
+            </a:r>
+            <a:r>
+              <a:rPr lang="en-US" altLang="ko-KR" sz="900" dirty="0" err="1" smtClean="0"/>
+              <a:t>oolTime</a:t>
+            </a:r>
+            <a:r>
+              <a:rPr lang="en-US" altLang="ko-KR" sz="900" dirty="0" smtClean="0"/>
+              <a:t> : 120</a:t>
+            </a:r>
+          </a:p>
+          <a:p>
+            <a:pPr marL="171450" indent="-171450">
+              <a:buFont typeface="Wingdings" pitchFamily="2" charset="2"/>
+              <a:buChar char="§"/>
+            </a:pPr>
+            <a:r>
+              <a:rPr lang="en-US" altLang="ko-KR" sz="900" dirty="0" err="1"/>
+              <a:t>S</a:t>
+            </a:r>
+            <a:r>
+              <a:rPr lang="en-US" altLang="ko-KR" sz="900" dirty="0" err="1" smtClean="0"/>
+              <a:t>killDistance</a:t>
+            </a:r>
+            <a:r>
+              <a:rPr lang="en-US" altLang="ko-KR" sz="900" dirty="0" smtClean="0"/>
+              <a:t> : 100</a:t>
+            </a:r>
+          </a:p>
+          <a:p>
+            <a:pPr marL="171450" indent="-171450">
+              <a:buFont typeface="Wingdings" pitchFamily="2" charset="2"/>
+              <a:buChar char="§"/>
+            </a:pPr>
+            <a:r>
+              <a:rPr lang="en-US" altLang="ko-KR" sz="900" dirty="0" err="1" smtClean="0"/>
+              <a:t>HealValue</a:t>
+            </a:r>
+            <a:r>
+              <a:rPr lang="en-US" altLang="ko-KR" sz="900" dirty="0" smtClean="0"/>
+              <a:t> : 0</a:t>
+            </a:r>
+            <a:endParaRPr lang="en-US" altLang="ko-KR" sz="900" dirty="0"/>
+          </a:p>
+          <a:p>
+            <a:pPr marL="171450" indent="-171450">
+              <a:buFont typeface="Wingdings" pitchFamily="2" charset="2"/>
+              <a:buChar char="§"/>
+            </a:pPr>
+            <a:r>
+              <a:rPr lang="en-US" altLang="ko-KR" sz="900" dirty="0" smtClean="0"/>
+              <a:t>Range : 0</a:t>
+            </a:r>
+          </a:p>
+          <a:p>
+            <a:pPr marL="171450" indent="-171450">
+              <a:buFont typeface="Wingdings" pitchFamily="2" charset="2"/>
+              <a:buChar char="§"/>
+            </a:pPr>
+            <a:r>
+              <a:rPr lang="en-US" altLang="ko-KR" sz="900" dirty="0" err="1" smtClean="0"/>
+              <a:t>RemainTime</a:t>
+            </a:r>
+            <a:r>
+              <a:rPr lang="en-US" altLang="ko-KR" sz="900" dirty="0" smtClean="0"/>
+              <a:t> : 3</a:t>
+            </a:r>
+          </a:p>
+          <a:p>
+            <a:pPr marL="171450" indent="-171450">
+              <a:buFont typeface="Wingdings" pitchFamily="2" charset="2"/>
+              <a:buChar char="§"/>
+            </a:pPr>
+            <a:r>
+              <a:rPr lang="en-US" altLang="ko-KR" sz="900" dirty="0" smtClean="0"/>
+              <a:t>System : Target</a:t>
+            </a:r>
+          </a:p>
+          <a:p>
+            <a:pPr marL="171450" indent="-171450">
+              <a:buFont typeface="Wingdings" pitchFamily="2" charset="2"/>
+              <a:buChar char="§"/>
+            </a:pPr>
+            <a:r>
+              <a:rPr lang="en-US" altLang="ko-KR" sz="900" dirty="0" smtClean="0"/>
+              <a:t>Type : Shield</a:t>
+            </a:r>
+          </a:p>
+          <a:p>
+            <a:pPr marL="171450" indent="-171450">
+              <a:buFont typeface="Wingdings" pitchFamily="2" charset="2"/>
+              <a:buChar char="§"/>
+            </a:pPr>
+            <a:r>
+              <a:rPr lang="en-US" altLang="ko-KR" sz="900" dirty="0" err="1" smtClean="0"/>
+              <a:t>ExValue</a:t>
+            </a:r>
+            <a:r>
+              <a:rPr lang="en-US" altLang="ko-KR" sz="900" dirty="0" smtClean="0"/>
+              <a:t> : 9999</a:t>
+            </a:r>
+          </a:p>
+          <a:p>
+            <a:endParaRPr lang="en-US" altLang="ko-KR" sz="900" dirty="0" smtClean="0"/>
+          </a:p>
+        </p:txBody>
+      </p:sp>
+      <p:sp>
+        <p:nvSpPr>
+          <p:cNvPr id="22" name="모서리가 둥근 직사각형 21"/>
+          <p:cNvSpPr/>
+          <p:nvPr/>
+        </p:nvSpPr>
+        <p:spPr>
+          <a:xfrm>
+            <a:off x="5220072" y="1131590"/>
+            <a:ext cx="2376264" cy="1296144"/>
+          </a:xfrm>
+          <a:prstGeom prst="roundRect">
+            <a:avLst/>
+          </a:prstGeom>
+        </p:spPr>
+        <p:style>
+          <a:lnRef idx="2">
+            <a:schemeClr val="accent1">
+              <a:shade val="50000"/>
+            </a:schemeClr>
+          </a:lnRef>
+          <a:fillRef idx="1">
+            <a:schemeClr val="accent1"/>
+          </a:fillRef>
+          <a:effectRef idx="0">
+            <a:schemeClr val="accent1"/>
+          </a:effectRef>
+          <a:fontRef idx="minor">
+            <a:schemeClr val="lt1"/>
+          </a:fontRef>
+        </p:style>
+        <p:txBody>
+          <a:bodyPr rtlCol="0" anchor="ctr"/>
+          <a:lstStyle/>
+          <a:p>
+            <a:pPr algn="ctr"/>
+            <a:r>
+              <a:rPr lang="ko-KR" altLang="en-US" dirty="0" smtClean="0"/>
+              <a:t>무적</a:t>
+            </a:r>
+            <a:r>
+              <a:rPr lang="en-US" altLang="ko-KR" dirty="0" smtClean="0"/>
+              <a:t>(</a:t>
+            </a:r>
+            <a:r>
+              <a:rPr lang="ko-KR" altLang="en-US" dirty="0" err="1" smtClean="0"/>
+              <a:t>쉴드</a:t>
+            </a:r>
+            <a:r>
+              <a:rPr lang="en-US" altLang="ko-KR" dirty="0" smtClean="0"/>
+              <a:t>)</a:t>
+            </a:r>
+            <a:endParaRPr lang="ko-KR" altLang="en-US" dirty="0"/>
+          </a:p>
+        </p:txBody>
+      </p:sp>
+    </p:spTree>
+    <p:extLst>
+      <p:ext uri="{BB962C8B-B14F-4D97-AF65-F5344CB8AC3E}">
+        <p14:creationId xmlns:p14="http://schemas.microsoft.com/office/powerpoint/2010/main" val="2420299140"/>
+      </p:ext>
+    </p:extLst>
+  </p:cSld>
+  <p:clrMapOvr>
+    <a:masterClrMapping/>
+  </p:clrMapOvr>
+  <p:timing>
+    <p:tnLst>
+      <p:par>
+        <p:cTn id="1" dur="indefinite" restart="never" nodeType="tmRoot"/>
+      </p:par>
+    </p:tnLst>
+  </p:timing>
+</p:sld>
+</file>
+
+<file path=ppt/slides/slide14.xml><?xml version="1.0" encoding="utf-8"?>
+<p:sld xmlns:a="http://schemas.openxmlformats.org/drawingml/2006/main" xmlns:r="http://schemas.openxmlformats.org/officeDocument/2006/relationships" xmlns:p="http://schemas.openxmlformats.org/presentationml/2006/main">
+  <p:cSld>
+    <p:spTree>
+      <p:nvGrpSpPr>
+        <p:cNvPr id="1" name=""/>
+        <p:cNvGrpSpPr/>
+        <p:nvPr/>
+      </p:nvGrpSpPr>
+      <p:grpSpPr>
+        <a:xfrm>
+          <a:off x="0" y="0"/>
+          <a:ext cx="0" cy="0"/>
+          <a:chOff x="0" y="0"/>
+          <a:chExt cx="0" cy="0"/>
+        </a:xfrm>
+      </p:grpSpPr>
+      <p:sp>
+        <p:nvSpPr>
+          <p:cNvPr id="4" name="직사각형 3"/>
+          <p:cNvSpPr/>
+          <p:nvPr/>
+        </p:nvSpPr>
+        <p:spPr>
+          <a:xfrm>
+            <a:off x="-15038" y="6993"/>
+            <a:ext cx="9147313" cy="339502"/>
+          </a:xfrm>
+          <a:prstGeom prst="rect">
+            <a:avLst/>
+          </a:prstGeom>
+          <a:solidFill>
+            <a:schemeClr val="tx1"/>
+          </a:solidFill>
+          <a:ln>
+            <a:noFill/>
+          </a:ln>
+        </p:spPr>
+        <p:style>
+          <a:lnRef idx="2">
+            <a:schemeClr val="accent1">
+              <a:shade val="50000"/>
+            </a:schemeClr>
+          </a:lnRef>
+          <a:fillRef idx="1">
+            <a:schemeClr val="accent1"/>
+          </a:fillRef>
+          <a:effectRef idx="0">
+            <a:schemeClr val="accent1"/>
+          </a:effectRef>
+          <a:fontRef idx="minor">
+            <a:schemeClr val="lt1"/>
+          </a:fontRef>
+        </p:style>
+        <p:txBody>
+          <a:bodyPr rtlCol="0" anchor="ctr"/>
+          <a:lstStyle/>
+          <a:p>
+            <a:r>
+              <a:rPr lang="en-US" altLang="ko-KR" sz="1600" dirty="0" smtClean="0">
+                <a:solidFill>
+                  <a:schemeClr val="tx1">
+                    <a:lumMod val="50000"/>
+                    <a:lumOff val="50000"/>
+                  </a:schemeClr>
+                </a:solidFill>
+              </a:rPr>
+              <a:t>Don’t </a:t>
+            </a:r>
+            <a:r>
+              <a:rPr lang="en-US" altLang="ko-KR" sz="1600" dirty="0">
+                <a:solidFill>
+                  <a:schemeClr val="tx1">
+                    <a:lumMod val="50000"/>
+                    <a:lumOff val="50000"/>
+                  </a:schemeClr>
+                </a:solidFill>
+              </a:rPr>
+              <a:t>Die </a:t>
+            </a:r>
+            <a:r>
+              <a:rPr lang="en-US" altLang="ko-KR" sz="1600" b="1" dirty="0" smtClean="0">
+                <a:solidFill>
+                  <a:schemeClr val="bg1"/>
+                </a:solidFill>
+              </a:rPr>
+              <a:t>l </a:t>
+            </a:r>
+            <a:r>
+              <a:rPr lang="ko-KR" altLang="en-US" sz="1600" b="1" dirty="0" err="1" smtClean="0">
+                <a:solidFill>
+                  <a:schemeClr val="bg1"/>
+                </a:solidFill>
+              </a:rPr>
+              <a:t>힐러</a:t>
+            </a:r>
+            <a:r>
+              <a:rPr lang="ko-KR" altLang="en-US" sz="1600" b="1" dirty="0" smtClean="0">
+                <a:solidFill>
+                  <a:schemeClr val="bg1"/>
+                </a:solidFill>
+              </a:rPr>
+              <a:t> 스킬</a:t>
+            </a:r>
+            <a:endParaRPr lang="ko-KR" altLang="en-US" sz="1600" b="1" dirty="0">
+              <a:solidFill>
+                <a:schemeClr val="bg1"/>
+              </a:solidFill>
+            </a:endParaRPr>
+          </a:p>
+        </p:txBody>
+      </p:sp>
+      <p:sp>
+        <p:nvSpPr>
+          <p:cNvPr id="3" name="TextBox 2"/>
+          <p:cNvSpPr txBox="1"/>
+          <p:nvPr/>
+        </p:nvSpPr>
+        <p:spPr>
+          <a:xfrm>
+            <a:off x="251520" y="2931790"/>
+            <a:ext cx="3679196" cy="2054409"/>
+          </a:xfrm>
+          <a:prstGeom prst="rect">
+            <a:avLst/>
+          </a:prstGeom>
+          <a:solidFill>
+            <a:schemeClr val="accent5">
+              <a:lumMod val="20000"/>
+              <a:lumOff val="80000"/>
+            </a:schemeClr>
+          </a:solidFill>
+        </p:spPr>
+        <p:txBody>
+          <a:bodyPr wrap="square" rtlCol="0">
+            <a:spAutoFit/>
+          </a:bodyPr>
+          <a:lstStyle/>
+          <a:p>
+            <a:r>
+              <a:rPr lang="ko-KR" altLang="en-US" sz="1050" b="1" dirty="0" smtClean="0"/>
+              <a:t>스킬 값</a:t>
+            </a:r>
+            <a:endParaRPr lang="en-US" altLang="ko-KR" sz="1050" b="1" dirty="0" smtClean="0"/>
+          </a:p>
+          <a:p>
+            <a:pPr marL="171450" indent="-171450">
+              <a:buFont typeface="Wingdings" pitchFamily="2" charset="2"/>
+              <a:buChar char="§"/>
+            </a:pPr>
+            <a:r>
+              <a:rPr lang="en-US" altLang="ko-KR" sz="900" dirty="0" smtClean="0"/>
+              <a:t>UID : 7</a:t>
+            </a:r>
+            <a:endParaRPr lang="en-US" altLang="ko-KR" sz="900" dirty="0" smtClean="0"/>
+          </a:p>
+          <a:p>
+            <a:pPr marL="171450" indent="-171450">
+              <a:buFont typeface="Wingdings" pitchFamily="2" charset="2"/>
+              <a:buChar char="§"/>
+            </a:pPr>
+            <a:r>
+              <a:rPr lang="en-US" altLang="ko-KR" sz="900" dirty="0" err="1" smtClean="0"/>
+              <a:t>Mp</a:t>
+            </a:r>
+            <a:r>
+              <a:rPr lang="en-US" altLang="ko-KR" sz="900" dirty="0" smtClean="0"/>
+              <a:t> : 30</a:t>
+            </a:r>
+            <a:endParaRPr lang="en-US" altLang="ko-KR" sz="900" dirty="0" smtClean="0"/>
+          </a:p>
+          <a:p>
+            <a:pPr marL="171450" indent="-171450">
+              <a:buFont typeface="Wingdings" pitchFamily="2" charset="2"/>
+              <a:buChar char="§"/>
+            </a:pPr>
+            <a:r>
+              <a:rPr lang="en-US" altLang="ko-KR" sz="900" dirty="0" err="1"/>
+              <a:t>C</a:t>
+            </a:r>
+            <a:r>
+              <a:rPr lang="en-US" altLang="ko-KR" sz="900" dirty="0" err="1" smtClean="0"/>
+              <a:t>astingTime</a:t>
+            </a:r>
+            <a:r>
+              <a:rPr lang="en-US" altLang="ko-KR" sz="900" dirty="0" smtClean="0"/>
+              <a:t> : 0</a:t>
+            </a:r>
+            <a:endParaRPr lang="en-US" altLang="ko-KR" sz="900" dirty="0" smtClean="0"/>
+          </a:p>
+          <a:p>
+            <a:pPr marL="171450" indent="-171450">
+              <a:buFont typeface="Wingdings" pitchFamily="2" charset="2"/>
+              <a:buChar char="§"/>
+            </a:pPr>
+            <a:r>
+              <a:rPr lang="en-US" altLang="ko-KR" sz="900" dirty="0" err="1"/>
+              <a:t>C</a:t>
+            </a:r>
+            <a:r>
+              <a:rPr lang="en-US" altLang="ko-KR" sz="900" dirty="0" err="1" smtClean="0"/>
+              <a:t>oolTime</a:t>
+            </a:r>
+            <a:r>
+              <a:rPr lang="en-US" altLang="ko-KR" sz="900" dirty="0" smtClean="0"/>
+              <a:t> : 15</a:t>
+            </a:r>
+          </a:p>
+          <a:p>
+            <a:pPr marL="171450" indent="-171450">
+              <a:buFont typeface="Wingdings" pitchFamily="2" charset="2"/>
+              <a:buChar char="§"/>
+            </a:pPr>
+            <a:r>
+              <a:rPr lang="en-US" altLang="ko-KR" sz="900" dirty="0" err="1"/>
+              <a:t>S</a:t>
+            </a:r>
+            <a:r>
+              <a:rPr lang="en-US" altLang="ko-KR" sz="900" dirty="0" err="1" smtClean="0"/>
+              <a:t>killDistance</a:t>
+            </a:r>
+            <a:r>
+              <a:rPr lang="en-US" altLang="ko-KR" sz="900" dirty="0" smtClean="0"/>
+              <a:t> : 100</a:t>
+            </a:r>
+          </a:p>
+          <a:p>
+            <a:pPr marL="171450" indent="-171450">
+              <a:buFont typeface="Wingdings" pitchFamily="2" charset="2"/>
+              <a:buChar char="§"/>
+            </a:pPr>
+            <a:r>
+              <a:rPr lang="en-US" altLang="ko-KR" sz="900" dirty="0" err="1" smtClean="0"/>
+              <a:t>HealValue</a:t>
+            </a:r>
+            <a:r>
+              <a:rPr lang="en-US" altLang="ko-KR" sz="900" dirty="0" smtClean="0"/>
+              <a:t> : 0</a:t>
+            </a:r>
+            <a:endParaRPr lang="en-US" altLang="ko-KR" sz="900" dirty="0"/>
+          </a:p>
+          <a:p>
+            <a:pPr marL="171450" indent="-171450">
+              <a:buFont typeface="Wingdings" pitchFamily="2" charset="2"/>
+              <a:buChar char="§"/>
+            </a:pPr>
+            <a:r>
+              <a:rPr lang="en-US" altLang="ko-KR" sz="900" dirty="0" smtClean="0"/>
+              <a:t>Range : 0</a:t>
+            </a:r>
+          </a:p>
+          <a:p>
+            <a:pPr marL="171450" indent="-171450">
+              <a:buFont typeface="Wingdings" pitchFamily="2" charset="2"/>
+              <a:buChar char="§"/>
+            </a:pPr>
+            <a:r>
+              <a:rPr lang="en-US" altLang="ko-KR" sz="900" dirty="0" err="1" smtClean="0"/>
+              <a:t>RemainTime</a:t>
+            </a:r>
+            <a:r>
+              <a:rPr lang="en-US" altLang="ko-KR" sz="900" dirty="0" smtClean="0"/>
+              <a:t> : 3</a:t>
+            </a:r>
+          </a:p>
+          <a:p>
+            <a:pPr marL="171450" indent="-171450">
+              <a:buFont typeface="Wingdings" pitchFamily="2" charset="2"/>
+              <a:buChar char="§"/>
+            </a:pPr>
+            <a:r>
+              <a:rPr lang="en-US" altLang="ko-KR" sz="900" dirty="0" smtClean="0"/>
+              <a:t>System : Target</a:t>
+            </a:r>
+          </a:p>
+          <a:p>
+            <a:pPr marL="171450" indent="-171450">
+              <a:buFont typeface="Wingdings" pitchFamily="2" charset="2"/>
+              <a:buChar char="§"/>
+            </a:pPr>
+            <a:r>
+              <a:rPr lang="en-US" altLang="ko-KR" sz="900" dirty="0" smtClean="0"/>
+              <a:t>Type : Special</a:t>
+            </a:r>
+            <a:endParaRPr lang="en-US" altLang="ko-KR" sz="900" dirty="0" smtClean="0"/>
+          </a:p>
+          <a:p>
+            <a:pPr marL="171450" indent="-171450">
+              <a:buFont typeface="Wingdings" pitchFamily="2" charset="2"/>
+              <a:buChar char="§"/>
+            </a:pPr>
+            <a:r>
+              <a:rPr lang="en-US" altLang="ko-KR" sz="900" dirty="0" err="1" smtClean="0"/>
+              <a:t>ExValue</a:t>
+            </a:r>
+            <a:r>
+              <a:rPr lang="en-US" altLang="ko-KR" sz="900" dirty="0" smtClean="0"/>
+              <a:t> : 0</a:t>
+            </a:r>
+          </a:p>
+          <a:p>
+            <a:pPr marL="171450" indent="-171450">
+              <a:buFont typeface="Wingdings" pitchFamily="2" charset="2"/>
+              <a:buChar char="§"/>
+            </a:pPr>
+            <a:r>
+              <a:rPr lang="ko-KR" altLang="en-US" sz="900" dirty="0" smtClean="0"/>
+              <a:t>선택한 </a:t>
+            </a:r>
+            <a:r>
+              <a:rPr lang="ko-KR" altLang="en-US" sz="900" dirty="0" err="1" smtClean="0"/>
+              <a:t>타겟을</a:t>
+            </a:r>
+            <a:r>
+              <a:rPr lang="ko-KR" altLang="en-US" sz="900" dirty="0" smtClean="0"/>
+              <a:t> 내 앞으로 당겨온다</a:t>
+            </a:r>
+            <a:endParaRPr lang="en-US" altLang="ko-KR" sz="900" dirty="0" smtClean="0"/>
+          </a:p>
+          <a:p>
+            <a:pPr marL="171450" indent="-171450">
+              <a:buFont typeface="Wingdings" pitchFamily="2" charset="2"/>
+              <a:buChar char="§"/>
+            </a:pPr>
+            <a:endParaRPr lang="en-US" altLang="ko-KR" sz="900" dirty="0" smtClean="0"/>
+          </a:p>
+        </p:txBody>
+      </p:sp>
+      <p:sp>
+        <p:nvSpPr>
+          <p:cNvPr id="5" name="모서리가 둥근 직사각형 4"/>
+          <p:cNvSpPr/>
+          <p:nvPr/>
+        </p:nvSpPr>
+        <p:spPr>
+          <a:xfrm>
+            <a:off x="902986" y="1131590"/>
+            <a:ext cx="2376264" cy="1296144"/>
+          </a:xfrm>
+          <a:prstGeom prst="roundRect">
+            <a:avLst/>
+          </a:prstGeom>
+        </p:spPr>
+        <p:style>
+          <a:lnRef idx="2">
+            <a:schemeClr val="accent1">
+              <a:shade val="50000"/>
+            </a:schemeClr>
+          </a:lnRef>
+          <a:fillRef idx="1">
+            <a:schemeClr val="accent1"/>
+          </a:fillRef>
+          <a:effectRef idx="0">
+            <a:schemeClr val="accent1"/>
+          </a:effectRef>
+          <a:fontRef idx="minor">
+            <a:schemeClr val="lt1"/>
+          </a:fontRef>
+        </p:style>
+        <p:txBody>
+          <a:bodyPr rtlCol="0" anchor="ctr"/>
+          <a:lstStyle/>
+          <a:p>
+            <a:pPr algn="ctr"/>
+            <a:r>
+              <a:rPr lang="ko-KR" altLang="en-US" dirty="0" smtClean="0"/>
+              <a:t>당기</a:t>
+            </a:r>
+            <a:r>
+              <a:rPr lang="ko-KR" altLang="en-US" dirty="0"/>
+              <a:t>기</a:t>
+            </a:r>
+          </a:p>
+        </p:txBody>
+      </p:sp>
+      <p:sp>
+        <p:nvSpPr>
+          <p:cNvPr id="21" name="TextBox 20"/>
+          <p:cNvSpPr txBox="1"/>
+          <p:nvPr/>
+        </p:nvSpPr>
+        <p:spPr>
+          <a:xfrm>
+            <a:off x="4568606" y="2931790"/>
+            <a:ext cx="3679196" cy="2054409"/>
+          </a:xfrm>
+          <a:prstGeom prst="rect">
+            <a:avLst/>
+          </a:prstGeom>
+          <a:solidFill>
+            <a:schemeClr val="accent5">
+              <a:lumMod val="20000"/>
+              <a:lumOff val="80000"/>
+            </a:schemeClr>
+          </a:solidFill>
+        </p:spPr>
+        <p:txBody>
+          <a:bodyPr wrap="square" rtlCol="0">
+            <a:spAutoFit/>
+          </a:bodyPr>
+          <a:lstStyle/>
+          <a:p>
+            <a:r>
+              <a:rPr lang="ko-KR" altLang="en-US" sz="1050" b="1" dirty="0" smtClean="0"/>
+              <a:t>스킬 값</a:t>
+            </a:r>
+            <a:endParaRPr lang="en-US" altLang="ko-KR" sz="1050" b="1" dirty="0" smtClean="0"/>
+          </a:p>
+          <a:p>
+            <a:pPr marL="171450" indent="-171450">
+              <a:buFont typeface="Wingdings" pitchFamily="2" charset="2"/>
+              <a:buChar char="§"/>
+            </a:pPr>
+            <a:r>
+              <a:rPr lang="en-US" altLang="ko-KR" sz="900" dirty="0" smtClean="0"/>
+              <a:t>UID : 8</a:t>
+            </a:r>
+            <a:endParaRPr lang="en-US" altLang="ko-KR" sz="900" dirty="0" smtClean="0"/>
+          </a:p>
+          <a:p>
+            <a:pPr marL="171450" indent="-171450">
+              <a:buFont typeface="Wingdings" pitchFamily="2" charset="2"/>
+              <a:buChar char="§"/>
+            </a:pPr>
+            <a:r>
+              <a:rPr lang="en-US" altLang="ko-KR" sz="900" dirty="0" err="1" smtClean="0"/>
+              <a:t>Mp</a:t>
+            </a:r>
+            <a:r>
+              <a:rPr lang="en-US" altLang="ko-KR" sz="900" dirty="0" smtClean="0"/>
+              <a:t> : 10</a:t>
+            </a:r>
+            <a:endParaRPr lang="en-US" altLang="ko-KR" sz="900" dirty="0" smtClean="0"/>
+          </a:p>
+          <a:p>
+            <a:pPr marL="171450" indent="-171450">
+              <a:buFont typeface="Wingdings" pitchFamily="2" charset="2"/>
+              <a:buChar char="§"/>
+            </a:pPr>
+            <a:r>
+              <a:rPr lang="en-US" altLang="ko-KR" sz="900" dirty="0" err="1"/>
+              <a:t>C</a:t>
+            </a:r>
+            <a:r>
+              <a:rPr lang="en-US" altLang="ko-KR" sz="900" dirty="0" err="1" smtClean="0"/>
+              <a:t>astingTime</a:t>
+            </a:r>
+            <a:r>
+              <a:rPr lang="en-US" altLang="ko-KR" sz="900" dirty="0" smtClean="0"/>
+              <a:t> : 0</a:t>
+            </a:r>
+            <a:endParaRPr lang="en-US" altLang="ko-KR" sz="900" dirty="0" smtClean="0"/>
+          </a:p>
+          <a:p>
+            <a:pPr marL="171450" indent="-171450">
+              <a:buFont typeface="Wingdings" pitchFamily="2" charset="2"/>
+              <a:buChar char="§"/>
+            </a:pPr>
+            <a:r>
+              <a:rPr lang="en-US" altLang="ko-KR" sz="900" dirty="0" err="1"/>
+              <a:t>C</a:t>
+            </a:r>
+            <a:r>
+              <a:rPr lang="en-US" altLang="ko-KR" sz="900" dirty="0" err="1" smtClean="0"/>
+              <a:t>oolTime</a:t>
+            </a:r>
+            <a:r>
+              <a:rPr lang="en-US" altLang="ko-KR" sz="900" dirty="0" smtClean="0"/>
+              <a:t> : 120</a:t>
+            </a:r>
+          </a:p>
+          <a:p>
+            <a:pPr marL="171450" indent="-171450">
+              <a:buFont typeface="Wingdings" pitchFamily="2" charset="2"/>
+              <a:buChar char="§"/>
+            </a:pPr>
+            <a:r>
+              <a:rPr lang="en-US" altLang="ko-KR" sz="900" dirty="0" err="1"/>
+              <a:t>S</a:t>
+            </a:r>
+            <a:r>
+              <a:rPr lang="en-US" altLang="ko-KR" sz="900" dirty="0" err="1" smtClean="0"/>
+              <a:t>killDistance</a:t>
+            </a:r>
+            <a:r>
+              <a:rPr lang="en-US" altLang="ko-KR" sz="900" dirty="0" smtClean="0"/>
+              <a:t> : 100</a:t>
+            </a:r>
+          </a:p>
+          <a:p>
+            <a:pPr marL="171450" indent="-171450">
+              <a:buFont typeface="Wingdings" pitchFamily="2" charset="2"/>
+              <a:buChar char="§"/>
+            </a:pPr>
+            <a:r>
+              <a:rPr lang="en-US" altLang="ko-KR" sz="900" dirty="0" err="1" smtClean="0"/>
+              <a:t>HealValue</a:t>
+            </a:r>
+            <a:r>
+              <a:rPr lang="en-US" altLang="ko-KR" sz="900" dirty="0" smtClean="0"/>
+              <a:t> : 0</a:t>
+            </a:r>
+            <a:endParaRPr lang="en-US" altLang="ko-KR" sz="900" dirty="0"/>
+          </a:p>
+          <a:p>
+            <a:pPr marL="171450" indent="-171450">
+              <a:buFont typeface="Wingdings" pitchFamily="2" charset="2"/>
+              <a:buChar char="§"/>
+            </a:pPr>
+            <a:r>
+              <a:rPr lang="en-US" altLang="ko-KR" sz="900" dirty="0" smtClean="0"/>
+              <a:t>Range : 100</a:t>
+            </a:r>
+          </a:p>
+          <a:p>
+            <a:pPr marL="171450" indent="-171450">
+              <a:buFont typeface="Wingdings" pitchFamily="2" charset="2"/>
+              <a:buChar char="§"/>
+            </a:pPr>
+            <a:r>
+              <a:rPr lang="en-US" altLang="ko-KR" sz="900" dirty="0" err="1" smtClean="0"/>
+              <a:t>RemainTime</a:t>
+            </a:r>
+            <a:r>
+              <a:rPr lang="en-US" altLang="ko-KR" sz="900" dirty="0" smtClean="0"/>
+              <a:t> : 5</a:t>
+            </a:r>
+          </a:p>
+          <a:p>
+            <a:pPr marL="171450" indent="-171450">
+              <a:buFont typeface="Wingdings" pitchFamily="2" charset="2"/>
+              <a:buChar char="§"/>
+            </a:pPr>
+            <a:r>
+              <a:rPr lang="en-US" altLang="ko-KR" sz="900" dirty="0" smtClean="0"/>
+              <a:t>System : </a:t>
+            </a:r>
+            <a:r>
+              <a:rPr lang="en-US" altLang="ko-KR" sz="900" dirty="0" err="1" smtClean="0"/>
+              <a:t>NoneTarget</a:t>
+            </a:r>
+            <a:endParaRPr lang="en-US" altLang="ko-KR" sz="900" dirty="0" smtClean="0"/>
+          </a:p>
+          <a:p>
+            <a:pPr marL="171450" indent="-171450">
+              <a:buFont typeface="Wingdings" pitchFamily="2" charset="2"/>
+              <a:buChar char="§"/>
+            </a:pPr>
+            <a:r>
+              <a:rPr lang="en-US" altLang="ko-KR" sz="900" dirty="0" smtClean="0"/>
+              <a:t>Type : Shield</a:t>
+            </a:r>
+          </a:p>
+          <a:p>
+            <a:pPr marL="171450" indent="-171450">
+              <a:buFont typeface="Wingdings" pitchFamily="2" charset="2"/>
+              <a:buChar char="§"/>
+            </a:pPr>
+            <a:r>
+              <a:rPr lang="en-US" altLang="ko-KR" sz="900" dirty="0" err="1" smtClean="0"/>
+              <a:t>ExValue</a:t>
+            </a:r>
+            <a:r>
+              <a:rPr lang="en-US" altLang="ko-KR" sz="900" dirty="0" smtClean="0"/>
+              <a:t> : 200</a:t>
+            </a:r>
+          </a:p>
+          <a:p>
+            <a:pPr marL="171450" indent="-171450">
+              <a:buFont typeface="Wingdings" pitchFamily="2" charset="2"/>
+              <a:buChar char="§"/>
+            </a:pPr>
+            <a:r>
+              <a:rPr lang="ko-KR" altLang="en-US" sz="900" dirty="0" err="1" smtClean="0"/>
+              <a:t>논타겟으로지정한</a:t>
+            </a:r>
+            <a:r>
+              <a:rPr lang="ko-KR" altLang="en-US" sz="900" dirty="0" smtClean="0"/>
+              <a:t> 곳으로부터 </a:t>
+            </a:r>
+            <a:r>
+              <a:rPr lang="en-US" altLang="ko-KR" sz="900" dirty="0" smtClean="0"/>
+              <a:t>Range(</a:t>
+            </a:r>
+            <a:r>
+              <a:rPr lang="ko-KR" altLang="en-US" sz="900" dirty="0" smtClean="0"/>
+              <a:t>원형</a:t>
+            </a:r>
+            <a:r>
+              <a:rPr lang="en-US" altLang="ko-KR" sz="900" dirty="0" smtClean="0"/>
+              <a:t>, </a:t>
+            </a:r>
+            <a:r>
+              <a:rPr lang="ko-KR" altLang="en-US" sz="900" dirty="0" smtClean="0"/>
+              <a:t>지름</a:t>
+            </a:r>
+            <a:r>
+              <a:rPr lang="en-US" altLang="ko-KR" sz="900" dirty="0" smtClean="0"/>
+              <a:t>)</a:t>
+            </a:r>
+            <a:r>
+              <a:rPr lang="ko-KR" altLang="en-US" sz="900" dirty="0" smtClean="0"/>
+              <a:t>내의 아군들을</a:t>
+            </a:r>
+            <a:endParaRPr lang="en-US" altLang="ko-KR" sz="900" dirty="0" smtClean="0"/>
+          </a:p>
+          <a:p>
+            <a:pPr marL="171450" indent="-171450">
+              <a:buFont typeface="Wingdings" pitchFamily="2" charset="2"/>
+              <a:buChar char="§"/>
+            </a:pPr>
+            <a:r>
+              <a:rPr lang="en-US" altLang="ko-KR" sz="900" dirty="0" err="1" smtClean="0"/>
+              <a:t>ExValue</a:t>
+            </a:r>
+            <a:r>
+              <a:rPr lang="ko-KR" altLang="en-US" sz="900" dirty="0" smtClean="0"/>
+              <a:t>만큼 보호</a:t>
+            </a:r>
+            <a:endParaRPr lang="en-US" altLang="ko-KR" sz="900" dirty="0" smtClean="0"/>
+          </a:p>
+        </p:txBody>
+      </p:sp>
+      <p:sp>
+        <p:nvSpPr>
+          <p:cNvPr id="22" name="모서리가 둥근 직사각형 21"/>
+          <p:cNvSpPr/>
+          <p:nvPr/>
+        </p:nvSpPr>
+        <p:spPr>
+          <a:xfrm>
+            <a:off x="5220072" y="1131590"/>
+            <a:ext cx="2376264" cy="1296144"/>
+          </a:xfrm>
+          <a:prstGeom prst="roundRect">
+            <a:avLst/>
+          </a:prstGeom>
+        </p:spPr>
+        <p:style>
+          <a:lnRef idx="2">
+            <a:schemeClr val="accent1">
+              <a:shade val="50000"/>
+            </a:schemeClr>
+          </a:lnRef>
+          <a:fillRef idx="1">
+            <a:schemeClr val="accent1"/>
+          </a:fillRef>
+          <a:effectRef idx="0">
+            <a:schemeClr val="accent1"/>
+          </a:effectRef>
+          <a:fontRef idx="minor">
+            <a:schemeClr val="lt1"/>
+          </a:fontRef>
+        </p:style>
+        <p:txBody>
+          <a:bodyPr rtlCol="0" anchor="ctr"/>
+          <a:lstStyle/>
+          <a:p>
+            <a:pPr algn="ctr"/>
+            <a:r>
+              <a:rPr lang="ko-KR" altLang="en-US" dirty="0" smtClean="0"/>
+              <a:t>방</a:t>
+            </a:r>
+            <a:r>
+              <a:rPr lang="ko-KR" altLang="en-US" dirty="0"/>
+              <a:t>벽</a:t>
+            </a:r>
+          </a:p>
+        </p:txBody>
+      </p:sp>
+    </p:spTree>
+    <p:extLst>
+      <p:ext uri="{BB962C8B-B14F-4D97-AF65-F5344CB8AC3E}">
+        <p14:creationId xmlns:p14="http://schemas.microsoft.com/office/powerpoint/2010/main" val="889469399"/>
+      </p:ext>
+    </p:extLst>
+  </p:cSld>
+  <p:clrMapOvr>
+    <a:masterClrMapping/>
+  </p:clrMapOvr>
+  <p:timing>
+    <p:tnLst>
+      <p:par>
+        <p:cTn id="1" dur="indefinite" restart="never" nodeType="tmRoot"/>
+      </p:par>
+    </p:tnLst>
+  </p:timing>
+</p:sld>
+</file>
+
+<file path=ppt/slides/slide15.xml><?xml version="1.0" encoding="utf-8"?>
+<p:sld xmlns:a="http://schemas.openxmlformats.org/drawingml/2006/main" xmlns:r="http://schemas.openxmlformats.org/officeDocument/2006/relationships" xmlns:p="http://schemas.openxmlformats.org/presentationml/2006/main">
+  <p:cSld>
+    <p:spTree>
+      <p:nvGrpSpPr>
+        <p:cNvPr id="1" name=""/>
+        <p:cNvGrpSpPr/>
+        <p:nvPr/>
+      </p:nvGrpSpPr>
+      <p:grpSpPr>
+        <a:xfrm>
+          <a:off x="0" y="0"/>
+          <a:ext cx="0" cy="0"/>
+          <a:chOff x="0" y="0"/>
+          <a:chExt cx="0" cy="0"/>
+        </a:xfrm>
+      </p:grpSpPr>
+      <p:sp>
+        <p:nvSpPr>
+          <p:cNvPr id="4" name="직사각형 3"/>
+          <p:cNvSpPr/>
+          <p:nvPr/>
+        </p:nvSpPr>
+        <p:spPr>
+          <a:xfrm>
+            <a:off x="-15038" y="6993"/>
+            <a:ext cx="9147313" cy="339502"/>
+          </a:xfrm>
+          <a:prstGeom prst="rect">
+            <a:avLst/>
+          </a:prstGeom>
+          <a:solidFill>
+            <a:schemeClr val="tx1"/>
+          </a:solidFill>
+          <a:ln>
+            <a:noFill/>
+          </a:ln>
+        </p:spPr>
+        <p:style>
+          <a:lnRef idx="2">
+            <a:schemeClr val="accent1">
+              <a:shade val="50000"/>
+            </a:schemeClr>
+          </a:lnRef>
+          <a:fillRef idx="1">
+            <a:schemeClr val="accent1"/>
+          </a:fillRef>
+          <a:effectRef idx="0">
+            <a:schemeClr val="accent1"/>
+          </a:effectRef>
+          <a:fontRef idx="minor">
+            <a:schemeClr val="lt1"/>
+          </a:fontRef>
+        </p:style>
+        <p:txBody>
+          <a:bodyPr rtlCol="0" anchor="ctr"/>
+          <a:lstStyle/>
+          <a:p>
+            <a:r>
+              <a:rPr lang="en-US" altLang="ko-KR" sz="1600" dirty="0" smtClean="0">
+                <a:solidFill>
+                  <a:schemeClr val="tx1">
+                    <a:lumMod val="50000"/>
+                    <a:lumOff val="50000"/>
+                  </a:schemeClr>
+                </a:solidFill>
+              </a:rPr>
+              <a:t>Don’t </a:t>
+            </a:r>
+            <a:r>
+              <a:rPr lang="en-US" altLang="ko-KR" sz="1600" dirty="0">
+                <a:solidFill>
+                  <a:schemeClr val="tx1">
+                    <a:lumMod val="50000"/>
+                    <a:lumOff val="50000"/>
+                  </a:schemeClr>
+                </a:solidFill>
+              </a:rPr>
+              <a:t>Die </a:t>
+            </a:r>
+            <a:r>
+              <a:rPr lang="en-US" altLang="ko-KR" sz="1600" b="1" dirty="0" smtClean="0">
+                <a:solidFill>
+                  <a:schemeClr val="bg1"/>
+                </a:solidFill>
+              </a:rPr>
+              <a:t>l </a:t>
+            </a:r>
+            <a:r>
+              <a:rPr lang="ko-KR" altLang="en-US" sz="1600" b="1" dirty="0" err="1" smtClean="0">
+                <a:solidFill>
+                  <a:schemeClr val="bg1"/>
+                </a:solidFill>
+              </a:rPr>
+              <a:t>힐러</a:t>
+            </a:r>
+            <a:r>
+              <a:rPr lang="ko-KR" altLang="en-US" sz="1600" b="1" dirty="0" smtClean="0">
+                <a:solidFill>
+                  <a:schemeClr val="bg1"/>
+                </a:solidFill>
+              </a:rPr>
+              <a:t> 스킬</a:t>
+            </a:r>
+            <a:endParaRPr lang="ko-KR" altLang="en-US" sz="1600" b="1" dirty="0">
+              <a:solidFill>
+                <a:schemeClr val="bg1"/>
+              </a:solidFill>
+            </a:endParaRPr>
+          </a:p>
+        </p:txBody>
+      </p:sp>
+      <p:sp>
+        <p:nvSpPr>
+          <p:cNvPr id="3" name="TextBox 2"/>
+          <p:cNvSpPr txBox="1"/>
+          <p:nvPr/>
+        </p:nvSpPr>
+        <p:spPr>
+          <a:xfrm>
+            <a:off x="241577" y="2920019"/>
+            <a:ext cx="3679196" cy="2054409"/>
+          </a:xfrm>
+          <a:prstGeom prst="rect">
+            <a:avLst/>
+          </a:prstGeom>
+          <a:solidFill>
+            <a:schemeClr val="accent5">
+              <a:lumMod val="20000"/>
+              <a:lumOff val="80000"/>
+            </a:schemeClr>
+          </a:solidFill>
+        </p:spPr>
+        <p:txBody>
+          <a:bodyPr wrap="square" rtlCol="0">
+            <a:spAutoFit/>
+          </a:bodyPr>
+          <a:lstStyle/>
+          <a:p>
+            <a:r>
+              <a:rPr lang="ko-KR" altLang="en-US" sz="1050" b="1" dirty="0" smtClean="0"/>
+              <a:t>스킬 값</a:t>
+            </a:r>
+            <a:endParaRPr lang="en-US" altLang="ko-KR" sz="1050" b="1" dirty="0" smtClean="0"/>
+          </a:p>
+          <a:p>
+            <a:pPr marL="171450" indent="-171450">
+              <a:buFont typeface="Wingdings" pitchFamily="2" charset="2"/>
+              <a:buChar char="§"/>
+            </a:pPr>
+            <a:r>
+              <a:rPr lang="en-US" altLang="ko-KR" sz="900" dirty="0" smtClean="0"/>
+              <a:t>UID : 9</a:t>
+            </a:r>
+            <a:endParaRPr lang="en-US" altLang="ko-KR" sz="900" dirty="0" smtClean="0"/>
+          </a:p>
+          <a:p>
+            <a:pPr marL="171450" indent="-171450">
+              <a:buFont typeface="Wingdings" pitchFamily="2" charset="2"/>
+              <a:buChar char="§"/>
+            </a:pPr>
+            <a:r>
+              <a:rPr lang="en-US" altLang="ko-KR" sz="900" dirty="0" err="1" smtClean="0"/>
+              <a:t>Mp</a:t>
+            </a:r>
+            <a:r>
+              <a:rPr lang="en-US" altLang="ko-KR" sz="900" dirty="0" smtClean="0"/>
+              <a:t> : 30</a:t>
+            </a:r>
+            <a:endParaRPr lang="en-US" altLang="ko-KR" sz="900" dirty="0" smtClean="0"/>
+          </a:p>
+          <a:p>
+            <a:pPr marL="171450" indent="-171450">
+              <a:buFont typeface="Wingdings" pitchFamily="2" charset="2"/>
+              <a:buChar char="§"/>
+            </a:pPr>
+            <a:r>
+              <a:rPr lang="en-US" altLang="ko-KR" sz="900" dirty="0" err="1"/>
+              <a:t>C</a:t>
+            </a:r>
+            <a:r>
+              <a:rPr lang="en-US" altLang="ko-KR" sz="900" dirty="0" err="1" smtClean="0"/>
+              <a:t>astingTime</a:t>
+            </a:r>
+            <a:r>
+              <a:rPr lang="en-US" altLang="ko-KR" sz="900" dirty="0" smtClean="0"/>
+              <a:t> : 0</a:t>
+            </a:r>
+            <a:endParaRPr lang="en-US" altLang="ko-KR" sz="900" dirty="0" smtClean="0"/>
+          </a:p>
+          <a:p>
+            <a:pPr marL="171450" indent="-171450">
+              <a:buFont typeface="Wingdings" pitchFamily="2" charset="2"/>
+              <a:buChar char="§"/>
+            </a:pPr>
+            <a:r>
+              <a:rPr lang="en-US" altLang="ko-KR" sz="900" dirty="0" err="1"/>
+              <a:t>C</a:t>
+            </a:r>
+            <a:r>
+              <a:rPr lang="en-US" altLang="ko-KR" sz="900" dirty="0" err="1" smtClean="0"/>
+              <a:t>oolTime</a:t>
+            </a:r>
+            <a:r>
+              <a:rPr lang="en-US" altLang="ko-KR" sz="900" dirty="0" smtClean="0"/>
+              <a:t> : 120</a:t>
+            </a:r>
+          </a:p>
+          <a:p>
+            <a:pPr marL="171450" indent="-171450">
+              <a:buFont typeface="Wingdings" pitchFamily="2" charset="2"/>
+              <a:buChar char="§"/>
+            </a:pPr>
+            <a:r>
+              <a:rPr lang="en-US" altLang="ko-KR" sz="900" dirty="0" err="1"/>
+              <a:t>S</a:t>
+            </a:r>
+            <a:r>
+              <a:rPr lang="en-US" altLang="ko-KR" sz="900" dirty="0" err="1" smtClean="0"/>
+              <a:t>killDistance</a:t>
+            </a:r>
+            <a:r>
+              <a:rPr lang="en-US" altLang="ko-KR" sz="900" dirty="0" smtClean="0"/>
+              <a:t> : 100</a:t>
+            </a:r>
+          </a:p>
+          <a:p>
+            <a:pPr marL="171450" indent="-171450">
+              <a:buFont typeface="Wingdings" pitchFamily="2" charset="2"/>
+              <a:buChar char="§"/>
+            </a:pPr>
+            <a:r>
+              <a:rPr lang="en-US" altLang="ko-KR" sz="900" dirty="0" err="1" smtClean="0"/>
+              <a:t>HealValue</a:t>
+            </a:r>
+            <a:r>
+              <a:rPr lang="en-US" altLang="ko-KR" sz="900" dirty="0" smtClean="0"/>
+              <a:t> : 0</a:t>
+            </a:r>
+            <a:endParaRPr lang="en-US" altLang="ko-KR" sz="900" dirty="0"/>
+          </a:p>
+          <a:p>
+            <a:pPr marL="171450" indent="-171450">
+              <a:buFont typeface="Wingdings" pitchFamily="2" charset="2"/>
+              <a:buChar char="§"/>
+            </a:pPr>
+            <a:r>
+              <a:rPr lang="en-US" altLang="ko-KR" sz="900" dirty="0" smtClean="0"/>
+              <a:t>Range : 100</a:t>
+            </a:r>
+          </a:p>
+          <a:p>
+            <a:pPr marL="171450" indent="-171450">
+              <a:buFont typeface="Wingdings" pitchFamily="2" charset="2"/>
+              <a:buChar char="§"/>
+            </a:pPr>
+            <a:r>
+              <a:rPr lang="en-US" altLang="ko-KR" sz="900" dirty="0" err="1" smtClean="0"/>
+              <a:t>RemainTime</a:t>
+            </a:r>
+            <a:r>
+              <a:rPr lang="en-US" altLang="ko-KR" sz="900" dirty="0" smtClean="0"/>
+              <a:t> : 5</a:t>
+            </a:r>
+          </a:p>
+          <a:p>
+            <a:pPr marL="171450" indent="-171450">
+              <a:buFont typeface="Wingdings" pitchFamily="2" charset="2"/>
+              <a:buChar char="§"/>
+            </a:pPr>
+            <a:r>
+              <a:rPr lang="en-US" altLang="ko-KR" sz="900" dirty="0" smtClean="0"/>
+              <a:t>System : </a:t>
+            </a:r>
+            <a:r>
+              <a:rPr lang="en-US" altLang="ko-KR" sz="900" dirty="0" err="1" smtClean="0"/>
+              <a:t>NoneTarget</a:t>
+            </a:r>
+            <a:endParaRPr lang="en-US" altLang="ko-KR" sz="900" dirty="0" smtClean="0"/>
+          </a:p>
+          <a:p>
+            <a:pPr marL="171450" indent="-171450">
+              <a:buFont typeface="Wingdings" pitchFamily="2" charset="2"/>
+              <a:buChar char="§"/>
+            </a:pPr>
+            <a:r>
+              <a:rPr lang="en-US" altLang="ko-KR" sz="900" dirty="0" smtClean="0"/>
+              <a:t>Type : Special</a:t>
+            </a:r>
+            <a:endParaRPr lang="en-US" altLang="ko-KR" sz="900" dirty="0" smtClean="0"/>
+          </a:p>
+          <a:p>
+            <a:pPr marL="171450" indent="-171450">
+              <a:buFont typeface="Wingdings" pitchFamily="2" charset="2"/>
+              <a:buChar char="§"/>
+            </a:pPr>
+            <a:r>
+              <a:rPr lang="en-US" altLang="ko-KR" sz="900" dirty="0" err="1" smtClean="0"/>
+              <a:t>ExValue</a:t>
+            </a:r>
+            <a:r>
+              <a:rPr lang="en-US" altLang="ko-KR" sz="900" dirty="0" smtClean="0"/>
+              <a:t> : 0</a:t>
+            </a:r>
+          </a:p>
+          <a:p>
+            <a:pPr marL="171450" indent="-171450">
+              <a:buFont typeface="Wingdings" pitchFamily="2" charset="2"/>
+              <a:buChar char="§"/>
+            </a:pPr>
+            <a:r>
+              <a:rPr lang="ko-KR" altLang="en-US" sz="900" dirty="0" err="1" smtClean="0"/>
+              <a:t>논타겟으로</a:t>
+            </a:r>
+            <a:r>
+              <a:rPr lang="ko-KR" altLang="en-US" sz="900" dirty="0" smtClean="0"/>
+              <a:t> </a:t>
+            </a:r>
+            <a:r>
+              <a:rPr lang="ko-KR" altLang="en-US" sz="900" dirty="0" err="1" smtClean="0"/>
+              <a:t>지정한곳에</a:t>
+            </a:r>
+            <a:r>
+              <a:rPr lang="ko-KR" altLang="en-US" sz="900" dirty="0" smtClean="0"/>
+              <a:t> </a:t>
+            </a:r>
+            <a:r>
+              <a:rPr lang="en-US" altLang="ko-KR" sz="900" dirty="0" err="1" smtClean="0"/>
+              <a:t>hp</a:t>
+            </a:r>
+            <a:r>
+              <a:rPr lang="en-US" altLang="ko-KR" sz="900" dirty="0" smtClean="0"/>
+              <a:t> 1</a:t>
+            </a:r>
+            <a:r>
+              <a:rPr lang="ko-KR" altLang="en-US" sz="900" dirty="0" smtClean="0"/>
+              <a:t>의 </a:t>
+            </a:r>
+            <a:r>
+              <a:rPr lang="ko-KR" altLang="en-US" sz="900" dirty="0" err="1" smtClean="0"/>
+              <a:t>소환물</a:t>
+            </a:r>
+            <a:r>
+              <a:rPr lang="ko-KR" altLang="en-US" sz="900" dirty="0" smtClean="0"/>
+              <a:t> 설치</a:t>
+            </a:r>
+            <a:r>
+              <a:rPr lang="en-US" altLang="ko-KR" sz="900" dirty="0" smtClean="0"/>
+              <a:t>. </a:t>
+            </a:r>
+            <a:r>
+              <a:rPr lang="ko-KR" altLang="en-US" sz="900" dirty="0" err="1" smtClean="0"/>
+              <a:t>소환물이</a:t>
+            </a:r>
+            <a:r>
+              <a:rPr lang="ko-KR" altLang="en-US" sz="900" dirty="0" smtClean="0"/>
+              <a:t> 있는 동안</a:t>
+            </a:r>
+            <a:r>
+              <a:rPr lang="en-US" altLang="ko-KR" sz="900" dirty="0"/>
+              <a:t> </a:t>
+            </a:r>
+            <a:r>
+              <a:rPr lang="en-US" altLang="ko-KR" sz="900" dirty="0" smtClean="0"/>
+              <a:t>Range</a:t>
+            </a:r>
+            <a:r>
+              <a:rPr lang="ko-KR" altLang="en-US" sz="900" dirty="0" smtClean="0"/>
+              <a:t>내의 아군들은 </a:t>
+            </a:r>
+            <a:r>
+              <a:rPr lang="en-US" altLang="ko-KR" sz="900" dirty="0" err="1" smtClean="0"/>
+              <a:t>hp</a:t>
+            </a:r>
+            <a:r>
+              <a:rPr lang="ko-KR" altLang="en-US" sz="900" dirty="0" smtClean="0"/>
+              <a:t>를 공유하여 고르게 분배됨</a:t>
+            </a:r>
+            <a:r>
+              <a:rPr lang="en-US" altLang="ko-KR" sz="900" dirty="0" smtClean="0"/>
+              <a:t>.</a:t>
+            </a:r>
+            <a:endParaRPr lang="en-US" altLang="ko-KR" sz="900" dirty="0" smtClean="0"/>
+          </a:p>
+        </p:txBody>
+      </p:sp>
+      <p:sp>
+        <p:nvSpPr>
+          <p:cNvPr id="5" name="모서리가 둥근 직사각형 4"/>
+          <p:cNvSpPr/>
+          <p:nvPr/>
+        </p:nvSpPr>
+        <p:spPr>
+          <a:xfrm>
+            <a:off x="902986" y="1131590"/>
+            <a:ext cx="2376264" cy="1296144"/>
+          </a:xfrm>
+          <a:prstGeom prst="roundRect">
+            <a:avLst/>
+          </a:prstGeom>
+        </p:spPr>
+        <p:style>
+          <a:lnRef idx="2">
+            <a:schemeClr val="accent1">
+              <a:shade val="50000"/>
+            </a:schemeClr>
+          </a:lnRef>
+          <a:fillRef idx="1">
+            <a:schemeClr val="accent1"/>
+          </a:fillRef>
+          <a:effectRef idx="0">
+            <a:schemeClr val="accent1"/>
+          </a:effectRef>
+          <a:fontRef idx="minor">
+            <a:schemeClr val="lt1"/>
+          </a:fontRef>
+        </p:style>
+        <p:txBody>
+          <a:bodyPr rtlCol="0" anchor="ctr"/>
+          <a:lstStyle/>
+          <a:p>
+            <a:pPr algn="ctr"/>
+            <a:r>
+              <a:rPr lang="ko-KR" altLang="en-US" dirty="0" err="1" smtClean="0"/>
+              <a:t>스피릿</a:t>
+            </a:r>
+            <a:r>
+              <a:rPr lang="ko-KR" altLang="en-US" dirty="0" smtClean="0"/>
+              <a:t> 링크</a:t>
+            </a:r>
+            <a:endParaRPr lang="ko-KR" altLang="en-US" dirty="0"/>
+          </a:p>
+        </p:txBody>
+      </p:sp>
+      <p:sp>
+        <p:nvSpPr>
+          <p:cNvPr id="21" name="TextBox 20"/>
+          <p:cNvSpPr txBox="1"/>
+          <p:nvPr/>
+        </p:nvSpPr>
+        <p:spPr>
+          <a:xfrm>
+            <a:off x="4568606" y="2931790"/>
+            <a:ext cx="3679196" cy="1915909"/>
+          </a:xfrm>
+          <a:prstGeom prst="rect">
+            <a:avLst/>
+          </a:prstGeom>
+          <a:solidFill>
+            <a:schemeClr val="accent5">
+              <a:lumMod val="20000"/>
+              <a:lumOff val="80000"/>
+            </a:schemeClr>
+          </a:solidFill>
+        </p:spPr>
+        <p:txBody>
+          <a:bodyPr wrap="square" rtlCol="0">
+            <a:spAutoFit/>
+          </a:bodyPr>
+          <a:lstStyle/>
+          <a:p>
+            <a:r>
+              <a:rPr lang="ko-KR" altLang="en-US" sz="1050" b="1" dirty="0" smtClean="0"/>
+              <a:t>스킬 값</a:t>
+            </a:r>
+            <a:endParaRPr lang="en-US" altLang="ko-KR" sz="1050" b="1" dirty="0" smtClean="0"/>
+          </a:p>
+          <a:p>
+            <a:pPr marL="171450" indent="-171450">
+              <a:buFont typeface="Wingdings" pitchFamily="2" charset="2"/>
+              <a:buChar char="§"/>
+            </a:pPr>
+            <a:r>
+              <a:rPr lang="en-US" altLang="ko-KR" sz="900" dirty="0" smtClean="0"/>
+              <a:t>UID : 10</a:t>
+            </a:r>
+            <a:endParaRPr lang="en-US" altLang="ko-KR" sz="900" dirty="0" smtClean="0"/>
+          </a:p>
+          <a:p>
+            <a:pPr marL="171450" indent="-171450">
+              <a:buFont typeface="Wingdings" pitchFamily="2" charset="2"/>
+              <a:buChar char="§"/>
+            </a:pPr>
+            <a:r>
+              <a:rPr lang="en-US" altLang="ko-KR" sz="900" dirty="0" err="1" smtClean="0"/>
+              <a:t>Mp</a:t>
+            </a:r>
+            <a:r>
+              <a:rPr lang="en-US" altLang="ko-KR" sz="900" dirty="0" smtClean="0"/>
+              <a:t> : 50</a:t>
+            </a:r>
+            <a:endParaRPr lang="en-US" altLang="ko-KR" sz="900" dirty="0" smtClean="0"/>
+          </a:p>
+          <a:p>
+            <a:pPr marL="171450" indent="-171450">
+              <a:buFont typeface="Wingdings" pitchFamily="2" charset="2"/>
+              <a:buChar char="§"/>
+            </a:pPr>
+            <a:r>
+              <a:rPr lang="en-US" altLang="ko-KR" sz="900" dirty="0" err="1"/>
+              <a:t>C</a:t>
+            </a:r>
+            <a:r>
+              <a:rPr lang="en-US" altLang="ko-KR" sz="900" dirty="0" err="1" smtClean="0"/>
+              <a:t>astingTime</a:t>
+            </a:r>
+            <a:r>
+              <a:rPr lang="en-US" altLang="ko-KR" sz="900" dirty="0" smtClean="0"/>
+              <a:t> : 0</a:t>
+            </a:r>
+            <a:endParaRPr lang="en-US" altLang="ko-KR" sz="900" dirty="0" smtClean="0"/>
+          </a:p>
+          <a:p>
+            <a:pPr marL="171450" indent="-171450">
+              <a:buFont typeface="Wingdings" pitchFamily="2" charset="2"/>
+              <a:buChar char="§"/>
+            </a:pPr>
+            <a:r>
+              <a:rPr lang="en-US" altLang="ko-KR" sz="900" dirty="0" err="1"/>
+              <a:t>C</a:t>
+            </a:r>
+            <a:r>
+              <a:rPr lang="en-US" altLang="ko-KR" sz="900" dirty="0" err="1" smtClean="0"/>
+              <a:t>oolTime</a:t>
+            </a:r>
+            <a:r>
+              <a:rPr lang="en-US" altLang="ko-KR" sz="900" dirty="0" smtClean="0"/>
+              <a:t> : 120</a:t>
+            </a:r>
+          </a:p>
+          <a:p>
+            <a:pPr marL="171450" indent="-171450">
+              <a:buFont typeface="Wingdings" pitchFamily="2" charset="2"/>
+              <a:buChar char="§"/>
+            </a:pPr>
+            <a:r>
+              <a:rPr lang="en-US" altLang="ko-KR" sz="900" dirty="0" err="1"/>
+              <a:t>S</a:t>
+            </a:r>
+            <a:r>
+              <a:rPr lang="en-US" altLang="ko-KR" sz="900" dirty="0" err="1" smtClean="0"/>
+              <a:t>killDistance</a:t>
+            </a:r>
+            <a:r>
+              <a:rPr lang="en-US" altLang="ko-KR" sz="900" dirty="0" smtClean="0"/>
+              <a:t> : 100</a:t>
+            </a:r>
+          </a:p>
+          <a:p>
+            <a:pPr marL="171450" indent="-171450">
+              <a:buFont typeface="Wingdings" pitchFamily="2" charset="2"/>
+              <a:buChar char="§"/>
+            </a:pPr>
+            <a:r>
+              <a:rPr lang="en-US" altLang="ko-KR" sz="900" dirty="0" err="1" smtClean="0"/>
+              <a:t>HealValue</a:t>
+            </a:r>
+            <a:r>
+              <a:rPr lang="en-US" altLang="ko-KR" sz="900" dirty="0" smtClean="0"/>
+              <a:t> : 50</a:t>
+            </a:r>
+            <a:endParaRPr lang="en-US" altLang="ko-KR" sz="900" dirty="0"/>
+          </a:p>
+          <a:p>
+            <a:pPr marL="171450" indent="-171450">
+              <a:buFont typeface="Wingdings" pitchFamily="2" charset="2"/>
+              <a:buChar char="§"/>
+            </a:pPr>
+            <a:r>
+              <a:rPr lang="en-US" altLang="ko-KR" sz="900" dirty="0" smtClean="0"/>
+              <a:t>Range : 500</a:t>
+            </a:r>
+          </a:p>
+          <a:p>
+            <a:pPr marL="171450" indent="-171450">
+              <a:buFont typeface="Wingdings" pitchFamily="2" charset="2"/>
+              <a:buChar char="§"/>
+            </a:pPr>
+            <a:r>
+              <a:rPr lang="en-US" altLang="ko-KR" sz="900" dirty="0" err="1" smtClean="0"/>
+              <a:t>RemainTime</a:t>
+            </a:r>
+            <a:r>
+              <a:rPr lang="en-US" altLang="ko-KR" sz="900" dirty="0" smtClean="0"/>
+              <a:t> : 5</a:t>
+            </a:r>
+          </a:p>
+          <a:p>
+            <a:pPr marL="171450" indent="-171450">
+              <a:buFont typeface="Wingdings" pitchFamily="2" charset="2"/>
+              <a:buChar char="§"/>
+            </a:pPr>
+            <a:r>
+              <a:rPr lang="en-US" altLang="ko-KR" sz="900" dirty="0" smtClean="0"/>
+              <a:t>System : </a:t>
+            </a:r>
+            <a:r>
+              <a:rPr lang="en-US" altLang="ko-KR" sz="900" dirty="0" err="1" smtClean="0"/>
+              <a:t>NoneTarget</a:t>
+            </a:r>
+            <a:endParaRPr lang="en-US" altLang="ko-KR" sz="900" dirty="0" smtClean="0"/>
+          </a:p>
+          <a:p>
+            <a:pPr marL="171450" indent="-171450">
+              <a:buFont typeface="Wingdings" pitchFamily="2" charset="2"/>
+              <a:buChar char="§"/>
+            </a:pPr>
+            <a:r>
+              <a:rPr lang="en-US" altLang="ko-KR" sz="900" dirty="0" smtClean="0"/>
+              <a:t>Type : Dot Heal</a:t>
+            </a:r>
+          </a:p>
+          <a:p>
+            <a:pPr marL="171450" indent="-171450">
+              <a:buFont typeface="Wingdings" pitchFamily="2" charset="2"/>
+              <a:buChar char="§"/>
+            </a:pPr>
+            <a:r>
+              <a:rPr lang="en-US" altLang="ko-KR" sz="900" dirty="0" err="1" smtClean="0"/>
+              <a:t>ExValue</a:t>
+            </a:r>
+            <a:r>
+              <a:rPr lang="en-US" altLang="ko-KR" sz="900" dirty="0" smtClean="0"/>
+              <a:t> : 0.5</a:t>
+            </a:r>
+          </a:p>
+          <a:p>
+            <a:pPr marL="171450" indent="-171450">
+              <a:buFont typeface="Wingdings" pitchFamily="2" charset="2"/>
+              <a:buChar char="§"/>
+            </a:pPr>
+            <a:r>
+              <a:rPr lang="ko-KR" altLang="en-US" sz="900" dirty="0" err="1" smtClean="0"/>
+              <a:t>시전</a:t>
+            </a:r>
+            <a:r>
+              <a:rPr lang="ko-KR" altLang="en-US" sz="900" dirty="0" smtClean="0"/>
+              <a:t> 즉시 </a:t>
+            </a:r>
+            <a:r>
+              <a:rPr lang="en-US" altLang="ko-KR" sz="900" dirty="0" smtClean="0"/>
+              <a:t>Range </a:t>
+            </a:r>
+            <a:r>
+              <a:rPr lang="ko-KR" altLang="en-US" sz="900" dirty="0" smtClean="0"/>
+              <a:t>안의 아군들에게 </a:t>
+            </a:r>
+            <a:r>
+              <a:rPr lang="en-US" altLang="ko-KR" sz="900" dirty="0" err="1" smtClean="0"/>
+              <a:t>ExValue</a:t>
+            </a:r>
+            <a:r>
+              <a:rPr lang="en-US" altLang="ko-KR" sz="900" dirty="0" smtClean="0"/>
+              <a:t>(</a:t>
+            </a:r>
+            <a:r>
+              <a:rPr lang="ko-KR" altLang="en-US" sz="900" dirty="0" smtClean="0"/>
+              <a:t>초</a:t>
+            </a:r>
+            <a:r>
+              <a:rPr lang="en-US" altLang="ko-KR" sz="900" dirty="0" smtClean="0"/>
+              <a:t>)</a:t>
+            </a:r>
+            <a:r>
+              <a:rPr lang="ko-KR" altLang="en-US" sz="900" dirty="0" smtClean="0"/>
+              <a:t>마다 </a:t>
+            </a:r>
+            <a:r>
+              <a:rPr lang="en-US" altLang="ko-KR" sz="900" dirty="0" err="1" smtClean="0"/>
+              <a:t>HealValue</a:t>
+            </a:r>
+            <a:endParaRPr lang="en-US" altLang="ko-KR" sz="900" dirty="0" smtClean="0"/>
+          </a:p>
+        </p:txBody>
+      </p:sp>
+      <p:sp>
+        <p:nvSpPr>
+          <p:cNvPr id="22" name="모서리가 둥근 직사각형 21"/>
+          <p:cNvSpPr/>
+          <p:nvPr/>
+        </p:nvSpPr>
+        <p:spPr>
+          <a:xfrm>
+            <a:off x="5220072" y="1131590"/>
+            <a:ext cx="2376264" cy="1296144"/>
+          </a:xfrm>
+          <a:prstGeom prst="roundRect">
+            <a:avLst/>
+          </a:prstGeom>
+        </p:spPr>
+        <p:style>
+          <a:lnRef idx="2">
+            <a:schemeClr val="accent1">
+              <a:shade val="50000"/>
+            </a:schemeClr>
+          </a:lnRef>
+          <a:fillRef idx="1">
+            <a:schemeClr val="accent1"/>
+          </a:fillRef>
+          <a:effectRef idx="0">
+            <a:schemeClr val="accent1"/>
+          </a:effectRef>
+          <a:fontRef idx="minor">
+            <a:schemeClr val="lt1"/>
+          </a:fontRef>
+        </p:style>
+        <p:txBody>
+          <a:bodyPr rtlCol="0" anchor="ctr"/>
+          <a:lstStyle/>
+          <a:p>
+            <a:pPr algn="ctr"/>
+            <a:r>
+              <a:rPr lang="ko-KR" altLang="en-US" dirty="0" smtClean="0"/>
+              <a:t>범</a:t>
+            </a:r>
+            <a:r>
+              <a:rPr lang="ko-KR" altLang="en-US" dirty="0"/>
+              <a:t>위</a:t>
+            </a:r>
+            <a:r>
+              <a:rPr lang="ko-KR" altLang="en-US" dirty="0" smtClean="0"/>
+              <a:t> </a:t>
+            </a:r>
+            <a:r>
+              <a:rPr lang="ko-KR" altLang="en-US" dirty="0" err="1" smtClean="0"/>
+              <a:t>도트힐</a:t>
+            </a:r>
+            <a:endParaRPr lang="ko-KR" altLang="en-US" dirty="0"/>
+          </a:p>
+        </p:txBody>
+      </p:sp>
+    </p:spTree>
+    <p:extLst>
+      <p:ext uri="{BB962C8B-B14F-4D97-AF65-F5344CB8AC3E}">
+        <p14:creationId xmlns:p14="http://schemas.microsoft.com/office/powerpoint/2010/main" val="160776434"/>
+      </p:ext>
+    </p:extLst>
+  </p:cSld>
+  <p:clrMapOvr>
+    <a:masterClrMapping/>
+  </p:clrMapOvr>
+  <p:timing>
+    <p:tnLst>
+      <p:par>
+        <p:cTn id="1" dur="indefinite" restart="never" nodeType="tmRoot"/>
+      </p:par>
+    </p:tnLst>
+  </p:timing>
+</p:sld>
+</file>
+
+<file path=ppt/slides/slide16.xml><?xml version="1.0" encoding="utf-8"?>
+<p:sld xmlns:a="http://schemas.openxmlformats.org/drawingml/2006/main" xmlns:r="http://schemas.openxmlformats.org/officeDocument/2006/relationships" xmlns:p="http://schemas.openxmlformats.org/presentationml/2006/main">
+  <p:cSld>
+    <p:spTree>
+      <p:nvGrpSpPr>
+        <p:cNvPr id="1" name=""/>
+        <p:cNvGrpSpPr/>
+        <p:nvPr/>
+      </p:nvGrpSpPr>
+      <p:grpSpPr>
+        <a:xfrm>
+          <a:off x="0" y="0"/>
+          <a:ext cx="0" cy="0"/>
+          <a:chOff x="0" y="0"/>
+          <a:chExt cx="0" cy="0"/>
+        </a:xfrm>
+      </p:grpSpPr>
+      <p:sp>
+        <p:nvSpPr>
+          <p:cNvPr id="4" name="직사각형 3"/>
+          <p:cNvSpPr/>
+          <p:nvPr/>
+        </p:nvSpPr>
+        <p:spPr>
+          <a:xfrm>
+            <a:off x="-3313" y="0"/>
+            <a:ext cx="9147313" cy="339502"/>
+          </a:xfrm>
+          <a:prstGeom prst="rect">
+            <a:avLst/>
+          </a:prstGeom>
+          <a:solidFill>
+            <a:schemeClr val="tx1"/>
+          </a:solidFill>
+          <a:ln>
+            <a:noFill/>
+          </a:ln>
+        </p:spPr>
+        <p:style>
+          <a:lnRef idx="2">
+            <a:schemeClr val="accent1">
+              <a:shade val="50000"/>
+            </a:schemeClr>
+          </a:lnRef>
+          <a:fillRef idx="1">
+            <a:schemeClr val="accent1"/>
+          </a:fillRef>
+          <a:effectRef idx="0">
+            <a:schemeClr val="accent1"/>
+          </a:effectRef>
+          <a:fontRef idx="minor">
+            <a:schemeClr val="lt1"/>
+          </a:fontRef>
+        </p:style>
+        <p:txBody>
+          <a:bodyPr rtlCol="0" anchor="ctr"/>
+          <a:lstStyle/>
+          <a:p>
+            <a:r>
+              <a:rPr lang="en-US" altLang="ko-KR" sz="1600" dirty="0" smtClean="0">
+                <a:solidFill>
+                  <a:schemeClr val="tx1">
+                    <a:lumMod val="50000"/>
+                    <a:lumOff val="50000"/>
+                  </a:schemeClr>
+                </a:solidFill>
+              </a:rPr>
+              <a:t>Don’t </a:t>
+            </a:r>
+            <a:r>
+              <a:rPr lang="en-US" altLang="ko-KR" sz="1600" dirty="0">
+                <a:solidFill>
+                  <a:schemeClr val="tx1">
+                    <a:lumMod val="50000"/>
+                    <a:lumOff val="50000"/>
+                  </a:schemeClr>
+                </a:solidFill>
+              </a:rPr>
+              <a:t>Die </a:t>
+            </a:r>
+            <a:r>
+              <a:rPr lang="en-US" altLang="ko-KR" sz="1600" b="1" dirty="0" smtClean="0">
+                <a:solidFill>
+                  <a:schemeClr val="bg1"/>
+                </a:solidFill>
+              </a:rPr>
+              <a:t>l ISSUE</a:t>
+            </a:r>
+            <a:endParaRPr lang="ko-KR" altLang="en-US" sz="1600" b="1" dirty="0">
+              <a:solidFill>
+                <a:schemeClr val="bg1"/>
+              </a:solidFill>
+            </a:endParaRPr>
+          </a:p>
+        </p:txBody>
+      </p:sp>
+      <p:sp>
+        <p:nvSpPr>
+          <p:cNvPr id="3" name="TextBox 2"/>
+          <p:cNvSpPr txBox="1"/>
+          <p:nvPr/>
+        </p:nvSpPr>
+        <p:spPr>
+          <a:xfrm>
+            <a:off x="157167" y="1347614"/>
+            <a:ext cx="8640960" cy="807913"/>
+          </a:xfrm>
+          <a:prstGeom prst="rect">
+            <a:avLst/>
+          </a:prstGeom>
+          <a:solidFill>
+            <a:schemeClr val="accent5">
+              <a:lumMod val="20000"/>
+              <a:lumOff val="80000"/>
+            </a:schemeClr>
+          </a:solidFill>
+        </p:spPr>
+        <p:txBody>
+          <a:bodyPr wrap="square" rtlCol="0">
+            <a:spAutoFit/>
+          </a:bodyPr>
+          <a:lstStyle/>
+          <a:p>
+            <a:r>
+              <a:rPr lang="ko-KR" altLang="en-US" sz="1050" b="1" dirty="0" smtClean="0"/>
+              <a:t>다소 </a:t>
+            </a:r>
+            <a:r>
+              <a:rPr lang="ko-KR" altLang="en-US" sz="1050" b="1" dirty="0" err="1" smtClean="0"/>
+              <a:t>마이너한</a:t>
+            </a:r>
+            <a:r>
+              <a:rPr lang="ko-KR" altLang="en-US" sz="1050" b="1" dirty="0" smtClean="0"/>
+              <a:t> 장르와 </a:t>
+            </a:r>
+            <a:r>
+              <a:rPr lang="ko-KR" altLang="en-US" sz="1050" b="1" dirty="0" err="1" smtClean="0"/>
+              <a:t>유저풀</a:t>
+            </a:r>
+            <a:endParaRPr lang="en-US" altLang="ko-KR" sz="1050" b="1" dirty="0" smtClean="0"/>
+          </a:p>
+          <a:p>
+            <a:pPr marL="171450" indent="-171450">
+              <a:buFont typeface="Wingdings" pitchFamily="2" charset="2"/>
+              <a:buChar char="§"/>
+            </a:pPr>
+            <a:r>
+              <a:rPr lang="ko-KR" altLang="en-US" sz="900" dirty="0" smtClean="0"/>
+              <a:t>사실 </a:t>
+            </a:r>
+            <a:r>
+              <a:rPr lang="ko-KR" altLang="en-US" sz="900" dirty="0" err="1" smtClean="0"/>
+              <a:t>어떤게임이던지</a:t>
+            </a:r>
+            <a:r>
+              <a:rPr lang="ko-KR" altLang="en-US" sz="900" dirty="0" smtClean="0"/>
+              <a:t> </a:t>
+            </a:r>
+            <a:r>
+              <a:rPr lang="en-US" altLang="ko-KR" sz="900" dirty="0" smtClean="0"/>
+              <a:t>‘</a:t>
+            </a:r>
+            <a:r>
+              <a:rPr lang="ko-KR" altLang="en-US" sz="900" dirty="0" smtClean="0"/>
+              <a:t>딜러</a:t>
+            </a:r>
+            <a:r>
+              <a:rPr lang="en-US" altLang="ko-KR" sz="900" dirty="0" smtClean="0"/>
+              <a:t>’</a:t>
+            </a:r>
+            <a:r>
+              <a:rPr lang="ko-KR" altLang="en-US" sz="900" dirty="0" smtClean="0"/>
+              <a:t>를 하는 유저보다 </a:t>
+            </a:r>
+            <a:r>
+              <a:rPr lang="en-US" altLang="ko-KR" sz="900" dirty="0" smtClean="0"/>
+              <a:t>‘</a:t>
+            </a:r>
+            <a:r>
+              <a:rPr lang="ko-KR" altLang="en-US" sz="900" dirty="0" err="1" smtClean="0"/>
+              <a:t>힐러</a:t>
+            </a:r>
+            <a:r>
+              <a:rPr lang="en-US" altLang="ko-KR" sz="900" dirty="0" smtClean="0"/>
+              <a:t>’</a:t>
+            </a:r>
+            <a:r>
+              <a:rPr lang="ko-KR" altLang="en-US" sz="900" dirty="0" smtClean="0"/>
+              <a:t>를 하는 유저가 적은 것은 사실</a:t>
+            </a:r>
+            <a:r>
+              <a:rPr lang="en-US" altLang="ko-KR" sz="900" dirty="0" smtClean="0"/>
+              <a:t>.</a:t>
+            </a:r>
+          </a:p>
+          <a:p>
+            <a:pPr marL="171450" indent="-171450">
+              <a:buFont typeface="Wingdings" pitchFamily="2" charset="2"/>
+              <a:buChar char="§"/>
+            </a:pPr>
+            <a:r>
+              <a:rPr lang="en-US" altLang="ko-KR" sz="900" dirty="0" smtClean="0"/>
+              <a:t>‘</a:t>
+            </a:r>
+            <a:r>
+              <a:rPr lang="ko-KR" altLang="en-US" sz="900" dirty="0" err="1" smtClean="0"/>
+              <a:t>로그라이크</a:t>
+            </a:r>
+            <a:r>
+              <a:rPr lang="en-US" altLang="ko-KR" sz="900" dirty="0" smtClean="0"/>
+              <a:t>’</a:t>
+            </a:r>
+            <a:r>
+              <a:rPr lang="ko-KR" altLang="en-US" sz="900" dirty="0" smtClean="0"/>
+              <a:t>장르도 마찬가지로 </a:t>
+            </a:r>
+            <a:r>
+              <a:rPr lang="ko-KR" altLang="en-US" sz="900" dirty="0" err="1" smtClean="0"/>
+              <a:t>매니아층이</a:t>
+            </a:r>
+            <a:r>
+              <a:rPr lang="ko-KR" altLang="en-US" sz="900" dirty="0" smtClean="0"/>
+              <a:t> 즐기는 경향이 높음</a:t>
+            </a:r>
+            <a:endParaRPr lang="en-US" altLang="ko-KR" sz="900" dirty="0" smtClean="0"/>
+          </a:p>
+          <a:p>
+            <a:pPr marL="171450" indent="-171450">
+              <a:buFont typeface="Wingdings" pitchFamily="2" charset="2"/>
+              <a:buChar char="§"/>
+            </a:pPr>
+            <a:endParaRPr lang="en-US" altLang="ko-KR" sz="900" dirty="0" smtClean="0"/>
+          </a:p>
+          <a:p>
+            <a:pPr marL="171450" indent="-171450">
+              <a:buFont typeface="Wingdings" pitchFamily="2" charset="2"/>
+              <a:buChar char="§"/>
+            </a:pPr>
+            <a:endParaRPr lang="en-US" altLang="ko-KR" sz="900" dirty="0" smtClean="0"/>
+          </a:p>
+        </p:txBody>
+      </p:sp>
+      <p:sp>
+        <p:nvSpPr>
+          <p:cNvPr id="5" name="TextBox 4"/>
+          <p:cNvSpPr txBox="1"/>
+          <p:nvPr/>
+        </p:nvSpPr>
+        <p:spPr>
+          <a:xfrm>
+            <a:off x="179512" y="555526"/>
             <a:ext cx="8640960" cy="530915"/>
           </a:xfrm>
           <a:prstGeom prst="rect">
@@ -3426,6 +8200,301 @@
           <a:p>
             <a:r>
               <a:rPr lang="en-US" altLang="ko-KR" sz="1050" b="1" dirty="0" smtClean="0"/>
+              <a:t>AI</a:t>
+            </a:r>
+          </a:p>
+          <a:p>
+            <a:pPr marL="171450" indent="-171450">
+              <a:buFont typeface="Wingdings" pitchFamily="2" charset="2"/>
+              <a:buChar char="§"/>
+            </a:pPr>
+            <a:r>
+              <a:rPr lang="ko-KR" altLang="en-US" sz="900" dirty="0" smtClean="0"/>
+              <a:t>보스의 이동 및 패턴에 따른 </a:t>
+            </a:r>
+            <a:r>
+              <a:rPr lang="ko-KR" altLang="en-US" sz="900" dirty="0" err="1" smtClean="0"/>
+              <a:t>파티원</a:t>
+            </a:r>
+            <a:r>
+              <a:rPr lang="en-US" altLang="ko-KR" sz="900" dirty="0" smtClean="0"/>
+              <a:t>NPC</a:t>
+            </a:r>
+            <a:r>
+              <a:rPr lang="ko-KR" altLang="en-US" sz="900" dirty="0" smtClean="0"/>
+              <a:t>의 대응 문제</a:t>
+            </a:r>
+            <a:endParaRPr lang="en-US" altLang="ko-KR" sz="900" dirty="0" smtClean="0"/>
+          </a:p>
+          <a:p>
+            <a:endParaRPr lang="en-US" altLang="ko-KR" sz="900" dirty="0" smtClean="0"/>
+          </a:p>
+        </p:txBody>
+      </p:sp>
+    </p:spTree>
+    <p:extLst>
+      <p:ext uri="{BB962C8B-B14F-4D97-AF65-F5344CB8AC3E}">
+        <p14:creationId xmlns:p14="http://schemas.microsoft.com/office/powerpoint/2010/main" val="489310315"/>
+      </p:ext>
+    </p:extLst>
+  </p:cSld>
+  <p:clrMapOvr>
+    <a:masterClrMapping/>
+  </p:clrMapOvr>
+  <p:timing>
+    <p:tnLst>
+      <p:par>
+        <p:cTn id="1" dur="indefinite" restart="never" nodeType="tmRoot"/>
+      </p:par>
+    </p:tnLst>
+  </p:timing>
+</p:sld>
+</file>
+
+<file path=ppt/slides/slide17.xml><?xml version="1.0" encoding="utf-8"?>
+<p:sld xmlns:a="http://schemas.openxmlformats.org/drawingml/2006/main" xmlns:r="http://schemas.openxmlformats.org/officeDocument/2006/relationships" xmlns:p="http://schemas.openxmlformats.org/presentationml/2006/main">
+  <p:cSld>
+    <p:spTree>
+      <p:nvGrpSpPr>
+        <p:cNvPr id="1" name=""/>
+        <p:cNvGrpSpPr/>
+        <p:nvPr/>
+      </p:nvGrpSpPr>
+      <p:grpSpPr>
+        <a:xfrm>
+          <a:off x="0" y="0"/>
+          <a:ext cx="0" cy="0"/>
+          <a:chOff x="0" y="0"/>
+          <a:chExt cx="0" cy="0"/>
+        </a:xfrm>
+      </p:grpSpPr>
+      <p:sp>
+        <p:nvSpPr>
+          <p:cNvPr id="4" name="직사각형 3"/>
+          <p:cNvSpPr/>
+          <p:nvPr/>
+        </p:nvSpPr>
+        <p:spPr>
+          <a:xfrm>
+            <a:off x="-3313" y="0"/>
+            <a:ext cx="9147313" cy="339502"/>
+          </a:xfrm>
+          <a:prstGeom prst="rect">
+            <a:avLst/>
+          </a:prstGeom>
+          <a:solidFill>
+            <a:schemeClr val="tx1"/>
+          </a:solidFill>
+          <a:ln>
+            <a:noFill/>
+          </a:ln>
+        </p:spPr>
+        <p:style>
+          <a:lnRef idx="2">
+            <a:schemeClr val="accent1">
+              <a:shade val="50000"/>
+            </a:schemeClr>
+          </a:lnRef>
+          <a:fillRef idx="1">
+            <a:schemeClr val="accent1"/>
+          </a:fillRef>
+          <a:effectRef idx="0">
+            <a:schemeClr val="accent1"/>
+          </a:effectRef>
+          <a:fontRef idx="minor">
+            <a:schemeClr val="lt1"/>
+          </a:fontRef>
+        </p:style>
+        <p:txBody>
+          <a:bodyPr rtlCol="0" anchor="ctr"/>
+          <a:lstStyle/>
+          <a:p>
+            <a:r>
+              <a:rPr lang="en-US" altLang="ko-KR" sz="1600" dirty="0" smtClean="0">
+                <a:solidFill>
+                  <a:schemeClr val="tx1">
+                    <a:lumMod val="50000"/>
+                    <a:lumOff val="50000"/>
+                  </a:schemeClr>
+                </a:solidFill>
+              </a:rPr>
+              <a:t>Don’t </a:t>
+            </a:r>
+            <a:r>
+              <a:rPr lang="en-US" altLang="ko-KR" sz="1600" dirty="0">
+                <a:solidFill>
+                  <a:schemeClr val="tx1">
+                    <a:lumMod val="50000"/>
+                    <a:lumOff val="50000"/>
+                  </a:schemeClr>
+                </a:solidFill>
+              </a:rPr>
+              <a:t>Die </a:t>
+            </a:r>
+            <a:r>
+              <a:rPr lang="en-US" altLang="ko-KR" sz="1600" b="1" dirty="0" smtClean="0">
+                <a:solidFill>
+                  <a:schemeClr val="bg1"/>
+                </a:solidFill>
+              </a:rPr>
+              <a:t>l Reference</a:t>
+            </a:r>
+            <a:endParaRPr lang="ko-KR" altLang="en-US" sz="1600" b="1" dirty="0">
+              <a:solidFill>
+                <a:schemeClr val="bg1"/>
+              </a:solidFill>
+            </a:endParaRPr>
+          </a:p>
+        </p:txBody>
+      </p:sp>
+      <p:sp>
+        <p:nvSpPr>
+          <p:cNvPr id="3" name="TextBox 2"/>
+          <p:cNvSpPr txBox="1"/>
+          <p:nvPr/>
+        </p:nvSpPr>
+        <p:spPr>
+          <a:xfrm>
+            <a:off x="202285" y="1347614"/>
+            <a:ext cx="8640960" cy="1200329"/>
+          </a:xfrm>
+          <a:prstGeom prst="rect">
+            <a:avLst/>
+          </a:prstGeom>
+          <a:solidFill>
+            <a:schemeClr val="accent5">
+              <a:lumMod val="20000"/>
+              <a:lumOff val="80000"/>
+            </a:schemeClr>
+          </a:solidFill>
+        </p:spPr>
+        <p:txBody>
+          <a:bodyPr wrap="square" rtlCol="0">
+            <a:spAutoFit/>
+          </a:bodyPr>
+          <a:lstStyle/>
+          <a:p>
+            <a:r>
+              <a:rPr lang="en-US" altLang="ko-KR" sz="1200" b="1" dirty="0"/>
+              <a:t>Steam</a:t>
+            </a:r>
+          </a:p>
+          <a:p>
+            <a:pPr marL="171450" indent="-171450">
+              <a:buFont typeface="Wingdings" pitchFamily="2" charset="2"/>
+              <a:buChar char="§"/>
+            </a:pPr>
+            <a:r>
+              <a:rPr lang="en-US" altLang="ko-KR" sz="1050" dirty="0"/>
+              <a:t>Titan Souls - </a:t>
+            </a:r>
+            <a:r>
+              <a:rPr lang="en-US" altLang="ko-KR" sz="1050" dirty="0">
+                <a:hlinkClick r:id="rId2"/>
+              </a:rPr>
+              <a:t>https://namu.wiki/w/Titan%20Souls</a:t>
+            </a:r>
+            <a:endParaRPr lang="en-US" altLang="ko-KR" sz="1050" dirty="0"/>
+          </a:p>
+          <a:p>
+            <a:pPr marL="171450" indent="-171450">
+              <a:buFont typeface="Wingdings" pitchFamily="2" charset="2"/>
+              <a:buChar char="§"/>
+            </a:pPr>
+            <a:r>
+              <a:rPr lang="en-US" altLang="ko-KR" sz="1050" dirty="0"/>
+              <a:t>EITR - </a:t>
+            </a:r>
+            <a:r>
+              <a:rPr lang="en-US" altLang="ko-KR" sz="1050" dirty="0">
+                <a:hlinkClick r:id="rId3"/>
+              </a:rPr>
+              <a:t>https://</a:t>
+            </a:r>
+            <a:r>
+              <a:rPr lang="en-US" altLang="ko-KR" sz="1050" dirty="0" smtClean="0">
+                <a:hlinkClick r:id="rId3"/>
+              </a:rPr>
+              <a:t>namu.wiki/w/EITR</a:t>
+            </a:r>
+            <a:endParaRPr lang="en-US" altLang="ko-KR" sz="1050" dirty="0" smtClean="0"/>
+          </a:p>
+          <a:p>
+            <a:pPr marL="171450" indent="-171450">
+              <a:buFont typeface="Wingdings" pitchFamily="2" charset="2"/>
+              <a:buChar char="§"/>
+            </a:pPr>
+            <a:r>
+              <a:rPr lang="en-US" altLang="ko-KR" sz="1050" dirty="0" smtClean="0"/>
+              <a:t>Enter the </a:t>
+            </a:r>
+            <a:r>
+              <a:rPr lang="en-US" altLang="ko-KR" sz="1050" dirty="0" err="1" smtClean="0"/>
+              <a:t>Gungeon</a:t>
+            </a:r>
+            <a:r>
+              <a:rPr lang="en-US" altLang="ko-KR" sz="1050" dirty="0"/>
+              <a:t> - </a:t>
+            </a:r>
+            <a:r>
+              <a:rPr lang="en-US" altLang="ko-KR" sz="1050" dirty="0">
+                <a:hlinkClick r:id="rId4"/>
+              </a:rPr>
+              <a:t>https://namu.wiki/w/Enter%20the%20Gungeon?from=%</a:t>
+            </a:r>
+            <a:r>
+              <a:rPr lang="en-US" altLang="ko-KR" sz="1050" dirty="0" smtClean="0">
+                <a:hlinkClick r:id="rId4"/>
+              </a:rPr>
+              <a:t>EC%97%94%ED%84%B0%20%EB%8D%94%20%EA%B1%B4%EC%A0%84</a:t>
+            </a:r>
+            <a:endParaRPr lang="en-US" altLang="ko-KR" sz="1050" dirty="0"/>
+          </a:p>
+          <a:p>
+            <a:pPr marL="171450" indent="-171450">
+              <a:buFont typeface="Wingdings" pitchFamily="2" charset="2"/>
+              <a:buChar char="§"/>
+            </a:pPr>
+            <a:endParaRPr lang="en-US" altLang="ko-KR" sz="900" dirty="0" smtClean="0"/>
+          </a:p>
+          <a:p>
+            <a:pPr marL="171450" indent="-171450">
+              <a:buFont typeface="Wingdings" pitchFamily="2" charset="2"/>
+              <a:buChar char="§"/>
+            </a:pPr>
+            <a:endParaRPr lang="en-US" altLang="ko-KR" sz="900" dirty="0" smtClean="0"/>
+          </a:p>
+        </p:txBody>
+      </p:sp>
+      <p:sp>
+        <p:nvSpPr>
+          <p:cNvPr id="6" name="TextBox 5"/>
+          <p:cNvSpPr txBox="1"/>
+          <p:nvPr/>
+        </p:nvSpPr>
+        <p:spPr>
+          <a:xfrm>
+            <a:off x="249863" y="483518"/>
+            <a:ext cx="8640960" cy="530915"/>
+          </a:xfrm>
+          <a:prstGeom prst="rect">
+            <a:avLst/>
+          </a:prstGeom>
+          <a:solidFill>
+            <a:schemeClr val="accent6">
+              <a:lumMod val="20000"/>
+              <a:lumOff val="80000"/>
+            </a:schemeClr>
+          </a:solidFill>
+        </p:spPr>
+        <p:txBody>
+          <a:bodyPr wrap="square" rtlCol="0">
+            <a:spAutoFit/>
+          </a:bodyPr>
+          <a:lstStyle/>
+          <a:p>
+            <a:r>
+              <a:rPr lang="en-US" altLang="ko-KR" sz="1050" b="1" dirty="0" smtClean="0"/>
               <a:t>World of Warcraft</a:t>
             </a:r>
           </a:p>
@@ -3543,7 +8612,7 @@
               <a:t> </a:t>
             </a:r>
             <a:r>
-              <a:rPr lang="ko-KR" altLang="en-US" sz="900" smtClean="0"/>
+              <a:rPr lang="ko-KR" altLang="en-US" sz="900" dirty="0" err="1" smtClean="0"/>
               <a:t>보스를죽여라</a:t>
             </a:r>
             <a:endParaRPr lang="en-US" altLang="ko-KR" sz="900" dirty="0" smtClean="0"/>
@@ -7791,7 +12860,7 @@
         </p:nvSpPr>
         <p:spPr>
           <a:xfrm>
-            <a:off x="-3313" y="0"/>
+            <a:off x="-15038" y="6993"/>
             <a:ext cx="9147313" cy="339502"/>
           </a:xfrm>
           <a:prstGeom prst="rect">
@@ -7852,7 +12921,31 @@
                   <a:schemeClr val="bg1"/>
                 </a:solidFill>
               </a:rPr>
-              <a:t>l ISSUE</a:t>
+              <a:t>l </a:t>
+            </a:r>
+            <a:r>
+              <a:rPr lang="ko-KR" altLang="en-US" sz="1600" b="1" dirty="0" smtClean="0">
+                <a:solidFill>
+                  <a:schemeClr val="bg1"/>
+                </a:solidFill>
+              </a:rPr>
+              <a:t>스킬 </a:t>
+            </a:r>
+            <a:r>
+              <a:rPr lang="ko-KR" altLang="en-US" sz="1600" b="1" dirty="0" err="1" smtClean="0">
+                <a:solidFill>
+                  <a:schemeClr val="bg1"/>
+                </a:solidFill>
+              </a:rPr>
+              <a:t>커스터마이징</a:t>
+            </a:r>
+            <a:r>
+              <a:rPr lang="ko-KR" altLang="en-US" sz="1600" b="1" dirty="0" smtClean="0">
+                <a:solidFill>
+                  <a:schemeClr val="bg1"/>
+                </a:solidFill>
+              </a:rPr>
+              <a:t> 시스템</a:t>
             </a:r>
             <a:endParaRPr lang="ko-KR" altLang="en-US" sz="1600" b="1" dirty="0">
               <a:solidFill>
@@ -7870,153 +12963,7 @@
         </p:nvSpPr>
         <p:spPr>
           <a:xfrm>
-            <a:off x="157167" y="1347614"/>
-            <a:ext cx="8640960" cy="807913"/>
-          </a:xfrm>
-          <a:prstGeom prst="rect">
-            <a:avLst/>
-          </a:prstGeom>
-          <a:solidFill>
-            <a:schemeClr val="accent5">
-              <a:lumMod val="20000"/>
-              <a:lumOff val="80000"/>
-            </a:schemeClr>
-          </a:solidFill>
-        </p:spPr>
-        <p:txBody>
-          <a:bodyPr wrap="square" rtlCol="0">
-            <a:spAutoFit/>
-          </a:bodyPr>
-          <a:lstStyle/>
-          <a:p>
-            <a:r>
-              <a:rPr lang="ko-KR" altLang="en-US" sz="1050" b="1" dirty="0" smtClean="0"/>
-              <a:t>다소 </a:t>
-            </a:r>
-            <a:r>
-              <a:rPr lang="ko-KR" altLang="en-US" sz="1050" b="1" dirty="0" err="1" smtClean="0"/>
-              <a:t>마이너한</a:t>
-            </a:r>
-            <a:r>
-              <a:rPr lang="ko-KR" altLang="en-US" sz="1050" b="1" dirty="0" smtClean="0"/>
-              <a:t> 장르와 </a:t>
-            </a:r>
-            <a:r>
-              <a:rPr lang="ko-KR" altLang="en-US" sz="1050" b="1" dirty="0" err="1" smtClean="0"/>
-              <a:t>유저풀</a:t>
-            </a:r>
-            <a:endParaRPr lang="en-US" altLang="ko-KR" sz="1050" b="1" dirty="0" smtClean="0"/>
-          </a:p>
-          <a:p>
-            <a:pPr marL="171450" indent="-171450">
-              <a:buFont typeface="Wingdings" pitchFamily="2" charset="2"/>
-              <a:buChar char="§"/>
-            </a:pPr>
-            <a:r>
-              <a:rPr lang="ko-KR" altLang="en-US" sz="900" dirty="0" smtClean="0"/>
-              <a:t>사실 </a:t>
-            </a:r>
-            <a:r>
-              <a:rPr lang="ko-KR" altLang="en-US" sz="900" dirty="0" err="1" smtClean="0"/>
-              <a:t>어떤게임이던지</a:t>
-            </a:r>
-            <a:r>
-              <a:rPr lang="ko-KR" altLang="en-US" sz="900" dirty="0" smtClean="0"/>
-              <a:t> </a:t>
-            </a:r>
-            <a:r>
-              <a:rPr lang="en-US" altLang="ko-KR" sz="900" dirty="0" smtClean="0"/>
-              <a:t>‘</a:t>
-            </a:r>
-            <a:r>
-              <a:rPr lang="ko-KR" altLang="en-US" sz="900" dirty="0" smtClean="0"/>
-              <a:t>딜러</a:t>
-            </a:r>
-            <a:r>
-              <a:rPr lang="en-US" altLang="ko-KR" sz="900" dirty="0" smtClean="0"/>
-              <a:t>’</a:t>
-            </a:r>
-            <a:r>
-              <a:rPr lang="ko-KR" altLang="en-US" sz="900" dirty="0" smtClean="0"/>
-              <a:t>를 하는 유저보다 </a:t>
-            </a:r>
-            <a:r>
-              <a:rPr lang="en-US" altLang="ko-KR" sz="900" dirty="0" smtClean="0"/>
-              <a:t>‘</a:t>
-            </a:r>
-            <a:r>
-              <a:rPr lang="ko-KR" altLang="en-US" sz="900" dirty="0" err="1" smtClean="0"/>
-              <a:t>힐러</a:t>
-            </a:r>
-            <a:r>
-              <a:rPr lang="en-US" altLang="ko-KR" sz="900" dirty="0" smtClean="0"/>
-              <a:t>’</a:t>
-            </a:r>
-            <a:r>
-              <a:rPr lang="ko-KR" altLang="en-US" sz="900" dirty="0" smtClean="0"/>
-              <a:t>를 하는 유저가 적은 것은 사실</a:t>
-            </a:r>
-            <a:r>
-              <a:rPr lang="en-US" altLang="ko-KR" sz="900" dirty="0" smtClean="0"/>
-              <a:t>.</a:t>
-            </a:r>
-          </a:p>
-          <a:p>
-            <a:pPr marL="171450" indent="-171450">
-              <a:buFont typeface="Wingdings" pitchFamily="2" charset="2"/>
-              <a:buChar char="§"/>
-            </a:pPr>
-            <a:r>
-              <a:rPr lang="en-US" altLang="ko-KR" sz="900" dirty="0" smtClean="0"/>
-              <a:t>‘</a:t>
-            </a:r>
-            <a:r>
-              <a:rPr lang="ko-KR" altLang="en-US" sz="900" dirty="0" err="1" smtClean="0"/>
-              <a:t>로그라이크</a:t>
-            </a:r>
-            <a:r>
-              <a:rPr lang="en-US" altLang="ko-KR" sz="900" dirty="0" smtClean="0"/>
-              <a:t>’</a:t>
-            </a:r>
-            <a:r>
-              <a:rPr lang="ko-KR" altLang="en-US" sz="900" dirty="0" smtClean="0"/>
-              <a:t>장르도 마찬가지로 </a:t>
-            </a:r>
-            <a:r>
-              <a:rPr lang="ko-KR" altLang="en-US" sz="900" dirty="0" err="1" smtClean="0"/>
-              <a:t>매니아층이</a:t>
-            </a:r>
-            <a:r>
-              <a:rPr lang="ko-KR" altLang="en-US" sz="900" dirty="0" smtClean="0"/>
-              <a:t> 즐기는 경향이 높음</a:t>
-            </a:r>
-            <a:endParaRPr lang="en-US" altLang="ko-KR" sz="900" dirty="0" smtClean="0"/>
-          </a:p>
-          <a:p>
-            <a:pPr marL="171450" indent="-171450">
-              <a:buFont typeface="Wingdings" pitchFamily="2" charset="2"/>
-              <a:buChar char="§"/>
-            </a:pPr>
-            <a:endParaRPr lang="en-US" altLang="ko-KR" sz="900" dirty="0" smtClean="0"/>
-          </a:p>
-          <a:p>
-            <a:pPr marL="171450" indent="-171450">
-              <a:buFont typeface="Wingdings" pitchFamily="2" charset="2"/>
-              <a:buChar char="§"/>
-            </a:pPr>
-            <a:endParaRPr lang="en-US" altLang="ko-KR" sz="900" dirty="0" smtClean="0"/>
-          </a:p>
-        </p:txBody>
-      </p:sp>
-      <p:sp>
-        <p:nvSpPr>
-          <p:cNvPr id="5" name="TextBox 4"/>
-          <p:cNvSpPr txBox="1"/>
-          <p:nvPr/>
-        </p:nvSpPr>
-        <p:spPr>
-          <a:xfrm>
-            <a:off x="179512" y="555526"/>
+            <a:off x="238138" y="508850"/>
             <a:ext cx="8640960" cy="530915"/>
           </a:xfrm>
           <a:prstGeom prst="rect">
@@ -8036,34 +12983,63 @@
           <a:lstStyle/>
           <a:p>
             <a:r>
-              <a:rPr lang="en-US" altLang="ko-KR" sz="1050" b="1" dirty="0" smtClean="0"/>
-              <a:t>AI</a:t>
-            </a:r>
-          </a:p>
-          <a:p>
-            <a:pPr marL="171450" indent="-171450">
-              <a:buFont typeface="Wingdings" pitchFamily="2" charset="2"/>
-              <a:buChar char="§"/>
-            </a:pPr>
+              <a:rPr lang="ko-KR" altLang="en-US" sz="1050" b="1" dirty="0" smtClean="0"/>
+              <a:t>한 </a:t>
+            </a:r>
+            <a:r>
+              <a:rPr lang="ko-KR" altLang="en-US" sz="1050" b="1" dirty="0" err="1" smtClean="0"/>
+              <a:t>던전당</a:t>
+            </a:r>
+            <a:r>
+              <a:rPr lang="ko-KR" altLang="en-US" sz="1050" b="1" dirty="0" smtClean="0"/>
+              <a:t> 가져 갈 수 있는 스킬 개수의 제한</a:t>
+            </a:r>
+            <a:endParaRPr lang="en-US" altLang="ko-KR" sz="1050" b="1" dirty="0" smtClean="0"/>
+          </a:p>
+          <a:p>
+            <a:pPr marL="171450" indent="-171450">
+              <a:buFont typeface="Wingdings" pitchFamily="2" charset="2"/>
+              <a:buChar char="§"/>
+            </a:pPr>
+            <a:r>
+              <a:rPr lang="ko-KR" altLang="en-US" sz="900" dirty="0" err="1" smtClean="0"/>
+              <a:t>프로토타입에서는</a:t>
+            </a:r>
             <a:r>
               <a:rPr lang="ko-KR" altLang="en-US" sz="900" dirty="0" smtClean="0"/>
-              <a:t>보스의 이동 및 패턴에 따른 </a:t>
-            </a:r>
+              <a:t> </a:t>
+            </a:r>
+            <a:r>
+              <a:rPr lang="en-US" altLang="ko-KR" sz="900" dirty="0" smtClean="0"/>
+              <a:t>5</a:t>
+            </a:r>
+            <a:r>
+              <a:rPr lang="ko-KR" altLang="en-US" sz="900" dirty="0" smtClean="0"/>
+              <a:t>개로 정의</a:t>
+            </a:r>
+            <a:endParaRPr lang="en-US" altLang="ko-KR" sz="900" dirty="0" smtClean="0"/>
+          </a:p>
+          <a:p>
+            <a:pPr marL="171450" indent="-171450">
+              <a:buFont typeface="Wingdings" pitchFamily="2" charset="2"/>
+              <a:buChar char="§"/>
+            </a:pPr>
             <a:r>
               <a:rPr lang="ko-KR" altLang="en-US" sz="900" dirty="0" err="1" smtClean="0"/>
-              <a:t>파티원</a:t>
-            </a:r>
-            <a:r>
-              <a:rPr lang="en-US" altLang="ko-KR" sz="900" dirty="0" smtClean="0"/>
-              <a:t>NPC</a:t>
+              <a:t>던전에</a:t>
             </a:r>
             <a:r>
               <a:rPr lang="ko-KR" altLang="en-US" sz="900" dirty="0" smtClean="0"/>
-              <a:t>의 대응 문제</a:t>
-            </a:r>
-            <a:endParaRPr lang="en-US" altLang="ko-KR" sz="900" dirty="0" smtClean="0"/>
-          </a:p>
-          <a:p>
+              <a:t> 진입하기 전에 보유스킬 중 </a:t>
+            </a:r>
+            <a:r>
+              <a:rPr lang="en-US" altLang="ko-KR" sz="900" dirty="0" smtClean="0"/>
+              <a:t>5</a:t>
+            </a:r>
+            <a:r>
+              <a:rPr lang="ko-KR" altLang="en-US" sz="900" dirty="0" smtClean="0"/>
+              <a:t>개를 고르는 형태</a:t>
+            </a:r>
             <a:endParaRPr lang="en-US" altLang="ko-KR" sz="900" dirty="0" smtClean="0"/>
           </a:p>
         </p:txBody>
@@ -8071,7 +13047,7 @@
     </p:spTree>
     <p:extLst>
       <p:ext uri="{BB962C8B-B14F-4D97-AF65-F5344CB8AC3E}">
-        <p14:creationId xmlns:p14="http://schemas.microsoft.com/office/powerpoint/2010/main" val="489310315"/>
+        <p14:creationId xmlns:p14="http://schemas.microsoft.com/office/powerpoint/2010/main" val="2434845231"/>
       </p:ext>
     </p:extLst>
   </p:cSld>

--- a/DDDocument/Don't Die ProtoType.pptx
+++ b/DDDocument/Don't Die ProtoType.pptx
@@ -16,16 +16,17 @@
     <p:sldId id="297" r:id="rId10"/>
     <p:sldId id="284" r:id="rId11"/>
     <p:sldId id="298" r:id="rId12"/>
-    <p:sldId id="288" r:id="rId13"/>
-    <p:sldId id="299" r:id="rId14"/>
-    <p:sldId id="289" r:id="rId15"/>
-    <p:sldId id="291" r:id="rId16"/>
-    <p:sldId id="292" r:id="rId17"/>
-    <p:sldId id="293" r:id="rId18"/>
-    <p:sldId id="294" r:id="rId19"/>
-    <p:sldId id="295" r:id="rId20"/>
-    <p:sldId id="286" r:id="rId21"/>
-    <p:sldId id="287" r:id="rId22"/>
+    <p:sldId id="300" r:id="rId13"/>
+    <p:sldId id="288" r:id="rId14"/>
+    <p:sldId id="299" r:id="rId15"/>
+    <p:sldId id="289" r:id="rId16"/>
+    <p:sldId id="291" r:id="rId17"/>
+    <p:sldId id="292" r:id="rId18"/>
+    <p:sldId id="293" r:id="rId19"/>
+    <p:sldId id="294" r:id="rId20"/>
+    <p:sldId id="295" r:id="rId21"/>
+    <p:sldId id="286" r:id="rId22"/>
+    <p:sldId id="287" r:id="rId23"/>
   </p:sldIdLst>
   <p:sldSz cx="9144000" cy="5143500" type="screen16x9"/>
   <p:notesSz cx="6858000" cy="9144000"/>
@@ -308,7 +309,7 @@
           <a:p>
             <a:fld id="{45C927A5-CECA-4F02-9555-A3703B8FD879}" type="datetimeFigureOut">
               <a:rPr lang="ko-KR" altLang="en-US" smtClean="0"/>
-              <a:t>2018-05-14</a:t>
+              <a:t>2018-05-16</a:t>
             </a:fld>
             <a:endParaRPr lang="ko-KR" altLang="en-US"/>
           </a:p>
@@ -478,7 +479,7 @@
           <a:p>
             <a:fld id="{45C927A5-CECA-4F02-9555-A3703B8FD879}" type="datetimeFigureOut">
               <a:rPr lang="ko-KR" altLang="en-US" smtClean="0"/>
-              <a:t>2018-05-14</a:t>
+              <a:t>2018-05-16</a:t>
             </a:fld>
             <a:endParaRPr lang="ko-KR" altLang="en-US"/>
           </a:p>
@@ -658,7 +659,7 @@
           <a:p>
             <a:fld id="{45C927A5-CECA-4F02-9555-A3703B8FD879}" type="datetimeFigureOut">
               <a:rPr lang="ko-KR" altLang="en-US" smtClean="0"/>
-              <a:t>2018-05-14</a:t>
+              <a:t>2018-05-16</a:t>
             </a:fld>
             <a:endParaRPr lang="ko-KR" altLang="en-US"/>
           </a:p>
@@ -828,7 +829,7 @@
           <a:p>
             <a:fld id="{45C927A5-CECA-4F02-9555-A3703B8FD879}" type="datetimeFigureOut">
               <a:rPr lang="ko-KR" altLang="en-US" smtClean="0"/>
-              <a:t>2018-05-14</a:t>
+              <a:t>2018-05-16</a:t>
             </a:fld>
             <a:endParaRPr lang="ko-KR" altLang="en-US"/>
           </a:p>
@@ -1074,7 +1075,7 @@
           <a:p>
             <a:fld id="{45C927A5-CECA-4F02-9555-A3703B8FD879}" type="datetimeFigureOut">
               <a:rPr lang="ko-KR" altLang="en-US" smtClean="0"/>
-              <a:t>2018-05-14</a:t>
+              <a:t>2018-05-16</a:t>
             </a:fld>
             <a:endParaRPr lang="ko-KR" altLang="en-US"/>
           </a:p>
@@ -1362,7 +1363,7 @@
           <a:p>
             <a:fld id="{45C927A5-CECA-4F02-9555-A3703B8FD879}" type="datetimeFigureOut">
               <a:rPr lang="ko-KR" altLang="en-US" smtClean="0"/>
-              <a:t>2018-05-14</a:t>
+              <a:t>2018-05-16</a:t>
             </a:fld>
             <a:endParaRPr lang="ko-KR" altLang="en-US"/>
           </a:p>
@@ -1784,7 +1785,7 @@
           <a:p>
             <a:fld id="{45C927A5-CECA-4F02-9555-A3703B8FD879}" type="datetimeFigureOut">
               <a:rPr lang="ko-KR" altLang="en-US" smtClean="0"/>
-              <a:t>2018-05-14</a:t>
+              <a:t>2018-05-16</a:t>
             </a:fld>
             <a:endParaRPr lang="ko-KR" altLang="en-US"/>
           </a:p>
@@ -1902,7 +1903,7 @@
           <a:p>
             <a:fld id="{45C927A5-CECA-4F02-9555-A3703B8FD879}" type="datetimeFigureOut">
               <a:rPr lang="ko-KR" altLang="en-US" smtClean="0"/>
-              <a:t>2018-05-14</a:t>
+              <a:t>2018-05-16</a:t>
             </a:fld>
             <a:endParaRPr lang="ko-KR" altLang="en-US"/>
           </a:p>
@@ -1997,7 +1998,7 @@
           <a:p>
             <a:fld id="{45C927A5-CECA-4F02-9555-A3703B8FD879}" type="datetimeFigureOut">
               <a:rPr lang="ko-KR" altLang="en-US" smtClean="0"/>
-              <a:t>2018-05-14</a:t>
+              <a:t>2018-05-16</a:t>
             </a:fld>
             <a:endParaRPr lang="ko-KR" altLang="en-US"/>
           </a:p>
@@ -2274,7 +2275,7 @@
           <a:p>
             <a:fld id="{45C927A5-CECA-4F02-9555-A3703B8FD879}" type="datetimeFigureOut">
               <a:rPr lang="ko-KR" altLang="en-US" smtClean="0"/>
-              <a:t>2018-05-14</a:t>
+              <a:t>2018-05-16</a:t>
             </a:fld>
             <a:endParaRPr lang="ko-KR" altLang="en-US"/>
           </a:p>
@@ -2527,7 +2528,7 @@
           <a:p>
             <a:fld id="{45C927A5-CECA-4F02-9555-A3703B8FD879}" type="datetimeFigureOut">
               <a:rPr lang="ko-KR" altLang="en-US" smtClean="0"/>
-              <a:t>2018-05-14</a:t>
+              <a:t>2018-05-16</a:t>
             </a:fld>
             <a:endParaRPr lang="ko-KR" altLang="en-US"/>
           </a:p>
@@ -2740,7 +2741,7 @@
           <a:p>
             <a:fld id="{45C927A5-CECA-4F02-9555-A3703B8FD879}" type="datetimeFigureOut">
               <a:rPr lang="ko-KR" altLang="en-US" smtClean="0"/>
-              <a:t>2018-05-14</a:t>
+              <a:t>2018-05-16</a:t>
             </a:fld>
             <a:endParaRPr lang="ko-KR" altLang="en-US"/>
           </a:p>
@@ -3409,7 +3410,6 @@
               <a:rPr lang="en-US" altLang="ko-KR" sz="900" dirty="0" smtClean="0"/>
               <a:t>.</a:t>
             </a:r>
-            <a:endParaRPr lang="en-US" altLang="ko-KR" sz="900" dirty="0" smtClean="0"/>
           </a:p>
           <a:p>
             <a:pPr marL="171450" indent="-171450">
@@ -4036,7 +4036,7 @@
               <a:buChar char="§"/>
             </a:pPr>
             <a:r>
-              <a:rPr lang="en-US" altLang="ko-KR" sz="900" smtClean="0"/>
+              <a:rPr lang="en-US" altLang="ko-KR" sz="900" dirty="0" err="1" smtClean="0"/>
               <a:t>durationTime</a:t>
             </a:r>
             <a:r>
@@ -4114,7 +4114,7 @@
         </p:nvSpPr>
         <p:spPr>
           <a:xfrm>
-            <a:off x="-15039" y="6993"/>
+            <a:off x="-3313" y="0"/>
             <a:ext cx="9147313" cy="339502"/>
           </a:xfrm>
           <a:prstGeom prst="rect">
@@ -4178,60 +4178,12 @@
               <a:t>l </a:t>
             </a:r>
             <a:r>
-              <a:rPr lang="ko-KR" altLang="en-US" sz="1600" b="1" dirty="0" smtClean="0">
+              <a:rPr lang="en-US" altLang="ko-KR" sz="1600" b="1" dirty="0" err="1" smtClean="0">
                 <a:solidFill>
                   <a:schemeClr val="bg1"/>
                 </a:solidFill>
               </a:rPr>
-              <a:t>파티</a:t>
-            </a:r>
-            <a:r>
-              <a:rPr lang="en-US" altLang="ko-KR" sz="1600" b="1" dirty="0">
-                <a:solidFill>
-                  <a:schemeClr val="bg1"/>
-                </a:solidFill>
-              </a:rPr>
-              <a:t> </a:t>
-            </a:r>
-            <a:r>
-              <a:rPr lang="ko-KR" altLang="en-US" sz="1600" b="1" dirty="0" smtClean="0">
-                <a:solidFill>
-                  <a:schemeClr val="bg1"/>
-                </a:solidFill>
-              </a:rPr>
-              <a:t>제어</a:t>
-            </a:r>
-            <a:r>
-              <a:rPr lang="en-US" altLang="ko-KR" sz="1600" b="1" dirty="0" smtClean="0">
-                <a:solidFill>
-                  <a:schemeClr val="bg1"/>
-                </a:solidFill>
-              </a:rPr>
-              <a:t>(</a:t>
-            </a:r>
-            <a:r>
-              <a:rPr lang="ko-KR" altLang="en-US" sz="1600" b="1" dirty="0" smtClean="0">
-                <a:solidFill>
-                  <a:schemeClr val="bg1"/>
-                </a:solidFill>
-              </a:rPr>
-              <a:t>군중제어</a:t>
-            </a:r>
-            <a:r>
-              <a:rPr lang="en-US" altLang="ko-KR" sz="1600" b="1" dirty="0" smtClean="0">
-                <a:solidFill>
-                  <a:schemeClr val="bg1"/>
-                </a:solidFill>
-              </a:rPr>
-              <a:t>) </a:t>
-            </a:r>
-            <a:r>
-              <a:rPr lang="ko-KR" altLang="en-US" sz="1600" b="1" dirty="0" smtClean="0">
-                <a:solidFill>
-                  <a:schemeClr val="bg1"/>
-                </a:solidFill>
-              </a:rPr>
-              <a:t>커맨드</a:t>
+              <a:t>NPCCharacter</a:t>
             </a:r>
             <a:endParaRPr lang="ko-KR" altLang="en-US" sz="1600" b="1" dirty="0">
               <a:solidFill>
@@ -4250,7 +4202,7 @@
         <p:spPr>
           <a:xfrm>
             <a:off x="238138" y="508850"/>
-            <a:ext cx="8640960" cy="392415"/>
+            <a:ext cx="2893702" cy="946413"/>
           </a:xfrm>
           <a:prstGeom prst="rect">
             <a:avLst/>
@@ -4269,12 +4221,8 @@
           <a:lstStyle/>
           <a:p>
             <a:r>
-              <a:rPr lang="ko-KR" altLang="en-US" sz="1050" b="1" dirty="0" smtClean="0"/>
-              <a:t>정</a:t>
-            </a:r>
-            <a:r>
-              <a:rPr lang="ko-KR" altLang="en-US" sz="1050" b="1" dirty="0"/>
-              <a:t>의</a:t>
+              <a:rPr lang="en-US" altLang="ko-KR" sz="1050" b="1" dirty="0" smtClean="0"/>
+              <a:t>Paladin</a:t>
             </a:r>
             <a:endParaRPr lang="en-US" altLang="ko-KR" sz="1050" b="1" dirty="0" smtClean="0"/>
           </a:p>
@@ -4285,20 +4233,102 @@
             </a:pPr>
             <a:r>
               <a:rPr lang="ko-KR" altLang="en-US" sz="900" dirty="0" smtClean="0"/>
-              <a:t>파티</a:t>
-            </a:r>
-            <a:r>
-              <a:rPr lang="en-US" altLang="ko-KR" sz="900" dirty="0" smtClean="0"/>
-              <a:t>AI</a:t>
-            </a:r>
-            <a:r>
-              <a:rPr lang="ko-KR" altLang="en-US" sz="900" dirty="0" smtClean="0"/>
-              <a:t>가 하던 행동을 중단시키고 플레이어 커맨드에 따르게 한다</a:t>
-            </a:r>
-            <a:r>
-              <a:rPr lang="en-US" altLang="ko-KR" sz="900" dirty="0" smtClean="0"/>
-              <a:t>.</a:t>
-            </a:r>
+              <a:t>탱커</a:t>
+            </a:r>
+            <a:endParaRPr lang="en-US" altLang="ko-KR" sz="900" dirty="0" smtClean="0"/>
+          </a:p>
+          <a:p>
+            <a:pPr marL="171450" indent="-171450">
+              <a:buFont typeface="Wingdings" pitchFamily="2" charset="2"/>
+              <a:buChar char="§"/>
+            </a:pPr>
+            <a:r>
+              <a:rPr lang="ko-KR" altLang="en-US" sz="900" dirty="0" err="1" smtClean="0"/>
+              <a:t>스턴</a:t>
+            </a:r>
+            <a:r>
+              <a:rPr lang="en-US" altLang="ko-KR" sz="900" dirty="0" smtClean="0"/>
+              <a:t>(</a:t>
+            </a:r>
+            <a:r>
+              <a:rPr lang="ko-KR" altLang="en-US" sz="900" dirty="0" smtClean="0"/>
+              <a:t>액티브</a:t>
+            </a:r>
+            <a:r>
+              <a:rPr lang="en-US" altLang="ko-KR" sz="900" dirty="0" smtClean="0"/>
+              <a:t>)</a:t>
+            </a:r>
+          </a:p>
+          <a:p>
+            <a:pPr marL="171450" indent="-171450">
+              <a:buFont typeface="Wingdings" pitchFamily="2" charset="2"/>
+              <a:buChar char="§"/>
+            </a:pPr>
+            <a:r>
+              <a:rPr lang="ko-KR" altLang="en-US" sz="900" dirty="0" smtClean="0"/>
+              <a:t>속박</a:t>
+            </a:r>
+            <a:r>
+              <a:rPr lang="en-US" altLang="ko-KR" sz="900" dirty="0" smtClean="0"/>
+              <a:t>(</a:t>
+            </a:r>
+            <a:r>
+              <a:rPr lang="ko-KR" altLang="en-US" sz="900" dirty="0" smtClean="0"/>
+              <a:t>액티브</a:t>
+            </a:r>
+            <a:r>
+              <a:rPr lang="en-US" altLang="ko-KR" sz="900" dirty="0" smtClean="0"/>
+              <a:t>)</a:t>
+            </a:r>
+          </a:p>
+          <a:p>
+            <a:pPr marL="171450" indent="-171450">
+              <a:buFont typeface="Wingdings" pitchFamily="2" charset="2"/>
+              <a:buChar char="§"/>
+            </a:pPr>
+            <a:r>
+              <a:rPr lang="ko-KR" altLang="en-US" sz="900" dirty="0" smtClean="0"/>
+              <a:t>헌신의 오라</a:t>
+            </a:r>
+            <a:r>
+              <a:rPr lang="en-US" altLang="ko-KR" sz="900" dirty="0" smtClean="0"/>
+              <a:t>(</a:t>
+            </a:r>
+            <a:r>
+              <a:rPr lang="ko-KR" altLang="en-US" sz="900" dirty="0" err="1" smtClean="0"/>
+              <a:t>패시브</a:t>
+            </a:r>
+            <a:r>
+              <a:rPr lang="en-US" altLang="ko-KR" sz="900" dirty="0" smtClean="0"/>
+              <a:t>)(</a:t>
+            </a:r>
+            <a:r>
+              <a:rPr lang="ko-KR" altLang="en-US" sz="900" dirty="0" err="1" smtClean="0"/>
+              <a:t>반경내</a:t>
+            </a:r>
+            <a:r>
+              <a:rPr lang="ko-KR" altLang="en-US" sz="900" dirty="0" smtClean="0"/>
+              <a:t> 아군 </a:t>
+            </a:r>
+            <a:r>
+              <a:rPr lang="ko-KR" altLang="en-US" sz="900" dirty="0" err="1" smtClean="0"/>
+              <a:t>받는피해</a:t>
+            </a:r>
+            <a:r>
+              <a:rPr lang="ko-KR" altLang="en-US" sz="900" dirty="0" smtClean="0"/>
+              <a:t> 감소</a:t>
+            </a:r>
+            <a:r>
+              <a:rPr lang="en-US" altLang="ko-KR" sz="900" dirty="0" smtClean="0"/>
+              <a:t>)</a:t>
+            </a:r>
+            <a:endParaRPr lang="en-US" altLang="ko-KR" sz="900" dirty="0" smtClean="0"/>
+          </a:p>
+          <a:p>
+            <a:pPr marL="171450" indent="-171450">
+              <a:buFont typeface="Wingdings" pitchFamily="2" charset="2"/>
+              <a:buChar char="§"/>
+            </a:pPr>
             <a:endParaRPr lang="en-US" altLang="ko-KR" sz="900" dirty="0" smtClean="0"/>
           </a:p>
         </p:txBody>
@@ -4311,14 +4341,14 @@
         </p:nvSpPr>
         <p:spPr>
           <a:xfrm>
-            <a:off x="249863" y="1131590"/>
-            <a:ext cx="8640960" cy="669414"/>
+            <a:off x="3779912" y="508850"/>
+            <a:ext cx="2893702" cy="1223412"/>
           </a:xfrm>
           <a:prstGeom prst="rect">
             <a:avLst/>
           </a:prstGeom>
           <a:solidFill>
-            <a:schemeClr val="accent1">
+            <a:schemeClr val="accent6">
               <a:lumMod val="20000"/>
               <a:lumOff val="80000"/>
             </a:schemeClr>
@@ -4331,12 +4361,8 @@
           <a:lstStyle/>
           <a:p>
             <a:r>
-              <a:rPr lang="ko-KR" altLang="en-US" sz="1050" b="1" dirty="0" smtClean="0"/>
-              <a:t>종</a:t>
-            </a:r>
-            <a:r>
-              <a:rPr lang="ko-KR" altLang="en-US" sz="1050" b="1" dirty="0"/>
-              <a:t>류</a:t>
+              <a:rPr lang="en-US" altLang="ko-KR" sz="1050" b="1" dirty="0" smtClean="0"/>
+              <a:t>Thief</a:t>
             </a:r>
             <a:endParaRPr lang="en-US" altLang="ko-KR" sz="1050" b="1" dirty="0" smtClean="0"/>
           </a:p>
@@ -4347,7 +4373,22 @@
             </a:pPr>
             <a:r>
               <a:rPr lang="ko-KR" altLang="en-US" sz="900" dirty="0" smtClean="0"/>
-              <a:t>집결</a:t>
+              <a:t>근접딜러</a:t>
+            </a:r>
+            <a:endParaRPr lang="en-US" altLang="ko-KR" sz="900" dirty="0" smtClean="0"/>
+          </a:p>
+          <a:p>
+            <a:pPr marL="171450" indent="-171450">
+              <a:buFont typeface="Wingdings" pitchFamily="2" charset="2"/>
+              <a:buChar char="§"/>
+            </a:pPr>
+            <a:r>
+              <a:rPr lang="ko-KR" altLang="en-US" sz="900" dirty="0"/>
+              <a:t>맹</a:t>
+            </a:r>
+            <a:r>
+              <a:rPr lang="ko-KR" altLang="en-US" sz="900" dirty="0" smtClean="0"/>
+              <a:t>독</a:t>
             </a:r>
             <a:r>
               <a:rPr lang="en-US" altLang="ko-KR" sz="900" dirty="0" smtClean="0"/>
@@ -4355,12 +4396,447 @@
             </a:r>
             <a:r>
               <a:rPr lang="ko-KR" altLang="en-US" sz="900" dirty="0" smtClean="0"/>
-              <a:t>해당플레이어근처로 모두 모이게 한다</a:t>
+              <a:t>액티브</a:t>
+            </a:r>
+            <a:r>
+              <a:rPr lang="en-US" altLang="ko-KR" sz="900" dirty="0" smtClean="0"/>
+              <a:t>)</a:t>
+            </a:r>
+          </a:p>
+          <a:p>
+            <a:pPr marL="171450" indent="-171450">
+              <a:buFont typeface="Wingdings" pitchFamily="2" charset="2"/>
+              <a:buChar char="§"/>
+            </a:pPr>
+            <a:r>
+              <a:rPr lang="ko-KR" altLang="en-US" sz="900" dirty="0" err="1" smtClean="0"/>
+              <a:t>스턴</a:t>
+            </a:r>
+            <a:r>
+              <a:rPr lang="en-US" altLang="ko-KR" sz="900" dirty="0" smtClean="0"/>
+              <a:t>(</a:t>
+            </a:r>
+            <a:r>
+              <a:rPr lang="ko-KR" altLang="en-US" sz="900" dirty="0" smtClean="0"/>
+              <a:t>액티브</a:t>
+            </a:r>
+            <a:r>
+              <a:rPr lang="en-US" altLang="ko-KR" sz="900" dirty="0" smtClean="0"/>
+              <a:t>)</a:t>
+            </a:r>
+          </a:p>
+          <a:p>
+            <a:pPr marL="171450" indent="-171450">
+              <a:buFont typeface="Wingdings" pitchFamily="2" charset="2"/>
+              <a:buChar char="§"/>
+            </a:pPr>
+            <a:r>
+              <a:rPr lang="ko-KR" altLang="en-US" sz="900" dirty="0" err="1" smtClean="0"/>
+              <a:t>독의대가</a:t>
+            </a:r>
+            <a:r>
+              <a:rPr lang="en-US" altLang="ko-KR" sz="900" dirty="0" smtClean="0"/>
+              <a:t>(</a:t>
+            </a:r>
+            <a:r>
+              <a:rPr lang="ko-KR" altLang="en-US" sz="900" dirty="0" err="1" smtClean="0"/>
+              <a:t>패시브</a:t>
+            </a:r>
+            <a:r>
+              <a:rPr lang="en-US" altLang="ko-KR" sz="900" dirty="0" smtClean="0"/>
+              <a:t>)(</a:t>
+            </a:r>
+            <a:r>
+              <a:rPr lang="ko-KR" altLang="en-US" sz="900" dirty="0" smtClean="0"/>
+              <a:t>적 </a:t>
+            </a:r>
+            <a:r>
+              <a:rPr lang="ko-KR" altLang="en-US" sz="900" dirty="0" err="1" smtClean="0"/>
+              <a:t>중독시</a:t>
+            </a:r>
+            <a:r>
+              <a:rPr lang="ko-KR" altLang="en-US" sz="900" dirty="0" smtClean="0"/>
+              <a:t> </a:t>
+            </a:r>
+            <a:r>
+              <a:rPr lang="ko-KR" altLang="en-US" sz="900" dirty="0" err="1" smtClean="0"/>
+              <a:t>평타</a:t>
+            </a:r>
+            <a:r>
+              <a:rPr lang="ko-KR" altLang="en-US" sz="900" dirty="0" smtClean="0"/>
+              <a:t> 추가 대미지</a:t>
+            </a:r>
+            <a:r>
+              <a:rPr lang="en-US" altLang="ko-KR" sz="900" dirty="0" smtClean="0"/>
+              <a:t>)</a:t>
+            </a:r>
+          </a:p>
+          <a:p>
+            <a:pPr marL="171450" indent="-171450">
+              <a:buFont typeface="Wingdings" pitchFamily="2" charset="2"/>
+              <a:buChar char="§"/>
+            </a:pPr>
+            <a:endParaRPr lang="en-US" altLang="ko-KR" sz="900" dirty="0"/>
+          </a:p>
+          <a:p>
+            <a:pPr marL="171450" indent="-171450">
+              <a:buFont typeface="Wingdings" pitchFamily="2" charset="2"/>
+              <a:buChar char="§"/>
+            </a:pPr>
+            <a:endParaRPr lang="en-US" altLang="ko-KR" sz="900" dirty="0" smtClean="0"/>
+          </a:p>
+          <a:p>
+            <a:pPr marL="171450" indent="-171450">
+              <a:buFont typeface="Wingdings" pitchFamily="2" charset="2"/>
+              <a:buChar char="§"/>
+            </a:pPr>
+            <a:endParaRPr lang="en-US" altLang="ko-KR" sz="900" dirty="0" smtClean="0"/>
+          </a:p>
+        </p:txBody>
+      </p:sp>
+      <p:sp>
+        <p:nvSpPr>
+          <p:cNvPr id="6" name="TextBox 5"/>
+          <p:cNvSpPr txBox="1"/>
+          <p:nvPr/>
+        </p:nvSpPr>
+        <p:spPr>
+          <a:xfrm>
+            <a:off x="238138" y="1851670"/>
+            <a:ext cx="2893702" cy="1638910"/>
+          </a:xfrm>
+          <a:prstGeom prst="rect">
+            <a:avLst/>
+          </a:prstGeom>
+          <a:solidFill>
+            <a:schemeClr val="accent6">
+              <a:lumMod val="20000"/>
+              <a:lumOff val="80000"/>
+            </a:schemeClr>
+          </a:solidFill>
+        </p:spPr>
+        <p:txBody>
+          <a:bodyPr wrap="square" rtlCol="0">
+            <a:spAutoFit/>
+          </a:bodyPr>
+          <a:lstStyle/>
+          <a:p>
+            <a:r>
+              <a:rPr lang="en-US" altLang="ko-KR" sz="1050" b="1" dirty="0" smtClean="0"/>
+              <a:t>Hunter</a:t>
+            </a:r>
+            <a:endParaRPr lang="en-US" altLang="ko-KR" sz="1050" b="1" dirty="0" smtClean="0"/>
+          </a:p>
+          <a:p>
+            <a:pPr marL="171450" indent="-171450">
+              <a:buFont typeface="Wingdings" pitchFamily="2" charset="2"/>
+              <a:buChar char="§"/>
+            </a:pPr>
+            <a:r>
+              <a:rPr lang="ko-KR" altLang="en-US" sz="900" dirty="0" smtClean="0"/>
+              <a:t>원거리딜러</a:t>
+            </a:r>
+            <a:endParaRPr lang="en-US" altLang="ko-KR" sz="900" dirty="0" smtClean="0"/>
+          </a:p>
+          <a:p>
+            <a:pPr marL="171450" indent="-171450">
+              <a:buFont typeface="Wingdings" pitchFamily="2" charset="2"/>
+              <a:buChar char="§"/>
+            </a:pPr>
+            <a:r>
+              <a:rPr lang="ko-KR" altLang="en-US" sz="900" dirty="0" smtClean="0"/>
+              <a:t>독화살</a:t>
+            </a:r>
+            <a:r>
+              <a:rPr lang="en-US" altLang="ko-KR" sz="900" dirty="0" smtClean="0"/>
+              <a:t>(</a:t>
+            </a:r>
+            <a:r>
+              <a:rPr lang="ko-KR" altLang="en-US" sz="900" dirty="0" smtClean="0"/>
+              <a:t>액티브</a:t>
+            </a:r>
+            <a:r>
+              <a:rPr lang="en-US" altLang="ko-KR" sz="900" dirty="0" smtClean="0"/>
+              <a:t>)</a:t>
+            </a:r>
+          </a:p>
+          <a:p>
+            <a:pPr marL="171450" indent="-171450">
+              <a:buFont typeface="Wingdings" pitchFamily="2" charset="2"/>
+              <a:buChar char="§"/>
+            </a:pPr>
+            <a:r>
+              <a:rPr lang="ko-KR" altLang="en-US" sz="900" dirty="0" smtClean="0"/>
+              <a:t>실명화살</a:t>
+            </a:r>
+            <a:r>
+              <a:rPr lang="en-US" altLang="ko-KR" sz="900" dirty="0" smtClean="0"/>
+              <a:t>(</a:t>
+            </a:r>
+            <a:r>
+              <a:rPr lang="ko-KR" altLang="en-US" sz="900" dirty="0" smtClean="0"/>
+              <a:t>액티브</a:t>
+            </a:r>
+            <a:r>
+              <a:rPr lang="en-US" altLang="ko-KR" sz="900" dirty="0" smtClean="0"/>
+              <a:t>)</a:t>
+            </a:r>
+          </a:p>
+          <a:p>
+            <a:pPr marL="171450" indent="-171450">
+              <a:buFont typeface="Wingdings" pitchFamily="2" charset="2"/>
+              <a:buChar char="§"/>
+            </a:pPr>
+            <a:r>
+              <a:rPr lang="ko-KR" altLang="en-US" sz="900" dirty="0" err="1" smtClean="0"/>
+              <a:t>죽은척</a:t>
+            </a:r>
+            <a:r>
+              <a:rPr lang="en-US" altLang="ko-KR" sz="900" dirty="0" smtClean="0"/>
+              <a:t>(</a:t>
+            </a:r>
+            <a:r>
+              <a:rPr lang="ko-KR" altLang="en-US" sz="900" dirty="0" err="1" smtClean="0"/>
+              <a:t>패시브</a:t>
+            </a:r>
+            <a:r>
+              <a:rPr lang="en-US" altLang="ko-KR" sz="900" dirty="0" smtClean="0"/>
+              <a:t>)(</a:t>
+            </a:r>
+            <a:r>
+              <a:rPr lang="ko-KR" altLang="en-US" sz="900" dirty="0" smtClean="0"/>
+              <a:t>죽음에 이르는 </a:t>
+            </a:r>
+            <a:r>
+              <a:rPr lang="ko-KR" altLang="en-US" sz="900" dirty="0" err="1" smtClean="0"/>
+              <a:t>데미지</a:t>
+            </a:r>
+            <a:r>
+              <a:rPr lang="ko-KR" altLang="en-US" sz="900" dirty="0" smtClean="0"/>
+              <a:t> </a:t>
+            </a:r>
+            <a:r>
+              <a:rPr lang="ko-KR" altLang="en-US" sz="900" dirty="0" err="1" smtClean="0"/>
+              <a:t>받았을시</a:t>
+            </a:r>
+            <a:r>
+              <a:rPr lang="ko-KR" altLang="en-US" sz="900" dirty="0" smtClean="0"/>
+              <a:t> </a:t>
+            </a:r>
+            <a:r>
+              <a:rPr lang="en-US" altLang="ko-KR" sz="900" dirty="0" smtClean="0"/>
+              <a:t>hp1</a:t>
+            </a:r>
+            <a:r>
+              <a:rPr lang="ko-KR" altLang="en-US" sz="900" dirty="0" smtClean="0"/>
+              <a:t>로 생존</a:t>
             </a:r>
             <a:r>
               <a:rPr lang="en-US" altLang="ko-KR" sz="900" dirty="0"/>
+              <a:t> </a:t>
+            </a:r>
+            <a:r>
+              <a:rPr lang="ko-KR" altLang="en-US" sz="900" dirty="0" smtClean="0"/>
+              <a:t>및 </a:t>
+            </a:r>
+            <a:r>
+              <a:rPr lang="en-US" altLang="ko-KR" sz="900" dirty="0" smtClean="0"/>
+              <a:t>3</a:t>
+            </a:r>
+            <a:r>
+              <a:rPr lang="ko-KR" altLang="en-US" sz="900" dirty="0" smtClean="0"/>
+              <a:t>초간 무적상태로 기절</a:t>
+            </a:r>
+            <a:r>
+              <a:rPr lang="en-US" altLang="ko-KR" sz="900" dirty="0" smtClean="0"/>
+              <a:t>, </a:t>
+            </a:r>
+            <a:r>
+              <a:rPr lang="ko-KR" altLang="en-US" sz="900" dirty="0" err="1" smtClean="0"/>
+              <a:t>보스타겟팅</a:t>
+            </a:r>
+            <a:r>
+              <a:rPr lang="en-US" altLang="ko-KR" sz="900" dirty="0" smtClean="0"/>
+              <a:t>X)</a:t>
+            </a:r>
+          </a:p>
+          <a:p>
+            <a:pPr marL="171450" indent="-171450">
+              <a:buFont typeface="Wingdings" pitchFamily="2" charset="2"/>
+              <a:buChar char="§"/>
+            </a:pPr>
+            <a:endParaRPr lang="en-US" altLang="ko-KR" sz="900" dirty="0" smtClean="0"/>
+          </a:p>
+          <a:p>
+            <a:pPr marL="171450" indent="-171450">
+              <a:buFont typeface="Wingdings" pitchFamily="2" charset="2"/>
+              <a:buChar char="§"/>
+            </a:pPr>
+            <a:endParaRPr lang="en-US" altLang="ko-KR" sz="900" dirty="0"/>
+          </a:p>
+          <a:p>
+            <a:pPr marL="171450" indent="-171450">
+              <a:buFont typeface="Wingdings" pitchFamily="2" charset="2"/>
+              <a:buChar char="§"/>
+            </a:pPr>
+            <a:endParaRPr lang="en-US" altLang="ko-KR" sz="900" dirty="0" smtClean="0"/>
+          </a:p>
+          <a:p>
+            <a:pPr marL="171450" indent="-171450">
+              <a:buFont typeface="Wingdings" pitchFamily="2" charset="2"/>
+              <a:buChar char="§"/>
+            </a:pPr>
+            <a:endParaRPr lang="en-US" altLang="ko-KR" sz="900" dirty="0" smtClean="0"/>
+          </a:p>
+        </p:txBody>
+      </p:sp>
+      <p:sp>
+        <p:nvSpPr>
+          <p:cNvPr id="7" name="TextBox 6"/>
+          <p:cNvSpPr txBox="1"/>
+          <p:nvPr/>
+        </p:nvSpPr>
+        <p:spPr>
+          <a:xfrm>
+            <a:off x="3779912" y="1852551"/>
+            <a:ext cx="2893702" cy="1777410"/>
+          </a:xfrm>
+          <a:prstGeom prst="rect">
+            <a:avLst/>
+          </a:prstGeom>
+          <a:solidFill>
+            <a:schemeClr val="accent6">
+              <a:lumMod val="20000"/>
+              <a:lumOff val="80000"/>
+            </a:schemeClr>
+          </a:solidFill>
+        </p:spPr>
+        <p:txBody>
+          <a:bodyPr wrap="square" rtlCol="0">
+            <a:spAutoFit/>
+          </a:bodyPr>
+          <a:lstStyle/>
+          <a:p>
+            <a:r>
+              <a:rPr lang="en-US" altLang="ko-KR" sz="1050" b="1" dirty="0" smtClean="0"/>
+              <a:t>Wizard</a:t>
+            </a:r>
+            <a:endParaRPr lang="en-US" altLang="ko-KR" sz="1050" b="1" dirty="0" smtClean="0"/>
+          </a:p>
+          <a:p>
+            <a:pPr marL="171450" indent="-171450">
+              <a:buFont typeface="Wingdings" pitchFamily="2" charset="2"/>
+              <a:buChar char="§"/>
+            </a:pPr>
+            <a:r>
+              <a:rPr lang="ko-KR" altLang="en-US" sz="900" dirty="0" smtClean="0"/>
+              <a:t>원거리딜러</a:t>
+            </a:r>
+            <a:endParaRPr lang="en-US" altLang="ko-KR" sz="900" dirty="0" smtClean="0"/>
+          </a:p>
+          <a:p>
+            <a:pPr marL="171450" indent="-171450">
+              <a:buFont typeface="Wingdings" pitchFamily="2" charset="2"/>
+              <a:buChar char="§"/>
+            </a:pPr>
+            <a:r>
+              <a:rPr lang="ko-KR" altLang="en-US" sz="900" dirty="0" err="1" smtClean="0"/>
+              <a:t>슬로우</a:t>
+            </a:r>
+            <a:r>
+              <a:rPr lang="en-US" altLang="ko-KR" sz="900" dirty="0" smtClean="0"/>
+              <a:t>(</a:t>
+            </a:r>
+            <a:r>
+              <a:rPr lang="ko-KR" altLang="en-US" sz="900" dirty="0" smtClean="0"/>
+              <a:t>액티브</a:t>
+            </a:r>
+            <a:r>
+              <a:rPr lang="en-US" altLang="ko-KR" sz="900" dirty="0" smtClean="0"/>
               <a:t>)</a:t>
             </a:r>
+          </a:p>
+          <a:p>
+            <a:pPr marL="171450" indent="-171450">
+              <a:buFont typeface="Wingdings" pitchFamily="2" charset="2"/>
+              <a:buChar char="§"/>
+            </a:pPr>
+            <a:r>
+              <a:rPr lang="ko-KR" altLang="en-US" sz="900" dirty="0" smtClean="0"/>
+              <a:t>시간왜곡</a:t>
+            </a:r>
+            <a:r>
+              <a:rPr lang="en-US" altLang="ko-KR" sz="900" dirty="0" smtClean="0"/>
+              <a:t>(</a:t>
+            </a:r>
+            <a:r>
+              <a:rPr lang="ko-KR" altLang="en-US" sz="900" dirty="0" smtClean="0"/>
+              <a:t>액티브</a:t>
+            </a:r>
+            <a:r>
+              <a:rPr lang="en-US" altLang="ko-KR" sz="900" dirty="0" smtClean="0"/>
+              <a:t>)(</a:t>
+            </a:r>
+            <a:r>
+              <a:rPr lang="ko-KR" altLang="en-US" sz="900" dirty="0" err="1" smtClean="0"/>
+              <a:t>파티원들의</a:t>
+            </a:r>
+            <a:r>
+              <a:rPr lang="ko-KR" altLang="en-US" sz="900" dirty="0" smtClean="0"/>
+              <a:t> 공격력 향상</a:t>
+            </a:r>
+            <a:r>
+              <a:rPr lang="en-US" altLang="ko-KR" sz="900" dirty="0" smtClean="0"/>
+              <a:t>)</a:t>
+            </a:r>
+          </a:p>
+          <a:p>
+            <a:pPr marL="171450" indent="-171450">
+              <a:buFont typeface="Wingdings" pitchFamily="2" charset="2"/>
+              <a:buChar char="§"/>
+            </a:pPr>
+            <a:r>
+              <a:rPr lang="ko-KR" altLang="en-US" sz="900" dirty="0" err="1" smtClean="0"/>
+              <a:t>마나폭발</a:t>
+            </a:r>
+            <a:r>
+              <a:rPr lang="en-US" altLang="ko-KR" sz="900" dirty="0" smtClean="0"/>
+              <a:t>(</a:t>
+            </a:r>
+            <a:r>
+              <a:rPr lang="ko-KR" altLang="en-US" sz="900" dirty="0" smtClean="0"/>
+              <a:t>일정확률로 </a:t>
+            </a:r>
+            <a:r>
+              <a:rPr lang="ko-KR" altLang="en-US" sz="900" dirty="0" err="1" smtClean="0"/>
+              <a:t>평타</a:t>
+            </a:r>
+            <a:r>
+              <a:rPr lang="ko-KR" altLang="en-US" sz="900" dirty="0" smtClean="0"/>
+              <a:t> 연속 </a:t>
+            </a:r>
+            <a:r>
+              <a:rPr lang="en-US" altLang="ko-KR" sz="900" dirty="0" smtClean="0"/>
+              <a:t>2</a:t>
+            </a:r>
+            <a:r>
+              <a:rPr lang="ko-KR" altLang="en-US" sz="900" dirty="0" smtClean="0"/>
+              <a:t>회 </a:t>
+            </a:r>
+            <a:r>
+              <a:rPr lang="ko-KR" altLang="en-US" sz="900" dirty="0" err="1" smtClean="0"/>
+              <a:t>시전</a:t>
+            </a:r>
+            <a:r>
+              <a:rPr lang="en-US" altLang="ko-KR" sz="900" dirty="0" smtClean="0"/>
+              <a:t>)</a:t>
+            </a:r>
+          </a:p>
+          <a:p>
+            <a:pPr marL="171450" indent="-171450">
+              <a:buFont typeface="Wingdings" pitchFamily="2" charset="2"/>
+              <a:buChar char="§"/>
+            </a:pPr>
             <a:endParaRPr lang="en-US" altLang="ko-KR" sz="900" dirty="0" smtClean="0"/>
           </a:p>
           <a:p>
@@ -4368,52 +4844,41 @@
               <a:buFont typeface="Wingdings" pitchFamily="2" charset="2"/>
               <a:buChar char="§"/>
             </a:pPr>
-            <a:r>
-              <a:rPr lang="ko-KR" altLang="en-US" sz="900" dirty="0" smtClean="0"/>
-              <a:t>산개</a:t>
-            </a:r>
-            <a:r>
-              <a:rPr lang="en-US" altLang="ko-KR" sz="900" dirty="0" smtClean="0"/>
-              <a:t>(</a:t>
-            </a:r>
-            <a:r>
-              <a:rPr lang="ko-KR" altLang="en-US" sz="900" dirty="0" smtClean="0"/>
-              <a:t>각각 현재 위치에서 보스 반대방향으로 이동</a:t>
-            </a:r>
-            <a:r>
-              <a:rPr lang="en-US" altLang="ko-KR" sz="900" dirty="0" smtClean="0"/>
-              <a:t>)</a:t>
-            </a:r>
-          </a:p>
-          <a:p>
-            <a:pPr marL="171450" indent="-171450">
-              <a:buFont typeface="Wingdings" pitchFamily="2" charset="2"/>
-              <a:buChar char="§"/>
-            </a:pPr>
-            <a:r>
-              <a:rPr lang="ko-KR" altLang="en-US" sz="900" dirty="0" smtClean="0"/>
-              <a:t>자동</a:t>
-            </a:r>
-            <a:r>
-              <a:rPr lang="en-US" altLang="ko-KR" sz="900" dirty="0" smtClean="0"/>
-              <a:t>(</a:t>
-            </a:r>
-            <a:r>
-              <a:rPr lang="ko-KR" altLang="en-US" sz="900" dirty="0" smtClean="0"/>
-              <a:t>커맨드를 멈추고 </a:t>
-            </a:r>
-            <a:r>
-              <a:rPr lang="en-US" altLang="ko-KR" sz="900" dirty="0" smtClean="0"/>
-              <a:t>AI</a:t>
-            </a:r>
-            <a:r>
-              <a:rPr lang="ko-KR" altLang="en-US" sz="900" dirty="0" smtClean="0"/>
-              <a:t>를 원상복구</a:t>
-            </a:r>
-            <a:r>
-              <a:rPr lang="en-US" altLang="ko-KR" sz="900" dirty="0" smtClean="0"/>
-              <a:t>)</a:t>
-            </a:r>
+            <a:endParaRPr lang="en-US" altLang="ko-KR" sz="900" dirty="0" smtClean="0"/>
+          </a:p>
+          <a:p>
+            <a:pPr marL="171450" indent="-171450">
+              <a:buFont typeface="Wingdings" pitchFamily="2" charset="2"/>
+              <a:buChar char="§"/>
+            </a:pPr>
+            <a:endParaRPr lang="en-US" altLang="ko-KR" sz="900" dirty="0" smtClean="0"/>
+          </a:p>
+          <a:p>
+            <a:pPr marL="171450" indent="-171450">
+              <a:buFont typeface="Wingdings" pitchFamily="2" charset="2"/>
+              <a:buChar char="§"/>
+            </a:pPr>
+            <a:endParaRPr lang="en-US" altLang="ko-KR" sz="900" dirty="0" smtClean="0"/>
+          </a:p>
+          <a:p>
+            <a:pPr marL="171450" indent="-171450">
+              <a:buFont typeface="Wingdings" pitchFamily="2" charset="2"/>
+              <a:buChar char="§"/>
+            </a:pPr>
+            <a:endParaRPr lang="en-US" altLang="ko-KR" sz="900" dirty="0"/>
+          </a:p>
+          <a:p>
+            <a:pPr marL="171450" indent="-171450">
+              <a:buFont typeface="Wingdings" pitchFamily="2" charset="2"/>
+              <a:buChar char="§"/>
+            </a:pPr>
+            <a:endParaRPr lang="en-US" altLang="ko-KR" sz="900" dirty="0" smtClean="0"/>
+          </a:p>
+          <a:p>
+            <a:pPr marL="171450" indent="-171450">
+              <a:buFont typeface="Wingdings" pitchFamily="2" charset="2"/>
+              <a:buChar char="§"/>
+            </a:pPr>
             <a:endParaRPr lang="en-US" altLang="ko-KR" sz="900" dirty="0" smtClean="0"/>
           </a:p>
         </p:txBody>
@@ -4421,7 +4886,7 @@
     </p:spTree>
     <p:extLst>
       <p:ext uri="{BB962C8B-B14F-4D97-AF65-F5344CB8AC3E}">
-        <p14:creationId xmlns:p14="http://schemas.microsoft.com/office/powerpoint/2010/main" val="2434845231"/>
+        <p14:creationId xmlns:p14="http://schemas.microsoft.com/office/powerpoint/2010/main" val="3663404868"/>
       </p:ext>
     </p:extLst>
   </p:cSld>
@@ -4463,7 +4928,7 @@
         </p:nvSpPr>
         <p:spPr>
           <a:xfrm>
-            <a:off x="-15038" y="6993"/>
+            <a:off x="-15039" y="6993"/>
             <a:ext cx="9147313" cy="339502"/>
           </a:xfrm>
           <a:prstGeom prst="rect">
@@ -4532,15 +4997,15 @@
                   <a:schemeClr val="bg1"/>
                 </a:solidFill>
               </a:rPr>
-              <a:t>스킬 </a:t>
-            </a:r>
-            <a:r>
-              <a:rPr lang="ko-KR" altLang="en-US" sz="1600" b="1" dirty="0" err="1" smtClean="0">
+              <a:t>파티</a:t>
+            </a:r>
+            <a:r>
+              <a:rPr lang="en-US" altLang="ko-KR" sz="1600" b="1" dirty="0">
                 <a:solidFill>
                   <a:schemeClr val="bg1"/>
                 </a:solidFill>
               </a:rPr>
-              <a:t>커스터마이징</a:t>
+              <a:t> </a:t>
             </a:r>
             <a:r>
               <a:rPr lang="ko-KR" altLang="en-US" sz="1600" b="1" dirty="0" smtClean="0">
@@ -4548,7 +5013,39 @@
                   <a:schemeClr val="bg1"/>
                 </a:solidFill>
               </a:rPr>
-              <a:t> 시스템</a:t>
+              <a:t>제어</a:t>
+            </a:r>
+            <a:r>
+              <a:rPr lang="en-US" altLang="ko-KR" sz="1600" b="1" dirty="0" smtClean="0">
+                <a:solidFill>
+                  <a:schemeClr val="bg1"/>
+                </a:solidFill>
+              </a:rPr>
+              <a:t>(</a:t>
+            </a:r>
+            <a:r>
+              <a:rPr lang="ko-KR" altLang="en-US" sz="1600" b="1" dirty="0" smtClean="0">
+                <a:solidFill>
+                  <a:schemeClr val="bg1"/>
+                </a:solidFill>
+              </a:rPr>
+              <a:t>군중제어</a:t>
+            </a:r>
+            <a:r>
+              <a:rPr lang="en-US" altLang="ko-KR" sz="1600" b="1" dirty="0" smtClean="0">
+                <a:solidFill>
+                  <a:schemeClr val="bg1"/>
+                </a:solidFill>
+              </a:rPr>
+              <a:t>) </a:t>
+            </a:r>
+            <a:r>
+              <a:rPr lang="ko-KR" altLang="en-US" sz="1600" b="1" dirty="0" smtClean="0">
+                <a:solidFill>
+                  <a:schemeClr val="bg1"/>
+                </a:solidFill>
+              </a:rPr>
+              <a:t>커맨드</a:t>
             </a:r>
             <a:endParaRPr lang="ko-KR" altLang="en-US" sz="1600" b="1" dirty="0">
               <a:solidFill>
@@ -4567,7 +5064,7 @@
         <p:spPr>
           <a:xfrm>
             <a:off x="238138" y="508850"/>
-            <a:ext cx="8640960" cy="530915"/>
+            <a:ext cx="8640960" cy="392415"/>
           </a:xfrm>
           <a:prstGeom prst="rect">
             <a:avLst/>
@@ -4587,15 +5084,72 @@
           <a:p>
             <a:r>
               <a:rPr lang="ko-KR" altLang="en-US" sz="1050" b="1" dirty="0" smtClean="0"/>
-              <a:t>한 </a:t>
-            </a:r>
-            <a:r>
-              <a:rPr lang="ko-KR" altLang="en-US" sz="1050" b="1" dirty="0" err="1" smtClean="0"/>
-              <a:t>던전당</a:t>
-            </a:r>
+              <a:t>정</a:t>
+            </a:r>
+            <a:r>
+              <a:rPr lang="ko-KR" altLang="en-US" sz="1050" b="1" dirty="0"/>
+              <a:t>의</a:t>
+            </a:r>
+            <a:endParaRPr lang="en-US" altLang="ko-KR" sz="1050" b="1" dirty="0" smtClean="0"/>
+          </a:p>
+          <a:p>
+            <a:pPr marL="171450" indent="-171450">
+              <a:buFont typeface="Wingdings" pitchFamily="2" charset="2"/>
+              <a:buChar char="§"/>
+            </a:pPr>
+            <a:r>
+              <a:rPr lang="ko-KR" altLang="en-US" sz="900" dirty="0" smtClean="0"/>
+              <a:t>파티</a:t>
+            </a:r>
+            <a:r>
+              <a:rPr lang="en-US" altLang="ko-KR" sz="900" dirty="0" smtClean="0"/>
+              <a:t>AI</a:t>
+            </a:r>
+            <a:r>
+              <a:rPr lang="ko-KR" altLang="en-US" sz="900" dirty="0" smtClean="0"/>
+              <a:t>가 하던 행동을 중단시키고 플레이어 커맨드에 따르게 한다</a:t>
+            </a:r>
+            <a:r>
+              <a:rPr lang="en-US" altLang="ko-KR" sz="900" dirty="0" smtClean="0"/>
+              <a:t>.</a:t>
+            </a:r>
+          </a:p>
+        </p:txBody>
+      </p:sp>
+      <p:sp>
+        <p:nvSpPr>
+          <p:cNvPr id="5" name="TextBox 4"/>
+          <p:cNvSpPr txBox="1"/>
+          <p:nvPr/>
+        </p:nvSpPr>
+        <p:spPr>
+          <a:xfrm>
+            <a:off x="249863" y="1131590"/>
+            <a:ext cx="8640960" cy="669414"/>
+          </a:xfrm>
+          <a:prstGeom prst="rect">
+            <a:avLst/>
+          </a:prstGeom>
+          <a:solidFill>
+            <a:schemeClr val="accent1">
+              <a:lumMod val="20000"/>
+              <a:lumOff val="80000"/>
+            </a:schemeClr>
+          </a:solidFill>
+        </p:spPr>
+        <p:txBody>
+          <a:bodyPr wrap="square" rtlCol="0">
+            <a:spAutoFit/>
+          </a:bodyPr>
+          <a:lstStyle/>
+          <a:p>
             <a:r>
               <a:rPr lang="ko-KR" altLang="en-US" sz="1050" b="1" dirty="0" smtClean="0"/>
-              <a:t> 가져 갈 수 있는 스킬 개수의 제한</a:t>
+              <a:t>종</a:t>
+            </a:r>
+            <a:r>
+              <a:rPr lang="ko-KR" altLang="en-US" sz="1050" b="1" dirty="0"/>
+              <a:t>류</a:t>
             </a:r>
             <a:endParaRPr lang="en-US" altLang="ko-KR" sz="1050" b="1" dirty="0" smtClean="0"/>
           </a:p>
@@ -4605,20 +5159,20 @@
               <a:buChar char="§"/>
             </a:pPr>
             <a:r>
-              <a:rPr lang="ko-KR" altLang="en-US" sz="900" dirty="0" err="1" smtClean="0"/>
-              <a:t>프로토타입에서는</a:t>
-            </a:r>
-            <a:r>
-              <a:rPr lang="ko-KR" altLang="en-US" sz="900" dirty="0" smtClean="0"/>
-              <a:t> </a:t>
-            </a:r>
-            <a:r>
-              <a:rPr lang="en-US" altLang="ko-KR" sz="900" dirty="0" smtClean="0"/>
-              <a:t>5</a:t>
-            </a:r>
-            <a:r>
-              <a:rPr lang="ko-KR" altLang="en-US" sz="900" dirty="0" smtClean="0"/>
-              <a:t>개로 정의</a:t>
+              <a:rPr lang="ko-KR" altLang="en-US" sz="900" dirty="0" smtClean="0"/>
+              <a:t>집결</a:t>
+            </a:r>
+            <a:r>
+              <a:rPr lang="en-US" altLang="ko-KR" sz="900" dirty="0" smtClean="0"/>
+              <a:t>(</a:t>
+            </a:r>
+            <a:r>
+              <a:rPr lang="ko-KR" altLang="en-US" sz="900" dirty="0" smtClean="0"/>
+              <a:t>해당플레이어근처로 모두 모이게 한다</a:t>
+            </a:r>
+            <a:r>
+              <a:rPr lang="en-US" altLang="ko-KR" sz="900" dirty="0"/>
+              <a:t>)</a:t>
             </a:r>
             <a:endParaRPr lang="en-US" altLang="ko-KR" sz="900" dirty="0" smtClean="0"/>
           </a:p>
@@ -4628,29 +5182,58 @@
               <a:buChar char="§"/>
             </a:pPr>
             <a:r>
-              <a:rPr lang="ko-KR" altLang="en-US" sz="900" dirty="0" err="1" smtClean="0"/>
-              <a:t>던전에</a:t>
-            </a:r>
-            <a:r>
-              <a:rPr lang="ko-KR" altLang="en-US" sz="900" dirty="0" smtClean="0"/>
-              <a:t> 진입하기 전에 보유스킬 중 </a:t>
-            </a:r>
-            <a:r>
-              <a:rPr lang="en-US" altLang="ko-KR" sz="900" dirty="0" smtClean="0"/>
-              <a:t>5</a:t>
-            </a:r>
-            <a:r>
-              <a:rPr lang="ko-KR" altLang="en-US" sz="900" dirty="0" smtClean="0"/>
-              <a:t>개를 고르는 형태</a:t>
-            </a:r>
-            <a:endParaRPr lang="en-US" altLang="ko-KR" sz="900" dirty="0" smtClean="0"/>
+              <a:rPr lang="ko-KR" altLang="en-US" sz="900" dirty="0" smtClean="0"/>
+              <a:t>산개</a:t>
+            </a:r>
+            <a:r>
+              <a:rPr lang="en-US" altLang="ko-KR" sz="900" dirty="0" smtClean="0"/>
+              <a:t>(</a:t>
+            </a:r>
+            <a:r>
+              <a:rPr lang="ko-KR" altLang="en-US" sz="900" dirty="0" smtClean="0"/>
+              <a:t>각각 현재 위치에서 보스 반대방향으로 이동</a:t>
+            </a:r>
+            <a:r>
+              <a:rPr lang="en-US" altLang="ko-KR" sz="900" dirty="0" smtClean="0"/>
+              <a:t>)</a:t>
+            </a:r>
+          </a:p>
+          <a:p>
+            <a:pPr marL="171450" indent="-171450">
+              <a:buFont typeface="Wingdings" pitchFamily="2" charset="2"/>
+              <a:buChar char="§"/>
+            </a:pPr>
+            <a:r>
+              <a:rPr lang="ko-KR" altLang="en-US" sz="900" dirty="0" smtClean="0"/>
+              <a:t>자동</a:t>
+            </a:r>
+            <a:r>
+              <a:rPr lang="en-US" altLang="ko-KR" sz="900" dirty="0" smtClean="0"/>
+              <a:t>(</a:t>
+            </a:r>
+            <a:r>
+              <a:rPr lang="ko-KR" altLang="en-US" sz="900" dirty="0" smtClean="0"/>
+              <a:t>커맨드를 멈추고 </a:t>
+            </a:r>
+            <a:r>
+              <a:rPr lang="en-US" altLang="ko-KR" sz="900" dirty="0" smtClean="0"/>
+              <a:t>AI</a:t>
+            </a:r>
+            <a:r>
+              <a:rPr lang="ko-KR" altLang="en-US" sz="900" dirty="0" smtClean="0"/>
+              <a:t>를 원상복구</a:t>
+            </a:r>
+            <a:r>
+              <a:rPr lang="en-US" altLang="ko-KR" sz="900" dirty="0" smtClean="0"/>
+              <a:t>)</a:t>
+            </a:r>
           </a:p>
         </p:txBody>
       </p:sp>
     </p:spTree>
     <p:extLst>
       <p:ext uri="{BB962C8B-B14F-4D97-AF65-F5344CB8AC3E}">
-        <p14:creationId xmlns:p14="http://schemas.microsoft.com/office/powerpoint/2010/main" val="2291003749"/>
+        <p14:creationId xmlns:p14="http://schemas.microsoft.com/office/powerpoint/2010/main" val="2434845231"/>
       </p:ext>
     </p:extLst>
   </p:cSld>
@@ -4756,12 +5339,20 @@
               <a:t>l </a:t>
             </a:r>
             <a:r>
+              <a:rPr lang="ko-KR" altLang="en-US" sz="1600" b="1" dirty="0" smtClean="0">
+                <a:solidFill>
+                  <a:schemeClr val="bg1"/>
+                </a:solidFill>
+              </a:rPr>
+              <a:t>스킬 </a:t>
+            </a:r>
+            <a:r>
               <a:rPr lang="ko-KR" altLang="en-US" sz="1600" b="1" dirty="0" err="1" smtClean="0">
                 <a:solidFill>
                   <a:schemeClr val="bg1"/>
                 </a:solidFill>
               </a:rPr>
-              <a:t>힐러</a:t>
+              <a:t>커스터마이징</a:t>
             </a:r>
             <a:r>
               <a:rPr lang="ko-KR" altLang="en-US" sz="1600" b="1" dirty="0" smtClean="0">
@@ -4769,7 +5360,7 @@
                   <a:schemeClr val="bg1"/>
                 </a:solidFill>
               </a:rPr>
-              <a:t> 스킬</a:t>
+              <a:t> 시스템</a:t>
             </a:r>
             <a:endParaRPr lang="ko-KR" altLang="en-US" sz="1600" b="1" dirty="0">
               <a:solidFill>
@@ -4788,7 +5379,7 @@
         <p:spPr>
           <a:xfrm>
             <a:off x="238138" y="508850"/>
-            <a:ext cx="8640960" cy="2192908"/>
+            <a:ext cx="8640960" cy="530915"/>
           </a:xfrm>
           <a:prstGeom prst="rect">
             <a:avLst/>
@@ -4808,7 +5399,15 @@
           <a:p>
             <a:r>
               <a:rPr lang="ko-KR" altLang="en-US" sz="1050" b="1" dirty="0" smtClean="0"/>
-              <a:t>스킬 정의</a:t>
+              <a:t>한 </a:t>
+            </a:r>
+            <a:r>
+              <a:rPr lang="ko-KR" altLang="en-US" sz="1050" b="1" dirty="0" err="1" smtClean="0"/>
+              <a:t>던전당</a:t>
+            </a:r>
+            <a:r>
+              <a:rPr lang="ko-KR" altLang="en-US" sz="1050" b="1" dirty="0" smtClean="0"/>
+              <a:t> 가져 갈 수 있는 스킬 개수의 제한</a:t>
             </a:r>
             <a:endParaRPr lang="en-US" altLang="ko-KR" sz="1050" b="1" dirty="0" smtClean="0"/>
           </a:p>
@@ -4818,20 +5417,20 @@
               <a:buChar char="§"/>
             </a:pPr>
             <a:r>
-              <a:rPr lang="en-US" altLang="ko-KR" sz="900" dirty="0" err="1"/>
-              <a:t>Mp</a:t>
-            </a:r>
-            <a:r>
-              <a:rPr lang="en-US" altLang="ko-KR" sz="900" dirty="0"/>
+              <a:rPr lang="ko-KR" altLang="en-US" sz="900" dirty="0" err="1" smtClean="0"/>
+              <a:t>프로토타입에서는</a:t>
+            </a:r>
+            <a:r>
+              <a:rPr lang="ko-KR" altLang="en-US" sz="900" dirty="0" smtClean="0"/>
               <a:t> </a:t>
             </a:r>
             <a:r>
               <a:rPr lang="en-US" altLang="ko-KR" sz="900" dirty="0" smtClean="0"/>
-              <a:t> : </a:t>
-            </a:r>
-            <a:r>
-              <a:rPr lang="ko-KR" altLang="en-US" sz="900" dirty="0" smtClean="0"/>
-              <a:t>마나 사용량</a:t>
+              <a:t>5</a:t>
+            </a:r>
+            <a:r>
+              <a:rPr lang="ko-KR" altLang="en-US" sz="900" dirty="0" smtClean="0"/>
+              <a:t>개로 정의</a:t>
             </a:r>
             <a:endParaRPr lang="en-US" altLang="ko-KR" sz="900" dirty="0" smtClean="0"/>
           </a:p>
@@ -4841,1138 +5440,29 @@
               <a:buChar char="§"/>
             </a:pPr>
             <a:r>
-              <a:rPr lang="en-US" altLang="ko-KR" sz="900" dirty="0" err="1" smtClean="0"/>
-              <a:t>castingTime</a:t>
-            </a:r>
-            <a:r>
-              <a:rPr lang="en-US" altLang="ko-KR" sz="900" dirty="0" smtClean="0"/>
-              <a:t> :</a:t>
-            </a:r>
-            <a:r>
-              <a:rPr lang="ko-KR" altLang="en-US" sz="900" dirty="0" smtClean="0"/>
-              <a:t> 즉시 </a:t>
-            </a:r>
-            <a:r>
               <a:rPr lang="ko-KR" altLang="en-US" sz="900" dirty="0" err="1" smtClean="0"/>
-              <a:t>시전</a:t>
-            </a:r>
-            <a:r>
-              <a:rPr lang="en-US" altLang="ko-KR" sz="900" dirty="0" smtClean="0"/>
-              <a:t>(</a:t>
-            </a:r>
-            <a:r>
-              <a:rPr lang="en-US" altLang="ko-KR" sz="900" dirty="0" err="1" smtClean="0"/>
-              <a:t>castingTime</a:t>
-            </a:r>
-            <a:r>
-              <a:rPr lang="en-US" altLang="ko-KR" sz="900" dirty="0" smtClean="0"/>
-              <a:t> == 0) or </a:t>
-            </a:r>
-            <a:r>
-              <a:rPr lang="ko-KR" altLang="en-US" sz="900" dirty="0" smtClean="0"/>
-              <a:t>캐스팅 </a:t>
-            </a:r>
-            <a:r>
-              <a:rPr lang="ko-KR" altLang="en-US" sz="900" dirty="0" err="1" smtClean="0"/>
-              <a:t>시전</a:t>
-            </a:r>
-            <a:r>
-              <a:rPr lang="en-US" altLang="ko-KR" sz="900" dirty="0" smtClean="0"/>
-              <a:t>(</a:t>
-            </a:r>
-            <a:r>
-              <a:rPr lang="en-US" altLang="ko-KR" sz="900" dirty="0" err="1" smtClean="0"/>
-              <a:t>castingTime</a:t>
-            </a:r>
-            <a:r>
-              <a:rPr lang="en-US" altLang="ko-KR" sz="900" dirty="0" smtClean="0"/>
-              <a:t> &gt; 0)</a:t>
-            </a:r>
-          </a:p>
-          <a:p>
-            <a:pPr marL="171450" indent="-171450">
-              <a:buFont typeface="Wingdings" pitchFamily="2" charset="2"/>
-              <a:buChar char="§"/>
-            </a:pPr>
-            <a:r>
-              <a:rPr lang="en-US" altLang="ko-KR" sz="900" dirty="0" err="1"/>
-              <a:t>CoolTime</a:t>
+              <a:t>던전에</a:t>
+            </a:r>
+            <a:r>
+              <a:rPr lang="ko-KR" altLang="en-US" sz="900" dirty="0" smtClean="0"/>
+              <a:t> 진입하기 전에 보유스킬 중 </a:t>
+            </a:r>
+            <a:r>
+              <a:rPr lang="en-US" altLang="ko-KR" sz="900" dirty="0" smtClean="0"/>
+              <a:t>5</a:t>
+            </a:r>
+            <a:r>
+              <a:rPr lang="ko-KR" altLang="en-US" sz="900" dirty="0" smtClean="0"/>
+              <a:t>개를 고르는 형태</a:t>
             </a:r>
             <a:endParaRPr lang="en-US" altLang="ko-KR" sz="900" dirty="0" smtClean="0"/>
-          </a:p>
-          <a:p>
-            <a:pPr marL="171450" indent="-171450">
-              <a:buFont typeface="Wingdings" pitchFamily="2" charset="2"/>
-              <a:buChar char="§"/>
-            </a:pPr>
-            <a:r>
-              <a:rPr lang="en-US" altLang="ko-KR" sz="900" dirty="0" err="1"/>
-              <a:t>SkillDistance</a:t>
-            </a:r>
-            <a:r>
-              <a:rPr lang="en-US" altLang="ko-KR" sz="900" dirty="0"/>
-              <a:t> </a:t>
-            </a:r>
-            <a:r>
-              <a:rPr lang="en-US" altLang="ko-KR" sz="900" dirty="0" smtClean="0"/>
-              <a:t>: </a:t>
-            </a:r>
-            <a:r>
-              <a:rPr lang="ko-KR" altLang="en-US" sz="900" dirty="0" err="1" smtClean="0"/>
-              <a:t>시전가능거리</a:t>
-            </a:r>
-            <a:endParaRPr lang="en-US" altLang="ko-KR" sz="900" dirty="0" smtClean="0"/>
-          </a:p>
-          <a:p>
-            <a:pPr marL="171450" indent="-171450">
-              <a:buFont typeface="Wingdings" pitchFamily="2" charset="2"/>
-              <a:buChar char="§"/>
-            </a:pPr>
-            <a:r>
-              <a:rPr lang="en-US" altLang="ko-KR" sz="900" dirty="0" err="1"/>
-              <a:t>HealValue</a:t>
-            </a:r>
-            <a:r>
-              <a:rPr lang="en-US" altLang="ko-KR" sz="900" dirty="0"/>
-              <a:t> </a:t>
-            </a:r>
-            <a:r>
-              <a:rPr lang="en-US" altLang="ko-KR" sz="900" dirty="0" smtClean="0"/>
-              <a:t>: </a:t>
-            </a:r>
-            <a:r>
-              <a:rPr lang="en-US" altLang="ko-KR" sz="900" dirty="0" err="1" smtClean="0"/>
-              <a:t>Hp</a:t>
-            </a:r>
-            <a:r>
-              <a:rPr lang="ko-KR" altLang="en-US" sz="900" dirty="0" err="1" smtClean="0"/>
-              <a:t>회복량</a:t>
-            </a:r>
-            <a:endParaRPr lang="en-US" altLang="ko-KR" sz="900" dirty="0"/>
-          </a:p>
-          <a:p>
-            <a:pPr marL="171450" indent="-171450">
-              <a:buFont typeface="Wingdings" pitchFamily="2" charset="2"/>
-              <a:buChar char="§"/>
-            </a:pPr>
-            <a:r>
-              <a:rPr lang="en-US" altLang="ko-KR" sz="900" dirty="0"/>
-              <a:t>Range </a:t>
-            </a:r>
-            <a:r>
-              <a:rPr lang="en-US" altLang="ko-KR" sz="900" dirty="0" smtClean="0"/>
-              <a:t> : </a:t>
-            </a:r>
-            <a:r>
-              <a:rPr lang="ko-KR" altLang="en-US" sz="900" dirty="0" smtClean="0"/>
-              <a:t>범위 값</a:t>
-            </a:r>
-            <a:endParaRPr lang="en-US" altLang="ko-KR" sz="900" dirty="0" smtClean="0"/>
-          </a:p>
-          <a:p>
-            <a:pPr marL="171450" indent="-171450">
-              <a:buFont typeface="Wingdings" pitchFamily="2" charset="2"/>
-              <a:buChar char="§"/>
-            </a:pPr>
-            <a:r>
-              <a:rPr lang="en-US" altLang="ko-KR" sz="900" dirty="0" err="1"/>
-              <a:t>RemainTime</a:t>
-            </a:r>
-            <a:r>
-              <a:rPr lang="en-US" altLang="ko-KR" sz="900" dirty="0"/>
-              <a:t> </a:t>
-            </a:r>
-            <a:r>
-              <a:rPr lang="en-US" altLang="ko-KR" sz="900" dirty="0" smtClean="0"/>
-              <a:t>: </a:t>
-            </a:r>
-            <a:r>
-              <a:rPr lang="ko-KR" altLang="en-US" sz="900" dirty="0" smtClean="0"/>
-              <a:t>지속시간 값</a:t>
-            </a:r>
-            <a:endParaRPr lang="en-US" altLang="ko-KR" sz="900" dirty="0" smtClean="0"/>
-          </a:p>
-          <a:p>
-            <a:pPr marL="171450" indent="-171450">
-              <a:buFont typeface="Wingdings" pitchFamily="2" charset="2"/>
-              <a:buChar char="§"/>
-            </a:pPr>
-            <a:r>
-              <a:rPr lang="en-US" altLang="ko-KR" sz="900" dirty="0" err="1" smtClean="0"/>
-              <a:t>ExValue</a:t>
-            </a:r>
-            <a:r>
-              <a:rPr lang="en-US" altLang="ko-KR" sz="900" dirty="0" smtClean="0"/>
-              <a:t> : </a:t>
-            </a:r>
-            <a:r>
-              <a:rPr lang="ko-KR" altLang="en-US" sz="900" dirty="0" err="1" smtClean="0"/>
-              <a:t>도트힐</a:t>
-            </a:r>
-            <a:r>
-              <a:rPr lang="en-US" altLang="ko-KR" sz="900" dirty="0" smtClean="0"/>
-              <a:t>, </a:t>
-            </a:r>
-            <a:r>
-              <a:rPr lang="ko-KR" altLang="en-US" sz="900" dirty="0" err="1" smtClean="0"/>
-              <a:t>쉴드등을</a:t>
-            </a:r>
-            <a:r>
-              <a:rPr lang="ko-KR" altLang="en-US" sz="900" dirty="0" smtClean="0"/>
-              <a:t> 위한 </a:t>
-            </a:r>
-            <a:r>
-              <a:rPr lang="ko-KR" altLang="en-US" sz="900" dirty="0" err="1" smtClean="0"/>
-              <a:t>예비값</a:t>
-            </a:r>
-            <a:endParaRPr lang="en-US" altLang="ko-KR" sz="900" dirty="0" smtClean="0"/>
-          </a:p>
-          <a:p>
-            <a:pPr marL="171450" indent="-171450">
-              <a:buFont typeface="Wingdings" pitchFamily="2" charset="2"/>
-              <a:buChar char="§"/>
-            </a:pPr>
-            <a:r>
-              <a:rPr lang="en-US" altLang="ko-KR" sz="900" dirty="0"/>
-              <a:t>System </a:t>
-            </a:r>
-            <a:r>
-              <a:rPr lang="en-US" altLang="ko-KR" sz="900" dirty="0" smtClean="0"/>
-              <a:t>: </a:t>
-            </a:r>
-            <a:r>
-              <a:rPr lang="ko-KR" altLang="en-US" sz="900" dirty="0" err="1" smtClean="0"/>
-              <a:t>타겟</a:t>
-            </a:r>
-            <a:r>
-              <a:rPr lang="ko-KR" altLang="en-US" sz="900" dirty="0" smtClean="0"/>
-              <a:t> </a:t>
-            </a:r>
-            <a:r>
-              <a:rPr lang="en-US" altLang="ko-KR" sz="900" dirty="0" smtClean="0"/>
-              <a:t>or </a:t>
-            </a:r>
-            <a:r>
-              <a:rPr lang="ko-KR" altLang="en-US" sz="900" dirty="0" err="1" smtClean="0"/>
-              <a:t>논타겟</a:t>
-            </a:r>
-            <a:endParaRPr lang="en-US" altLang="ko-KR" sz="900" dirty="0" smtClean="0"/>
-          </a:p>
-          <a:p>
-            <a:pPr marL="171450" indent="-171450">
-              <a:buFont typeface="Wingdings" pitchFamily="2" charset="2"/>
-              <a:buChar char="§"/>
-            </a:pPr>
-            <a:r>
-              <a:rPr lang="en-US" altLang="ko-KR" sz="900" dirty="0"/>
-              <a:t>Type </a:t>
-            </a:r>
-            <a:r>
-              <a:rPr lang="en-US" altLang="ko-KR" sz="900" dirty="0" smtClean="0"/>
-              <a:t> : </a:t>
-            </a:r>
-            <a:r>
-              <a:rPr lang="ko-KR" altLang="en-US" sz="900" dirty="0" smtClean="0"/>
-              <a:t>속성</a:t>
-            </a:r>
-            <a:r>
-              <a:rPr lang="en-US" altLang="ko-KR" sz="900" dirty="0" smtClean="0"/>
-              <a:t>(</a:t>
-            </a:r>
-            <a:r>
-              <a:rPr lang="ko-KR" altLang="en-US" sz="900" dirty="0" smtClean="0"/>
-              <a:t>직접 </a:t>
-            </a:r>
-            <a:r>
-              <a:rPr lang="ko-KR" altLang="en-US" sz="900" dirty="0" err="1" smtClean="0"/>
-              <a:t>힐</a:t>
-            </a:r>
-            <a:r>
-              <a:rPr lang="en-US" altLang="ko-KR" sz="900" dirty="0" smtClean="0"/>
-              <a:t>, </a:t>
-            </a:r>
-            <a:r>
-              <a:rPr lang="ko-KR" altLang="en-US" sz="900" dirty="0" smtClean="0"/>
-              <a:t>도트 </a:t>
-            </a:r>
-            <a:r>
-              <a:rPr lang="ko-KR" altLang="en-US" sz="900" dirty="0" err="1" smtClean="0"/>
-              <a:t>힐</a:t>
-            </a:r>
-            <a:r>
-              <a:rPr lang="en-US" altLang="ko-KR" sz="900" dirty="0" smtClean="0"/>
-              <a:t>, Shield, Buff, </a:t>
-            </a:r>
-            <a:r>
-              <a:rPr lang="en-US" altLang="ko-KR" sz="900" dirty="0" err="1" smtClean="0"/>
-              <a:t>Debuff</a:t>
-            </a:r>
-            <a:r>
-              <a:rPr lang="en-US" altLang="ko-KR" sz="900" dirty="0"/>
-              <a:t>, </a:t>
-            </a:r>
-            <a:r>
-              <a:rPr lang="en-US" altLang="ko-KR" sz="900" dirty="0" smtClean="0"/>
-              <a:t>Special)</a:t>
-            </a:r>
-          </a:p>
-          <a:p>
-            <a:pPr marL="171450" indent="-171450">
-              <a:buFont typeface="Wingdings" pitchFamily="2" charset="2"/>
-              <a:buChar char="§"/>
-            </a:pPr>
-            <a:r>
-              <a:rPr lang="en-US" altLang="ko-KR" sz="900" dirty="0" smtClean="0"/>
-              <a:t>Buff : </a:t>
-            </a:r>
-            <a:r>
-              <a:rPr lang="ko-KR" altLang="en-US" sz="900" dirty="0" smtClean="0"/>
-              <a:t>방어력 증가</a:t>
-            </a:r>
-            <a:r>
-              <a:rPr lang="en-US" altLang="ko-KR" sz="900" dirty="0" smtClean="0"/>
-              <a:t>, </a:t>
-            </a:r>
-            <a:r>
-              <a:rPr lang="ko-KR" altLang="en-US" sz="900" dirty="0" smtClean="0"/>
-              <a:t>공격력증가</a:t>
-            </a:r>
-            <a:r>
-              <a:rPr lang="en-US" altLang="ko-KR" sz="900" dirty="0"/>
-              <a:t> </a:t>
-            </a:r>
-            <a:r>
-              <a:rPr lang="ko-KR" altLang="en-US" sz="900" dirty="0" smtClean="0"/>
-              <a:t>등</a:t>
-            </a:r>
-            <a:endParaRPr lang="en-US" altLang="ko-KR" sz="900" dirty="0" smtClean="0"/>
-          </a:p>
-          <a:p>
-            <a:pPr marL="171450" indent="-171450">
-              <a:buFont typeface="Wingdings" pitchFamily="2" charset="2"/>
-              <a:buChar char="§"/>
-            </a:pPr>
-            <a:r>
-              <a:rPr lang="en-US" altLang="ko-KR" sz="900" dirty="0" err="1" smtClean="0"/>
-              <a:t>Debuff</a:t>
-            </a:r>
-            <a:r>
-              <a:rPr lang="en-US" altLang="ko-KR" sz="900" dirty="0" smtClean="0"/>
-              <a:t> : </a:t>
-            </a:r>
-            <a:r>
-              <a:rPr lang="ko-KR" altLang="en-US" sz="900" dirty="0" smtClean="0"/>
-              <a:t>적 방어력 감소 등</a:t>
-            </a:r>
-            <a:r>
-              <a:rPr lang="en-US" altLang="ko-KR" sz="900" dirty="0" smtClean="0"/>
-              <a:t>.</a:t>
-            </a:r>
-          </a:p>
-          <a:p>
-            <a:pPr marL="171450" indent="-171450">
-              <a:buFont typeface="Wingdings" pitchFamily="2" charset="2"/>
-              <a:buChar char="§"/>
-            </a:pPr>
-            <a:r>
-              <a:rPr lang="en-US" altLang="ko-KR" sz="900" dirty="0" smtClean="0"/>
-              <a:t>Special</a:t>
-            </a:r>
-            <a:r>
-              <a:rPr lang="ko-KR" altLang="en-US" sz="900" dirty="0" smtClean="0"/>
-              <a:t> </a:t>
-            </a:r>
-            <a:r>
-              <a:rPr lang="en-US" altLang="ko-KR" sz="900" dirty="0" smtClean="0"/>
-              <a:t>: </a:t>
-            </a:r>
-            <a:r>
-              <a:rPr lang="ko-KR" altLang="en-US" sz="900" dirty="0" smtClean="0"/>
-              <a:t>특수스킬</a:t>
-            </a:r>
-            <a:r>
-              <a:rPr lang="en-US" altLang="ko-KR" sz="900" dirty="0" smtClean="0"/>
-              <a:t> – ex)</a:t>
-            </a:r>
-            <a:r>
-              <a:rPr lang="ko-KR" altLang="en-US" sz="900" dirty="0" err="1" smtClean="0"/>
-              <a:t>파티원</a:t>
-            </a:r>
-            <a:r>
-              <a:rPr lang="ko-KR" altLang="en-US" sz="900" dirty="0" smtClean="0"/>
-              <a:t> </a:t>
-            </a:r>
-            <a:r>
-              <a:rPr lang="en-US" altLang="ko-KR" sz="900" dirty="0" smtClean="0"/>
-              <a:t>1</a:t>
-            </a:r>
-            <a:r>
-              <a:rPr lang="ko-KR" altLang="en-US" sz="900" dirty="0" smtClean="0"/>
-              <a:t>인을 </a:t>
-            </a:r>
-            <a:r>
-              <a:rPr lang="ko-KR" altLang="en-US" sz="900" dirty="0" err="1" smtClean="0"/>
-              <a:t>자기앞으로</a:t>
-            </a:r>
-            <a:r>
-              <a:rPr lang="ko-KR" altLang="en-US" sz="900" dirty="0" smtClean="0"/>
-              <a:t> 당겨오기</a:t>
-            </a:r>
-            <a:endParaRPr lang="en-US" altLang="ko-KR" sz="900" dirty="0" smtClean="0"/>
-          </a:p>
-          <a:p>
-            <a:pPr marL="171450" indent="-171450">
-              <a:buFont typeface="Wingdings" pitchFamily="2" charset="2"/>
-              <a:buChar char="§"/>
-            </a:pPr>
-            <a:endParaRPr lang="en-US" altLang="ko-KR" sz="900" dirty="0" smtClean="0"/>
-          </a:p>
-        </p:txBody>
-      </p:sp>
-      <p:sp>
-        <p:nvSpPr>
-          <p:cNvPr id="2" name="직사각형 1"/>
-          <p:cNvSpPr/>
-          <p:nvPr/>
-        </p:nvSpPr>
-        <p:spPr>
-          <a:xfrm>
-            <a:off x="238138" y="2787774"/>
-            <a:ext cx="936104" cy="504056"/>
-          </a:xfrm>
-          <a:prstGeom prst="rect">
-            <a:avLst/>
-          </a:prstGeom>
-        </p:spPr>
-        <p:style>
-          <a:lnRef idx="2">
-            <a:schemeClr val="accent1">
-              <a:shade val="50000"/>
-            </a:schemeClr>
-          </a:lnRef>
-          <a:fillRef idx="1">
-            <a:schemeClr val="accent1"/>
-          </a:fillRef>
-          <a:effectRef idx="0">
-            <a:schemeClr val="accent1"/>
-          </a:effectRef>
-          <a:fontRef idx="minor">
-            <a:schemeClr val="lt1"/>
-          </a:fontRef>
-        </p:style>
-        <p:txBody>
-          <a:bodyPr rtlCol="0" anchor="ctr"/>
-          <a:lstStyle/>
-          <a:p>
-            <a:pPr algn="ctr"/>
-            <a:r>
-              <a:rPr lang="ko-KR" altLang="en-US" sz="1000" dirty="0" smtClean="0"/>
-              <a:t>마나 사용량</a:t>
-            </a:r>
-            <a:endParaRPr lang="ko-KR" altLang="en-US" sz="1000" dirty="0"/>
-          </a:p>
-        </p:txBody>
-      </p:sp>
-      <p:sp>
-        <p:nvSpPr>
-          <p:cNvPr id="6" name="직사각형 5"/>
-          <p:cNvSpPr/>
-          <p:nvPr/>
-        </p:nvSpPr>
-        <p:spPr>
-          <a:xfrm>
-            <a:off x="243012" y="3935924"/>
-            <a:ext cx="936104" cy="432048"/>
-          </a:xfrm>
-          <a:prstGeom prst="rect">
-            <a:avLst/>
-          </a:prstGeom>
-        </p:spPr>
-        <p:style>
-          <a:lnRef idx="2">
-            <a:schemeClr val="accent1">
-              <a:shade val="50000"/>
-            </a:schemeClr>
-          </a:lnRef>
-          <a:fillRef idx="1">
-            <a:schemeClr val="accent1"/>
-          </a:fillRef>
-          <a:effectRef idx="0">
-            <a:schemeClr val="accent1"/>
-          </a:effectRef>
-          <a:fontRef idx="minor">
-            <a:schemeClr val="lt1"/>
-          </a:fontRef>
-        </p:style>
-        <p:txBody>
-          <a:bodyPr rtlCol="0" anchor="ctr"/>
-          <a:lstStyle/>
-          <a:p>
-            <a:pPr algn="ctr"/>
-            <a:r>
-              <a:rPr lang="ko-KR" altLang="en-US" sz="1000" dirty="0" smtClean="0"/>
-              <a:t>캐스팅 시간</a:t>
-            </a:r>
-            <a:endParaRPr lang="ko-KR" altLang="en-US" sz="1000" dirty="0"/>
-          </a:p>
-        </p:txBody>
-      </p:sp>
-      <p:sp>
-        <p:nvSpPr>
-          <p:cNvPr id="7" name="직사각형 6"/>
-          <p:cNvSpPr/>
-          <p:nvPr/>
-        </p:nvSpPr>
-        <p:spPr>
-          <a:xfrm>
-            <a:off x="243012" y="3406318"/>
-            <a:ext cx="936104" cy="432048"/>
-          </a:xfrm>
-          <a:prstGeom prst="rect">
-            <a:avLst/>
-          </a:prstGeom>
-        </p:spPr>
-        <p:style>
-          <a:lnRef idx="2">
-            <a:schemeClr val="accent1">
-              <a:shade val="50000"/>
-            </a:schemeClr>
-          </a:lnRef>
-          <a:fillRef idx="1">
-            <a:schemeClr val="accent1"/>
-          </a:fillRef>
-          <a:effectRef idx="0">
-            <a:schemeClr val="accent1"/>
-          </a:effectRef>
-          <a:fontRef idx="minor">
-            <a:schemeClr val="lt1"/>
-          </a:fontRef>
-        </p:style>
-        <p:txBody>
-          <a:bodyPr rtlCol="0" anchor="ctr"/>
-          <a:lstStyle/>
-          <a:p>
-            <a:pPr algn="ctr"/>
-            <a:r>
-              <a:rPr lang="ko-KR" altLang="en-US" sz="1000" dirty="0" err="1" smtClean="0"/>
-              <a:t>쿨타임</a:t>
-            </a:r>
-            <a:endParaRPr lang="ko-KR" altLang="en-US" sz="1000" dirty="0"/>
-          </a:p>
-        </p:txBody>
-      </p:sp>
-      <p:sp>
-        <p:nvSpPr>
-          <p:cNvPr id="8" name="직사각형 7"/>
-          <p:cNvSpPr/>
-          <p:nvPr/>
-        </p:nvSpPr>
-        <p:spPr>
-          <a:xfrm>
-            <a:off x="247886" y="4499936"/>
-            <a:ext cx="936104" cy="432048"/>
-          </a:xfrm>
-          <a:prstGeom prst="rect">
-            <a:avLst/>
-          </a:prstGeom>
-        </p:spPr>
-        <p:style>
-          <a:lnRef idx="2">
-            <a:schemeClr val="accent1">
-              <a:shade val="50000"/>
-            </a:schemeClr>
-          </a:lnRef>
-          <a:fillRef idx="1">
-            <a:schemeClr val="accent1"/>
-          </a:fillRef>
-          <a:effectRef idx="0">
-            <a:schemeClr val="accent1"/>
-          </a:effectRef>
-          <a:fontRef idx="minor">
-            <a:schemeClr val="lt1"/>
-          </a:fontRef>
-        </p:style>
-        <p:txBody>
-          <a:bodyPr rtlCol="0" anchor="ctr"/>
-          <a:lstStyle/>
-          <a:p>
-            <a:pPr algn="ctr"/>
-            <a:r>
-              <a:rPr lang="ko-KR" altLang="en-US" sz="1000" dirty="0" err="1" smtClean="0"/>
-              <a:t>시전거리</a:t>
-            </a:r>
-            <a:endParaRPr lang="ko-KR" altLang="en-US" sz="1000" dirty="0"/>
-          </a:p>
-        </p:txBody>
-      </p:sp>
-      <p:sp>
-        <p:nvSpPr>
-          <p:cNvPr id="9" name="직사각형 8"/>
-          <p:cNvSpPr/>
-          <p:nvPr/>
-        </p:nvSpPr>
-        <p:spPr>
-          <a:xfrm>
-            <a:off x="2501748" y="3291830"/>
-            <a:ext cx="936104" cy="432048"/>
-          </a:xfrm>
-          <a:prstGeom prst="rect">
-            <a:avLst/>
-          </a:prstGeom>
-          <a:solidFill>
-            <a:schemeClr val="accent6">
-              <a:lumMod val="75000"/>
-            </a:schemeClr>
-          </a:solidFill>
-        </p:spPr>
-        <p:style>
-          <a:lnRef idx="2">
-            <a:schemeClr val="accent1">
-              <a:shade val="50000"/>
-            </a:schemeClr>
-          </a:lnRef>
-          <a:fillRef idx="1">
-            <a:schemeClr val="accent1"/>
-          </a:fillRef>
-          <a:effectRef idx="0">
-            <a:schemeClr val="accent1"/>
-          </a:effectRef>
-          <a:fontRef idx="minor">
-            <a:schemeClr val="lt1"/>
-          </a:fontRef>
-        </p:style>
-        <p:txBody>
-          <a:bodyPr rtlCol="0" anchor="ctr"/>
-          <a:lstStyle/>
-          <a:p>
-            <a:pPr algn="ctr"/>
-            <a:r>
-              <a:rPr lang="ko-KR" altLang="en-US" sz="1000" smtClean="0"/>
-              <a:t>타겟</a:t>
-            </a:r>
-            <a:endParaRPr lang="ko-KR" altLang="en-US" sz="1000" dirty="0"/>
-          </a:p>
-        </p:txBody>
-      </p:sp>
-      <p:sp>
-        <p:nvSpPr>
-          <p:cNvPr id="10" name="직사각형 9"/>
-          <p:cNvSpPr/>
-          <p:nvPr/>
-        </p:nvSpPr>
-        <p:spPr>
-          <a:xfrm>
-            <a:off x="2501748" y="3935924"/>
-            <a:ext cx="936104" cy="432048"/>
-          </a:xfrm>
-          <a:prstGeom prst="rect">
-            <a:avLst/>
-          </a:prstGeom>
-          <a:solidFill>
-            <a:schemeClr val="accent3">
-              <a:lumMod val="75000"/>
-            </a:schemeClr>
-          </a:solidFill>
-        </p:spPr>
-        <p:style>
-          <a:lnRef idx="2">
-            <a:schemeClr val="accent1">
-              <a:shade val="50000"/>
-            </a:schemeClr>
-          </a:lnRef>
-          <a:fillRef idx="1">
-            <a:schemeClr val="accent1"/>
-          </a:fillRef>
-          <a:effectRef idx="0">
-            <a:schemeClr val="accent1"/>
-          </a:effectRef>
-          <a:fontRef idx="minor">
-            <a:schemeClr val="lt1"/>
-          </a:fontRef>
-        </p:style>
-        <p:txBody>
-          <a:bodyPr rtlCol="0" anchor="ctr"/>
-          <a:lstStyle/>
-          <a:p>
-            <a:pPr algn="ctr"/>
-            <a:r>
-              <a:rPr lang="ko-KR" altLang="en-US" sz="1000" dirty="0" smtClean="0"/>
-              <a:t>논 </a:t>
-            </a:r>
-            <a:r>
-              <a:rPr lang="ko-KR" altLang="en-US" sz="1000" dirty="0" err="1" smtClean="0"/>
-              <a:t>타겟</a:t>
-            </a:r>
-            <a:endParaRPr lang="ko-KR" altLang="en-US" sz="1000" dirty="0"/>
-          </a:p>
-        </p:txBody>
-      </p:sp>
-      <p:sp>
-        <p:nvSpPr>
-          <p:cNvPr id="11" name="직사각형 10"/>
-          <p:cNvSpPr/>
-          <p:nvPr/>
-        </p:nvSpPr>
-        <p:spPr>
-          <a:xfrm>
-            <a:off x="3600739" y="3607312"/>
-            <a:ext cx="936104" cy="432048"/>
-          </a:xfrm>
-          <a:prstGeom prst="rect">
-            <a:avLst/>
-          </a:prstGeom>
-          <a:solidFill>
-            <a:srgbClr val="FFC000"/>
-          </a:solidFill>
-        </p:spPr>
-        <p:style>
-          <a:lnRef idx="2">
-            <a:schemeClr val="accent1">
-              <a:shade val="50000"/>
-            </a:schemeClr>
-          </a:lnRef>
-          <a:fillRef idx="1">
-            <a:schemeClr val="accent1"/>
-          </a:fillRef>
-          <a:effectRef idx="0">
-            <a:schemeClr val="accent1"/>
-          </a:effectRef>
-          <a:fontRef idx="minor">
-            <a:schemeClr val="lt1"/>
-          </a:fontRef>
-        </p:style>
-        <p:txBody>
-          <a:bodyPr rtlCol="0" anchor="ctr"/>
-          <a:lstStyle/>
-          <a:p>
-            <a:pPr algn="ctr"/>
-            <a:r>
-              <a:rPr lang="en-US" altLang="ko-KR" sz="1000" dirty="0"/>
-              <a:t>Instant Heal</a:t>
-            </a:r>
-            <a:endParaRPr lang="ko-KR" altLang="en-US" sz="1000" dirty="0"/>
-          </a:p>
-        </p:txBody>
-      </p:sp>
-      <p:sp>
-        <p:nvSpPr>
-          <p:cNvPr id="12" name="직사각형 11"/>
-          <p:cNvSpPr/>
-          <p:nvPr/>
-        </p:nvSpPr>
-        <p:spPr>
-          <a:xfrm>
-            <a:off x="4644008" y="3604776"/>
-            <a:ext cx="936104" cy="432048"/>
-          </a:xfrm>
-          <a:prstGeom prst="rect">
-            <a:avLst/>
-          </a:prstGeom>
-          <a:solidFill>
-            <a:srgbClr val="FFC000"/>
-          </a:solidFill>
-        </p:spPr>
-        <p:style>
-          <a:lnRef idx="2">
-            <a:schemeClr val="accent1">
-              <a:shade val="50000"/>
-            </a:schemeClr>
-          </a:lnRef>
-          <a:fillRef idx="1">
-            <a:schemeClr val="accent1"/>
-          </a:fillRef>
-          <a:effectRef idx="0">
-            <a:schemeClr val="accent1"/>
-          </a:effectRef>
-          <a:fontRef idx="minor">
-            <a:schemeClr val="lt1"/>
-          </a:fontRef>
-        </p:style>
-        <p:txBody>
-          <a:bodyPr rtlCol="0" anchor="ctr"/>
-          <a:lstStyle/>
-          <a:p>
-            <a:pPr algn="ctr"/>
-            <a:r>
-              <a:rPr lang="en-US" altLang="ko-KR" sz="1000" dirty="0"/>
-              <a:t>Dot Heal</a:t>
-            </a:r>
-            <a:endParaRPr lang="ko-KR" altLang="en-US" sz="1000" dirty="0"/>
-          </a:p>
-        </p:txBody>
-      </p:sp>
-      <p:sp>
-        <p:nvSpPr>
-          <p:cNvPr id="13" name="직사각형 12"/>
-          <p:cNvSpPr/>
-          <p:nvPr/>
-        </p:nvSpPr>
-        <p:spPr>
-          <a:xfrm>
-            <a:off x="5652120" y="3604257"/>
-            <a:ext cx="936104" cy="432048"/>
-          </a:xfrm>
-          <a:prstGeom prst="rect">
-            <a:avLst/>
-          </a:prstGeom>
-          <a:solidFill>
-            <a:srgbClr val="FFC000"/>
-          </a:solidFill>
-        </p:spPr>
-        <p:style>
-          <a:lnRef idx="2">
-            <a:schemeClr val="accent1">
-              <a:shade val="50000"/>
-            </a:schemeClr>
-          </a:lnRef>
-          <a:fillRef idx="1">
-            <a:schemeClr val="accent1"/>
-          </a:fillRef>
-          <a:effectRef idx="0">
-            <a:schemeClr val="accent1"/>
-          </a:effectRef>
-          <a:fontRef idx="minor">
-            <a:schemeClr val="lt1"/>
-          </a:fontRef>
-        </p:style>
-        <p:txBody>
-          <a:bodyPr rtlCol="0" anchor="ctr"/>
-          <a:lstStyle/>
-          <a:p>
-            <a:pPr algn="ctr"/>
-            <a:r>
-              <a:rPr lang="en-US" altLang="ko-KR" sz="1000" dirty="0" smtClean="0"/>
-              <a:t>Shield</a:t>
-            </a:r>
-            <a:endParaRPr lang="ko-KR" altLang="en-US" sz="1000" dirty="0"/>
-          </a:p>
-        </p:txBody>
-      </p:sp>
-      <p:sp>
-        <p:nvSpPr>
-          <p:cNvPr id="14" name="직사각형 13"/>
-          <p:cNvSpPr/>
-          <p:nvPr/>
-        </p:nvSpPr>
-        <p:spPr>
-          <a:xfrm>
-            <a:off x="6660232" y="3604257"/>
-            <a:ext cx="936104" cy="432048"/>
-          </a:xfrm>
-          <a:prstGeom prst="rect">
-            <a:avLst/>
-          </a:prstGeom>
-          <a:solidFill>
-            <a:srgbClr val="FFC000"/>
-          </a:solidFill>
-        </p:spPr>
-        <p:style>
-          <a:lnRef idx="2">
-            <a:schemeClr val="accent1">
-              <a:shade val="50000"/>
-            </a:schemeClr>
-          </a:lnRef>
-          <a:fillRef idx="1">
-            <a:schemeClr val="accent1"/>
-          </a:fillRef>
-          <a:effectRef idx="0">
-            <a:schemeClr val="accent1"/>
-          </a:effectRef>
-          <a:fontRef idx="minor">
-            <a:schemeClr val="lt1"/>
-          </a:fontRef>
-        </p:style>
-        <p:txBody>
-          <a:bodyPr rtlCol="0" anchor="ctr"/>
-          <a:lstStyle/>
-          <a:p>
-            <a:pPr algn="ctr"/>
-            <a:r>
-              <a:rPr lang="en-US" altLang="ko-KR" sz="1000" dirty="0" smtClean="0"/>
-              <a:t>Buff</a:t>
-            </a:r>
-            <a:endParaRPr lang="ko-KR" altLang="en-US" sz="1000" dirty="0"/>
-          </a:p>
-        </p:txBody>
-      </p:sp>
-      <p:sp>
-        <p:nvSpPr>
-          <p:cNvPr id="15" name="직사각형 14"/>
-          <p:cNvSpPr/>
-          <p:nvPr/>
-        </p:nvSpPr>
-        <p:spPr>
-          <a:xfrm>
-            <a:off x="7668344" y="3604776"/>
-            <a:ext cx="936104" cy="432048"/>
-          </a:xfrm>
-          <a:prstGeom prst="rect">
-            <a:avLst/>
-          </a:prstGeom>
-          <a:solidFill>
-            <a:srgbClr val="FFC000"/>
-          </a:solidFill>
-        </p:spPr>
-        <p:style>
-          <a:lnRef idx="2">
-            <a:schemeClr val="accent1">
-              <a:shade val="50000"/>
-            </a:schemeClr>
-          </a:lnRef>
-          <a:fillRef idx="1">
-            <a:schemeClr val="accent1"/>
-          </a:fillRef>
-          <a:effectRef idx="0">
-            <a:schemeClr val="accent1"/>
-          </a:effectRef>
-          <a:fontRef idx="minor">
-            <a:schemeClr val="lt1"/>
-          </a:fontRef>
-        </p:style>
-        <p:txBody>
-          <a:bodyPr rtlCol="0" anchor="ctr"/>
-          <a:lstStyle/>
-          <a:p>
-            <a:pPr algn="ctr"/>
-            <a:r>
-              <a:rPr lang="en-US" altLang="ko-KR" sz="1000" dirty="0" err="1" smtClean="0"/>
-              <a:t>DeBuff</a:t>
-            </a:r>
-            <a:endParaRPr lang="ko-KR" altLang="en-US" sz="1000" dirty="0"/>
-          </a:p>
-        </p:txBody>
-      </p:sp>
-      <p:sp>
-        <p:nvSpPr>
-          <p:cNvPr id="16" name="직사각형 15"/>
-          <p:cNvSpPr/>
-          <p:nvPr/>
-        </p:nvSpPr>
-        <p:spPr>
-          <a:xfrm>
-            <a:off x="5436096" y="4151948"/>
-            <a:ext cx="936104" cy="432048"/>
-          </a:xfrm>
-          <a:prstGeom prst="rect">
-            <a:avLst/>
-          </a:prstGeom>
-          <a:solidFill>
-            <a:srgbClr val="FFC000"/>
-          </a:solidFill>
-        </p:spPr>
-        <p:style>
-          <a:lnRef idx="2">
-            <a:schemeClr val="accent1">
-              <a:shade val="50000"/>
-            </a:schemeClr>
-          </a:lnRef>
-          <a:fillRef idx="1">
-            <a:schemeClr val="accent1"/>
-          </a:fillRef>
-          <a:effectRef idx="0">
-            <a:schemeClr val="accent1"/>
-          </a:effectRef>
-          <a:fontRef idx="minor">
-            <a:schemeClr val="lt1"/>
-          </a:fontRef>
-        </p:style>
-        <p:txBody>
-          <a:bodyPr rtlCol="0" anchor="ctr"/>
-          <a:lstStyle/>
-          <a:p>
-            <a:pPr algn="ctr"/>
-            <a:r>
-              <a:rPr lang="en-US" altLang="ko-KR" sz="1000" dirty="0" smtClean="0"/>
-              <a:t>Special</a:t>
-            </a:r>
-            <a:endParaRPr lang="ko-KR" altLang="en-US" sz="1000" dirty="0"/>
-          </a:p>
-        </p:txBody>
-      </p:sp>
-      <p:sp>
-        <p:nvSpPr>
-          <p:cNvPr id="17" name="직사각형 16"/>
-          <p:cNvSpPr/>
-          <p:nvPr/>
-        </p:nvSpPr>
-        <p:spPr>
-          <a:xfrm>
-            <a:off x="1338598" y="2820908"/>
-            <a:ext cx="936104" cy="432048"/>
-          </a:xfrm>
-          <a:prstGeom prst="rect">
-            <a:avLst/>
-          </a:prstGeom>
-        </p:spPr>
-        <p:style>
-          <a:lnRef idx="2">
-            <a:schemeClr val="accent1">
-              <a:shade val="50000"/>
-            </a:schemeClr>
-          </a:lnRef>
-          <a:fillRef idx="1">
-            <a:schemeClr val="accent1"/>
-          </a:fillRef>
-          <a:effectRef idx="0">
-            <a:schemeClr val="accent1"/>
-          </a:effectRef>
-          <a:fontRef idx="minor">
-            <a:schemeClr val="lt1"/>
-          </a:fontRef>
-        </p:style>
-        <p:txBody>
-          <a:bodyPr rtlCol="0" anchor="ctr"/>
-          <a:lstStyle/>
-          <a:p>
-            <a:pPr algn="ctr"/>
-            <a:r>
-              <a:rPr lang="ko-KR" altLang="en-US" sz="1000" dirty="0" smtClean="0"/>
-              <a:t>범위 값</a:t>
-            </a:r>
-            <a:endParaRPr lang="ko-KR" altLang="en-US" sz="1000" dirty="0"/>
-          </a:p>
-        </p:txBody>
-      </p:sp>
-      <p:sp>
-        <p:nvSpPr>
-          <p:cNvPr id="18" name="직사각형 17"/>
-          <p:cNvSpPr/>
-          <p:nvPr/>
-        </p:nvSpPr>
-        <p:spPr>
-          <a:xfrm>
-            <a:off x="1338598" y="3350514"/>
-            <a:ext cx="936104" cy="432048"/>
-          </a:xfrm>
-          <a:prstGeom prst="rect">
-            <a:avLst/>
-          </a:prstGeom>
-        </p:spPr>
-        <p:style>
-          <a:lnRef idx="2">
-            <a:schemeClr val="accent1">
-              <a:shade val="50000"/>
-            </a:schemeClr>
-          </a:lnRef>
-          <a:fillRef idx="1">
-            <a:schemeClr val="accent1"/>
-          </a:fillRef>
-          <a:effectRef idx="0">
-            <a:schemeClr val="accent1"/>
-          </a:effectRef>
-          <a:fontRef idx="minor">
-            <a:schemeClr val="lt1"/>
-          </a:fontRef>
-        </p:style>
-        <p:txBody>
-          <a:bodyPr rtlCol="0" anchor="ctr"/>
-          <a:lstStyle/>
-          <a:p>
-            <a:pPr algn="ctr"/>
-            <a:r>
-              <a:rPr lang="ko-KR" altLang="en-US" sz="1000" dirty="0" smtClean="0"/>
-              <a:t>지속시간 값</a:t>
-            </a:r>
-            <a:endParaRPr lang="ko-KR" altLang="en-US" sz="1000" dirty="0"/>
-          </a:p>
-        </p:txBody>
-      </p:sp>
-      <p:sp>
-        <p:nvSpPr>
-          <p:cNvPr id="19" name="직사각형 18"/>
-          <p:cNvSpPr/>
-          <p:nvPr/>
-        </p:nvSpPr>
-        <p:spPr>
-          <a:xfrm>
-            <a:off x="1338598" y="3914526"/>
-            <a:ext cx="936104" cy="432048"/>
-          </a:xfrm>
-          <a:prstGeom prst="rect">
-            <a:avLst/>
-          </a:prstGeom>
-        </p:spPr>
-        <p:style>
-          <a:lnRef idx="2">
-            <a:schemeClr val="accent1">
-              <a:shade val="50000"/>
-            </a:schemeClr>
-          </a:lnRef>
-          <a:fillRef idx="1">
-            <a:schemeClr val="accent1"/>
-          </a:fillRef>
-          <a:effectRef idx="0">
-            <a:schemeClr val="accent1"/>
-          </a:effectRef>
-          <a:fontRef idx="minor">
-            <a:schemeClr val="lt1"/>
-          </a:fontRef>
-        </p:style>
-        <p:txBody>
-          <a:bodyPr rtlCol="0" anchor="ctr"/>
-          <a:lstStyle/>
-          <a:p>
-            <a:pPr algn="ctr"/>
-            <a:r>
-              <a:rPr lang="en-US" altLang="ko-KR" sz="1000" dirty="0" err="1" smtClean="0"/>
-              <a:t>Hp</a:t>
-            </a:r>
-            <a:r>
-              <a:rPr lang="ko-KR" altLang="en-US" sz="1000" dirty="0" err="1" smtClean="0"/>
-              <a:t>회복값</a:t>
-            </a:r>
-            <a:endParaRPr lang="ko-KR" altLang="en-US" sz="1000" dirty="0"/>
-          </a:p>
-        </p:txBody>
-      </p:sp>
-      <p:sp>
-        <p:nvSpPr>
-          <p:cNvPr id="20" name="직사각형 19"/>
-          <p:cNvSpPr/>
-          <p:nvPr/>
-        </p:nvSpPr>
-        <p:spPr>
-          <a:xfrm>
-            <a:off x="1338598" y="4441149"/>
-            <a:ext cx="936104" cy="504056"/>
-          </a:xfrm>
-          <a:prstGeom prst="rect">
-            <a:avLst/>
-          </a:prstGeom>
-        </p:spPr>
-        <p:style>
-          <a:lnRef idx="2">
-            <a:schemeClr val="accent1">
-              <a:shade val="50000"/>
-            </a:schemeClr>
-          </a:lnRef>
-          <a:fillRef idx="1">
-            <a:schemeClr val="accent1"/>
-          </a:fillRef>
-          <a:effectRef idx="0">
-            <a:schemeClr val="accent1"/>
-          </a:effectRef>
-          <a:fontRef idx="minor">
-            <a:schemeClr val="lt1"/>
-          </a:fontRef>
-        </p:style>
-        <p:txBody>
-          <a:bodyPr rtlCol="0" anchor="ctr"/>
-          <a:lstStyle/>
-          <a:p>
-            <a:pPr algn="ctr"/>
-            <a:r>
-              <a:rPr lang="en-US" altLang="ko-KR" sz="1000" dirty="0" err="1" smtClean="0"/>
-              <a:t>ExValue</a:t>
-            </a:r>
-            <a:endParaRPr lang="ko-KR" altLang="en-US" sz="1000" dirty="0"/>
           </a:p>
         </p:txBody>
       </p:sp>
     </p:spTree>
     <p:extLst>
       <p:ext uri="{BB962C8B-B14F-4D97-AF65-F5344CB8AC3E}">
-        <p14:creationId xmlns:p14="http://schemas.microsoft.com/office/powerpoint/2010/main" val="3225723632"/>
+        <p14:creationId xmlns:p14="http://schemas.microsoft.com/office/powerpoint/2010/main" val="2291003749"/>
       </p:ext>
     </p:extLst>
   </p:cSld>
@@ -6109,14 +5599,14 @@
         </p:nvSpPr>
         <p:spPr>
           <a:xfrm>
-            <a:off x="251520" y="2931790"/>
-            <a:ext cx="3679196" cy="1915909"/>
+            <a:off x="238138" y="508850"/>
+            <a:ext cx="8640960" cy="2192908"/>
           </a:xfrm>
           <a:prstGeom prst="rect">
             <a:avLst/>
           </a:prstGeom>
           <a:solidFill>
-            <a:schemeClr val="accent5">
+            <a:schemeClr val="accent6">
               <a:lumMod val="20000"/>
               <a:lumOff val="80000"/>
             </a:schemeClr>
@@ -6130,7 +5620,7 @@
           <a:p>
             <a:r>
               <a:rPr lang="ko-KR" altLang="en-US" sz="1050" b="1" dirty="0" smtClean="0"/>
-              <a:t>스킬 값</a:t>
+              <a:t>스킬 정의</a:t>
             </a:r>
             <a:endParaRPr lang="en-US" altLang="ko-KR" sz="1050" b="1" dirty="0" smtClean="0"/>
           </a:p>
@@ -6140,9 +5630,22 @@
               <a:buChar char="§"/>
             </a:pPr>
             <a:r>
-              <a:rPr lang="en-US" altLang="ko-KR" sz="900" dirty="0" smtClean="0"/>
-              <a:t>UID : 1</a:t>
-            </a:r>
+              <a:rPr lang="en-US" altLang="ko-KR" sz="900" dirty="0" err="1"/>
+              <a:t>Mp</a:t>
+            </a:r>
+            <a:r>
+              <a:rPr lang="en-US" altLang="ko-KR" sz="900" dirty="0"/>
+              <a:t> </a:t>
+            </a:r>
+            <a:r>
+              <a:rPr lang="en-US" altLang="ko-KR" sz="900" dirty="0" smtClean="0"/>
+              <a:t> : </a:t>
+            </a:r>
+            <a:r>
+              <a:rPr lang="ko-KR" altLang="en-US" sz="900" dirty="0" smtClean="0"/>
+              <a:t>마나 사용량</a:t>
+            </a:r>
+            <a:endParaRPr lang="en-US" altLang="ko-KR" sz="900" dirty="0" smtClean="0"/>
           </a:p>
           <a:p>
             <a:pPr marL="171450" indent="-171450">
@@ -6151,11 +5654,51 @@
             </a:pPr>
             <a:r>
               <a:rPr lang="en-US" altLang="ko-KR" sz="900" dirty="0" err="1" smtClean="0"/>
-              <a:t>Mp</a:t>
-            </a:r>
-            <a:r>
-              <a:rPr lang="en-US" altLang="ko-KR" sz="900" dirty="0" smtClean="0"/>
-              <a:t>: 20</a:t>
+              <a:t>castingTime</a:t>
+            </a:r>
+            <a:r>
+              <a:rPr lang="en-US" altLang="ko-KR" sz="900" dirty="0" smtClean="0"/>
+              <a:t> :</a:t>
+            </a:r>
+            <a:r>
+              <a:rPr lang="ko-KR" altLang="en-US" sz="900" dirty="0" smtClean="0"/>
+              <a:t> 즉시 </a:t>
+            </a:r>
+            <a:r>
+              <a:rPr lang="ko-KR" altLang="en-US" sz="900" dirty="0" err="1" smtClean="0"/>
+              <a:t>시전</a:t>
+            </a:r>
+            <a:r>
+              <a:rPr lang="en-US" altLang="ko-KR" sz="900" dirty="0" smtClean="0"/>
+              <a:t>(</a:t>
+            </a:r>
+            <a:r>
+              <a:rPr lang="en-US" altLang="ko-KR" sz="900" dirty="0" err="1" smtClean="0"/>
+              <a:t>castingTime</a:t>
+            </a:r>
+            <a:r>
+              <a:rPr lang="en-US" altLang="ko-KR" sz="900" dirty="0" smtClean="0"/>
+              <a:t> == 0) or </a:t>
+            </a:r>
+            <a:r>
+              <a:rPr lang="ko-KR" altLang="en-US" sz="900" dirty="0" smtClean="0"/>
+              <a:t>캐스팅 </a:t>
+            </a:r>
+            <a:r>
+              <a:rPr lang="ko-KR" altLang="en-US" sz="900" dirty="0" err="1" smtClean="0"/>
+              <a:t>시전</a:t>
+            </a:r>
+            <a:r>
+              <a:rPr lang="en-US" altLang="ko-KR" sz="900" dirty="0" smtClean="0"/>
+              <a:t>(</a:t>
+            </a:r>
+            <a:r>
+              <a:rPr lang="en-US" altLang="ko-KR" sz="900" dirty="0" err="1" smtClean="0"/>
+              <a:t>castingTime</a:t>
+            </a:r>
+            <a:r>
+              <a:rPr lang="en-US" altLang="ko-KR" sz="900" dirty="0" smtClean="0"/>
+              <a:t> &gt; 0)</a:t>
             </a:r>
           </a:p>
           <a:p>
@@ -6165,16 +5708,78 @@
             </a:pPr>
             <a:r>
               <a:rPr lang="en-US" altLang="ko-KR" sz="900" dirty="0" err="1"/>
-              <a:t>C</a:t>
+              <a:t>CoolTime</a:t>
+            </a:r>
+            <a:endParaRPr lang="en-US" altLang="ko-KR" sz="900" dirty="0" smtClean="0"/>
+          </a:p>
+          <a:p>
+            <a:pPr marL="171450" indent="-171450">
+              <a:buFont typeface="Wingdings" pitchFamily="2" charset="2"/>
+              <a:buChar char="§"/>
+            </a:pPr>
+            <a:r>
+              <a:rPr lang="en-US" altLang="ko-KR" sz="900" dirty="0" err="1"/>
+              <a:t>SkillDistance</a:t>
+            </a:r>
+            <a:r>
+              <a:rPr lang="en-US" altLang="ko-KR" sz="900" dirty="0"/>
+              <a:t> </a:t>
+            </a:r>
+            <a:r>
+              <a:rPr lang="en-US" altLang="ko-KR" sz="900" dirty="0" smtClean="0"/>
+              <a:t>: </a:t>
+            </a:r>
+            <a:r>
+              <a:rPr lang="ko-KR" altLang="en-US" sz="900" dirty="0" err="1" smtClean="0"/>
+              <a:t>시전가능거리</a:t>
+            </a:r>
+            <a:endParaRPr lang="en-US" altLang="ko-KR" sz="900" dirty="0" smtClean="0"/>
+          </a:p>
+          <a:p>
+            <a:pPr marL="171450" indent="-171450">
+              <a:buFont typeface="Wingdings" pitchFamily="2" charset="2"/>
+              <a:buChar char="§"/>
+            </a:pPr>
+            <a:r>
+              <a:rPr lang="en-US" altLang="ko-KR" sz="900" dirty="0" err="1"/>
+              <a:t>HealValue</a:t>
+            </a:r>
+            <a:r>
+              <a:rPr lang="en-US" altLang="ko-KR" sz="900" dirty="0"/>
+              <a:t> </a:t>
+            </a:r>
+            <a:r>
+              <a:rPr lang="en-US" altLang="ko-KR" sz="900" dirty="0" smtClean="0"/>
+              <a:t>: </a:t>
             </a:r>
             <a:r>
               <a:rPr lang="en-US" altLang="ko-KR" sz="900" dirty="0" err="1" smtClean="0"/>
-              <a:t>astingTime</a:t>
-            </a:r>
-            <a:r>
-              <a:rPr lang="en-US" altLang="ko-KR" sz="900" dirty="0" smtClean="0"/>
-              <a:t> : 2</a:t>
-            </a:r>
+              <a:t>Hp</a:t>
+            </a:r>
+            <a:r>
+              <a:rPr lang="ko-KR" altLang="en-US" sz="900" dirty="0" err="1" smtClean="0"/>
+              <a:t>회복량</a:t>
+            </a:r>
+            <a:endParaRPr lang="en-US" altLang="ko-KR" sz="900" dirty="0"/>
+          </a:p>
+          <a:p>
+            <a:pPr marL="171450" indent="-171450">
+              <a:buFont typeface="Wingdings" pitchFamily="2" charset="2"/>
+              <a:buChar char="§"/>
+            </a:pPr>
+            <a:r>
+              <a:rPr lang="en-US" altLang="ko-KR" sz="900" dirty="0"/>
+              <a:t>Range </a:t>
+            </a:r>
+            <a:r>
+              <a:rPr lang="en-US" altLang="ko-KR" sz="900" dirty="0" smtClean="0"/>
+              <a:t> : </a:t>
+            </a:r>
+            <a:r>
+              <a:rPr lang="ko-KR" altLang="en-US" sz="900" dirty="0" smtClean="0"/>
+              <a:t>범위 값</a:t>
+            </a:r>
+            <a:endParaRPr lang="en-US" altLang="ko-KR" sz="900" dirty="0" smtClean="0"/>
           </a:p>
           <a:p>
             <a:pPr marL="171450" indent="-171450">
@@ -6183,93 +5788,21 @@
             </a:pPr>
             <a:r>
               <a:rPr lang="en-US" altLang="ko-KR" sz="900" dirty="0" err="1"/>
-              <a:t>C</a:t>
-            </a:r>
-            <a:r>
-              <a:rPr lang="en-US" altLang="ko-KR" sz="900" dirty="0" err="1" smtClean="0"/>
-              <a:t>oolTime</a:t>
-            </a:r>
-            <a:r>
-              <a:rPr lang="en-US" altLang="ko-KR" sz="900" dirty="0" smtClean="0"/>
-              <a:t> : 2</a:t>
-            </a:r>
-          </a:p>
-          <a:p>
-            <a:pPr marL="171450" indent="-171450">
-              <a:buFont typeface="Wingdings" pitchFamily="2" charset="2"/>
-              <a:buChar char="§"/>
-            </a:pPr>
-            <a:r>
-              <a:rPr lang="en-US" altLang="ko-KR" sz="900" dirty="0" err="1"/>
-              <a:t>S</a:t>
-            </a:r>
-            <a:r>
-              <a:rPr lang="en-US" altLang="ko-KR" sz="900" dirty="0" err="1" smtClean="0"/>
-              <a:t>killDistance</a:t>
-            </a:r>
-            <a:r>
-              <a:rPr lang="en-US" altLang="ko-KR" sz="900" dirty="0" smtClean="0"/>
-              <a:t> : 100</a:t>
-            </a:r>
-          </a:p>
-          <a:p>
-            <a:pPr marL="171450" indent="-171450">
-              <a:buFont typeface="Wingdings" pitchFamily="2" charset="2"/>
-              <a:buChar char="§"/>
-            </a:pPr>
-            <a:r>
-              <a:rPr lang="en-US" altLang="ko-KR" sz="900" dirty="0" err="1" smtClean="0"/>
-              <a:t>HealValue</a:t>
-            </a:r>
-            <a:r>
-              <a:rPr lang="en-US" altLang="ko-KR" sz="900" dirty="0" smtClean="0"/>
-              <a:t> : 100</a:t>
-            </a:r>
-            <a:endParaRPr lang="en-US" altLang="ko-KR" sz="900" dirty="0"/>
-          </a:p>
-          <a:p>
-            <a:pPr marL="171450" indent="-171450">
-              <a:buFont typeface="Wingdings" pitchFamily="2" charset="2"/>
-              <a:buChar char="§"/>
-            </a:pPr>
-            <a:r>
-              <a:rPr lang="en-US" altLang="ko-KR" sz="900" dirty="0" smtClean="0"/>
-              <a:t>Range : 0</a:t>
-            </a:r>
-          </a:p>
-          <a:p>
-            <a:pPr marL="171450" indent="-171450">
-              <a:buFont typeface="Wingdings" pitchFamily="2" charset="2"/>
-              <a:buChar char="§"/>
-            </a:pPr>
-            <a:r>
-              <a:rPr lang="en-US" altLang="ko-KR" sz="900" dirty="0" err="1" smtClean="0"/>
               <a:t>RemainTime</a:t>
             </a:r>
             <a:r>
-              <a:rPr lang="en-US" altLang="ko-KR" sz="900" dirty="0" smtClean="0"/>
-              <a:t> : 0</a:t>
-            </a:r>
-          </a:p>
-          <a:p>
-            <a:pPr marL="171450" indent="-171450">
-              <a:buFont typeface="Wingdings" pitchFamily="2" charset="2"/>
-              <a:buChar char="§"/>
-            </a:pPr>
-            <a:r>
-              <a:rPr lang="en-US" altLang="ko-KR" sz="900" dirty="0" smtClean="0"/>
-              <a:t>System : Target</a:t>
-            </a:r>
-          </a:p>
-          <a:p>
-            <a:pPr marL="171450" indent="-171450">
-              <a:buFont typeface="Wingdings" pitchFamily="2" charset="2"/>
-              <a:buChar char="§"/>
-            </a:pPr>
-            <a:r>
-              <a:rPr lang="en-US" altLang="ko-KR" sz="900" dirty="0" smtClean="0"/>
-              <a:t>Type : (Instant Heal)</a:t>
-            </a:r>
+              <a:rPr lang="en-US" altLang="ko-KR" sz="900" dirty="0"/>
+              <a:t> </a:t>
+            </a:r>
+            <a:r>
+              <a:rPr lang="en-US" altLang="ko-KR" sz="900" dirty="0" smtClean="0"/>
+              <a:t>: </a:t>
+            </a:r>
+            <a:r>
+              <a:rPr lang="ko-KR" altLang="en-US" sz="900" dirty="0" smtClean="0"/>
+              <a:t>지속시간 값</a:t>
+            </a:r>
+            <a:endParaRPr lang="en-US" altLang="ko-KR" sz="900" dirty="0" smtClean="0"/>
           </a:p>
           <a:p>
             <a:pPr marL="171450" indent="-171450">
@@ -6282,30 +5815,244 @@
             </a:r>
             <a:r>
               <a:rPr lang="en-US" altLang="ko-KR" sz="900" dirty="0" smtClean="0"/>
-              <a:t> : 0</a:t>
-            </a:r>
-          </a:p>
-          <a:p>
-            <a:pPr marL="171450" indent="-171450">
-              <a:buFont typeface="Wingdings" pitchFamily="2" charset="2"/>
-              <a:buChar char="§"/>
-            </a:pPr>
+              <a:t> : </a:t>
+            </a:r>
+            <a:r>
+              <a:rPr lang="ko-KR" altLang="en-US" sz="900" dirty="0" err="1" smtClean="0"/>
+              <a:t>도트힐</a:t>
+            </a:r>
+            <a:r>
+              <a:rPr lang="en-US" altLang="ko-KR" sz="900" dirty="0" smtClean="0"/>
+              <a:t>, </a:t>
+            </a:r>
+            <a:r>
+              <a:rPr lang="ko-KR" altLang="en-US" sz="900" dirty="0" err="1" smtClean="0"/>
+              <a:t>쉴드등을</a:t>
+            </a:r>
+            <a:r>
+              <a:rPr lang="ko-KR" altLang="en-US" sz="900" dirty="0" smtClean="0"/>
+              <a:t> 위한 </a:t>
+            </a:r>
+            <a:r>
+              <a:rPr lang="ko-KR" altLang="en-US" sz="900" dirty="0" err="1" smtClean="0"/>
+              <a:t>예비값</a:t>
+            </a:r>
             <a:endParaRPr lang="en-US" altLang="ko-KR" sz="900" dirty="0" smtClean="0"/>
           </a:p>
-        </p:txBody>
-      </p:sp>
-      <p:sp>
-        <p:nvSpPr>
-          <p:cNvPr id="5" name="모서리가 둥근 직사각형 4"/>
+          <a:p>
+            <a:pPr marL="171450" indent="-171450">
+              <a:buFont typeface="Wingdings" pitchFamily="2" charset="2"/>
+              <a:buChar char="§"/>
+            </a:pPr>
+            <a:r>
+              <a:rPr lang="en-US" altLang="ko-KR" sz="900" dirty="0"/>
+              <a:t>System </a:t>
+            </a:r>
+            <a:r>
+              <a:rPr lang="en-US" altLang="ko-KR" sz="900" dirty="0" smtClean="0"/>
+              <a:t>: </a:t>
+            </a:r>
+            <a:r>
+              <a:rPr lang="ko-KR" altLang="en-US" sz="900" dirty="0" err="1" smtClean="0"/>
+              <a:t>타겟</a:t>
+            </a:r>
+            <a:r>
+              <a:rPr lang="ko-KR" altLang="en-US" sz="900" dirty="0" smtClean="0"/>
+              <a:t> </a:t>
+            </a:r>
+            <a:r>
+              <a:rPr lang="en-US" altLang="ko-KR" sz="900" dirty="0" smtClean="0"/>
+              <a:t>or </a:t>
+            </a:r>
+            <a:r>
+              <a:rPr lang="ko-KR" altLang="en-US" sz="900" dirty="0" err="1" smtClean="0"/>
+              <a:t>논타겟</a:t>
+            </a:r>
+            <a:endParaRPr lang="en-US" altLang="ko-KR" sz="900" dirty="0" smtClean="0"/>
+          </a:p>
+          <a:p>
+            <a:pPr marL="171450" indent="-171450">
+              <a:buFont typeface="Wingdings" pitchFamily="2" charset="2"/>
+              <a:buChar char="§"/>
+            </a:pPr>
+            <a:r>
+              <a:rPr lang="en-US" altLang="ko-KR" sz="900" dirty="0"/>
+              <a:t>Type </a:t>
+            </a:r>
+            <a:r>
+              <a:rPr lang="en-US" altLang="ko-KR" sz="900" dirty="0" smtClean="0"/>
+              <a:t> : </a:t>
+            </a:r>
+            <a:r>
+              <a:rPr lang="ko-KR" altLang="en-US" sz="900" dirty="0" smtClean="0"/>
+              <a:t>속성</a:t>
+            </a:r>
+            <a:r>
+              <a:rPr lang="en-US" altLang="ko-KR" sz="900" dirty="0" smtClean="0"/>
+              <a:t>(</a:t>
+            </a:r>
+            <a:r>
+              <a:rPr lang="ko-KR" altLang="en-US" sz="900" dirty="0" smtClean="0"/>
+              <a:t>직접 </a:t>
+            </a:r>
+            <a:r>
+              <a:rPr lang="ko-KR" altLang="en-US" sz="900" dirty="0" err="1" smtClean="0"/>
+              <a:t>힐</a:t>
+            </a:r>
+            <a:r>
+              <a:rPr lang="en-US" altLang="ko-KR" sz="900" dirty="0" smtClean="0"/>
+              <a:t>, </a:t>
+            </a:r>
+            <a:r>
+              <a:rPr lang="ko-KR" altLang="en-US" sz="900" dirty="0" smtClean="0"/>
+              <a:t>도트 </a:t>
+            </a:r>
+            <a:r>
+              <a:rPr lang="ko-KR" altLang="en-US" sz="900" dirty="0" err="1" smtClean="0"/>
+              <a:t>힐</a:t>
+            </a:r>
+            <a:r>
+              <a:rPr lang="en-US" altLang="ko-KR" sz="900" dirty="0" smtClean="0"/>
+              <a:t>, Shield, Buff, </a:t>
+            </a:r>
+            <a:r>
+              <a:rPr lang="en-US" altLang="ko-KR" sz="900" dirty="0" err="1" smtClean="0"/>
+              <a:t>Debuff</a:t>
+            </a:r>
+            <a:r>
+              <a:rPr lang="en-US" altLang="ko-KR" sz="900" dirty="0"/>
+              <a:t>, </a:t>
+            </a:r>
+            <a:r>
+              <a:rPr lang="en-US" altLang="ko-KR" sz="900" dirty="0" smtClean="0"/>
+              <a:t>Special)</a:t>
+            </a:r>
+          </a:p>
+          <a:p>
+            <a:pPr marL="171450" indent="-171450">
+              <a:buFont typeface="Wingdings" pitchFamily="2" charset="2"/>
+              <a:buChar char="§"/>
+            </a:pPr>
+            <a:r>
+              <a:rPr lang="en-US" altLang="ko-KR" sz="900" dirty="0" smtClean="0"/>
+              <a:t>Buff : </a:t>
+            </a:r>
+            <a:r>
+              <a:rPr lang="ko-KR" altLang="en-US" sz="900" dirty="0" smtClean="0"/>
+              <a:t>방어력 증가</a:t>
+            </a:r>
+            <a:r>
+              <a:rPr lang="en-US" altLang="ko-KR" sz="900" dirty="0" smtClean="0"/>
+              <a:t>, </a:t>
+            </a:r>
+            <a:r>
+              <a:rPr lang="ko-KR" altLang="en-US" sz="900" dirty="0" smtClean="0"/>
+              <a:t>공격력증가</a:t>
+            </a:r>
+            <a:r>
+              <a:rPr lang="en-US" altLang="ko-KR" sz="900" dirty="0"/>
+              <a:t> </a:t>
+            </a:r>
+            <a:r>
+              <a:rPr lang="ko-KR" altLang="en-US" sz="900" dirty="0" smtClean="0"/>
+              <a:t>등</a:t>
+            </a:r>
+            <a:endParaRPr lang="en-US" altLang="ko-KR" sz="900" dirty="0" smtClean="0"/>
+          </a:p>
+          <a:p>
+            <a:pPr marL="171450" indent="-171450">
+              <a:buFont typeface="Wingdings" pitchFamily="2" charset="2"/>
+              <a:buChar char="§"/>
+            </a:pPr>
+            <a:r>
+              <a:rPr lang="en-US" altLang="ko-KR" sz="900" dirty="0" err="1" smtClean="0"/>
+              <a:t>Debuff</a:t>
+            </a:r>
+            <a:r>
+              <a:rPr lang="en-US" altLang="ko-KR" sz="900" dirty="0" smtClean="0"/>
+              <a:t> : </a:t>
+            </a:r>
+            <a:r>
+              <a:rPr lang="ko-KR" altLang="en-US" sz="900" dirty="0" smtClean="0"/>
+              <a:t>적 방어력 감소 등</a:t>
+            </a:r>
+            <a:r>
+              <a:rPr lang="en-US" altLang="ko-KR" sz="900" dirty="0" smtClean="0"/>
+              <a:t>.</a:t>
+            </a:r>
+          </a:p>
+          <a:p>
+            <a:pPr marL="171450" indent="-171450">
+              <a:buFont typeface="Wingdings" pitchFamily="2" charset="2"/>
+              <a:buChar char="§"/>
+            </a:pPr>
+            <a:r>
+              <a:rPr lang="en-US" altLang="ko-KR" sz="900" dirty="0" smtClean="0"/>
+              <a:t>Special</a:t>
+            </a:r>
+            <a:r>
+              <a:rPr lang="ko-KR" altLang="en-US" sz="900" dirty="0" smtClean="0"/>
+              <a:t> </a:t>
+            </a:r>
+            <a:r>
+              <a:rPr lang="en-US" altLang="ko-KR" sz="900" dirty="0" smtClean="0"/>
+              <a:t>: </a:t>
+            </a:r>
+            <a:r>
+              <a:rPr lang="ko-KR" altLang="en-US" sz="900" dirty="0" smtClean="0"/>
+              <a:t>특수스킬</a:t>
+            </a:r>
+            <a:r>
+              <a:rPr lang="en-US" altLang="ko-KR" sz="900" dirty="0" smtClean="0"/>
+              <a:t> – ex)</a:t>
+            </a:r>
+            <a:r>
+              <a:rPr lang="ko-KR" altLang="en-US" sz="900" dirty="0" err="1" smtClean="0"/>
+              <a:t>파티원</a:t>
+            </a:r>
+            <a:r>
+              <a:rPr lang="ko-KR" altLang="en-US" sz="900" dirty="0" smtClean="0"/>
+              <a:t> </a:t>
+            </a:r>
+            <a:r>
+              <a:rPr lang="en-US" altLang="ko-KR" sz="900" dirty="0" smtClean="0"/>
+              <a:t>1</a:t>
+            </a:r>
+            <a:r>
+              <a:rPr lang="ko-KR" altLang="en-US" sz="900" dirty="0" smtClean="0"/>
+              <a:t>인을 </a:t>
+            </a:r>
+            <a:r>
+              <a:rPr lang="ko-KR" altLang="en-US" sz="900" dirty="0" err="1" smtClean="0"/>
+              <a:t>자기앞으로</a:t>
+            </a:r>
+            <a:r>
+              <a:rPr lang="ko-KR" altLang="en-US" sz="900" dirty="0" smtClean="0"/>
+              <a:t> 당겨오기</a:t>
+            </a:r>
+            <a:endParaRPr lang="en-US" altLang="ko-KR" sz="900" dirty="0" smtClean="0"/>
+          </a:p>
+          <a:p>
+            <a:pPr marL="171450" indent="-171450">
+              <a:buFont typeface="Wingdings" pitchFamily="2" charset="2"/>
+              <a:buChar char="§"/>
+            </a:pPr>
+            <a:endParaRPr lang="en-US" altLang="ko-KR" sz="900" dirty="0" smtClean="0"/>
+          </a:p>
+        </p:txBody>
+      </p:sp>
+      <p:sp>
+        <p:nvSpPr>
+          <p:cNvPr id="2" name="직사각형 1"/>
           <p:cNvSpPr/>
           <p:nvPr/>
         </p:nvSpPr>
         <p:spPr>
           <a:xfrm>
-            <a:off x="902986" y="1131590"/>
-            <a:ext cx="2376264" cy="1296144"/>
-          </a:xfrm>
-          <a:prstGeom prst="roundRect">
+            <a:off x="238138" y="2787774"/>
+            <a:ext cx="936104" cy="504056"/>
+          </a:xfrm>
+          <a:prstGeom prst="rect">
             <a:avLst/>
           </a:prstGeom>
         </p:spPr>
@@ -6331,272 +6078,25 @@
           <a:p>
             <a:pPr algn="ctr"/>
             <a:r>
-              <a:rPr lang="ko-KR" altLang="en-US" dirty="0" smtClean="0"/>
-              <a:t>직접 </a:t>
-            </a:r>
-            <a:r>
-              <a:rPr lang="ko-KR" altLang="en-US" dirty="0" err="1" smtClean="0"/>
-              <a:t>힐</a:t>
-            </a:r>
-            <a:endParaRPr lang="ko-KR" altLang="en-US" dirty="0"/>
-          </a:p>
-        </p:txBody>
-      </p:sp>
-      <p:sp>
-        <p:nvSpPr>
-          <p:cNvPr id="21" name="TextBox 20"/>
-          <p:cNvSpPr txBox="1"/>
-          <p:nvPr/>
-        </p:nvSpPr>
-        <p:spPr>
-          <a:xfrm>
-            <a:off x="4568606" y="2931790"/>
-            <a:ext cx="3679196" cy="2192908"/>
-          </a:xfrm>
-          <a:prstGeom prst="rect">
-            <a:avLst/>
-          </a:prstGeom>
-          <a:solidFill>
-            <a:schemeClr val="accent5">
-              <a:lumMod val="20000"/>
-              <a:lumOff val="80000"/>
-            </a:schemeClr>
-          </a:solidFill>
-        </p:spPr>
-        <p:txBody>
-          <a:bodyPr wrap="square" rtlCol="0">
-            <a:spAutoFit/>
-          </a:bodyPr>
-          <a:lstStyle/>
-          <a:p>
-            <a:r>
-              <a:rPr lang="ko-KR" altLang="en-US" sz="1050" b="1" dirty="0" smtClean="0"/>
-              <a:t>스킬 값</a:t>
-            </a:r>
-            <a:endParaRPr lang="en-US" altLang="ko-KR" sz="1050" b="1" dirty="0" smtClean="0"/>
-          </a:p>
-          <a:p>
-            <a:pPr marL="171450" indent="-171450">
-              <a:buFont typeface="Wingdings" pitchFamily="2" charset="2"/>
-              <a:buChar char="§"/>
-            </a:pPr>
-            <a:r>
-              <a:rPr lang="en-US" altLang="ko-KR" sz="900" dirty="0" smtClean="0"/>
-              <a:t>UID : 2</a:t>
-            </a:r>
-          </a:p>
-          <a:p>
-            <a:pPr marL="171450" indent="-171450">
-              <a:buFont typeface="Wingdings" pitchFamily="2" charset="2"/>
-              <a:buChar char="§"/>
-            </a:pPr>
-            <a:r>
-              <a:rPr lang="en-US" altLang="ko-KR" sz="900" dirty="0" err="1" smtClean="0"/>
-              <a:t>Mp</a:t>
-            </a:r>
-            <a:r>
-              <a:rPr lang="en-US" altLang="ko-KR" sz="900" dirty="0" smtClean="0"/>
-              <a:t> : 10</a:t>
-            </a:r>
-          </a:p>
-          <a:p>
-            <a:pPr marL="171450" indent="-171450">
-              <a:buFont typeface="Wingdings" pitchFamily="2" charset="2"/>
-              <a:buChar char="§"/>
-            </a:pPr>
-            <a:r>
-              <a:rPr lang="en-US" altLang="ko-KR" sz="900" dirty="0" err="1"/>
-              <a:t>C</a:t>
-            </a:r>
-            <a:r>
-              <a:rPr lang="en-US" altLang="ko-KR" sz="900" dirty="0" err="1" smtClean="0"/>
-              <a:t>astingTime</a:t>
-            </a:r>
-            <a:r>
-              <a:rPr lang="en-US" altLang="ko-KR" sz="900" dirty="0" smtClean="0"/>
-              <a:t> : 1</a:t>
-            </a:r>
-          </a:p>
-          <a:p>
-            <a:pPr marL="171450" indent="-171450">
-              <a:buFont typeface="Wingdings" pitchFamily="2" charset="2"/>
-              <a:buChar char="§"/>
-            </a:pPr>
-            <a:r>
-              <a:rPr lang="en-US" altLang="ko-KR" sz="900" dirty="0" err="1"/>
-              <a:t>C</a:t>
-            </a:r>
-            <a:r>
-              <a:rPr lang="en-US" altLang="ko-KR" sz="900" dirty="0" err="1" smtClean="0"/>
-              <a:t>oolTime</a:t>
-            </a:r>
-            <a:r>
-              <a:rPr lang="en-US" altLang="ko-KR" sz="900" dirty="0" smtClean="0"/>
-              <a:t> : 2</a:t>
-            </a:r>
-          </a:p>
-          <a:p>
-            <a:pPr marL="171450" indent="-171450">
-              <a:buFont typeface="Wingdings" pitchFamily="2" charset="2"/>
-              <a:buChar char="§"/>
-            </a:pPr>
-            <a:r>
-              <a:rPr lang="en-US" altLang="ko-KR" sz="900" dirty="0" err="1"/>
-              <a:t>S</a:t>
-            </a:r>
-            <a:r>
-              <a:rPr lang="en-US" altLang="ko-KR" sz="900" dirty="0" err="1" smtClean="0"/>
-              <a:t>killDistance</a:t>
-            </a:r>
-            <a:r>
-              <a:rPr lang="en-US" altLang="ko-KR" sz="900" dirty="0" smtClean="0"/>
-              <a:t> : 100</a:t>
-            </a:r>
-          </a:p>
-          <a:p>
-            <a:pPr marL="171450" indent="-171450">
-              <a:buFont typeface="Wingdings" pitchFamily="2" charset="2"/>
-              <a:buChar char="§"/>
-            </a:pPr>
-            <a:r>
-              <a:rPr lang="en-US" altLang="ko-KR" sz="900" dirty="0" err="1" smtClean="0"/>
-              <a:t>HealValue</a:t>
-            </a:r>
-            <a:r>
-              <a:rPr lang="en-US" altLang="ko-KR" sz="900" dirty="0" smtClean="0"/>
-              <a:t> : 20</a:t>
-            </a:r>
-            <a:endParaRPr lang="en-US" altLang="ko-KR" sz="900" dirty="0"/>
-          </a:p>
-          <a:p>
-            <a:pPr marL="171450" indent="-171450">
-              <a:buFont typeface="Wingdings" pitchFamily="2" charset="2"/>
-              <a:buChar char="§"/>
-            </a:pPr>
-            <a:r>
-              <a:rPr lang="en-US" altLang="ko-KR" sz="900" dirty="0" smtClean="0"/>
-              <a:t>Range : 0</a:t>
-            </a:r>
-          </a:p>
-          <a:p>
-            <a:pPr marL="171450" indent="-171450">
-              <a:buFont typeface="Wingdings" pitchFamily="2" charset="2"/>
-              <a:buChar char="§"/>
-            </a:pPr>
-            <a:r>
-              <a:rPr lang="en-US" altLang="ko-KR" sz="900" dirty="0" err="1" smtClean="0"/>
-              <a:t>RemainTime</a:t>
-            </a:r>
-            <a:r>
-              <a:rPr lang="en-US" altLang="ko-KR" sz="900" dirty="0" smtClean="0"/>
-              <a:t> : 5</a:t>
-            </a:r>
-          </a:p>
-          <a:p>
-            <a:pPr marL="171450" indent="-171450">
-              <a:buFont typeface="Wingdings" pitchFamily="2" charset="2"/>
-              <a:buChar char="§"/>
-            </a:pPr>
-            <a:r>
-              <a:rPr lang="en-US" altLang="ko-KR" sz="900" dirty="0" smtClean="0"/>
-              <a:t>System : Target</a:t>
-            </a:r>
-          </a:p>
-          <a:p>
-            <a:pPr marL="171450" indent="-171450">
-              <a:buFont typeface="Wingdings" pitchFamily="2" charset="2"/>
-              <a:buChar char="§"/>
-            </a:pPr>
-            <a:r>
-              <a:rPr lang="en-US" altLang="ko-KR" sz="900" dirty="0" smtClean="0"/>
-              <a:t>Type : (Dot Heal)</a:t>
-            </a:r>
-          </a:p>
-          <a:p>
-            <a:pPr marL="171450" indent="-171450">
-              <a:buFont typeface="Wingdings" pitchFamily="2" charset="2"/>
-              <a:buChar char="§"/>
-            </a:pPr>
-            <a:r>
-              <a:rPr lang="en-US" altLang="ko-KR" sz="900" dirty="0" err="1" smtClean="0"/>
-              <a:t>ExValue</a:t>
-            </a:r>
-            <a:r>
-              <a:rPr lang="en-US" altLang="ko-KR" sz="900" dirty="0" smtClean="0"/>
-              <a:t> : 1</a:t>
-            </a:r>
-          </a:p>
-          <a:p>
-            <a:pPr marL="171450" indent="-171450">
-              <a:buFont typeface="Wingdings" pitchFamily="2" charset="2"/>
-              <a:buChar char="§"/>
-            </a:pPr>
-            <a:endParaRPr lang="en-US" altLang="ko-KR" sz="900" dirty="0"/>
-          </a:p>
-          <a:p>
-            <a:pPr marL="171450" indent="-171450">
-              <a:buFont typeface="Wingdings" pitchFamily="2" charset="2"/>
-              <a:buChar char="§"/>
-            </a:pPr>
-            <a:r>
-              <a:rPr lang="en-US" altLang="ko-KR" sz="900" dirty="0" err="1" smtClean="0"/>
-              <a:t>RemainTime</a:t>
-            </a:r>
-            <a:r>
-              <a:rPr lang="ko-KR" altLang="en-US" sz="900" dirty="0" smtClean="0"/>
-              <a:t>동안 </a:t>
-            </a:r>
-            <a:r>
-              <a:rPr lang="en-US" altLang="ko-KR" sz="900" dirty="0" err="1" smtClean="0"/>
-              <a:t>ExValue</a:t>
-            </a:r>
-            <a:r>
-              <a:rPr lang="en-US" altLang="ko-KR" sz="900" dirty="0" smtClean="0"/>
-              <a:t>(</a:t>
-            </a:r>
-            <a:r>
-              <a:rPr lang="ko-KR" altLang="en-US" sz="900" dirty="0" smtClean="0"/>
-              <a:t>초</a:t>
-            </a:r>
-            <a:r>
-              <a:rPr lang="en-US" altLang="ko-KR" sz="900" dirty="0" smtClean="0"/>
-              <a:t>)</a:t>
-            </a:r>
-            <a:r>
-              <a:rPr lang="ko-KR" altLang="en-US" sz="900" dirty="0" smtClean="0"/>
-              <a:t>마다 </a:t>
-            </a:r>
-            <a:r>
-              <a:rPr lang="en-US" altLang="ko-KR" sz="900" dirty="0" err="1" smtClean="0"/>
-              <a:t>HealValue</a:t>
-            </a:r>
-            <a:r>
-              <a:rPr lang="ko-KR" altLang="en-US" sz="900" dirty="0" smtClean="0"/>
-              <a:t>값 회복</a:t>
-            </a:r>
-            <a:endParaRPr lang="en-US" altLang="ko-KR" sz="900" dirty="0" smtClean="0"/>
-          </a:p>
-          <a:p>
-            <a:pPr marL="171450" indent="-171450">
-              <a:buFont typeface="Wingdings" pitchFamily="2" charset="2"/>
-              <a:buChar char="§"/>
-            </a:pPr>
-            <a:endParaRPr lang="en-US" altLang="ko-KR" sz="900" dirty="0" smtClean="0"/>
-          </a:p>
-        </p:txBody>
-      </p:sp>
-      <p:sp>
-        <p:nvSpPr>
-          <p:cNvPr id="22" name="모서리가 둥근 직사각형 21"/>
+              <a:rPr lang="ko-KR" altLang="en-US" sz="1000" dirty="0" smtClean="0"/>
+              <a:t>마나 사용량</a:t>
+            </a:r>
+            <a:endParaRPr lang="ko-KR" altLang="en-US" sz="1000" dirty="0"/>
+          </a:p>
+        </p:txBody>
+      </p:sp>
+      <p:sp>
+        <p:nvSpPr>
+          <p:cNvPr id="6" name="직사각형 5"/>
           <p:cNvSpPr/>
           <p:nvPr/>
         </p:nvSpPr>
         <p:spPr>
           <a:xfrm>
-            <a:off x="5220072" y="1131590"/>
-            <a:ext cx="2376264" cy="1296144"/>
-          </a:xfrm>
-          <a:prstGeom prst="roundRect">
+            <a:off x="243012" y="3935924"/>
+            <a:ext cx="936104" cy="432048"/>
+          </a:xfrm>
+          <a:prstGeom prst="rect">
             <a:avLst/>
           </a:prstGeom>
         </p:spPr>
@@ -6622,21 +6122,669 @@
           <a:p>
             <a:pPr algn="ctr"/>
             <a:r>
-              <a:rPr lang="ko-KR" altLang="en-US" dirty="0" smtClean="0"/>
-              <a:t>도트 </a:t>
-            </a:r>
-            <a:r>
-              <a:rPr lang="ko-KR" altLang="en-US" dirty="0" err="1" smtClean="0"/>
-              <a:t>힐</a:t>
-            </a:r>
-            <a:endParaRPr lang="ko-KR" altLang="en-US" dirty="0"/>
+              <a:rPr lang="ko-KR" altLang="en-US" sz="1000" dirty="0" smtClean="0"/>
+              <a:t>캐스팅 시간</a:t>
+            </a:r>
+            <a:endParaRPr lang="ko-KR" altLang="en-US" sz="1000" dirty="0"/>
+          </a:p>
+        </p:txBody>
+      </p:sp>
+      <p:sp>
+        <p:nvSpPr>
+          <p:cNvPr id="7" name="직사각형 6"/>
+          <p:cNvSpPr/>
+          <p:nvPr/>
+        </p:nvSpPr>
+        <p:spPr>
+          <a:xfrm>
+            <a:off x="243012" y="3406318"/>
+            <a:ext cx="936104" cy="432048"/>
+          </a:xfrm>
+          <a:prstGeom prst="rect">
+            <a:avLst/>
+          </a:prstGeom>
+        </p:spPr>
+        <p:style>
+          <a:lnRef idx="2">
+            <a:schemeClr val="accent1">
+              <a:shade val="50000"/>
+            </a:schemeClr>
+          </a:lnRef>
+          <a:fillRef idx="1">
+            <a:schemeClr val="accent1"/>
+          </a:fillRef>
+          <a:effectRef idx="0">
+            <a:schemeClr val="accent1"/>
+          </a:effectRef>
+          <a:fontRef idx="minor">
+            <a:schemeClr val="lt1"/>
+          </a:fontRef>
+        </p:style>
+        <p:txBody>
+          <a:bodyPr rtlCol="0" anchor="ctr"/>
+          <a:lstStyle/>
+          <a:p>
+            <a:pPr algn="ctr"/>
+            <a:r>
+              <a:rPr lang="ko-KR" altLang="en-US" sz="1000" dirty="0" err="1" smtClean="0"/>
+              <a:t>쿨타임</a:t>
+            </a:r>
+            <a:endParaRPr lang="ko-KR" altLang="en-US" sz="1000" dirty="0"/>
+          </a:p>
+        </p:txBody>
+      </p:sp>
+      <p:sp>
+        <p:nvSpPr>
+          <p:cNvPr id="8" name="직사각형 7"/>
+          <p:cNvSpPr/>
+          <p:nvPr/>
+        </p:nvSpPr>
+        <p:spPr>
+          <a:xfrm>
+            <a:off x="247886" y="4499936"/>
+            <a:ext cx="936104" cy="432048"/>
+          </a:xfrm>
+          <a:prstGeom prst="rect">
+            <a:avLst/>
+          </a:prstGeom>
+        </p:spPr>
+        <p:style>
+          <a:lnRef idx="2">
+            <a:schemeClr val="accent1">
+              <a:shade val="50000"/>
+            </a:schemeClr>
+          </a:lnRef>
+          <a:fillRef idx="1">
+            <a:schemeClr val="accent1"/>
+          </a:fillRef>
+          <a:effectRef idx="0">
+            <a:schemeClr val="accent1"/>
+          </a:effectRef>
+          <a:fontRef idx="minor">
+            <a:schemeClr val="lt1"/>
+          </a:fontRef>
+        </p:style>
+        <p:txBody>
+          <a:bodyPr rtlCol="0" anchor="ctr"/>
+          <a:lstStyle/>
+          <a:p>
+            <a:pPr algn="ctr"/>
+            <a:r>
+              <a:rPr lang="ko-KR" altLang="en-US" sz="1000" dirty="0" err="1" smtClean="0"/>
+              <a:t>시전거리</a:t>
+            </a:r>
+            <a:endParaRPr lang="ko-KR" altLang="en-US" sz="1000" dirty="0"/>
+          </a:p>
+        </p:txBody>
+      </p:sp>
+      <p:sp>
+        <p:nvSpPr>
+          <p:cNvPr id="9" name="직사각형 8"/>
+          <p:cNvSpPr/>
+          <p:nvPr/>
+        </p:nvSpPr>
+        <p:spPr>
+          <a:xfrm>
+            <a:off x="2501748" y="3291830"/>
+            <a:ext cx="936104" cy="432048"/>
+          </a:xfrm>
+          <a:prstGeom prst="rect">
+            <a:avLst/>
+          </a:prstGeom>
+          <a:solidFill>
+            <a:schemeClr val="accent6">
+              <a:lumMod val="75000"/>
+            </a:schemeClr>
+          </a:solidFill>
+        </p:spPr>
+        <p:style>
+          <a:lnRef idx="2">
+            <a:schemeClr val="accent1">
+              <a:shade val="50000"/>
+            </a:schemeClr>
+          </a:lnRef>
+          <a:fillRef idx="1">
+            <a:schemeClr val="accent1"/>
+          </a:fillRef>
+          <a:effectRef idx="0">
+            <a:schemeClr val="accent1"/>
+          </a:effectRef>
+          <a:fontRef idx="minor">
+            <a:schemeClr val="lt1"/>
+          </a:fontRef>
+        </p:style>
+        <p:txBody>
+          <a:bodyPr rtlCol="0" anchor="ctr"/>
+          <a:lstStyle/>
+          <a:p>
+            <a:pPr algn="ctr"/>
+            <a:r>
+              <a:rPr lang="ko-KR" altLang="en-US" sz="1000" smtClean="0"/>
+              <a:t>타겟</a:t>
+            </a:r>
+            <a:endParaRPr lang="ko-KR" altLang="en-US" sz="1000" dirty="0"/>
+          </a:p>
+        </p:txBody>
+      </p:sp>
+      <p:sp>
+        <p:nvSpPr>
+          <p:cNvPr id="10" name="직사각형 9"/>
+          <p:cNvSpPr/>
+          <p:nvPr/>
+        </p:nvSpPr>
+        <p:spPr>
+          <a:xfrm>
+            <a:off x="2501748" y="3935924"/>
+            <a:ext cx="936104" cy="432048"/>
+          </a:xfrm>
+          <a:prstGeom prst="rect">
+            <a:avLst/>
+          </a:prstGeom>
+          <a:solidFill>
+            <a:schemeClr val="accent3">
+              <a:lumMod val="75000"/>
+            </a:schemeClr>
+          </a:solidFill>
+        </p:spPr>
+        <p:style>
+          <a:lnRef idx="2">
+            <a:schemeClr val="accent1">
+              <a:shade val="50000"/>
+            </a:schemeClr>
+          </a:lnRef>
+          <a:fillRef idx="1">
+            <a:schemeClr val="accent1"/>
+          </a:fillRef>
+          <a:effectRef idx="0">
+            <a:schemeClr val="accent1"/>
+          </a:effectRef>
+          <a:fontRef idx="minor">
+            <a:schemeClr val="lt1"/>
+          </a:fontRef>
+        </p:style>
+        <p:txBody>
+          <a:bodyPr rtlCol="0" anchor="ctr"/>
+          <a:lstStyle/>
+          <a:p>
+            <a:pPr algn="ctr"/>
+            <a:r>
+              <a:rPr lang="ko-KR" altLang="en-US" sz="1000" dirty="0" smtClean="0"/>
+              <a:t>논 </a:t>
+            </a:r>
+            <a:r>
+              <a:rPr lang="ko-KR" altLang="en-US" sz="1000" dirty="0" err="1" smtClean="0"/>
+              <a:t>타겟</a:t>
+            </a:r>
+            <a:endParaRPr lang="ko-KR" altLang="en-US" sz="1000" dirty="0"/>
+          </a:p>
+        </p:txBody>
+      </p:sp>
+      <p:sp>
+        <p:nvSpPr>
+          <p:cNvPr id="11" name="직사각형 10"/>
+          <p:cNvSpPr/>
+          <p:nvPr/>
+        </p:nvSpPr>
+        <p:spPr>
+          <a:xfrm>
+            <a:off x="3600739" y="3607312"/>
+            <a:ext cx="936104" cy="432048"/>
+          </a:xfrm>
+          <a:prstGeom prst="rect">
+            <a:avLst/>
+          </a:prstGeom>
+          <a:solidFill>
+            <a:srgbClr val="FFC000"/>
+          </a:solidFill>
+        </p:spPr>
+        <p:style>
+          <a:lnRef idx="2">
+            <a:schemeClr val="accent1">
+              <a:shade val="50000"/>
+            </a:schemeClr>
+          </a:lnRef>
+          <a:fillRef idx="1">
+            <a:schemeClr val="accent1"/>
+          </a:fillRef>
+          <a:effectRef idx="0">
+            <a:schemeClr val="accent1"/>
+          </a:effectRef>
+          <a:fontRef idx="minor">
+            <a:schemeClr val="lt1"/>
+          </a:fontRef>
+        </p:style>
+        <p:txBody>
+          <a:bodyPr rtlCol="0" anchor="ctr"/>
+          <a:lstStyle/>
+          <a:p>
+            <a:pPr algn="ctr"/>
+            <a:r>
+              <a:rPr lang="en-US" altLang="ko-KR" sz="1000" dirty="0"/>
+              <a:t>Instant Heal</a:t>
+            </a:r>
+            <a:endParaRPr lang="ko-KR" altLang="en-US" sz="1000" dirty="0"/>
+          </a:p>
+        </p:txBody>
+      </p:sp>
+      <p:sp>
+        <p:nvSpPr>
+          <p:cNvPr id="12" name="직사각형 11"/>
+          <p:cNvSpPr/>
+          <p:nvPr/>
+        </p:nvSpPr>
+        <p:spPr>
+          <a:xfrm>
+            <a:off x="4644008" y="3604776"/>
+            <a:ext cx="936104" cy="432048"/>
+          </a:xfrm>
+          <a:prstGeom prst="rect">
+            <a:avLst/>
+          </a:prstGeom>
+          <a:solidFill>
+            <a:srgbClr val="FFC000"/>
+          </a:solidFill>
+        </p:spPr>
+        <p:style>
+          <a:lnRef idx="2">
+            <a:schemeClr val="accent1">
+              <a:shade val="50000"/>
+            </a:schemeClr>
+          </a:lnRef>
+          <a:fillRef idx="1">
+            <a:schemeClr val="accent1"/>
+          </a:fillRef>
+          <a:effectRef idx="0">
+            <a:schemeClr val="accent1"/>
+          </a:effectRef>
+          <a:fontRef idx="minor">
+            <a:schemeClr val="lt1"/>
+          </a:fontRef>
+        </p:style>
+        <p:txBody>
+          <a:bodyPr rtlCol="0" anchor="ctr"/>
+          <a:lstStyle/>
+          <a:p>
+            <a:pPr algn="ctr"/>
+            <a:r>
+              <a:rPr lang="en-US" altLang="ko-KR" sz="1000" dirty="0"/>
+              <a:t>Dot Heal</a:t>
+            </a:r>
+            <a:endParaRPr lang="ko-KR" altLang="en-US" sz="1000" dirty="0"/>
+          </a:p>
+        </p:txBody>
+      </p:sp>
+      <p:sp>
+        <p:nvSpPr>
+          <p:cNvPr id="13" name="직사각형 12"/>
+          <p:cNvSpPr/>
+          <p:nvPr/>
+        </p:nvSpPr>
+        <p:spPr>
+          <a:xfrm>
+            <a:off x="5652120" y="3604257"/>
+            <a:ext cx="936104" cy="432048"/>
+          </a:xfrm>
+          <a:prstGeom prst="rect">
+            <a:avLst/>
+          </a:prstGeom>
+          <a:solidFill>
+            <a:srgbClr val="FFC000"/>
+          </a:solidFill>
+        </p:spPr>
+        <p:style>
+          <a:lnRef idx="2">
+            <a:schemeClr val="accent1">
+              <a:shade val="50000"/>
+            </a:schemeClr>
+          </a:lnRef>
+          <a:fillRef idx="1">
+            <a:schemeClr val="accent1"/>
+          </a:fillRef>
+          <a:effectRef idx="0">
+            <a:schemeClr val="accent1"/>
+          </a:effectRef>
+          <a:fontRef idx="minor">
+            <a:schemeClr val="lt1"/>
+          </a:fontRef>
+        </p:style>
+        <p:txBody>
+          <a:bodyPr rtlCol="0" anchor="ctr"/>
+          <a:lstStyle/>
+          <a:p>
+            <a:pPr algn="ctr"/>
+            <a:r>
+              <a:rPr lang="en-US" altLang="ko-KR" sz="1000" dirty="0" smtClean="0"/>
+              <a:t>Shield</a:t>
+            </a:r>
+            <a:endParaRPr lang="ko-KR" altLang="en-US" sz="1000" dirty="0"/>
+          </a:p>
+        </p:txBody>
+      </p:sp>
+      <p:sp>
+        <p:nvSpPr>
+          <p:cNvPr id="14" name="직사각형 13"/>
+          <p:cNvSpPr/>
+          <p:nvPr/>
+        </p:nvSpPr>
+        <p:spPr>
+          <a:xfrm>
+            <a:off x="6660232" y="3604257"/>
+            <a:ext cx="936104" cy="432048"/>
+          </a:xfrm>
+          <a:prstGeom prst="rect">
+            <a:avLst/>
+          </a:prstGeom>
+          <a:solidFill>
+            <a:srgbClr val="FFC000"/>
+          </a:solidFill>
+        </p:spPr>
+        <p:style>
+          <a:lnRef idx="2">
+            <a:schemeClr val="accent1">
+              <a:shade val="50000"/>
+            </a:schemeClr>
+          </a:lnRef>
+          <a:fillRef idx="1">
+            <a:schemeClr val="accent1"/>
+          </a:fillRef>
+          <a:effectRef idx="0">
+            <a:schemeClr val="accent1"/>
+          </a:effectRef>
+          <a:fontRef idx="minor">
+            <a:schemeClr val="lt1"/>
+          </a:fontRef>
+        </p:style>
+        <p:txBody>
+          <a:bodyPr rtlCol="0" anchor="ctr"/>
+          <a:lstStyle/>
+          <a:p>
+            <a:pPr algn="ctr"/>
+            <a:r>
+              <a:rPr lang="en-US" altLang="ko-KR" sz="1000" dirty="0" smtClean="0"/>
+              <a:t>Buff</a:t>
+            </a:r>
+            <a:endParaRPr lang="ko-KR" altLang="en-US" sz="1000" dirty="0"/>
+          </a:p>
+        </p:txBody>
+      </p:sp>
+      <p:sp>
+        <p:nvSpPr>
+          <p:cNvPr id="15" name="직사각형 14"/>
+          <p:cNvSpPr/>
+          <p:nvPr/>
+        </p:nvSpPr>
+        <p:spPr>
+          <a:xfrm>
+            <a:off x="7668344" y="3604776"/>
+            <a:ext cx="936104" cy="432048"/>
+          </a:xfrm>
+          <a:prstGeom prst="rect">
+            <a:avLst/>
+          </a:prstGeom>
+          <a:solidFill>
+            <a:srgbClr val="FFC000"/>
+          </a:solidFill>
+        </p:spPr>
+        <p:style>
+          <a:lnRef idx="2">
+            <a:schemeClr val="accent1">
+              <a:shade val="50000"/>
+            </a:schemeClr>
+          </a:lnRef>
+          <a:fillRef idx="1">
+            <a:schemeClr val="accent1"/>
+          </a:fillRef>
+          <a:effectRef idx="0">
+            <a:schemeClr val="accent1"/>
+          </a:effectRef>
+          <a:fontRef idx="minor">
+            <a:schemeClr val="lt1"/>
+          </a:fontRef>
+        </p:style>
+        <p:txBody>
+          <a:bodyPr rtlCol="0" anchor="ctr"/>
+          <a:lstStyle/>
+          <a:p>
+            <a:pPr algn="ctr"/>
+            <a:r>
+              <a:rPr lang="en-US" altLang="ko-KR" sz="1000" dirty="0" err="1" smtClean="0"/>
+              <a:t>DeBuff</a:t>
+            </a:r>
+            <a:endParaRPr lang="ko-KR" altLang="en-US" sz="1000" dirty="0"/>
+          </a:p>
+        </p:txBody>
+      </p:sp>
+      <p:sp>
+        <p:nvSpPr>
+          <p:cNvPr id="16" name="직사각형 15"/>
+          <p:cNvSpPr/>
+          <p:nvPr/>
+        </p:nvSpPr>
+        <p:spPr>
+          <a:xfrm>
+            <a:off x="5436096" y="4151948"/>
+            <a:ext cx="936104" cy="432048"/>
+          </a:xfrm>
+          <a:prstGeom prst="rect">
+            <a:avLst/>
+          </a:prstGeom>
+          <a:solidFill>
+            <a:srgbClr val="FFC000"/>
+          </a:solidFill>
+        </p:spPr>
+        <p:style>
+          <a:lnRef idx="2">
+            <a:schemeClr val="accent1">
+              <a:shade val="50000"/>
+            </a:schemeClr>
+          </a:lnRef>
+          <a:fillRef idx="1">
+            <a:schemeClr val="accent1"/>
+          </a:fillRef>
+          <a:effectRef idx="0">
+            <a:schemeClr val="accent1"/>
+          </a:effectRef>
+          <a:fontRef idx="minor">
+            <a:schemeClr val="lt1"/>
+          </a:fontRef>
+        </p:style>
+        <p:txBody>
+          <a:bodyPr rtlCol="0" anchor="ctr"/>
+          <a:lstStyle/>
+          <a:p>
+            <a:pPr algn="ctr"/>
+            <a:r>
+              <a:rPr lang="en-US" altLang="ko-KR" sz="1000" dirty="0" smtClean="0"/>
+              <a:t>Special</a:t>
+            </a:r>
+            <a:endParaRPr lang="ko-KR" altLang="en-US" sz="1000" dirty="0"/>
+          </a:p>
+        </p:txBody>
+      </p:sp>
+      <p:sp>
+        <p:nvSpPr>
+          <p:cNvPr id="17" name="직사각형 16"/>
+          <p:cNvSpPr/>
+          <p:nvPr/>
+        </p:nvSpPr>
+        <p:spPr>
+          <a:xfrm>
+            <a:off x="1338598" y="2820908"/>
+            <a:ext cx="936104" cy="432048"/>
+          </a:xfrm>
+          <a:prstGeom prst="rect">
+            <a:avLst/>
+          </a:prstGeom>
+        </p:spPr>
+        <p:style>
+          <a:lnRef idx="2">
+            <a:schemeClr val="accent1">
+              <a:shade val="50000"/>
+            </a:schemeClr>
+          </a:lnRef>
+          <a:fillRef idx="1">
+            <a:schemeClr val="accent1"/>
+          </a:fillRef>
+          <a:effectRef idx="0">
+            <a:schemeClr val="accent1"/>
+          </a:effectRef>
+          <a:fontRef idx="minor">
+            <a:schemeClr val="lt1"/>
+          </a:fontRef>
+        </p:style>
+        <p:txBody>
+          <a:bodyPr rtlCol="0" anchor="ctr"/>
+          <a:lstStyle/>
+          <a:p>
+            <a:pPr algn="ctr"/>
+            <a:r>
+              <a:rPr lang="ko-KR" altLang="en-US" sz="1000" dirty="0" smtClean="0"/>
+              <a:t>범위 값</a:t>
+            </a:r>
+            <a:endParaRPr lang="ko-KR" altLang="en-US" sz="1000" dirty="0"/>
+          </a:p>
+        </p:txBody>
+      </p:sp>
+      <p:sp>
+        <p:nvSpPr>
+          <p:cNvPr id="18" name="직사각형 17"/>
+          <p:cNvSpPr/>
+          <p:nvPr/>
+        </p:nvSpPr>
+        <p:spPr>
+          <a:xfrm>
+            <a:off x="1338598" y="3350514"/>
+            <a:ext cx="936104" cy="432048"/>
+          </a:xfrm>
+          <a:prstGeom prst="rect">
+            <a:avLst/>
+          </a:prstGeom>
+        </p:spPr>
+        <p:style>
+          <a:lnRef idx="2">
+            <a:schemeClr val="accent1">
+              <a:shade val="50000"/>
+            </a:schemeClr>
+          </a:lnRef>
+          <a:fillRef idx="1">
+            <a:schemeClr val="accent1"/>
+          </a:fillRef>
+          <a:effectRef idx="0">
+            <a:schemeClr val="accent1"/>
+          </a:effectRef>
+          <a:fontRef idx="minor">
+            <a:schemeClr val="lt1"/>
+          </a:fontRef>
+        </p:style>
+        <p:txBody>
+          <a:bodyPr rtlCol="0" anchor="ctr"/>
+          <a:lstStyle/>
+          <a:p>
+            <a:pPr algn="ctr"/>
+            <a:r>
+              <a:rPr lang="ko-KR" altLang="en-US" sz="1000" dirty="0" smtClean="0"/>
+              <a:t>지속시간 값</a:t>
+            </a:r>
+            <a:endParaRPr lang="ko-KR" altLang="en-US" sz="1000" dirty="0"/>
+          </a:p>
+        </p:txBody>
+      </p:sp>
+      <p:sp>
+        <p:nvSpPr>
+          <p:cNvPr id="19" name="직사각형 18"/>
+          <p:cNvSpPr/>
+          <p:nvPr/>
+        </p:nvSpPr>
+        <p:spPr>
+          <a:xfrm>
+            <a:off x="1338598" y="3914526"/>
+            <a:ext cx="936104" cy="432048"/>
+          </a:xfrm>
+          <a:prstGeom prst="rect">
+            <a:avLst/>
+          </a:prstGeom>
+        </p:spPr>
+        <p:style>
+          <a:lnRef idx="2">
+            <a:schemeClr val="accent1">
+              <a:shade val="50000"/>
+            </a:schemeClr>
+          </a:lnRef>
+          <a:fillRef idx="1">
+            <a:schemeClr val="accent1"/>
+          </a:fillRef>
+          <a:effectRef idx="0">
+            <a:schemeClr val="accent1"/>
+          </a:effectRef>
+          <a:fontRef idx="minor">
+            <a:schemeClr val="lt1"/>
+          </a:fontRef>
+        </p:style>
+        <p:txBody>
+          <a:bodyPr rtlCol="0" anchor="ctr"/>
+          <a:lstStyle/>
+          <a:p>
+            <a:pPr algn="ctr"/>
+            <a:r>
+              <a:rPr lang="en-US" altLang="ko-KR" sz="1000" dirty="0" err="1" smtClean="0"/>
+              <a:t>Hp</a:t>
+            </a:r>
+            <a:r>
+              <a:rPr lang="ko-KR" altLang="en-US" sz="1000" dirty="0" err="1" smtClean="0"/>
+              <a:t>회복값</a:t>
+            </a:r>
+            <a:endParaRPr lang="ko-KR" altLang="en-US" sz="1000" dirty="0"/>
+          </a:p>
+        </p:txBody>
+      </p:sp>
+      <p:sp>
+        <p:nvSpPr>
+          <p:cNvPr id="20" name="직사각형 19"/>
+          <p:cNvSpPr/>
+          <p:nvPr/>
+        </p:nvSpPr>
+        <p:spPr>
+          <a:xfrm>
+            <a:off x="1338598" y="4441149"/>
+            <a:ext cx="936104" cy="504056"/>
+          </a:xfrm>
+          <a:prstGeom prst="rect">
+            <a:avLst/>
+          </a:prstGeom>
+        </p:spPr>
+        <p:style>
+          <a:lnRef idx="2">
+            <a:schemeClr val="accent1">
+              <a:shade val="50000"/>
+            </a:schemeClr>
+          </a:lnRef>
+          <a:fillRef idx="1">
+            <a:schemeClr val="accent1"/>
+          </a:fillRef>
+          <a:effectRef idx="0">
+            <a:schemeClr val="accent1"/>
+          </a:effectRef>
+          <a:fontRef idx="minor">
+            <a:schemeClr val="lt1"/>
+          </a:fontRef>
+        </p:style>
+        <p:txBody>
+          <a:bodyPr rtlCol="0" anchor="ctr"/>
+          <a:lstStyle/>
+          <a:p>
+            <a:pPr algn="ctr"/>
+            <a:r>
+              <a:rPr lang="en-US" altLang="ko-KR" sz="1000" dirty="0" err="1" smtClean="0"/>
+              <a:t>ExValue</a:t>
+            </a:r>
+            <a:endParaRPr lang="ko-KR" altLang="en-US" sz="1000" dirty="0"/>
           </a:p>
         </p:txBody>
       </p:sp>
     </p:spTree>
     <p:extLst>
       <p:ext uri="{BB962C8B-B14F-4D97-AF65-F5344CB8AC3E}">
-        <p14:creationId xmlns:p14="http://schemas.microsoft.com/office/powerpoint/2010/main" val="1055793151"/>
+        <p14:creationId xmlns:p14="http://schemas.microsoft.com/office/powerpoint/2010/main" val="3225723632"/>
       </p:ext>
     </p:extLst>
   </p:cSld>
@@ -6805,7 +6953,7 @@
             </a:pPr>
             <a:r>
               <a:rPr lang="en-US" altLang="ko-KR" sz="900" dirty="0" smtClean="0"/>
-              <a:t>UID : 3</a:t>
+              <a:t>UID : 1</a:t>
             </a:r>
           </a:p>
           <a:p>
@@ -6819,7 +6967,7 @@
             </a:r>
             <a:r>
               <a:rPr lang="en-US" altLang="ko-KR" sz="900" dirty="0" smtClean="0"/>
-              <a:t> : 30</a:t>
+              <a:t>: 20</a:t>
             </a:r>
           </a:p>
           <a:p>
@@ -6837,7 +6985,7 @@
             </a:r>
             <a:r>
               <a:rPr lang="en-US" altLang="ko-KR" sz="900" dirty="0" smtClean="0"/>
-              <a:t> : 0</a:t>
+              <a:t> : 2</a:t>
             </a:r>
           </a:p>
           <a:p>
@@ -6855,7 +7003,7 @@
             </a:r>
             <a:r>
               <a:rPr lang="en-US" altLang="ko-KR" sz="900" dirty="0" smtClean="0"/>
-              <a:t> : 3</a:t>
+              <a:t> : 2</a:t>
             </a:r>
           </a:p>
           <a:p>
@@ -6887,7 +7035,7 @@
             </a:r>
             <a:r>
               <a:rPr lang="en-US" altLang="ko-KR" sz="900" dirty="0" smtClean="0"/>
-              <a:t> : 0</a:t>
+              <a:t> : 100</a:t>
             </a:r>
             <a:endParaRPr lang="en-US" altLang="ko-KR" sz="900" dirty="0"/>
           </a:p>
@@ -6912,7 +7060,7 @@
             </a:r>
             <a:r>
               <a:rPr lang="en-US" altLang="ko-KR" sz="900" dirty="0" smtClean="0"/>
-              <a:t> : 3</a:t>
+              <a:t> : 0</a:t>
             </a:r>
           </a:p>
           <a:p>
@@ -6932,7 +7080,7 @@
             </a:pPr>
             <a:r>
               <a:rPr lang="en-US" altLang="ko-KR" sz="900" dirty="0" smtClean="0"/>
-              <a:t>Type : (Shield)</a:t>
+              <a:t>Type : (Instant Heal)</a:t>
             </a:r>
           </a:p>
           <a:p>
@@ -6946,7 +7094,7 @@
             </a:r>
             <a:r>
               <a:rPr lang="en-US" altLang="ko-KR" sz="900" dirty="0" smtClean="0"/>
-              <a:t> : 200</a:t>
+              <a:t> : 0</a:t>
             </a:r>
           </a:p>
           <a:p>
@@ -6995,8 +7143,12 @@
           <a:p>
             <a:pPr algn="ctr"/>
             <a:r>
+              <a:rPr lang="ko-KR" altLang="en-US" dirty="0" smtClean="0"/>
+              <a:t>직접 </a:t>
+            </a:r>
+            <a:r>
               <a:rPr lang="ko-KR" altLang="en-US" dirty="0" err="1" smtClean="0"/>
-              <a:t>쉴드</a:t>
+              <a:t>힐</a:t>
             </a:r>
             <a:endParaRPr lang="ko-KR" altLang="en-US" dirty="0"/>
           </a:p>
@@ -7011,7 +7163,7 @@
         <p:spPr>
           <a:xfrm>
             <a:off x="4568606" y="2931790"/>
-            <a:ext cx="3679196" cy="2054409"/>
+            <a:ext cx="3679196" cy="2192908"/>
           </a:xfrm>
           <a:prstGeom prst="rect">
             <a:avLst/>
@@ -7042,7 +7194,7 @@
             </a:pPr>
             <a:r>
               <a:rPr lang="en-US" altLang="ko-KR" sz="900" dirty="0" smtClean="0"/>
-              <a:t>UID : 4</a:t>
+              <a:t>UID : 2</a:t>
             </a:r>
           </a:p>
           <a:p>
@@ -7124,7 +7276,7 @@
             </a:r>
             <a:r>
               <a:rPr lang="en-US" altLang="ko-KR" sz="900" dirty="0" smtClean="0"/>
-              <a:t> : 0</a:t>
+              <a:t> : 20</a:t>
             </a:r>
             <a:endParaRPr lang="en-US" altLang="ko-KR" sz="900" dirty="0"/>
           </a:p>
@@ -7149,7 +7301,7 @@
             </a:r>
             <a:r>
               <a:rPr lang="en-US" altLang="ko-KR" sz="900" dirty="0" smtClean="0"/>
-              <a:t> : 10</a:t>
+              <a:t> : 5</a:t>
             </a:r>
           </a:p>
           <a:p>
@@ -7169,7 +7321,7 @@
             </a:pPr>
             <a:r>
               <a:rPr lang="en-US" altLang="ko-KR" sz="900" dirty="0" smtClean="0"/>
-              <a:t>Type : Buff</a:t>
+              <a:t>Type : (Dot Heal)</a:t>
             </a:r>
           </a:p>
           <a:p>
@@ -7183,29 +7335,56 @@
             </a:r>
             <a:r>
               <a:rPr lang="en-US" altLang="ko-KR" sz="900" dirty="0" smtClean="0"/>
-              <a:t> : 10</a:t>
-            </a:r>
-          </a:p>
-          <a:p>
-            <a:pPr marL="171450" indent="-171450">
-              <a:buFont typeface="Wingdings" pitchFamily="2" charset="2"/>
-              <a:buChar char="§"/>
-            </a:pPr>
-            <a:r>
-              <a:rPr lang="ko-KR" altLang="en-US" sz="900" dirty="0" err="1" smtClean="0"/>
-              <a:t>타겟</a:t>
-            </a:r>
-            <a:r>
-              <a:rPr lang="ko-KR" altLang="en-US" sz="900" dirty="0" smtClean="0"/>
-              <a:t> 방어력을 </a:t>
+              <a:t> : 1</a:t>
+            </a:r>
+          </a:p>
+          <a:p>
+            <a:pPr marL="171450" indent="-171450">
+              <a:buFont typeface="Wingdings" pitchFamily="2" charset="2"/>
+              <a:buChar char="§"/>
+            </a:pPr>
+            <a:endParaRPr lang="en-US" altLang="ko-KR" sz="900" dirty="0"/>
+          </a:p>
+          <a:p>
+            <a:pPr marL="171450" indent="-171450">
+              <a:buFont typeface="Wingdings" pitchFamily="2" charset="2"/>
+              <a:buChar char="§"/>
+            </a:pPr>
+            <a:r>
+              <a:rPr lang="en-US" altLang="ko-KR" sz="900" dirty="0" err="1" smtClean="0"/>
+              <a:t>RemainTime</a:t>
+            </a:r>
+            <a:r>
+              <a:rPr lang="ko-KR" altLang="en-US" sz="900" dirty="0" smtClean="0"/>
+              <a:t>동안 </a:t>
             </a:r>
             <a:r>
               <a:rPr lang="en-US" altLang="ko-KR" sz="900" dirty="0" err="1" smtClean="0"/>
               <a:t>ExValue</a:t>
             </a:r>
             <a:r>
-              <a:rPr lang="ko-KR" altLang="en-US" sz="900" dirty="0" smtClean="0"/>
-              <a:t>만큼 증가</a:t>
+              <a:rPr lang="en-US" altLang="ko-KR" sz="900" dirty="0" smtClean="0"/>
+              <a:t>(</a:t>
+            </a:r>
+            <a:r>
+              <a:rPr lang="ko-KR" altLang="en-US" sz="900" dirty="0" smtClean="0"/>
+              <a:t>초</a:t>
+            </a:r>
+            <a:r>
+              <a:rPr lang="en-US" altLang="ko-KR" sz="900" dirty="0" smtClean="0"/>
+              <a:t>)</a:t>
+            </a:r>
+            <a:r>
+              <a:rPr lang="ko-KR" altLang="en-US" sz="900" dirty="0" smtClean="0"/>
+              <a:t>마다 </a:t>
+            </a:r>
+            <a:r>
+              <a:rPr lang="en-US" altLang="ko-KR" sz="900" dirty="0" err="1" smtClean="0"/>
+              <a:t>HealValue</a:t>
+            </a:r>
+            <a:r>
+              <a:rPr lang="ko-KR" altLang="en-US" sz="900" dirty="0" smtClean="0"/>
+              <a:t>값 회복</a:t>
             </a:r>
             <a:endParaRPr lang="en-US" altLang="ko-KR" sz="900" dirty="0" smtClean="0"/>
           </a:p>
@@ -7256,11 +7435,11 @@
             <a:pPr algn="ctr"/>
             <a:r>
               <a:rPr lang="ko-KR" altLang="en-US" dirty="0" smtClean="0"/>
-              <a:t>방어력 </a:t>
+              <a:t>도트 </a:t>
             </a:r>
             <a:r>
               <a:rPr lang="ko-KR" altLang="en-US" dirty="0" err="1" smtClean="0"/>
-              <a:t>버프</a:t>
+              <a:t>힐</a:t>
             </a:r>
             <a:endParaRPr lang="ko-KR" altLang="en-US" dirty="0"/>
           </a:p>
@@ -7269,7 +7448,7 @@
     </p:spTree>
     <p:extLst>
       <p:ext uri="{BB962C8B-B14F-4D97-AF65-F5344CB8AC3E}">
-        <p14:creationId xmlns:p14="http://schemas.microsoft.com/office/powerpoint/2010/main" val="2385038318"/>
+        <p14:creationId xmlns:p14="http://schemas.microsoft.com/office/powerpoint/2010/main" val="1055793151"/>
       </p:ext>
     </p:extLst>
   </p:cSld>
@@ -7407,7 +7586,7 @@
         <p:spPr>
           <a:xfrm>
             <a:off x="251520" y="2931790"/>
-            <a:ext cx="3679196" cy="2054409"/>
+            <a:ext cx="3679196" cy="1915909"/>
           </a:xfrm>
           <a:prstGeom prst="rect">
             <a:avLst/>
@@ -7438,7 +7617,7 @@
             </a:pPr>
             <a:r>
               <a:rPr lang="en-US" altLang="ko-KR" sz="900" dirty="0" smtClean="0"/>
-              <a:t>UID : 5</a:t>
+              <a:t>UID : 3</a:t>
             </a:r>
           </a:p>
           <a:p>
@@ -7565,13 +7744,8 @@
             </a:pPr>
             <a:r>
               <a:rPr lang="en-US" altLang="ko-KR" sz="900" dirty="0" smtClean="0"/>
-              <a:t>Type : </a:t>
-            </a:r>
-            <a:r>
-              <a:rPr lang="en-US" altLang="ko-KR" sz="900" dirty="0" err="1" smtClean="0"/>
-              <a:t>Debuff</a:t>
-            </a:r>
-            <a:endParaRPr lang="en-US" altLang="ko-KR" sz="900" dirty="0" smtClean="0"/>
+              <a:t>Type : (Shield)</a:t>
+            </a:r>
           </a:p>
           <a:p>
             <a:pPr marL="171450" indent="-171450">
@@ -7584,31 +7758,8 @@
             </a:r>
             <a:r>
               <a:rPr lang="en-US" altLang="ko-KR" sz="900" dirty="0" smtClean="0"/>
-              <a:t> : 10</a:t>
-            </a:r>
-          </a:p>
-          <a:p>
-            <a:pPr marL="171450" indent="-171450">
-              <a:buFont typeface="Wingdings" pitchFamily="2" charset="2"/>
-              <a:buChar char="§"/>
-            </a:pPr>
-            <a:r>
-              <a:rPr lang="ko-KR" altLang="en-US" sz="900" dirty="0" err="1" smtClean="0"/>
-              <a:t>타겟</a:t>
-            </a:r>
-            <a:r>
-              <a:rPr lang="ko-KR" altLang="en-US" sz="900" dirty="0" smtClean="0"/>
-              <a:t> 공격력을 </a:t>
-            </a:r>
-            <a:r>
-              <a:rPr lang="en-US" altLang="ko-KR" sz="900" dirty="0" err="1" smtClean="0"/>
-              <a:t>ExValue</a:t>
-            </a:r>
-            <a:r>
-              <a:rPr lang="ko-KR" altLang="en-US" sz="900" dirty="0" smtClean="0"/>
-              <a:t>만큼 감소</a:t>
-            </a:r>
-            <a:endParaRPr lang="en-US" altLang="ko-KR" sz="900" dirty="0" smtClean="0"/>
+              <a:t> : 200</a:t>
+            </a:r>
           </a:p>
           <a:p>
             <a:pPr marL="171450" indent="-171450">
@@ -7656,12 +7807,8 @@
           <a:p>
             <a:pPr algn="ctr"/>
             <a:r>
-              <a:rPr lang="ko-KR" altLang="en-US" dirty="0" smtClean="0"/>
-              <a:t>공격력 </a:t>
-            </a:r>
-            <a:r>
               <a:rPr lang="ko-KR" altLang="en-US" dirty="0" err="1" smtClean="0"/>
-              <a:t>디버프</a:t>
+              <a:t>쉴드</a:t>
             </a:r>
             <a:endParaRPr lang="ko-KR" altLang="en-US" dirty="0"/>
           </a:p>
@@ -7676,7 +7823,7 @@
         <p:spPr>
           <a:xfrm>
             <a:off x="4568606" y="2931790"/>
-            <a:ext cx="3679196" cy="1915909"/>
+            <a:ext cx="3679196" cy="2054409"/>
           </a:xfrm>
           <a:prstGeom prst="rect">
             <a:avLst/>
@@ -7707,7 +7854,7 @@
             </a:pPr>
             <a:r>
               <a:rPr lang="en-US" altLang="ko-KR" sz="900" dirty="0" smtClean="0"/>
-              <a:t>UID : 6</a:t>
+              <a:t>UID : 4</a:t>
             </a:r>
           </a:p>
           <a:p>
@@ -7721,7 +7868,7 @@
             </a:r>
             <a:r>
               <a:rPr lang="en-US" altLang="ko-KR" sz="900" dirty="0" smtClean="0"/>
-              <a:t> : 0</a:t>
+              <a:t> : 10</a:t>
             </a:r>
           </a:p>
           <a:p>
@@ -7739,7 +7886,7 @@
             </a:r>
             <a:r>
               <a:rPr lang="en-US" altLang="ko-KR" sz="900" dirty="0" smtClean="0"/>
-              <a:t> : 0</a:t>
+              <a:t> : 1</a:t>
             </a:r>
           </a:p>
           <a:p>
@@ -7757,7 +7904,7 @@
             </a:r>
             <a:r>
               <a:rPr lang="en-US" altLang="ko-KR" sz="900" dirty="0" smtClean="0"/>
-              <a:t> : 120</a:t>
+              <a:t> : 2</a:t>
             </a:r>
           </a:p>
           <a:p>
@@ -7814,7 +7961,7 @@
             </a:r>
             <a:r>
               <a:rPr lang="en-US" altLang="ko-KR" sz="900" dirty="0" smtClean="0"/>
-              <a:t> : 3</a:t>
+              <a:t> : 10</a:t>
             </a:r>
           </a:p>
           <a:p>
@@ -7834,7 +7981,7 @@
             </a:pPr>
             <a:r>
               <a:rPr lang="en-US" altLang="ko-KR" sz="900" dirty="0" smtClean="0"/>
-              <a:t>Type : Shield</a:t>
+              <a:t>Type : Buff</a:t>
             </a:r>
           </a:p>
           <a:p>
@@ -7848,10 +7995,37 @@
             </a:r>
             <a:r>
               <a:rPr lang="en-US" altLang="ko-KR" sz="900" dirty="0" smtClean="0"/>
-              <a:t> : 9999</a:t>
-            </a:r>
-          </a:p>
-          <a:p>
+              <a:t> : 10</a:t>
+            </a:r>
+          </a:p>
+          <a:p>
+            <a:pPr marL="171450" indent="-171450">
+              <a:buFont typeface="Wingdings" pitchFamily="2" charset="2"/>
+              <a:buChar char="§"/>
+            </a:pPr>
+            <a:r>
+              <a:rPr lang="ko-KR" altLang="en-US" sz="900" dirty="0" err="1" smtClean="0"/>
+              <a:t>타겟</a:t>
+            </a:r>
+            <a:r>
+              <a:rPr lang="ko-KR" altLang="en-US" sz="900" dirty="0" smtClean="0"/>
+              <a:t> 방어력을 </a:t>
+            </a:r>
+            <a:r>
+              <a:rPr lang="en-US" altLang="ko-KR" sz="900" dirty="0" err="1" smtClean="0"/>
+              <a:t>ExValue</a:t>
+            </a:r>
+            <a:r>
+              <a:rPr lang="ko-KR" altLang="en-US" sz="900" dirty="0" smtClean="0"/>
+              <a:t>만큼 증가</a:t>
+            </a:r>
+            <a:endParaRPr lang="en-US" altLang="ko-KR" sz="900" dirty="0" smtClean="0"/>
+          </a:p>
+          <a:p>
+            <a:pPr marL="171450" indent="-171450">
+              <a:buFont typeface="Wingdings" pitchFamily="2" charset="2"/>
+              <a:buChar char="§"/>
+            </a:pPr>
             <a:endParaRPr lang="en-US" altLang="ko-KR" sz="900" dirty="0" smtClean="0"/>
           </a:p>
         </p:txBody>
@@ -7894,19 +8068,11 @@
             <a:pPr algn="ctr"/>
             <a:r>
               <a:rPr lang="ko-KR" altLang="en-US" dirty="0" smtClean="0"/>
-              <a:t>무적</a:t>
-            </a:r>
-            <a:r>
-              <a:rPr lang="en-US" altLang="ko-KR" dirty="0" smtClean="0"/>
-              <a:t>(</a:t>
+              <a:t>방어력 </a:t>
             </a:r>
             <a:r>
               <a:rPr lang="ko-KR" altLang="en-US" dirty="0" err="1" smtClean="0"/>
-              <a:t>쉴드</a:t>
-            </a:r>
-            <a:r>
-              <a:rPr lang="en-US" altLang="ko-KR" dirty="0" smtClean="0"/>
-              <a:t>)</a:t>
+              <a:t>버프</a:t>
             </a:r>
             <a:endParaRPr lang="ko-KR" altLang="en-US" dirty="0"/>
           </a:p>
@@ -7915,7 +8081,7 @@
     </p:spTree>
     <p:extLst>
       <p:ext uri="{BB962C8B-B14F-4D97-AF65-F5344CB8AC3E}">
-        <p14:creationId xmlns:p14="http://schemas.microsoft.com/office/powerpoint/2010/main" val="2420299140"/>
+        <p14:creationId xmlns:p14="http://schemas.microsoft.com/office/powerpoint/2010/main" val="2385038318"/>
       </p:ext>
     </p:extLst>
   </p:cSld>
@@ -8084,7 +8250,7 @@
             </a:pPr>
             <a:r>
               <a:rPr lang="en-US" altLang="ko-KR" sz="900" dirty="0" smtClean="0"/>
-              <a:t>UID : 7</a:t>
+              <a:t>UID : 5</a:t>
             </a:r>
           </a:p>
           <a:p>
@@ -8134,7 +8300,7 @@
             </a:r>
             <a:r>
               <a:rPr lang="en-US" altLang="ko-KR" sz="900" dirty="0" smtClean="0"/>
-              <a:t> : 15</a:t>
+              <a:t> : 3</a:t>
             </a:r>
           </a:p>
           <a:p>
@@ -8211,8 +8377,13 @@
             </a:pPr>
             <a:r>
               <a:rPr lang="en-US" altLang="ko-KR" sz="900" dirty="0" smtClean="0"/>
-              <a:t>Type : Special</a:t>
-            </a:r>
+              <a:t>Type : </a:t>
+            </a:r>
+            <a:r>
+              <a:rPr lang="en-US" altLang="ko-KR" sz="900" dirty="0" err="1" smtClean="0"/>
+              <a:t>Debuff</a:t>
+            </a:r>
+            <a:endParaRPr lang="en-US" altLang="ko-KR" sz="900" dirty="0" smtClean="0"/>
           </a:p>
           <a:p>
             <a:pPr marL="171450" indent="-171450">
@@ -8225,25 +8396,29 @@
             </a:r>
             <a:r>
               <a:rPr lang="en-US" altLang="ko-KR" sz="900" dirty="0" smtClean="0"/>
-              <a:t> : 0</a:t>
-            </a:r>
-          </a:p>
-          <a:p>
-            <a:pPr marL="171450" indent="-171450">
-              <a:buFont typeface="Wingdings" pitchFamily="2" charset="2"/>
-              <a:buChar char="§"/>
-            </a:pPr>
-            <a:r>
-              <a:rPr lang="ko-KR" altLang="en-US" sz="900" dirty="0" smtClean="0"/>
-              <a:t>선택한 </a:t>
-            </a:r>
+              <a:t> : 10</a:t>
+            </a:r>
+          </a:p>
+          <a:p>
+            <a:pPr marL="171450" indent="-171450">
+              <a:buFont typeface="Wingdings" pitchFamily="2" charset="2"/>
+              <a:buChar char="§"/>
+            </a:pPr>
             <a:r>
               <a:rPr lang="ko-KR" altLang="en-US" sz="900" dirty="0" err="1" smtClean="0"/>
-              <a:t>타겟을</a:t>
-            </a:r>
-            <a:r>
-              <a:rPr lang="ko-KR" altLang="en-US" sz="900" dirty="0" smtClean="0"/>
-              <a:t> 내 앞으로 당겨온다</a:t>
+              <a:t>타겟</a:t>
+            </a:r>
+            <a:r>
+              <a:rPr lang="ko-KR" altLang="en-US" sz="900" dirty="0" smtClean="0"/>
+              <a:t> 공격력을 </a:t>
+            </a:r>
+            <a:r>
+              <a:rPr lang="en-US" altLang="ko-KR" sz="900" dirty="0" err="1" smtClean="0"/>
+              <a:t>ExValue</a:t>
+            </a:r>
+            <a:r>
+              <a:rPr lang="ko-KR" altLang="en-US" sz="900" dirty="0" smtClean="0"/>
+              <a:t>만큼 감소</a:t>
             </a:r>
             <a:endParaRPr lang="en-US" altLang="ko-KR" sz="900" dirty="0" smtClean="0"/>
           </a:p>
@@ -8294,12 +8469,13 @@
             <a:pPr algn="ctr"/>
             <a:r>
               <a:rPr lang="ko-KR" altLang="en-US" dirty="0" smtClean="0"/>
-              <a:t>당기</a:t>
-            </a:r>
-            <a:r>
-              <a:rPr lang="ko-KR" altLang="en-US" dirty="0"/>
-              <a:t>기</a:t>
-            </a:r>
+              <a:t>공격력 </a:t>
+            </a:r>
+            <a:r>
+              <a:rPr lang="ko-KR" altLang="en-US" dirty="0" err="1" smtClean="0"/>
+              <a:t>디버프</a:t>
+            </a:r>
+            <a:endParaRPr lang="ko-KR" altLang="en-US" dirty="0"/>
           </a:p>
         </p:txBody>
       </p:sp>
@@ -8312,7 +8488,7 @@
         <p:spPr>
           <a:xfrm>
             <a:off x="4568606" y="2931790"/>
-            <a:ext cx="3679196" cy="2054409"/>
+            <a:ext cx="3679196" cy="1915909"/>
           </a:xfrm>
           <a:prstGeom prst="rect">
             <a:avLst/>
@@ -8343,7 +8519,7 @@
             </a:pPr>
             <a:r>
               <a:rPr lang="en-US" altLang="ko-KR" sz="900" dirty="0" smtClean="0"/>
-              <a:t>UID : 8</a:t>
+              <a:t>UID : 6</a:t>
             </a:r>
           </a:p>
           <a:p>
@@ -8357,7 +8533,7 @@
             </a:r>
             <a:r>
               <a:rPr lang="en-US" altLang="ko-KR" sz="900" dirty="0" smtClean="0"/>
-              <a:t> : 10</a:t>
+              <a:t> : 0</a:t>
             </a:r>
           </a:p>
           <a:p>
@@ -8436,7 +8612,7 @@
             </a:pPr>
             <a:r>
               <a:rPr lang="en-US" altLang="ko-KR" sz="900" dirty="0" smtClean="0"/>
-              <a:t>Range : 100</a:t>
+              <a:t>Range : 0</a:t>
             </a:r>
           </a:p>
           <a:p>
@@ -8450,23 +8626,18 @@
             </a:r>
             <a:r>
               <a:rPr lang="en-US" altLang="ko-KR" sz="900" dirty="0" smtClean="0"/>
-              <a:t> : 5</a:t>
-            </a:r>
-          </a:p>
-          <a:p>
-            <a:pPr marL="171450" indent="-171450">
-              <a:buFont typeface="Wingdings" pitchFamily="2" charset="2"/>
-              <a:buChar char="§"/>
-            </a:pPr>
-            <a:r>
-              <a:rPr lang="en-US" altLang="ko-KR" sz="900" dirty="0" smtClean="0"/>
-              <a:t>System : </a:t>
-            </a:r>
-            <a:r>
-              <a:rPr lang="en-US" altLang="ko-KR" sz="900" dirty="0" err="1" smtClean="0"/>
-              <a:t>NoneTarget</a:t>
-            </a:r>
-            <a:endParaRPr lang="en-US" altLang="ko-KR" sz="900" dirty="0" smtClean="0"/>
+              <a:t> : 3</a:t>
+            </a:r>
+          </a:p>
+          <a:p>
+            <a:pPr marL="171450" indent="-171450">
+              <a:buFont typeface="Wingdings" pitchFamily="2" charset="2"/>
+              <a:buChar char="§"/>
+            </a:pPr>
+            <a:r>
+              <a:rPr lang="en-US" altLang="ko-KR" sz="900" dirty="0" smtClean="0"/>
+              <a:t>System : Target</a:t>
+            </a:r>
           </a:p>
           <a:p>
             <a:pPr marL="171450" indent="-171450">
@@ -8489,61 +8660,10 @@
             </a:r>
             <a:r>
               <a:rPr lang="en-US" altLang="ko-KR" sz="900" dirty="0" smtClean="0"/>
-              <a:t> : 200</a:t>
-            </a:r>
-          </a:p>
-          <a:p>
-            <a:pPr marL="171450" indent="-171450">
-              <a:buFont typeface="Wingdings" pitchFamily="2" charset="2"/>
-              <a:buChar char="§"/>
-            </a:pPr>
-            <a:r>
-              <a:rPr lang="ko-KR" altLang="en-US" sz="900" dirty="0" err="1" smtClean="0"/>
-              <a:t>논타겟으로지정한</a:t>
-            </a:r>
-            <a:r>
-              <a:rPr lang="ko-KR" altLang="en-US" sz="900" dirty="0" smtClean="0"/>
-              <a:t> 곳으로부터 </a:t>
-            </a:r>
-            <a:r>
-              <a:rPr lang="en-US" altLang="ko-KR" sz="900" dirty="0" smtClean="0"/>
-              <a:t>Range(</a:t>
-            </a:r>
-            <a:r>
-              <a:rPr lang="ko-KR" altLang="en-US" sz="900" dirty="0" smtClean="0"/>
-              <a:t>원형</a:t>
-            </a:r>
-            <a:r>
-              <a:rPr lang="en-US" altLang="ko-KR" sz="900" dirty="0" smtClean="0"/>
-              <a:t>, </a:t>
-            </a:r>
-            <a:r>
-              <a:rPr lang="ko-KR" altLang="en-US" sz="900" dirty="0" smtClean="0"/>
-              <a:t>지름</a:t>
-            </a:r>
-            <a:r>
-              <a:rPr lang="en-US" altLang="ko-KR" sz="900" dirty="0" smtClean="0"/>
-              <a:t>)</a:t>
-            </a:r>
-            <a:r>
-              <a:rPr lang="ko-KR" altLang="en-US" sz="900" dirty="0" smtClean="0"/>
-              <a:t>내의 아군들을</a:t>
-            </a:r>
-            <a:endParaRPr lang="en-US" altLang="ko-KR" sz="900" dirty="0" smtClean="0"/>
-          </a:p>
-          <a:p>
-            <a:pPr marL="171450" indent="-171450">
-              <a:buFont typeface="Wingdings" pitchFamily="2" charset="2"/>
-              <a:buChar char="§"/>
-            </a:pPr>
-            <a:r>
-              <a:rPr lang="en-US" altLang="ko-KR" sz="900" dirty="0" err="1" smtClean="0"/>
-              <a:t>ExValue</a:t>
-            </a:r>
-            <a:r>
-              <a:rPr lang="ko-KR" altLang="en-US" sz="900" dirty="0" smtClean="0"/>
-              <a:t>만큼 보호</a:t>
-            </a:r>
+              <a:t> : 9999</a:t>
+            </a:r>
+          </a:p>
+          <a:p>
             <a:endParaRPr lang="en-US" altLang="ko-KR" sz="900" dirty="0" smtClean="0"/>
           </a:p>
         </p:txBody>
@@ -8586,19 +8706,28 @@
             <a:pPr algn="ctr"/>
             <a:r>
               <a:rPr lang="ko-KR" altLang="en-US" dirty="0" smtClean="0"/>
-              <a:t>방</a:t>
-            </a:r>
-            <a:r>
-              <a:rPr lang="ko-KR" altLang="en-US" dirty="0"/>
-              <a:t>벽</a:t>
-            </a:r>
+              <a:t>무적</a:t>
+            </a:r>
+            <a:r>
+              <a:rPr lang="en-US" altLang="ko-KR" dirty="0" smtClean="0"/>
+              <a:t>(</a:t>
+            </a:r>
+            <a:r>
+              <a:rPr lang="ko-KR" altLang="en-US" dirty="0" err="1" smtClean="0"/>
+              <a:t>쉴드</a:t>
+            </a:r>
+            <a:r>
+              <a:rPr lang="en-US" altLang="ko-KR" dirty="0" smtClean="0"/>
+              <a:t>)</a:t>
+            </a:r>
+            <a:endParaRPr lang="ko-KR" altLang="en-US" dirty="0"/>
           </a:p>
         </p:txBody>
       </p:sp>
     </p:spTree>
     <p:extLst>
       <p:ext uri="{BB962C8B-B14F-4D97-AF65-F5344CB8AC3E}">
-        <p14:creationId xmlns:p14="http://schemas.microsoft.com/office/powerpoint/2010/main" val="889469399"/>
+        <p14:creationId xmlns:p14="http://schemas.microsoft.com/office/powerpoint/2010/main" val="2420299140"/>
       </p:ext>
     </p:extLst>
   </p:cSld>
@@ -8735,7 +8864,7 @@
         </p:nvSpPr>
         <p:spPr>
           <a:xfrm>
-            <a:off x="241577" y="2920019"/>
+            <a:off x="251520" y="2931790"/>
             <a:ext cx="3679196" cy="2054409"/>
           </a:xfrm>
           <a:prstGeom prst="rect">
@@ -8767,7 +8896,7 @@
             </a:pPr>
             <a:r>
               <a:rPr lang="en-US" altLang="ko-KR" sz="900" dirty="0" smtClean="0"/>
-              <a:t>UID : 9</a:t>
+              <a:t>UID : 7</a:t>
             </a:r>
           </a:p>
           <a:p>
@@ -8817,7 +8946,7 @@
             </a:r>
             <a:r>
               <a:rPr lang="en-US" altLang="ko-KR" sz="900" dirty="0" smtClean="0"/>
-              <a:t> : 120</a:t>
+              <a:t> : 15</a:t>
             </a:r>
           </a:p>
           <a:p>
@@ -8860,7 +8989,7 @@
             </a:pPr>
             <a:r>
               <a:rPr lang="en-US" altLang="ko-KR" sz="900" dirty="0" smtClean="0"/>
-              <a:t>Range : 100</a:t>
+              <a:t>Range : 0</a:t>
             </a:r>
           </a:p>
           <a:p>
@@ -8874,23 +9003,18 @@
             </a:r>
             <a:r>
               <a:rPr lang="en-US" altLang="ko-KR" sz="900" dirty="0" smtClean="0"/>
-              <a:t> : 5</a:t>
-            </a:r>
-          </a:p>
-          <a:p>
-            <a:pPr marL="171450" indent="-171450">
-              <a:buFont typeface="Wingdings" pitchFamily="2" charset="2"/>
-              <a:buChar char="§"/>
-            </a:pPr>
-            <a:r>
-              <a:rPr lang="en-US" altLang="ko-KR" sz="900" dirty="0" smtClean="0"/>
-              <a:t>System : </a:t>
-            </a:r>
-            <a:r>
-              <a:rPr lang="en-US" altLang="ko-KR" sz="900" dirty="0" err="1" smtClean="0"/>
-              <a:t>NoneTarget</a:t>
-            </a:r>
-            <a:endParaRPr lang="en-US" altLang="ko-KR" sz="900" dirty="0" smtClean="0"/>
+              <a:t> : 3</a:t>
+            </a:r>
+          </a:p>
+          <a:p>
+            <a:pPr marL="171450" indent="-171450">
+              <a:buFont typeface="Wingdings" pitchFamily="2" charset="2"/>
+              <a:buChar char="§"/>
+            </a:pPr>
+            <a:r>
+              <a:rPr lang="en-US" altLang="ko-KR" sz="900" dirty="0" smtClean="0"/>
+              <a:t>System : Target</a:t>
+            </a:r>
           </a:p>
           <a:p>
             <a:pPr marL="171450" indent="-171450">
@@ -8922,77 +9046,25 @@
               <a:buChar char="§"/>
             </a:pPr>
             <a:r>
+              <a:rPr lang="ko-KR" altLang="en-US" sz="900" dirty="0" smtClean="0"/>
+              <a:t>선택한 </a:t>
+            </a:r>
+            <a:r>
               <a:rPr lang="ko-KR" altLang="en-US" sz="900" dirty="0" err="1" smtClean="0"/>
-              <a:t>논타겟으로</a:t>
-            </a:r>
-            <a:r>
-              <a:rPr lang="ko-KR" altLang="en-US" sz="900" dirty="0" smtClean="0"/>
-              <a:t> </a:t>
-            </a:r>
-            <a:r>
-              <a:rPr lang="ko-KR" altLang="en-US" sz="900" dirty="0" err="1" smtClean="0"/>
-              <a:t>지정한곳에</a:t>
-            </a:r>
-            <a:r>
-              <a:rPr lang="ko-KR" altLang="en-US" sz="900" dirty="0" smtClean="0"/>
-              <a:t> </a:t>
-            </a:r>
-            <a:r>
-              <a:rPr lang="en-US" altLang="ko-KR" sz="900" dirty="0" err="1" smtClean="0"/>
-              <a:t>hp</a:t>
-            </a:r>
-            <a:r>
-              <a:rPr lang="en-US" altLang="ko-KR" sz="900" dirty="0" smtClean="0"/>
-              <a:t> 1</a:t>
-            </a:r>
-            <a:r>
-              <a:rPr lang="ko-KR" altLang="en-US" sz="900" dirty="0" smtClean="0"/>
-              <a:t>의 </a:t>
-            </a:r>
-            <a:r>
-              <a:rPr lang="ko-KR" altLang="en-US" sz="900" dirty="0" err="1" smtClean="0"/>
-              <a:t>소환물</a:t>
-            </a:r>
-            <a:r>
-              <a:rPr lang="ko-KR" altLang="en-US" sz="900" dirty="0" smtClean="0"/>
-              <a:t> 설치</a:t>
-            </a:r>
-            <a:r>
-              <a:rPr lang="en-US" altLang="ko-KR" sz="900" dirty="0" smtClean="0"/>
-              <a:t>. </a:t>
-            </a:r>
-            <a:r>
-              <a:rPr lang="ko-KR" altLang="en-US" sz="900" dirty="0" err="1" smtClean="0"/>
-              <a:t>소환물이</a:t>
-            </a:r>
-            <a:r>
-              <a:rPr lang="ko-KR" altLang="en-US" sz="900" dirty="0" smtClean="0"/>
-              <a:t> 있는 동안</a:t>
-            </a:r>
-            <a:r>
-              <a:rPr lang="en-US" altLang="ko-KR" sz="900" dirty="0"/>
-              <a:t> </a:t>
-            </a:r>
-            <a:r>
-              <a:rPr lang="en-US" altLang="ko-KR" sz="900" dirty="0" smtClean="0"/>
-              <a:t>Range</a:t>
-            </a:r>
-            <a:r>
-              <a:rPr lang="ko-KR" altLang="en-US" sz="900" dirty="0" smtClean="0"/>
-              <a:t>내의 아군들은 </a:t>
-            </a:r>
-            <a:r>
-              <a:rPr lang="en-US" altLang="ko-KR" sz="900" dirty="0" err="1" smtClean="0"/>
-              <a:t>hp</a:t>
-            </a:r>
-            <a:r>
-              <a:rPr lang="ko-KR" altLang="en-US" sz="900" dirty="0" smtClean="0"/>
-              <a:t>를 공유하여 고르게 분배됨</a:t>
-            </a:r>
-            <a:r>
-              <a:rPr lang="en-US" altLang="ko-KR" sz="900" dirty="0" smtClean="0"/>
-              <a:t>.</a:t>
-            </a:r>
+              <a:t>타겟을</a:t>
+            </a:r>
+            <a:r>
+              <a:rPr lang="ko-KR" altLang="en-US" sz="900" dirty="0" smtClean="0"/>
+              <a:t> 내 앞으로 당겨온다</a:t>
+            </a:r>
+            <a:endParaRPr lang="en-US" altLang="ko-KR" sz="900" dirty="0" smtClean="0"/>
+          </a:p>
+          <a:p>
+            <a:pPr marL="171450" indent="-171450">
+              <a:buFont typeface="Wingdings" pitchFamily="2" charset="2"/>
+              <a:buChar char="§"/>
+            </a:pPr>
+            <a:endParaRPr lang="en-US" altLang="ko-KR" sz="900" dirty="0" smtClean="0"/>
           </a:p>
         </p:txBody>
       </p:sp>
@@ -9033,14 +9105,13 @@
           <a:p>
             <a:pPr algn="ctr"/>
             <a:r>
-              <a:rPr lang="ko-KR" altLang="en-US" dirty="0" err="1" smtClean="0"/>
-              <a:t>스피릿</a:t>
-            </a:r>
-            <a:r>
               <a:rPr lang="ko-KR" altLang="en-US" dirty="0" smtClean="0"/>
-              <a:t> 링크</a:t>
-            </a:r>
-            <a:endParaRPr lang="ko-KR" altLang="en-US" dirty="0"/>
+              <a:t>당기</a:t>
+            </a:r>
+            <a:r>
+              <a:rPr lang="ko-KR" altLang="en-US" dirty="0"/>
+              <a:t>기</a:t>
+            </a:r>
           </a:p>
         </p:txBody>
       </p:sp>
@@ -9053,7 +9124,7 @@
         <p:spPr>
           <a:xfrm>
             <a:off x="4568606" y="2931790"/>
-            <a:ext cx="3679196" cy="1915909"/>
+            <a:ext cx="3679196" cy="2054409"/>
           </a:xfrm>
           <a:prstGeom prst="rect">
             <a:avLst/>
@@ -9084,7 +9155,7 @@
             </a:pPr>
             <a:r>
               <a:rPr lang="en-US" altLang="ko-KR" sz="900" dirty="0" smtClean="0"/>
-              <a:t>UID : 10</a:t>
+              <a:t>UID : 8</a:t>
             </a:r>
           </a:p>
           <a:p>
@@ -9098,7 +9169,7 @@
             </a:r>
             <a:r>
               <a:rPr lang="en-US" altLang="ko-KR" sz="900" dirty="0" smtClean="0"/>
-              <a:t> : 50</a:t>
+              <a:t> : 10</a:t>
             </a:r>
           </a:p>
           <a:p>
@@ -9166,7 +9237,7 @@
             </a:r>
             <a:r>
               <a:rPr lang="en-US" altLang="ko-KR" sz="900" dirty="0" smtClean="0"/>
-              <a:t> : 50</a:t>
+              <a:t> : 0</a:t>
             </a:r>
             <a:endParaRPr lang="en-US" altLang="ko-KR" sz="900" dirty="0"/>
           </a:p>
@@ -9177,7 +9248,7 @@
             </a:pPr>
             <a:r>
               <a:rPr lang="en-US" altLang="ko-KR" sz="900" dirty="0" smtClean="0"/>
-              <a:t>Range : 500</a:t>
+              <a:t>Range : 100</a:t>
             </a:r>
           </a:p>
           <a:p>
@@ -9216,7 +9287,7 @@
             </a:pPr>
             <a:r>
               <a:rPr lang="en-US" altLang="ko-KR" sz="900" dirty="0" smtClean="0"/>
-              <a:t>Type : Dot Heal</a:t>
+              <a:t>Type : Shield</a:t>
             </a:r>
           </a:p>
           <a:p>
@@ -9230,7 +9301,7 @@
             </a:r>
             <a:r>
               <a:rPr lang="en-US" altLang="ko-KR" sz="900" dirty="0" smtClean="0"/>
-              <a:t> : 0.5</a:t>
+              <a:t> : 200</a:t>
             </a:r>
           </a:p>
           <a:p>
@@ -9240,43 +9311,50 @@
             </a:pPr>
             <a:r>
               <a:rPr lang="ko-KR" altLang="en-US" sz="900" dirty="0" err="1" smtClean="0"/>
-              <a:t>시전</a:t>
-            </a:r>
-            <a:r>
-              <a:rPr lang="ko-KR" altLang="en-US" sz="900" dirty="0" smtClean="0"/>
-              <a:t> 즉시 </a:t>
-            </a:r>
-            <a:r>
-              <a:rPr lang="en-US" altLang="ko-KR" sz="900" dirty="0" smtClean="0"/>
-              <a:t>Range </a:t>
-            </a:r>
-            <a:r>
-              <a:rPr lang="ko-KR" altLang="en-US" sz="900" dirty="0" smtClean="0"/>
-              <a:t>안의 아군들에게 </a:t>
-            </a:r>
+              <a:t>논타겟으로지정한</a:t>
+            </a:r>
+            <a:r>
+              <a:rPr lang="ko-KR" altLang="en-US" sz="900" dirty="0" smtClean="0"/>
+              <a:t> 곳으로부터 </a:t>
+            </a:r>
+            <a:r>
+              <a:rPr lang="en-US" altLang="ko-KR" sz="900" dirty="0" smtClean="0"/>
+              <a:t>Range(</a:t>
+            </a:r>
+            <a:r>
+              <a:rPr lang="ko-KR" altLang="en-US" sz="900" dirty="0" smtClean="0"/>
+              <a:t>원형</a:t>
+            </a:r>
+            <a:r>
+              <a:rPr lang="en-US" altLang="ko-KR" sz="900" dirty="0" smtClean="0"/>
+              <a:t>, </a:t>
+            </a:r>
+            <a:r>
+              <a:rPr lang="ko-KR" altLang="en-US" sz="900" dirty="0" smtClean="0"/>
+              <a:t>지름</a:t>
+            </a:r>
+            <a:r>
+              <a:rPr lang="en-US" altLang="ko-KR" sz="900" dirty="0" smtClean="0"/>
+              <a:t>)</a:t>
+            </a:r>
+            <a:r>
+              <a:rPr lang="ko-KR" altLang="en-US" sz="900" dirty="0" smtClean="0"/>
+              <a:t>내의 아군들을</a:t>
+            </a:r>
+            <a:endParaRPr lang="en-US" altLang="ko-KR" sz="900" dirty="0" smtClean="0"/>
+          </a:p>
+          <a:p>
+            <a:pPr marL="171450" indent="-171450">
+              <a:buFont typeface="Wingdings" pitchFamily="2" charset="2"/>
+              <a:buChar char="§"/>
+            </a:pPr>
             <a:r>
               <a:rPr lang="en-US" altLang="ko-KR" sz="900" dirty="0" err="1" smtClean="0"/>
               <a:t>ExValue</a:t>
             </a:r>
             <a:r>
-              <a:rPr lang="en-US" altLang="ko-KR" sz="900" dirty="0" smtClean="0"/>
-              <a:t>(</a:t>
-            </a:r>
-            <a:r>
-              <a:rPr lang="ko-KR" altLang="en-US" sz="900" dirty="0" smtClean="0"/>
-              <a:t>초</a:t>
-            </a:r>
-            <a:r>
-              <a:rPr lang="en-US" altLang="ko-KR" sz="900" dirty="0" smtClean="0"/>
-              <a:t>)</a:t>
-            </a:r>
-            <a:r>
-              <a:rPr lang="ko-KR" altLang="en-US" sz="900" dirty="0" smtClean="0"/>
-              <a:t>마다 </a:t>
-            </a:r>
-            <a:r>
-              <a:rPr lang="en-US" altLang="ko-KR" sz="900" dirty="0" err="1" smtClean="0"/>
-              <a:t>HealValue</a:t>
+              <a:rPr lang="ko-KR" altLang="en-US" sz="900" dirty="0" smtClean="0"/>
+              <a:t>만큼 보호</a:t>
             </a:r>
             <a:endParaRPr lang="en-US" altLang="ko-KR" sz="900" dirty="0" smtClean="0"/>
           </a:p>
@@ -9320,28 +9398,19 @@
             <a:pPr algn="ctr"/>
             <a:r>
               <a:rPr lang="ko-KR" altLang="en-US" dirty="0" smtClean="0"/>
-              <a:t>범</a:t>
+              <a:t>방</a:t>
             </a:r>
             <a:r>
               <a:rPr lang="ko-KR" altLang="en-US" dirty="0"/>
-              <a:t>위</a:t>
-            </a:r>
-            <a:r>
-              <a:rPr lang="ko-KR" altLang="en-US" dirty="0" smtClean="0"/>
-              <a:t> </a:t>
-            </a:r>
-            <a:r>
-              <a:rPr lang="ko-KR" altLang="en-US" dirty="0" err="1" smtClean="0"/>
-              <a:t>도트힐</a:t>
-            </a:r>
-            <a:endParaRPr lang="ko-KR" altLang="en-US" dirty="0"/>
+              <a:t>벽</a:t>
+            </a:r>
           </a:p>
         </p:txBody>
       </p:sp>
     </p:spTree>
     <p:extLst>
       <p:ext uri="{BB962C8B-B14F-4D97-AF65-F5344CB8AC3E}">
-        <p14:creationId xmlns:p14="http://schemas.microsoft.com/office/powerpoint/2010/main" val="160776434"/>
+        <p14:creationId xmlns:p14="http://schemas.microsoft.com/office/powerpoint/2010/main" val="889469399"/>
       </p:ext>
     </p:extLst>
   </p:cSld>
@@ -10127,6 +10196,749 @@
         </p:nvSpPr>
         <p:spPr>
           <a:xfrm>
+            <a:off x="-15038" y="6993"/>
+            <a:ext cx="9147313" cy="339502"/>
+          </a:xfrm>
+          <a:prstGeom prst="rect">
+            <a:avLst/>
+          </a:prstGeom>
+          <a:solidFill>
+            <a:schemeClr val="tx1"/>
+          </a:solidFill>
+          <a:ln>
+            <a:noFill/>
+          </a:ln>
+        </p:spPr>
+        <p:style>
+          <a:lnRef idx="2">
+            <a:schemeClr val="accent1">
+              <a:shade val="50000"/>
+            </a:schemeClr>
+          </a:lnRef>
+          <a:fillRef idx="1">
+            <a:schemeClr val="accent1"/>
+          </a:fillRef>
+          <a:effectRef idx="0">
+            <a:schemeClr val="accent1"/>
+          </a:effectRef>
+          <a:fontRef idx="minor">
+            <a:schemeClr val="lt1"/>
+          </a:fontRef>
+        </p:style>
+        <p:txBody>
+          <a:bodyPr rtlCol="0" anchor="ctr"/>
+          <a:lstStyle/>
+          <a:p>
+            <a:r>
+              <a:rPr lang="en-US" altLang="ko-KR" sz="1600" dirty="0" smtClean="0">
+                <a:solidFill>
+                  <a:schemeClr val="tx1">
+                    <a:lumMod val="50000"/>
+                    <a:lumOff val="50000"/>
+                  </a:schemeClr>
+                </a:solidFill>
+              </a:rPr>
+              <a:t>Don’t </a:t>
+            </a:r>
+            <a:r>
+              <a:rPr lang="en-US" altLang="ko-KR" sz="1600" dirty="0">
+                <a:solidFill>
+                  <a:schemeClr val="tx1">
+                    <a:lumMod val="50000"/>
+                    <a:lumOff val="50000"/>
+                  </a:schemeClr>
+                </a:solidFill>
+              </a:rPr>
+              <a:t>Die </a:t>
+            </a:r>
+            <a:r>
+              <a:rPr lang="en-US" altLang="ko-KR" sz="1600" b="1" dirty="0" smtClean="0">
+                <a:solidFill>
+                  <a:schemeClr val="bg1"/>
+                </a:solidFill>
+              </a:rPr>
+              <a:t>l </a:t>
+            </a:r>
+            <a:r>
+              <a:rPr lang="ko-KR" altLang="en-US" sz="1600" b="1" dirty="0" err="1" smtClean="0">
+                <a:solidFill>
+                  <a:schemeClr val="bg1"/>
+                </a:solidFill>
+              </a:rPr>
+              <a:t>힐러</a:t>
+            </a:r>
+            <a:r>
+              <a:rPr lang="ko-KR" altLang="en-US" sz="1600" b="1" dirty="0" smtClean="0">
+                <a:solidFill>
+                  <a:schemeClr val="bg1"/>
+                </a:solidFill>
+              </a:rPr>
+              <a:t> 스킬</a:t>
+            </a:r>
+            <a:endParaRPr lang="ko-KR" altLang="en-US" sz="1600" b="1" dirty="0">
+              <a:solidFill>
+                <a:schemeClr val="bg1"/>
+              </a:solidFill>
+            </a:endParaRPr>
+          </a:p>
+        </p:txBody>
+      </p:sp>
+      <p:sp>
+        <p:nvSpPr>
+          <p:cNvPr id="3" name="TextBox 2"/>
+          <p:cNvSpPr txBox="1"/>
+          <p:nvPr/>
+        </p:nvSpPr>
+        <p:spPr>
+          <a:xfrm>
+            <a:off x="241577" y="2920019"/>
+            <a:ext cx="3679196" cy="2054409"/>
+          </a:xfrm>
+          <a:prstGeom prst="rect">
+            <a:avLst/>
+          </a:prstGeom>
+          <a:solidFill>
+            <a:schemeClr val="accent5">
+              <a:lumMod val="20000"/>
+              <a:lumOff val="80000"/>
+            </a:schemeClr>
+          </a:solidFill>
+        </p:spPr>
+        <p:txBody>
+          <a:bodyPr wrap="square" rtlCol="0">
+            <a:spAutoFit/>
+          </a:bodyPr>
+          <a:lstStyle/>
+          <a:p>
+            <a:r>
+              <a:rPr lang="ko-KR" altLang="en-US" sz="1050" b="1" dirty="0" smtClean="0"/>
+              <a:t>스킬 값</a:t>
+            </a:r>
+            <a:endParaRPr lang="en-US" altLang="ko-KR" sz="1050" b="1" dirty="0" smtClean="0"/>
+          </a:p>
+          <a:p>
+            <a:pPr marL="171450" indent="-171450">
+              <a:buFont typeface="Wingdings" pitchFamily="2" charset="2"/>
+              <a:buChar char="§"/>
+            </a:pPr>
+            <a:r>
+              <a:rPr lang="en-US" altLang="ko-KR" sz="900" dirty="0" smtClean="0"/>
+              <a:t>UID : 9</a:t>
+            </a:r>
+          </a:p>
+          <a:p>
+            <a:pPr marL="171450" indent="-171450">
+              <a:buFont typeface="Wingdings" pitchFamily="2" charset="2"/>
+              <a:buChar char="§"/>
+            </a:pPr>
+            <a:r>
+              <a:rPr lang="en-US" altLang="ko-KR" sz="900" dirty="0" err="1" smtClean="0"/>
+              <a:t>Mp</a:t>
+            </a:r>
+            <a:r>
+              <a:rPr lang="en-US" altLang="ko-KR" sz="900" dirty="0" smtClean="0"/>
+              <a:t> : 30</a:t>
+            </a:r>
+          </a:p>
+          <a:p>
+            <a:pPr marL="171450" indent="-171450">
+              <a:buFont typeface="Wingdings" pitchFamily="2" charset="2"/>
+              <a:buChar char="§"/>
+            </a:pPr>
+            <a:r>
+              <a:rPr lang="en-US" altLang="ko-KR" sz="900" dirty="0" err="1"/>
+              <a:t>C</a:t>
+            </a:r>
+            <a:r>
+              <a:rPr lang="en-US" altLang="ko-KR" sz="900" dirty="0" err="1" smtClean="0"/>
+              <a:t>astingTime</a:t>
+            </a:r>
+            <a:r>
+              <a:rPr lang="en-US" altLang="ko-KR" sz="900" dirty="0" smtClean="0"/>
+              <a:t> : 0</a:t>
+            </a:r>
+          </a:p>
+          <a:p>
+            <a:pPr marL="171450" indent="-171450">
+              <a:buFont typeface="Wingdings" pitchFamily="2" charset="2"/>
+              <a:buChar char="§"/>
+            </a:pPr>
+            <a:r>
+              <a:rPr lang="en-US" altLang="ko-KR" sz="900" dirty="0" err="1"/>
+              <a:t>C</a:t>
+            </a:r>
+            <a:r>
+              <a:rPr lang="en-US" altLang="ko-KR" sz="900" dirty="0" err="1" smtClean="0"/>
+              <a:t>oolTime</a:t>
+            </a:r>
+            <a:r>
+              <a:rPr lang="en-US" altLang="ko-KR" sz="900" dirty="0" smtClean="0"/>
+              <a:t> : 120</a:t>
+            </a:r>
+          </a:p>
+          <a:p>
+            <a:pPr marL="171450" indent="-171450">
+              <a:buFont typeface="Wingdings" pitchFamily="2" charset="2"/>
+              <a:buChar char="§"/>
+            </a:pPr>
+            <a:r>
+              <a:rPr lang="en-US" altLang="ko-KR" sz="900" dirty="0" err="1"/>
+              <a:t>S</a:t>
+            </a:r>
+            <a:r>
+              <a:rPr lang="en-US" altLang="ko-KR" sz="900" dirty="0" err="1" smtClean="0"/>
+              <a:t>killDistance</a:t>
+            </a:r>
+            <a:r>
+              <a:rPr lang="en-US" altLang="ko-KR" sz="900" dirty="0" smtClean="0"/>
+              <a:t> : 100</a:t>
+            </a:r>
+          </a:p>
+          <a:p>
+            <a:pPr marL="171450" indent="-171450">
+              <a:buFont typeface="Wingdings" pitchFamily="2" charset="2"/>
+              <a:buChar char="§"/>
+            </a:pPr>
+            <a:r>
+              <a:rPr lang="en-US" altLang="ko-KR" sz="900" dirty="0" err="1" smtClean="0"/>
+              <a:t>HealValue</a:t>
+            </a:r>
+            <a:r>
+              <a:rPr lang="en-US" altLang="ko-KR" sz="900" dirty="0" smtClean="0"/>
+              <a:t> : 0</a:t>
+            </a:r>
+            <a:endParaRPr lang="en-US" altLang="ko-KR" sz="900" dirty="0"/>
+          </a:p>
+          <a:p>
+            <a:pPr marL="171450" indent="-171450">
+              <a:buFont typeface="Wingdings" pitchFamily="2" charset="2"/>
+              <a:buChar char="§"/>
+            </a:pPr>
+            <a:r>
+              <a:rPr lang="en-US" altLang="ko-KR" sz="900" dirty="0" smtClean="0"/>
+              <a:t>Range : 100</a:t>
+            </a:r>
+          </a:p>
+          <a:p>
+            <a:pPr marL="171450" indent="-171450">
+              <a:buFont typeface="Wingdings" pitchFamily="2" charset="2"/>
+              <a:buChar char="§"/>
+            </a:pPr>
+            <a:r>
+              <a:rPr lang="en-US" altLang="ko-KR" sz="900" dirty="0" err="1" smtClean="0"/>
+              <a:t>RemainTime</a:t>
+            </a:r>
+            <a:r>
+              <a:rPr lang="en-US" altLang="ko-KR" sz="900" dirty="0" smtClean="0"/>
+              <a:t> : 5</a:t>
+            </a:r>
+          </a:p>
+          <a:p>
+            <a:pPr marL="171450" indent="-171450">
+              <a:buFont typeface="Wingdings" pitchFamily="2" charset="2"/>
+              <a:buChar char="§"/>
+            </a:pPr>
+            <a:r>
+              <a:rPr lang="en-US" altLang="ko-KR" sz="900" dirty="0" smtClean="0"/>
+              <a:t>System : </a:t>
+            </a:r>
+            <a:r>
+              <a:rPr lang="en-US" altLang="ko-KR" sz="900" dirty="0" err="1" smtClean="0"/>
+              <a:t>NoneTarget</a:t>
+            </a:r>
+            <a:endParaRPr lang="en-US" altLang="ko-KR" sz="900" dirty="0" smtClean="0"/>
+          </a:p>
+          <a:p>
+            <a:pPr marL="171450" indent="-171450">
+              <a:buFont typeface="Wingdings" pitchFamily="2" charset="2"/>
+              <a:buChar char="§"/>
+            </a:pPr>
+            <a:r>
+              <a:rPr lang="en-US" altLang="ko-KR" sz="900" dirty="0" smtClean="0"/>
+              <a:t>Type : Special</a:t>
+            </a:r>
+          </a:p>
+          <a:p>
+            <a:pPr marL="171450" indent="-171450">
+              <a:buFont typeface="Wingdings" pitchFamily="2" charset="2"/>
+              <a:buChar char="§"/>
+            </a:pPr>
+            <a:r>
+              <a:rPr lang="en-US" altLang="ko-KR" sz="900" dirty="0" err="1" smtClean="0"/>
+              <a:t>ExValue</a:t>
+            </a:r>
+            <a:r>
+              <a:rPr lang="en-US" altLang="ko-KR" sz="900" dirty="0" smtClean="0"/>
+              <a:t> : 0</a:t>
+            </a:r>
+          </a:p>
+          <a:p>
+            <a:pPr marL="171450" indent="-171450">
+              <a:buFont typeface="Wingdings" pitchFamily="2" charset="2"/>
+              <a:buChar char="§"/>
+            </a:pPr>
+            <a:r>
+              <a:rPr lang="ko-KR" altLang="en-US" sz="900" dirty="0" err="1" smtClean="0"/>
+              <a:t>논타겟으로</a:t>
+            </a:r>
+            <a:r>
+              <a:rPr lang="ko-KR" altLang="en-US" sz="900" dirty="0" smtClean="0"/>
+              <a:t> </a:t>
+            </a:r>
+            <a:r>
+              <a:rPr lang="ko-KR" altLang="en-US" sz="900" dirty="0" err="1" smtClean="0"/>
+              <a:t>지정한곳에</a:t>
+            </a:r>
+            <a:r>
+              <a:rPr lang="ko-KR" altLang="en-US" sz="900" dirty="0" smtClean="0"/>
+              <a:t> </a:t>
+            </a:r>
+            <a:r>
+              <a:rPr lang="en-US" altLang="ko-KR" sz="900" dirty="0" err="1" smtClean="0"/>
+              <a:t>hp</a:t>
+            </a:r>
+            <a:r>
+              <a:rPr lang="en-US" altLang="ko-KR" sz="900" dirty="0" smtClean="0"/>
+              <a:t> 1</a:t>
+            </a:r>
+            <a:r>
+              <a:rPr lang="ko-KR" altLang="en-US" sz="900" dirty="0" smtClean="0"/>
+              <a:t>의 </a:t>
+            </a:r>
+            <a:r>
+              <a:rPr lang="ko-KR" altLang="en-US" sz="900" dirty="0" err="1" smtClean="0"/>
+              <a:t>소환물</a:t>
+            </a:r>
+            <a:r>
+              <a:rPr lang="ko-KR" altLang="en-US" sz="900" dirty="0" smtClean="0"/>
+              <a:t> 설치</a:t>
+            </a:r>
+            <a:r>
+              <a:rPr lang="en-US" altLang="ko-KR" sz="900" dirty="0" smtClean="0"/>
+              <a:t>. </a:t>
+            </a:r>
+            <a:r>
+              <a:rPr lang="ko-KR" altLang="en-US" sz="900" dirty="0" err="1" smtClean="0"/>
+              <a:t>소환물이</a:t>
+            </a:r>
+            <a:r>
+              <a:rPr lang="ko-KR" altLang="en-US" sz="900" dirty="0" smtClean="0"/>
+              <a:t> 있는 동안</a:t>
+            </a:r>
+            <a:r>
+              <a:rPr lang="en-US" altLang="ko-KR" sz="900" dirty="0"/>
+              <a:t> </a:t>
+            </a:r>
+            <a:r>
+              <a:rPr lang="en-US" altLang="ko-KR" sz="900" dirty="0" smtClean="0"/>
+              <a:t>Range</a:t>
+            </a:r>
+            <a:r>
+              <a:rPr lang="ko-KR" altLang="en-US" sz="900" dirty="0" smtClean="0"/>
+              <a:t>내의 아군들은 </a:t>
+            </a:r>
+            <a:r>
+              <a:rPr lang="en-US" altLang="ko-KR" sz="900" dirty="0" err="1" smtClean="0"/>
+              <a:t>hp</a:t>
+            </a:r>
+            <a:r>
+              <a:rPr lang="ko-KR" altLang="en-US" sz="900" dirty="0" smtClean="0"/>
+              <a:t>를 공유하여 고르게 분배됨</a:t>
+            </a:r>
+            <a:r>
+              <a:rPr lang="en-US" altLang="ko-KR" sz="900" dirty="0" smtClean="0"/>
+              <a:t>.</a:t>
+            </a:r>
+          </a:p>
+        </p:txBody>
+      </p:sp>
+      <p:sp>
+        <p:nvSpPr>
+          <p:cNvPr id="5" name="모서리가 둥근 직사각형 4"/>
+          <p:cNvSpPr/>
+          <p:nvPr/>
+        </p:nvSpPr>
+        <p:spPr>
+          <a:xfrm>
+            <a:off x="902986" y="1131590"/>
+            <a:ext cx="2376264" cy="1296144"/>
+          </a:xfrm>
+          <a:prstGeom prst="roundRect">
+            <a:avLst/>
+          </a:prstGeom>
+        </p:spPr>
+        <p:style>
+          <a:lnRef idx="2">
+            <a:schemeClr val="accent1">
+              <a:shade val="50000"/>
+            </a:schemeClr>
+          </a:lnRef>
+          <a:fillRef idx="1">
+            <a:schemeClr val="accent1"/>
+          </a:fillRef>
+          <a:effectRef idx="0">
+            <a:schemeClr val="accent1"/>
+          </a:effectRef>
+          <a:fontRef idx="minor">
+            <a:schemeClr val="lt1"/>
+          </a:fontRef>
+        </p:style>
+        <p:txBody>
+          <a:bodyPr rtlCol="0" anchor="ctr"/>
+          <a:lstStyle/>
+          <a:p>
+            <a:pPr algn="ctr"/>
+            <a:r>
+              <a:rPr lang="ko-KR" altLang="en-US" dirty="0" err="1" smtClean="0"/>
+              <a:t>스피릿</a:t>
+            </a:r>
+            <a:r>
+              <a:rPr lang="ko-KR" altLang="en-US" dirty="0" smtClean="0"/>
+              <a:t> 링크</a:t>
+            </a:r>
+            <a:endParaRPr lang="ko-KR" altLang="en-US" dirty="0"/>
+          </a:p>
+        </p:txBody>
+      </p:sp>
+      <p:sp>
+        <p:nvSpPr>
+          <p:cNvPr id="21" name="TextBox 20"/>
+          <p:cNvSpPr txBox="1"/>
+          <p:nvPr/>
+        </p:nvSpPr>
+        <p:spPr>
+          <a:xfrm>
+            <a:off x="4568606" y="2931790"/>
+            <a:ext cx="3679196" cy="1915909"/>
+          </a:xfrm>
+          <a:prstGeom prst="rect">
+            <a:avLst/>
+          </a:prstGeom>
+          <a:solidFill>
+            <a:schemeClr val="accent5">
+              <a:lumMod val="20000"/>
+              <a:lumOff val="80000"/>
+            </a:schemeClr>
+          </a:solidFill>
+        </p:spPr>
+        <p:txBody>
+          <a:bodyPr wrap="square" rtlCol="0">
+            <a:spAutoFit/>
+          </a:bodyPr>
+          <a:lstStyle/>
+          <a:p>
+            <a:r>
+              <a:rPr lang="ko-KR" altLang="en-US" sz="1050" b="1" dirty="0" smtClean="0"/>
+              <a:t>스킬 값</a:t>
+            </a:r>
+            <a:endParaRPr lang="en-US" altLang="ko-KR" sz="1050" b="1" dirty="0" smtClean="0"/>
+          </a:p>
+          <a:p>
+            <a:pPr marL="171450" indent="-171450">
+              <a:buFont typeface="Wingdings" pitchFamily="2" charset="2"/>
+              <a:buChar char="§"/>
+            </a:pPr>
+            <a:r>
+              <a:rPr lang="en-US" altLang="ko-KR" sz="900" dirty="0" smtClean="0"/>
+              <a:t>UID : 10</a:t>
+            </a:r>
+          </a:p>
+          <a:p>
+            <a:pPr marL="171450" indent="-171450">
+              <a:buFont typeface="Wingdings" pitchFamily="2" charset="2"/>
+              <a:buChar char="§"/>
+            </a:pPr>
+            <a:r>
+              <a:rPr lang="en-US" altLang="ko-KR" sz="900" dirty="0" err="1" smtClean="0"/>
+              <a:t>Mp</a:t>
+            </a:r>
+            <a:r>
+              <a:rPr lang="en-US" altLang="ko-KR" sz="900" dirty="0" smtClean="0"/>
+              <a:t> : 50</a:t>
+            </a:r>
+          </a:p>
+          <a:p>
+            <a:pPr marL="171450" indent="-171450">
+              <a:buFont typeface="Wingdings" pitchFamily="2" charset="2"/>
+              <a:buChar char="§"/>
+            </a:pPr>
+            <a:r>
+              <a:rPr lang="en-US" altLang="ko-KR" sz="900" dirty="0" err="1"/>
+              <a:t>C</a:t>
+            </a:r>
+            <a:r>
+              <a:rPr lang="en-US" altLang="ko-KR" sz="900" dirty="0" err="1" smtClean="0"/>
+              <a:t>astingTime</a:t>
+            </a:r>
+            <a:r>
+              <a:rPr lang="en-US" altLang="ko-KR" sz="900" dirty="0" smtClean="0"/>
+              <a:t> : 0</a:t>
+            </a:r>
+          </a:p>
+          <a:p>
+            <a:pPr marL="171450" indent="-171450">
+              <a:buFont typeface="Wingdings" pitchFamily="2" charset="2"/>
+              <a:buChar char="§"/>
+            </a:pPr>
+            <a:r>
+              <a:rPr lang="en-US" altLang="ko-KR" sz="900" dirty="0" err="1"/>
+              <a:t>C</a:t>
+            </a:r>
+            <a:r>
+              <a:rPr lang="en-US" altLang="ko-KR" sz="900" dirty="0" err="1" smtClean="0"/>
+              <a:t>oolTime</a:t>
+            </a:r>
+            <a:r>
+              <a:rPr lang="en-US" altLang="ko-KR" sz="900" dirty="0" smtClean="0"/>
+              <a:t> : 120</a:t>
+            </a:r>
+          </a:p>
+          <a:p>
+            <a:pPr marL="171450" indent="-171450">
+              <a:buFont typeface="Wingdings" pitchFamily="2" charset="2"/>
+              <a:buChar char="§"/>
+            </a:pPr>
+            <a:r>
+              <a:rPr lang="en-US" altLang="ko-KR" sz="900" dirty="0" err="1"/>
+              <a:t>S</a:t>
+            </a:r>
+            <a:r>
+              <a:rPr lang="en-US" altLang="ko-KR" sz="900" dirty="0" err="1" smtClean="0"/>
+              <a:t>killDistance</a:t>
+            </a:r>
+            <a:r>
+              <a:rPr lang="en-US" altLang="ko-KR" sz="900" dirty="0" smtClean="0"/>
+              <a:t> : 100</a:t>
+            </a:r>
+          </a:p>
+          <a:p>
+            <a:pPr marL="171450" indent="-171450">
+              <a:buFont typeface="Wingdings" pitchFamily="2" charset="2"/>
+              <a:buChar char="§"/>
+            </a:pPr>
+            <a:r>
+              <a:rPr lang="en-US" altLang="ko-KR" sz="900" dirty="0" err="1" smtClean="0"/>
+              <a:t>HealValue</a:t>
+            </a:r>
+            <a:r>
+              <a:rPr lang="en-US" altLang="ko-KR" sz="900" dirty="0" smtClean="0"/>
+              <a:t> : 50</a:t>
+            </a:r>
+            <a:endParaRPr lang="en-US" altLang="ko-KR" sz="900" dirty="0"/>
+          </a:p>
+          <a:p>
+            <a:pPr marL="171450" indent="-171450">
+              <a:buFont typeface="Wingdings" pitchFamily="2" charset="2"/>
+              <a:buChar char="§"/>
+            </a:pPr>
+            <a:r>
+              <a:rPr lang="en-US" altLang="ko-KR" sz="900" dirty="0" smtClean="0"/>
+              <a:t>Range : 500</a:t>
+            </a:r>
+          </a:p>
+          <a:p>
+            <a:pPr marL="171450" indent="-171450">
+              <a:buFont typeface="Wingdings" pitchFamily="2" charset="2"/>
+              <a:buChar char="§"/>
+            </a:pPr>
+            <a:r>
+              <a:rPr lang="en-US" altLang="ko-KR" sz="900" dirty="0" err="1" smtClean="0"/>
+              <a:t>RemainTime</a:t>
+            </a:r>
+            <a:r>
+              <a:rPr lang="en-US" altLang="ko-KR" sz="900" dirty="0" smtClean="0"/>
+              <a:t> : 5</a:t>
+            </a:r>
+          </a:p>
+          <a:p>
+            <a:pPr marL="171450" indent="-171450">
+              <a:buFont typeface="Wingdings" pitchFamily="2" charset="2"/>
+              <a:buChar char="§"/>
+            </a:pPr>
+            <a:r>
+              <a:rPr lang="en-US" altLang="ko-KR" sz="900" dirty="0" smtClean="0"/>
+              <a:t>System : </a:t>
+            </a:r>
+            <a:r>
+              <a:rPr lang="en-US" altLang="ko-KR" sz="900" dirty="0" err="1" smtClean="0"/>
+              <a:t>NoneTarget</a:t>
+            </a:r>
+            <a:endParaRPr lang="en-US" altLang="ko-KR" sz="900" dirty="0" smtClean="0"/>
+          </a:p>
+          <a:p>
+            <a:pPr marL="171450" indent="-171450">
+              <a:buFont typeface="Wingdings" pitchFamily="2" charset="2"/>
+              <a:buChar char="§"/>
+            </a:pPr>
+            <a:r>
+              <a:rPr lang="en-US" altLang="ko-KR" sz="900" dirty="0" smtClean="0"/>
+              <a:t>Type : Dot Heal</a:t>
+            </a:r>
+          </a:p>
+          <a:p>
+            <a:pPr marL="171450" indent="-171450">
+              <a:buFont typeface="Wingdings" pitchFamily="2" charset="2"/>
+              <a:buChar char="§"/>
+            </a:pPr>
+            <a:r>
+              <a:rPr lang="en-US" altLang="ko-KR" sz="900" dirty="0" err="1" smtClean="0"/>
+              <a:t>ExValue</a:t>
+            </a:r>
+            <a:r>
+              <a:rPr lang="en-US" altLang="ko-KR" sz="900" dirty="0" smtClean="0"/>
+              <a:t> : 0.5</a:t>
+            </a:r>
+          </a:p>
+          <a:p>
+            <a:pPr marL="171450" indent="-171450">
+              <a:buFont typeface="Wingdings" pitchFamily="2" charset="2"/>
+              <a:buChar char="§"/>
+            </a:pPr>
+            <a:r>
+              <a:rPr lang="ko-KR" altLang="en-US" sz="900" dirty="0" err="1" smtClean="0"/>
+              <a:t>시전</a:t>
+            </a:r>
+            <a:r>
+              <a:rPr lang="ko-KR" altLang="en-US" sz="900" dirty="0" smtClean="0"/>
+              <a:t> 즉시 </a:t>
+            </a:r>
+            <a:r>
+              <a:rPr lang="en-US" altLang="ko-KR" sz="900" dirty="0" smtClean="0"/>
+              <a:t>Range </a:t>
+            </a:r>
+            <a:r>
+              <a:rPr lang="ko-KR" altLang="en-US" sz="900" dirty="0" smtClean="0"/>
+              <a:t>안의 아군들에게 </a:t>
+            </a:r>
+            <a:r>
+              <a:rPr lang="en-US" altLang="ko-KR" sz="900" dirty="0" err="1" smtClean="0"/>
+              <a:t>ExValue</a:t>
+            </a:r>
+            <a:r>
+              <a:rPr lang="en-US" altLang="ko-KR" sz="900" dirty="0" smtClean="0"/>
+              <a:t>(</a:t>
+            </a:r>
+            <a:r>
+              <a:rPr lang="ko-KR" altLang="en-US" sz="900" dirty="0" smtClean="0"/>
+              <a:t>초</a:t>
+            </a:r>
+            <a:r>
+              <a:rPr lang="en-US" altLang="ko-KR" sz="900" dirty="0" smtClean="0"/>
+              <a:t>)</a:t>
+            </a:r>
+            <a:r>
+              <a:rPr lang="ko-KR" altLang="en-US" sz="900" dirty="0" smtClean="0"/>
+              <a:t>마다 </a:t>
+            </a:r>
+            <a:r>
+              <a:rPr lang="en-US" altLang="ko-KR" sz="900" dirty="0" err="1" smtClean="0"/>
+              <a:t>HealValue</a:t>
+            </a:r>
+            <a:endParaRPr lang="en-US" altLang="ko-KR" sz="900" dirty="0" smtClean="0"/>
+          </a:p>
+        </p:txBody>
+      </p:sp>
+      <p:sp>
+        <p:nvSpPr>
+          <p:cNvPr id="22" name="모서리가 둥근 직사각형 21"/>
+          <p:cNvSpPr/>
+          <p:nvPr/>
+        </p:nvSpPr>
+        <p:spPr>
+          <a:xfrm>
+            <a:off x="5220072" y="1131590"/>
+            <a:ext cx="2376264" cy="1296144"/>
+          </a:xfrm>
+          <a:prstGeom prst="roundRect">
+            <a:avLst/>
+          </a:prstGeom>
+        </p:spPr>
+        <p:style>
+          <a:lnRef idx="2">
+            <a:schemeClr val="accent1">
+              <a:shade val="50000"/>
+            </a:schemeClr>
+          </a:lnRef>
+          <a:fillRef idx="1">
+            <a:schemeClr val="accent1"/>
+          </a:fillRef>
+          <a:effectRef idx="0">
+            <a:schemeClr val="accent1"/>
+          </a:effectRef>
+          <a:fontRef idx="minor">
+            <a:schemeClr val="lt1"/>
+          </a:fontRef>
+        </p:style>
+        <p:txBody>
+          <a:bodyPr rtlCol="0" anchor="ctr"/>
+          <a:lstStyle/>
+          <a:p>
+            <a:pPr algn="ctr"/>
+            <a:r>
+              <a:rPr lang="ko-KR" altLang="en-US" dirty="0" smtClean="0"/>
+              <a:t>범</a:t>
+            </a:r>
+            <a:r>
+              <a:rPr lang="ko-KR" altLang="en-US" dirty="0"/>
+              <a:t>위</a:t>
+            </a:r>
+            <a:r>
+              <a:rPr lang="ko-KR" altLang="en-US" dirty="0" smtClean="0"/>
+              <a:t> </a:t>
+            </a:r>
+            <a:r>
+              <a:rPr lang="ko-KR" altLang="en-US" dirty="0" err="1" smtClean="0"/>
+              <a:t>도트힐</a:t>
+            </a:r>
+            <a:endParaRPr lang="ko-KR" altLang="en-US" dirty="0"/>
+          </a:p>
+        </p:txBody>
+      </p:sp>
+    </p:spTree>
+    <p:extLst>
+      <p:ext uri="{BB962C8B-B14F-4D97-AF65-F5344CB8AC3E}">
+        <p14:creationId xmlns:p14="http://schemas.microsoft.com/office/powerpoint/2010/main" val="160776434"/>
+      </p:ext>
+    </p:extLst>
+  </p:cSld>
+  <p:clrMapOvr>
+    <a:masterClrMapping/>
+  </p:clrMapOvr>
+  <p:timing>
+    <p:tnLst>
+      <p:par>
+        <p:cTn id="1" dur="indefinite" restart="never" nodeType="tmRoot"/>
+      </p:par>
+    </p:tnLst>
+  </p:timing>
+</p:sld>
+</file>
+
+<file path=ppt/slides/slide21.xml><?xml version="1.0" encoding="utf-8"?>
+<p:sld xmlns:a="http://schemas.openxmlformats.org/drawingml/2006/main" xmlns:r="http://schemas.openxmlformats.org/officeDocument/2006/relationships" xmlns:p="http://schemas.openxmlformats.org/presentationml/2006/main">
+  <p:cSld>
+    <p:spTree>
+      <p:nvGrpSpPr>
+        <p:cNvPr id="1" name=""/>
+        <p:cNvGrpSpPr/>
+        <p:nvPr/>
+      </p:nvGrpSpPr>
+      <p:grpSpPr>
+        <a:xfrm>
+          <a:off x="0" y="0"/>
+          <a:ext cx="0" cy="0"/>
+          <a:chOff x="0" y="0"/>
+          <a:chExt cx="0" cy="0"/>
+        </a:xfrm>
+      </p:grpSpPr>
+      <p:sp>
+        <p:nvSpPr>
+          <p:cNvPr id="4" name="직사각형 3"/>
+          <p:cNvSpPr/>
+          <p:nvPr/>
+        </p:nvSpPr>
+        <p:spPr>
+          <a:xfrm>
             <a:off x="-3313" y="0"/>
             <a:ext cx="9147313" cy="339502"/>
           </a:xfrm>
@@ -10424,7 +11236,7 @@
 </p:sld>
 </file>
 
-<file path=ppt/slides/slide21.xml><?xml version="1.0" encoding="utf-8"?>
+<file path=ppt/slides/slide22.xml><?xml version="1.0" encoding="utf-8"?>
 <p:sld xmlns:a="http://schemas.openxmlformats.org/drawingml/2006/main" xmlns:r="http://schemas.openxmlformats.org/officeDocument/2006/relationships" xmlns:p="http://schemas.openxmlformats.org/presentationml/2006/main">
   <p:cSld>
     <p:spTree>
@@ -14108,11 +14920,7 @@
             </a:r>
             <a:r>
               <a:rPr lang="en-US" altLang="ko-KR" sz="900" dirty="0" smtClean="0"/>
-              <a:t> </a:t>
-            </a:r>
-            <a:r>
-              <a:rPr lang="en-US" altLang="ko-KR" sz="900" dirty="0" smtClean="0"/>
-              <a:t>– </a:t>
+              <a:t> – </a:t>
             </a:r>
             <a:r>
               <a:rPr lang="en-US" altLang="ko-KR" sz="900" dirty="0" err="1" smtClean="0"/>
@@ -14165,6 +14973,18 @@
               <a:t>(dot damage), </a:t>
             </a:r>
             <a:r>
+              <a:rPr lang="en-US" altLang="ko-KR" sz="900" dirty="0" smtClean="0"/>
+              <a:t> </a:t>
+            </a:r>
+            <a:r>
+              <a:rPr lang="ko-KR" altLang="en-US" sz="900" dirty="0" smtClean="0"/>
+              <a:t>출혈</a:t>
+            </a:r>
+            <a:r>
+              <a:rPr lang="en-US" altLang="ko-KR" sz="900" dirty="0" smtClean="0"/>
+              <a:t>, </a:t>
+            </a:r>
+            <a:r>
               <a:rPr lang="ko-KR" altLang="en-US" sz="900" dirty="0" smtClean="0"/>
               <a:t>속박</a:t>
             </a:r>
@@ -14178,11 +14998,7 @@
             </a:r>
             <a:r>
               <a:rPr lang="en-US" altLang="ko-KR" sz="900" dirty="0" smtClean="0"/>
-              <a:t>),</a:t>
-            </a:r>
-            <a:r>
-              <a:rPr lang="en-US" altLang="ko-KR" sz="900" dirty="0" smtClean="0"/>
-              <a:t> </a:t>
+              <a:t>), </a:t>
             </a:r>
             <a:r>
               <a:rPr lang="ko-KR" altLang="en-US" sz="900" dirty="0" smtClean="0"/>
@@ -14231,6 +15047,30 @@
             <a:r>
               <a:rPr lang="en-US" altLang="ko-KR" sz="900" dirty="0" smtClean="0"/>
               <a:t>) </a:t>
+            </a:r>
+            <a:r>
+              <a:rPr lang="en-US" altLang="ko-KR" sz="900" dirty="0" smtClean="0"/>
+              <a:t>, </a:t>
+            </a:r>
+            <a:r>
+              <a:rPr lang="ko-KR" altLang="en-US" sz="900" dirty="0" err="1" smtClean="0"/>
+              <a:t>슬로우</a:t>
+            </a:r>
+            <a:r>
+              <a:rPr lang="en-US" altLang="ko-KR" sz="900" dirty="0" smtClean="0"/>
+              <a:t>(</a:t>
+            </a:r>
+            <a:r>
+              <a:rPr lang="ko-KR" altLang="en-US" sz="900" dirty="0" err="1" smtClean="0"/>
+              <a:t>모든행동</a:t>
+            </a:r>
+            <a:r>
+              <a:rPr lang="ko-KR" altLang="en-US" sz="900" dirty="0" smtClean="0"/>
+              <a:t> 느려짐</a:t>
+            </a:r>
+            <a:r>
+              <a:rPr lang="en-US" altLang="ko-KR" sz="900" dirty="0" smtClean="0"/>
+              <a:t>)</a:t>
             </a:r>
             <a:endParaRPr lang="en-US" altLang="ko-KR" sz="900" dirty="0" smtClean="0"/>
           </a:p>
@@ -14790,7 +15630,6 @@
               <a:rPr lang="en-US" altLang="ko-KR" sz="900" dirty="0" smtClean="0"/>
               <a:t>.</a:t>
             </a:r>
-            <a:endParaRPr lang="en-US" altLang="ko-KR" sz="900" dirty="0" smtClean="0"/>
           </a:p>
           <a:p>
             <a:pPr marL="171450" indent="-171450">
@@ -16120,11 +16959,7 @@
           <a:p>
             <a:r>
               <a:rPr lang="en-US" altLang="ko-KR" sz="1050" b="1" dirty="0" smtClean="0"/>
-              <a:t>Boss </a:t>
-            </a:r>
-            <a:r>
-              <a:rPr lang="en-US" altLang="ko-KR" sz="1050" b="1" dirty="0" smtClean="0"/>
-              <a:t>Prototype 1</a:t>
+              <a:t>Boss Prototype 1</a:t>
             </a:r>
           </a:p>
           <a:p>
@@ -16312,11 +17147,7 @@
             </a:r>
             <a:r>
               <a:rPr lang="en-US" altLang="ko-KR" sz="1100" dirty="0" smtClean="0"/>
-              <a:t> </a:t>
-            </a:r>
-            <a:r>
-              <a:rPr lang="en-US" altLang="ko-KR" sz="1100" dirty="0" smtClean="0"/>
-              <a:t>10</a:t>
+              <a:t> 10</a:t>
             </a:r>
           </a:p>
           <a:p>
@@ -16637,11 +17468,7 @@
             </a:r>
             <a:r>
               <a:rPr lang="en-US" altLang="ko-KR" sz="1100" dirty="0" smtClean="0"/>
-              <a:t> </a:t>
-            </a:r>
-            <a:r>
-              <a:rPr lang="en-US" altLang="ko-KR" sz="1100" dirty="0" smtClean="0"/>
-              <a:t>5</a:t>
+              <a:t> 5</a:t>
             </a:r>
           </a:p>
           <a:p>
@@ -16910,11 +17737,7 @@
             </a:r>
             <a:r>
               <a:rPr lang="ko-KR" altLang="en-US" sz="900" dirty="0" smtClean="0"/>
-              <a:t>초간 제자리 </a:t>
-            </a:r>
-            <a:r>
-              <a:rPr lang="ko-KR" altLang="en-US" sz="900" dirty="0" smtClean="0"/>
-              <a:t>멈춤</a:t>
+              <a:t>초간 제자리 멈춤</a:t>
             </a:r>
             <a:endParaRPr lang="en-US" altLang="ko-KR" sz="900" dirty="0" smtClean="0"/>
           </a:p>
@@ -17062,15 +17885,7 @@
             </a:r>
             <a:r>
               <a:rPr lang="ko-KR" altLang="en-US" sz="900" dirty="0" smtClean="0"/>
-              <a:t>초간 </a:t>
-            </a:r>
-            <a:r>
-              <a:rPr lang="ko-KR" altLang="en-US" sz="900" dirty="0" smtClean="0"/>
-              <a:t>제자리 </a:t>
-            </a:r>
-            <a:r>
-              <a:rPr lang="ko-KR" altLang="en-US" sz="900" dirty="0" smtClean="0"/>
-              <a:t>멈춤</a:t>
+              <a:t>초간 제자리 멈춤</a:t>
             </a:r>
             <a:endParaRPr lang="en-US" altLang="ko-KR" sz="900" dirty="0" smtClean="0"/>
           </a:p>
